--- a/ＰＭ学科専用2.pptx
+++ b/ＰＭ学科専用2.pptx
@@ -4509,15 +4509,7 @@
             <a:pPr algn="r"/>
             <a:r>
               <a:rPr kumimoji="1" lang="ja-JP" altLang="en-US" b="1" dirty="0" smtClean="0"/>
-              <a:t>　　竹内</a:t>
-            </a:r>
-            <a:r>
-              <a:rPr kumimoji="1" lang="ja-JP" altLang="en-US" b="1" dirty="0" smtClean="0"/>
-              <a:t>　</a:t>
-            </a:r>
-            <a:r>
-              <a:rPr kumimoji="1" lang="ja-JP" altLang="en-US" b="1" dirty="0" smtClean="0"/>
-              <a:t>裕治</a:t>
+              <a:t>　　竹内　裕治</a:t>
             </a:r>
             <a:endParaRPr kumimoji="1" lang="ja-JP" altLang="en-US" b="1" dirty="0">
               <a:solidFill>
@@ -5062,11 +5054,7 @@
             </a:r>
             <a:r>
               <a:rPr lang="ja-JP" altLang="en-US" sz="4800" dirty="0" smtClean="0"/>
-              <a:t>学科専用闇</a:t>
-            </a:r>
-            <a:r>
-              <a:rPr lang="ja-JP" altLang="en-US" sz="4800" dirty="0" smtClean="0"/>
-              <a:t>キャンパスポータル</a:t>
+              <a:t>学科専用闇キャンパスポータル</a:t>
             </a:r>
             <a:endParaRPr lang="en-US" altLang="ja-JP" dirty="0" smtClean="0"/>
           </a:p>
@@ -5384,11 +5372,7 @@
             </a:pPr>
             <a:r>
               <a:rPr kumimoji="1" lang="ja-JP" altLang="en-US" sz="4400" dirty="0" smtClean="0"/>
-              <a:t>管</a:t>
-            </a:r>
-            <a:r>
-              <a:rPr kumimoji="1" lang="ja-JP" altLang="en-US" sz="4400" dirty="0" smtClean="0"/>
-              <a:t>理系 </a:t>
+              <a:t>管理系 </a:t>
             </a:r>
             <a:r>
               <a:rPr kumimoji="1" lang="en-US" altLang="ja-JP" sz="4400" dirty="0" smtClean="0"/>
@@ -5396,11 +5380,7 @@
             </a:r>
             <a:r>
               <a:rPr kumimoji="1" lang="ja-JP" altLang="en-US" sz="4400" dirty="0" smtClean="0"/>
-              <a:t>アジャイル</a:t>
-            </a:r>
-            <a:r>
-              <a:rPr kumimoji="1" lang="ja-JP" altLang="en-US" sz="4400" dirty="0" smtClean="0"/>
-              <a:t>開発の導入</a:t>
+              <a:t>アジャイル開発の導入</a:t>
             </a:r>
             <a:endParaRPr kumimoji="1" lang="en-US" altLang="ja-JP" sz="4400" dirty="0" smtClean="0"/>
           </a:p>
@@ -5413,11 +5393,7 @@
             </a:pPr>
             <a:r>
               <a:rPr lang="ja-JP" altLang="en-US" sz="4400" dirty="0" smtClean="0"/>
-              <a:t>技術</a:t>
-            </a:r>
-            <a:r>
-              <a:rPr lang="ja-JP" altLang="en-US" sz="4400" dirty="0" smtClean="0"/>
-              <a:t>系 </a:t>
+              <a:t>技術系 </a:t>
             </a:r>
             <a:r>
               <a:rPr lang="en-US" altLang="ja-JP" sz="4400" dirty="0" smtClean="0"/>
@@ -5542,11 +5518,7 @@
             </a:pPr>
             <a:r>
               <a:rPr lang="ja-JP" altLang="en-US" dirty="0" smtClean="0"/>
-              <a:t>アジャイル開発では、進捗管理はガントチャートを使用</a:t>
-            </a:r>
-            <a:r>
-              <a:rPr lang="ja-JP" altLang="en-US" dirty="0" smtClean="0"/>
-              <a:t>せず</a:t>
+              <a:t>アジャイル開発では、進捗管理はガントチャートを使用せず</a:t>
             </a:r>
             <a:endParaRPr lang="en-US" altLang="ja-JP" dirty="0"/>
           </a:p>
@@ -5572,11 +5544,7 @@
             </a:pPr>
             <a:r>
               <a:rPr lang="ja-JP" altLang="en-US" dirty="0" smtClean="0"/>
-              <a:t>バーンアップチャートは</a:t>
-            </a:r>
-            <a:r>
-              <a:rPr lang="ja-JP" altLang="en-US" dirty="0" smtClean="0"/>
-              <a:t>、</a:t>
+              <a:t>バーンアップチャートは、</a:t>
             </a:r>
             <a:r>
               <a:rPr lang="en-US" altLang="ja-JP" dirty="0" smtClean="0"/>
@@ -5584,15 +5552,7 @@
             </a:r>
             <a:r>
               <a:rPr lang="ja-JP" altLang="en-US" dirty="0" smtClean="0"/>
-              <a:t>スプリント</a:t>
-            </a:r>
-            <a:r>
-              <a:rPr lang="ja-JP" altLang="en-US" dirty="0" smtClean="0"/>
-              <a:t>ごとに更新</a:t>
-            </a:r>
-            <a:r>
-              <a:rPr lang="ja-JP" altLang="en-US" dirty="0" smtClean="0"/>
-              <a:t>します。</a:t>
+              <a:t>スプリントごとに更新します。</a:t>
             </a:r>
             <a:endParaRPr lang="en-US" altLang="ja-JP" dirty="0" smtClean="0"/>
           </a:p>
@@ -6437,36 +6397,6 @@
           </a:p>
         </p:txBody>
       </p:sp>
-      <p:sp>
-        <p:nvSpPr>
-          <p:cNvPr id="33" name="テキスト ボックス 32"/>
-          <p:cNvSpPr txBox="1"/>
-          <p:nvPr/>
-        </p:nvSpPr>
-        <p:spPr>
-          <a:xfrm>
-            <a:off x="6377035" y="4737953"/>
-            <a:ext cx="508473" cy="369332"/>
-          </a:xfrm>
-          <a:prstGeom prst="rect">
-            <a:avLst/>
-          </a:prstGeom>
-          <a:noFill/>
-        </p:spPr>
-        <p:txBody>
-          <a:bodyPr wrap="square" rtlCol="0">
-            <a:spAutoFit/>
-          </a:bodyPr>
-          <a:lstStyle/>
-          <a:p>
-            <a:r>
-              <a:rPr lang="en-US" altLang="ja-JP" b="1" dirty="0" smtClean="0"/>
-              <a:t>AC</a:t>
-            </a:r>
-            <a:endParaRPr kumimoji="1" lang="en-US" altLang="ja-JP" b="1" dirty="0" smtClean="0"/>
-          </a:p>
-        </p:txBody>
-      </p:sp>
       <p:cxnSp>
         <p:nvCxnSpPr>
           <p:cNvPr id="34" name="直線コネクタ 33"/>
@@ -6530,6 +6460,36 @@
           </a:fontRef>
         </p:style>
       </p:cxnSp>
+      <p:sp>
+        <p:nvSpPr>
+          <p:cNvPr id="13" name="テキスト ボックス 12"/>
+          <p:cNvSpPr txBox="1"/>
+          <p:nvPr/>
+        </p:nvSpPr>
+        <p:spPr>
+          <a:xfrm>
+            <a:off x="6413619" y="4754042"/>
+            <a:ext cx="508473" cy="369332"/>
+          </a:xfrm>
+          <a:prstGeom prst="rect">
+            <a:avLst/>
+          </a:prstGeom>
+          <a:noFill/>
+        </p:spPr>
+        <p:txBody>
+          <a:bodyPr wrap="none" rtlCol="0">
+            <a:spAutoFit/>
+          </a:bodyPr>
+          <a:lstStyle/>
+          <a:p>
+            <a:r>
+              <a:rPr kumimoji="1" lang="en-US" altLang="ja-JP" b="1" smtClean="0"/>
+              <a:t>AC</a:t>
+            </a:r>
+            <a:endParaRPr kumimoji="1" lang="en-US" altLang="ja-JP" b="1" dirty="0" smtClean="0"/>
+          </a:p>
+        </p:txBody>
+      </p:sp>
     </p:spTree>
     <p:extLst>
       <p:ext uri="{BB962C8B-B14F-4D97-AF65-F5344CB8AC3E}">
@@ -6540,11 +6500,11 @@
   <p:clrMapOvr>
     <a:masterClrMapping/>
   </p:clrMapOvr>
-  <mc:AlternateContent xmlns:mc="http://schemas.openxmlformats.org/markup-compatibility/2006">
-    <mc:Choice xmlns:p14="http://schemas.microsoft.com/office/powerpoint/2010/main" Requires="p14">
+  <mc:AlternateContent xmlns:mc="http://schemas.openxmlformats.org/markup-compatibility/2006" xmlns:p14="http://schemas.microsoft.com/office/powerpoint/2010/main">
+    <mc:Choice Requires="p14">
       <p:transition p14:dur="10"/>
     </mc:Choice>
-    <mc:Fallback>
+    <mc:Fallback xmlns="">
       <p:transition/>
     </mc:Fallback>
   </mc:AlternateContent>
@@ -7024,79 +6984,6 @@
                                   </p:childTnLst>
                                 </p:cTn>
                               </p:par>
-                              <p:par>
-                                <p:cTn id="31" presetID="2" presetClass="entr" presetSubtype="4" fill="hold" grpId="0" nodeType="withEffect">
-                                  <p:stCondLst>
-                                    <p:cond delay="0"/>
-                                  </p:stCondLst>
-                                  <p:childTnLst>
-                                    <p:set>
-                                      <p:cBhvr>
-                                        <p:cTn id="32" dur="1" fill="hold">
-                                          <p:stCondLst>
-                                            <p:cond delay="0"/>
-                                          </p:stCondLst>
-                                        </p:cTn>
-                                        <p:tgtEl>
-                                          <p:spTgt spid="33"/>
-                                        </p:tgtEl>
-                                        <p:attrNameLst>
-                                          <p:attrName>style.visibility</p:attrName>
-                                        </p:attrNameLst>
-                                      </p:cBhvr>
-                                      <p:to>
-                                        <p:strVal val="visible"/>
-                                      </p:to>
-                                    </p:set>
-                                    <p:anim calcmode="lin" valueType="num">
-                                      <p:cBhvr additive="base">
-                                        <p:cTn id="33" dur="500" fill="hold"/>
-                                        <p:tgtEl>
-                                          <p:spTgt spid="33"/>
-                                        </p:tgtEl>
-                                        <p:attrNameLst>
-                                          <p:attrName>ppt_x</p:attrName>
-                                        </p:attrNameLst>
-                                      </p:cBhvr>
-                                      <p:tavLst>
-                                        <p:tav tm="0">
-                                          <p:val>
-                                            <p:strVal val="#ppt_x"/>
-                                          </p:val>
-                                        </p:tav>
-                                        <p:tav tm="100000">
-                                          <p:val>
-                                            <p:strVal val="#ppt_x"/>
-                                          </p:val>
-                                        </p:tav>
-                                      </p:tavLst>
-                                    </p:anim>
-                                    <p:anim calcmode="lin" valueType="num">
-                                      <p:cBhvr additive="base">
-                                        <p:cTn id="34" dur="500" fill="hold"/>
-                                        <p:tgtEl>
-                                          <p:spTgt spid="33"/>
-                                        </p:tgtEl>
-                                        <p:attrNameLst>
-                                          <p:attrName>ppt_y</p:attrName>
-                                        </p:attrNameLst>
-                                      </p:cBhvr>
-                                      <p:tavLst>
-                                        <p:tav tm="0">
-                                          <p:val>
-                                            <p:strVal val="1+#ppt_h/2"/>
-                                          </p:val>
-                                        </p:tav>
-                                        <p:tav tm="100000">
-                                          <p:val>
-                                            <p:strVal val="#ppt_y"/>
-                                          </p:val>
-                                        </p:tav>
-                                      </p:tavLst>
-                                    </p:anim>
-                                  </p:childTnLst>
-                                </p:cTn>
-                              </p:par>
                             </p:childTnLst>
                           </p:cTn>
                         </p:par>
@@ -7104,26 +6991,26 @@
                     </p:cTn>
                   </p:par>
                   <p:par>
-                    <p:cTn id="35" fill="hold">
+                    <p:cTn id="31" fill="hold">
                       <p:stCondLst>
                         <p:cond delay="indefinite"/>
                       </p:stCondLst>
                       <p:childTnLst>
                         <p:par>
-                          <p:cTn id="36" fill="hold">
+                          <p:cTn id="32" fill="hold">
                             <p:stCondLst>
                               <p:cond delay="0"/>
                             </p:stCondLst>
                             <p:childTnLst>
                               <p:par>
-                                <p:cTn id="37" presetID="2" presetClass="entr" presetSubtype="4" fill="hold" nodeType="clickEffect">
+                                <p:cTn id="33" presetID="2" presetClass="entr" presetSubtype="4" fill="hold" nodeType="clickEffect">
                                   <p:stCondLst>
                                     <p:cond delay="0"/>
                                   </p:stCondLst>
                                   <p:childTnLst>
                                     <p:set>
                                       <p:cBhvr>
-                                        <p:cTn id="38" dur="1" fill="hold">
+                                        <p:cTn id="34" dur="1" fill="hold">
                                           <p:stCondLst>
                                             <p:cond delay="0"/>
                                           </p:stCondLst>
@@ -7141,7 +7028,7 @@
                                     </p:set>
                                     <p:anim calcmode="lin" valueType="num">
                                       <p:cBhvr additive="base">
-                                        <p:cTn id="39" dur="500" fill="hold"/>
+                                        <p:cTn id="35" dur="500" fill="hold"/>
                                         <p:tgtEl>
                                           <p:spTgt spid="34"/>
                                         </p:tgtEl>
@@ -7164,7 +7051,7 @@
                                     </p:anim>
                                     <p:anim calcmode="lin" valueType="num">
                                       <p:cBhvr additive="base">
-                                        <p:cTn id="40" dur="500" fill="hold"/>
+                                        <p:cTn id="36" dur="500" fill="hold"/>
                                         <p:tgtEl>
                                           <p:spTgt spid="34"/>
                                         </p:tgtEl>
@@ -7189,14 +7076,14 @@
                                 </p:cTn>
                               </p:par>
                               <p:par>
-                                <p:cTn id="41" presetID="2" presetClass="entr" presetSubtype="4" fill="hold" nodeType="withEffect">
+                                <p:cTn id="37" presetID="2" presetClass="entr" presetSubtype="4" fill="hold" nodeType="withEffect">
                                   <p:stCondLst>
                                     <p:cond delay="0"/>
                                   </p:stCondLst>
                                   <p:childTnLst>
                                     <p:set>
                                       <p:cBhvr>
-                                        <p:cTn id="42" dur="1" fill="hold">
+                                        <p:cTn id="38" dur="1" fill="hold">
                                           <p:stCondLst>
                                             <p:cond delay="0"/>
                                           </p:stCondLst>
@@ -7214,7 +7101,7 @@
                                     </p:set>
                                     <p:anim calcmode="lin" valueType="num">
                                       <p:cBhvr additive="base">
-                                        <p:cTn id="43" dur="500" fill="hold"/>
+                                        <p:cTn id="39" dur="500" fill="hold"/>
                                         <p:tgtEl>
                                           <p:spTgt spid="35"/>
                                         </p:tgtEl>
@@ -7237,9 +7124,82 @@
                                     </p:anim>
                                     <p:anim calcmode="lin" valueType="num">
                                       <p:cBhvr additive="base">
+                                        <p:cTn id="40" dur="500" fill="hold"/>
+                                        <p:tgtEl>
+                                          <p:spTgt spid="35"/>
+                                        </p:tgtEl>
+                                        <p:attrNameLst>
+                                          <p:attrName>ppt_y</p:attrName>
+                                        </p:attrNameLst>
+                                      </p:cBhvr>
+                                      <p:tavLst>
+                                        <p:tav tm="0">
+                                          <p:val>
+                                            <p:strVal val="1+#ppt_h/2"/>
+                                          </p:val>
+                                        </p:tav>
+                                        <p:tav tm="100000">
+                                          <p:val>
+                                            <p:strVal val="#ppt_y"/>
+                                          </p:val>
+                                        </p:tav>
+                                      </p:tavLst>
+                                    </p:anim>
+                                  </p:childTnLst>
+                                </p:cTn>
+                              </p:par>
+                              <p:par>
+                                <p:cTn id="41" presetID="2" presetClass="entr" presetSubtype="4" fill="hold" grpId="0" nodeType="withEffect">
+                                  <p:stCondLst>
+                                    <p:cond delay="0"/>
+                                  </p:stCondLst>
+                                  <p:childTnLst>
+                                    <p:set>
+                                      <p:cBhvr>
+                                        <p:cTn id="42" dur="1" fill="hold">
+                                          <p:stCondLst>
+                                            <p:cond delay="0"/>
+                                          </p:stCondLst>
+                                        </p:cTn>
+                                        <p:tgtEl>
+                                          <p:spTgt spid="13"/>
+                                        </p:tgtEl>
+                                        <p:attrNameLst>
+                                          <p:attrName>style.visibility</p:attrName>
+                                        </p:attrNameLst>
+                                      </p:cBhvr>
+                                      <p:to>
+                                        <p:strVal val="visible"/>
+                                      </p:to>
+                                    </p:set>
+                                    <p:anim calcmode="lin" valueType="num">
+                                      <p:cBhvr additive="base">
+                                        <p:cTn id="43" dur="500" fill="hold"/>
+                                        <p:tgtEl>
+                                          <p:spTgt spid="13"/>
+                                        </p:tgtEl>
+                                        <p:attrNameLst>
+                                          <p:attrName>ppt_x</p:attrName>
+                                        </p:attrNameLst>
+                                      </p:cBhvr>
+                                      <p:tavLst>
+                                        <p:tav tm="0">
+                                          <p:val>
+                                            <p:strVal val="#ppt_x"/>
+                                          </p:val>
+                                        </p:tav>
+                                        <p:tav tm="100000">
+                                          <p:val>
+                                            <p:strVal val="#ppt_x"/>
+                                          </p:val>
+                                        </p:tav>
+                                      </p:tavLst>
+                                    </p:anim>
+                                    <p:anim calcmode="lin" valueType="num">
+                                      <p:cBhvr additive="base">
                                         <p:cTn id="44" dur="500" fill="hold"/>
                                         <p:tgtEl>
-                                          <p:spTgt spid="35"/>
+                                          <p:spTgt spid="13"/>
                                         </p:tgtEl>
                                         <p:attrNameLst>
                                           <p:attrName>ppt_y</p:attrName>
@@ -7291,7 +7251,7 @@
     <p:bldLst>
       <p:bldP spid="28" grpId="0"/>
       <p:bldP spid="32" grpId="0"/>
-      <p:bldP spid="33" grpId="0"/>
+      <p:bldP spid="13" grpId="0"/>
     </p:bldLst>
   </p:timing>
 </p:sld>

--- a/ＰＭ学科専用2.pptx
+++ b/ＰＭ学科専用2.pptx
@@ -4585,7 +4585,7 @@
             </a:r>
             <a:r>
               <a:rPr lang="ja-JP" altLang="en-US" b="1" dirty="0" smtClean="0"/>
-              <a:t>後半の流れ</a:t>
+              <a:t> 後半の流れ</a:t>
             </a:r>
             <a:endParaRPr kumimoji="1" lang="ja-JP" altLang="en-US" dirty="0"/>
           </a:p>
@@ -4608,26 +4608,62 @@
           </a:xfrm>
         </p:spPr>
         <p:txBody>
-          <a:bodyPr/>
-          <a:lstStyle/>
-          <a:p>
-            <a:r>
-              <a:rPr kumimoji="1" lang="ja-JP" altLang="en-US" dirty="0" smtClean="0"/>
-              <a:t>現在</a:t>
-            </a:r>
-            <a:r>
-              <a:rPr lang="ja-JP" altLang="en-US" dirty="0"/>
-              <a:t>は</a:t>
-            </a:r>
-            <a:r>
-              <a:rPr lang="en-US" altLang="ja-JP" dirty="0" smtClean="0"/>
-              <a:t>3</a:t>
-            </a:r>
-            <a:r>
-              <a:rPr lang="ja-JP" altLang="en-US" dirty="0" smtClean="0"/>
-              <a:t>スプリント目で、過去問・シラバスの機能の作成に取りかかっています。</a:t>
-            </a:r>
+          <a:bodyPr>
+            <a:normAutofit/>
+          </a:bodyPr>
+          <a:lstStyle/>
+          <a:p>
             <a:endParaRPr lang="en-US" altLang="ja-JP" dirty="0" smtClean="0"/>
+          </a:p>
+          <a:p>
+            <a:pPr marL="0" indent="0" algn="ctr">
+              <a:lnSpc>
+                <a:spcPct val="150000"/>
+              </a:lnSpc>
+              <a:buNone/>
+            </a:pPr>
+            <a:r>
+              <a:rPr lang="ja-JP" altLang="en-US" sz="3600" dirty="0" smtClean="0"/>
+              <a:t>過去</a:t>
+            </a:r>
+            <a:r>
+              <a:rPr lang="ja-JP" altLang="en-US" sz="3600" dirty="0" smtClean="0"/>
+              <a:t>問、シラバス</a:t>
+            </a:r>
+            <a:r>
+              <a:rPr lang="ja-JP" altLang="en-US" sz="3600" dirty="0" smtClean="0"/>
+              <a:t>の表示機能の</a:t>
+            </a:r>
+            <a:r>
+              <a:rPr lang="ja-JP" altLang="en-US" sz="3600" dirty="0" smtClean="0"/>
+              <a:t>作成</a:t>
+            </a:r>
+            <a:endParaRPr lang="en-US" altLang="ja-JP" sz="3600" dirty="0" smtClean="0"/>
+          </a:p>
+          <a:p>
+            <a:pPr marL="0" indent="0" algn="ctr">
+              <a:lnSpc>
+                <a:spcPct val="150000"/>
+              </a:lnSpc>
+              <a:buNone/>
+            </a:pPr>
+            <a:r>
+              <a:rPr lang="ja-JP" altLang="en-US" sz="3600" dirty="0" smtClean="0"/>
+              <a:t>竹内</a:t>
+            </a:r>
+            <a:r>
+              <a:rPr lang="ja-JP" altLang="en-US" sz="3600" dirty="0"/>
+              <a:t>君が</a:t>
+            </a:r>
+            <a:r>
+              <a:rPr lang="en-US" altLang="ja-JP" sz="3600" dirty="0"/>
+              <a:t>PM</a:t>
+            </a:r>
+            <a:r>
+              <a:rPr lang="ja-JP" altLang="en-US" sz="3600" dirty="0"/>
+              <a:t>を引き継ぎます。</a:t>
+            </a:r>
+            <a:endParaRPr lang="en-US" altLang="ja-JP" sz="3600" dirty="0"/>
           </a:p>
           <a:p>
             <a:endParaRPr kumimoji="1" lang="en-US" altLang="ja-JP" dirty="0" smtClean="0"/>
@@ -4791,7 +4827,7 @@
             </a:r>
             <a:r>
               <a:rPr lang="ja-JP" altLang="en-US" sz="3200" b="1" dirty="0" smtClean="0"/>
-              <a:t>課題と後半の流れ</a:t>
+              <a:t>後半の流れ</a:t>
             </a:r>
             <a:endParaRPr kumimoji="1" lang="en-US" altLang="ja-JP" sz="3200" b="1" dirty="0" smtClean="0"/>
           </a:p>
@@ -5518,9 +5554,25 @@
             </a:pPr>
             <a:r>
               <a:rPr lang="ja-JP" altLang="en-US" dirty="0" smtClean="0"/>
-              <a:t>アジャイル開発では、進捗管理はガントチャートを使用せず</a:t>
-            </a:r>
-            <a:endParaRPr lang="en-US" altLang="ja-JP" dirty="0"/>
+              <a:t>進捗</a:t>
+            </a:r>
+            <a:r>
+              <a:rPr lang="ja-JP" altLang="en-US" dirty="0" smtClean="0"/>
+              <a:t>管理</a:t>
+            </a:r>
+            <a:r>
+              <a:rPr lang="ja-JP" altLang="en-US" dirty="0" smtClean="0"/>
+              <a:t>はバーンアップチャート</a:t>
+            </a:r>
+            <a:r>
+              <a:rPr lang="ja-JP" altLang="en-US" dirty="0" smtClean="0"/>
+              <a:t>を</a:t>
+            </a:r>
+            <a:r>
+              <a:rPr lang="ja-JP" altLang="en-US" dirty="0" smtClean="0"/>
+              <a:t>用いる。</a:t>
+            </a:r>
+            <a:endParaRPr lang="en-US" altLang="ja-JP" dirty="0" smtClean="0"/>
           </a:p>
           <a:p>
             <a:pPr marL="0" indent="0" algn="ctr">
@@ -5531,19 +5583,6 @@
             </a:pPr>
             <a:r>
               <a:rPr lang="ja-JP" altLang="en-US" dirty="0" smtClean="0"/>
-              <a:t>バーンアップチャートを用いて管理していきます。</a:t>
-            </a:r>
-            <a:endParaRPr lang="en-US" altLang="ja-JP" dirty="0" smtClean="0"/>
-          </a:p>
-          <a:p>
-            <a:pPr marL="0" indent="0" algn="ctr">
-              <a:lnSpc>
-                <a:spcPct val="150000"/>
-              </a:lnSpc>
-              <a:buNone/>
-            </a:pPr>
-            <a:r>
-              <a:rPr lang="ja-JP" altLang="en-US" dirty="0" smtClean="0"/>
               <a:t>バーンアップチャートは、</a:t>
             </a:r>
             <a:r>
@@ -5552,7 +5591,23 @@
             </a:r>
             <a:r>
               <a:rPr lang="ja-JP" altLang="en-US" dirty="0" smtClean="0"/>
-              <a:t>スプリントごとに更新します。</a:t>
+              <a:t>スプリントごとに</a:t>
+            </a:r>
+            <a:r>
+              <a:rPr lang="ja-JP" altLang="en-US" dirty="0" smtClean="0"/>
+              <a:t>更新</a:t>
+            </a:r>
+            <a:r>
+              <a:rPr lang="ja-JP" altLang="en-US" dirty="0" smtClean="0"/>
+              <a:t>す</a:t>
+            </a:r>
+            <a:r>
+              <a:rPr lang="ja-JP" altLang="en-US" dirty="0"/>
+              <a:t>る</a:t>
+            </a:r>
+            <a:r>
+              <a:rPr lang="ja-JP" altLang="en-US" dirty="0" smtClean="0"/>
+              <a:t>。</a:t>
             </a:r>
             <a:endParaRPr lang="en-US" altLang="ja-JP" dirty="0" smtClean="0"/>
           </a:p>
@@ -6153,66 +6208,57 @@
           <a:chExt cx="0" cy="0"/>
         </a:xfrm>
       </p:grpSpPr>
-      <p:sp>
-        <p:nvSpPr>
-          <p:cNvPr id="2" name="タイトル 1"/>
-          <p:cNvSpPr>
-            <a:spLocks noGrp="1"/>
-          </p:cNvSpPr>
-          <p:nvPr>
-            <p:ph type="title"/>
-          </p:nvPr>
-        </p:nvSpPr>
-        <p:spPr/>
-        <p:txBody>
-          <a:bodyPr/>
-          <a:lstStyle/>
-          <a:p>
-            <a:r>
-              <a:rPr kumimoji="1" lang="en-US" altLang="ja-JP" b="1" dirty="0" smtClean="0"/>
-              <a:t>4.</a:t>
-            </a:r>
-            <a:r>
-              <a:rPr kumimoji="1" lang="ja-JP" altLang="en-US" b="1" dirty="0" smtClean="0"/>
-              <a:t>現在の進捗状況</a:t>
-            </a:r>
-            <a:endParaRPr kumimoji="1" lang="ja-JP" altLang="en-US" b="1" dirty="0"/>
-          </a:p>
-        </p:txBody>
-      </p:sp>
       <p:pic>
         <p:nvPicPr>
-          <p:cNvPr id="4" name="図 3"/>
-          <p:cNvPicPr/>
+          <p:cNvPr id="3" name="図 2"/>
+          <p:cNvPicPr>
+            <a:picLocks noChangeAspect="1"/>
+          </p:cNvPicPr>
           <p:nvPr/>
         </p:nvPicPr>
         <p:blipFill>
-          <a:blip r:embed="rId3" cstate="print">
-            <a:extLst>
-              <a:ext uri="{28A0092B-C50C-407E-A947-70E740481C1C}">
-                <a14:useLocalDpi xmlns:a14="http://schemas.microsoft.com/office/drawing/2010/main" val="0"/>
-              </a:ext>
-            </a:extLst>
-          </a:blip>
-          <a:srcRect/>
+          <a:blip r:embed="rId3"/>
           <a:stretch>
             <a:fillRect/>
           </a:stretch>
         </p:blipFill>
-        <p:spPr bwMode="auto">
+        <p:spPr>
           <a:xfrm>
-            <a:off x="1181101" y="1409700"/>
-            <a:ext cx="10315574" cy="5334000"/>
+            <a:off x="1534686" y="1254990"/>
+            <a:ext cx="9312976" cy="5536997"/>
           </a:xfrm>
           <a:prstGeom prst="rect">
             <a:avLst/>
           </a:prstGeom>
-          <a:noFill/>
-          <a:ln>
-            <a:noFill/>
-          </a:ln>
         </p:spPr>
       </p:pic>
+      <p:sp>
+        <p:nvSpPr>
+          <p:cNvPr id="2" name="タイトル 1"/>
+          <p:cNvSpPr>
+            <a:spLocks noGrp="1"/>
+          </p:cNvSpPr>
+          <p:nvPr>
+            <p:ph type="title"/>
+          </p:nvPr>
+        </p:nvSpPr>
+        <p:spPr/>
+        <p:txBody>
+          <a:bodyPr/>
+          <a:lstStyle/>
+          <a:p>
+            <a:r>
+              <a:rPr kumimoji="1" lang="en-US" altLang="ja-JP" b="1" dirty="0" smtClean="0"/>
+              <a:t>4.</a:t>
+            </a:r>
+            <a:r>
+              <a:rPr kumimoji="1" lang="ja-JP" altLang="en-US" b="1" dirty="0" smtClean="0"/>
+              <a:t>現在の進捗状況</a:t>
+            </a:r>
+            <a:endParaRPr kumimoji="1" lang="ja-JP" altLang="en-US" b="1" dirty="0"/>
+          </a:p>
+        </p:txBody>
+      </p:sp>
       <p:cxnSp>
         <p:nvCxnSpPr>
           <p:cNvPr id="23" name="直線コネクタ 22"/>

--- a/ＰＭ学科専用2.pptx
+++ b/ＰＭ学科専用2.pptx
@@ -212,7 +212,7 @@
           <a:p>
             <a:fld id="{330C2C32-5C25-44EA-809A-A9651A6C9E7E}" type="datetimeFigureOut">
               <a:rPr kumimoji="1" lang="ja-JP" altLang="en-US" smtClean="0"/>
-              <a:t>2017/6/6</a:t>
+              <a:t>2017/6/7</a:t>
             </a:fld>
             <a:endParaRPr kumimoji="1" lang="ja-JP" altLang="en-US"/>
           </a:p>
@@ -377,7 +377,7 @@
           <a:p>
             <a:fld id="{90D335EC-2BCD-4763-9BE7-5DB75AF56819}" type="datetimeFigureOut">
               <a:rPr kumimoji="1" lang="ja-JP" altLang="en-US" smtClean="0"/>
-              <a:t>2017/6/6</a:t>
+              <a:t>2017/6/7</a:t>
             </a:fld>
             <a:endParaRPr kumimoji="1" lang="ja-JP" altLang="en-US"/>
           </a:p>
@@ -721,7 +721,22 @@
           <a:bodyPr/>
           <a:lstStyle/>
           <a:p>
-            <a:endParaRPr kumimoji="1" lang="ja-JP" altLang="en-US"/>
+            <a:r>
+              <a:rPr kumimoji="1" lang="ja-JP" altLang="en-US" dirty="0" smtClean="0"/>
+              <a:t>これから矢吹研</a:t>
+            </a:r>
+            <a:r>
+              <a:rPr kumimoji="1" lang="en-US" altLang="ja-JP" dirty="0" smtClean="0"/>
+              <a:t>A</a:t>
+            </a:r>
+            <a:r>
+              <a:rPr kumimoji="1" lang="ja-JP" altLang="en-US" dirty="0" smtClean="0"/>
+              <a:t>班の発表を始めます。よろしくお願いします。</a:t>
+            </a:r>
+            <a:endParaRPr kumimoji="1" lang="en-US" altLang="ja-JP" dirty="0" smtClean="0"/>
+          </a:p>
+          <a:p>
+            <a:endParaRPr kumimoji="1" lang="ja-JP" altLang="en-US" dirty="0"/>
           </a:p>
         </p:txBody>
       </p:sp>
@@ -752,6 +767,90 @@
     <p:extLst>
       <p:ext uri="{BB962C8B-B14F-4D97-AF65-F5344CB8AC3E}">
         <p14:creationId xmlns:p14="http://schemas.microsoft.com/office/powerpoint/2010/main" val="307408207"/>
+      </p:ext>
+    </p:extLst>
+  </p:cSld>
+  <p:clrMapOvr>
+    <a:masterClrMapping/>
+  </p:clrMapOvr>
+</p:notes>
+</file>
+
+<file path=ppt/notesSlides/notesSlide10.xml><?xml version="1.0" encoding="utf-8"?>
+<p:notes xmlns:a="http://schemas.openxmlformats.org/drawingml/2006/main" xmlns:r="http://schemas.openxmlformats.org/officeDocument/2006/relationships" xmlns:p="http://schemas.openxmlformats.org/presentationml/2006/main">
+  <p:cSld>
+    <p:spTree>
+      <p:nvGrpSpPr>
+        <p:cNvPr id="1" name=""/>
+        <p:cNvGrpSpPr/>
+        <p:nvPr/>
+      </p:nvGrpSpPr>
+      <p:grpSpPr>
+        <a:xfrm>
+          <a:off x="0" y="0"/>
+          <a:ext cx="0" cy="0"/>
+          <a:chOff x="0" y="0"/>
+          <a:chExt cx="0" cy="0"/>
+        </a:xfrm>
+      </p:grpSpPr>
+      <p:sp>
+        <p:nvSpPr>
+          <p:cNvPr id="2" name="スライド イメージ プレースホルダー 1"/>
+          <p:cNvSpPr>
+            <a:spLocks noGrp="1" noRot="1" noChangeAspect="1"/>
+          </p:cNvSpPr>
+          <p:nvPr>
+            <p:ph type="sldImg"/>
+          </p:nvPr>
+        </p:nvSpPr>
+        <p:spPr/>
+      </p:sp>
+      <p:sp>
+        <p:nvSpPr>
+          <p:cNvPr id="3" name="ノート プレースホルダー 2"/>
+          <p:cNvSpPr>
+            <a:spLocks noGrp="1"/>
+          </p:cNvSpPr>
+          <p:nvPr>
+            <p:ph type="body" idx="1"/>
+          </p:nvPr>
+        </p:nvSpPr>
+        <p:spPr/>
+        <p:txBody>
+          <a:bodyPr/>
+          <a:lstStyle/>
+          <a:p>
+            <a:endParaRPr kumimoji="1" lang="ja-JP" altLang="en-US" dirty="0"/>
+          </a:p>
+        </p:txBody>
+      </p:sp>
+      <p:sp>
+        <p:nvSpPr>
+          <p:cNvPr id="4" name="スライド番号プレースホルダー 3"/>
+          <p:cNvSpPr>
+            <a:spLocks noGrp="1"/>
+          </p:cNvSpPr>
+          <p:nvPr>
+            <p:ph type="sldNum" sz="quarter" idx="10"/>
+          </p:nvPr>
+        </p:nvSpPr>
+        <p:spPr/>
+        <p:txBody>
+          <a:bodyPr/>
+          <a:lstStyle/>
+          <a:p>
+            <a:fld id="{31EB9004-3F70-404F-81A1-72744BD5EB90}" type="slidenum">
+              <a:rPr kumimoji="1" lang="ja-JP" altLang="en-US" smtClean="0"/>
+              <a:t>10</a:t>
+            </a:fld>
+            <a:endParaRPr kumimoji="1" lang="ja-JP" altLang="en-US"/>
+          </a:p>
+        </p:txBody>
+      </p:sp>
+    </p:spTree>
+    <p:extLst>
+      <p:ext uri="{BB962C8B-B14F-4D97-AF65-F5344CB8AC3E}">
+        <p14:creationId xmlns:p14="http://schemas.microsoft.com/office/powerpoint/2010/main" val="4069497027"/>
       </p:ext>
     </p:extLst>
   </p:cSld>
@@ -805,7 +904,11 @@
           <a:bodyPr/>
           <a:lstStyle/>
           <a:p>
-            <a:endParaRPr kumimoji="1" lang="ja-JP" altLang="en-US"/>
+            <a:r>
+              <a:rPr kumimoji="1" lang="ja-JP" altLang="en-US" dirty="0" smtClean="0"/>
+              <a:t>こちらが今回発表する流れとなります。</a:t>
+            </a:r>
+            <a:endParaRPr kumimoji="1" lang="ja-JP" altLang="en-US" dirty="0"/>
           </a:p>
         </p:txBody>
       </p:sp>
@@ -889,7 +992,30 @@
           <a:bodyPr/>
           <a:lstStyle/>
           <a:p>
-            <a:endParaRPr kumimoji="1" lang="ja-JP" altLang="en-US" dirty="0"/>
+            <a:r>
+              <a:rPr kumimoji="1" lang="ja-JP" altLang="en-US" dirty="0" smtClean="0"/>
+              <a:t>従来のキャンパスポータルアプリでは、シラバスの検索や時間割の確認など必要な情報を手に入れるのに、手間がかかっていました。</a:t>
+            </a:r>
+            <a:endParaRPr kumimoji="1" lang="en-US" altLang="ja-JP" dirty="0" smtClean="0"/>
+          </a:p>
+          <a:p>
+            <a:r>
+              <a:rPr kumimoji="1" lang="ja-JP" altLang="en-US" dirty="0" smtClean="0"/>
+              <a:t>例えば、</a:t>
+            </a:r>
+            <a:r>
+              <a:rPr kumimoji="1" lang="en-US" altLang="ja-JP" dirty="0" smtClean="0"/>
+              <a:t>PM</a:t>
+            </a:r>
+            <a:r>
+              <a:rPr kumimoji="1" lang="ja-JP" altLang="en-US" dirty="0" smtClean="0"/>
+              <a:t>学科の専門科目のシラバスを見たいとします。</a:t>
+            </a:r>
+            <a:r>
+              <a:rPr kumimoji="1" lang="ja-JP" altLang="en-US" dirty="0" smtClean="0"/>
+              <a:t>アプリを立ち上げ、ログインは毎回しなければなりません。検索フォームでは所属学科から教員名まですべて手入力で行い、一覧から自分の見たいシラバスを探していかなければならず、手間がかかります。</a:t>
+            </a:r>
+            <a:endParaRPr kumimoji="1" lang="en-US" altLang="ja-JP" dirty="0" smtClean="0"/>
           </a:p>
         </p:txBody>
       </p:sp>
@@ -910,7 +1036,7 @@
           <a:p>
             <a:fld id="{31EB9004-3F70-404F-81A1-72744BD5EB90}" type="slidenum">
               <a:rPr kumimoji="1" lang="ja-JP" altLang="en-US" smtClean="0"/>
-              <a:t>4</a:t>
+              <a:t>3</a:t>
             </a:fld>
             <a:endParaRPr kumimoji="1" lang="ja-JP" altLang="en-US"/>
           </a:p>
@@ -919,7 +1045,7 @@
     </p:spTree>
     <p:extLst>
       <p:ext uri="{BB962C8B-B14F-4D97-AF65-F5344CB8AC3E}">
-        <p14:creationId xmlns:p14="http://schemas.microsoft.com/office/powerpoint/2010/main" val="3956821453"/>
+        <p14:creationId xmlns:p14="http://schemas.microsoft.com/office/powerpoint/2010/main" val="728814982"/>
       </p:ext>
     </p:extLst>
   </p:cSld>
@@ -973,7 +1099,40 @@
           <a:bodyPr/>
           <a:lstStyle/>
           <a:p>
-            <a:endParaRPr kumimoji="1" lang="ja-JP" altLang="en-US" dirty="0"/>
+            <a:r>
+              <a:rPr kumimoji="1" lang="ja-JP" altLang="en-US" dirty="0" smtClean="0"/>
+              <a:t>そこで私たちは、「</a:t>
+            </a:r>
+            <a:r>
+              <a:rPr kumimoji="1" lang="en-US" altLang="ja-JP" dirty="0" smtClean="0"/>
+              <a:t>PM</a:t>
+            </a:r>
+            <a:r>
+              <a:rPr kumimoji="1" lang="ja-JP" altLang="en-US" dirty="0" smtClean="0"/>
+              <a:t>学科専用闇キャンパスポータルシステム」を提案します。</a:t>
+            </a:r>
+            <a:endParaRPr kumimoji="1" lang="en-US" altLang="ja-JP" dirty="0" smtClean="0"/>
+          </a:p>
+          <a:p>
+            <a:r>
+              <a:rPr kumimoji="1" lang="ja-JP" altLang="en-US" dirty="0" smtClean="0"/>
+              <a:t>私たちの目的は、キャンパスポータルの中でも必要であると思われる情報を絞り、そして今までにはない過去問などの新たな付加価値を加え提供することです。</a:t>
+            </a:r>
+            <a:endParaRPr kumimoji="1" lang="en-US" altLang="ja-JP" dirty="0" smtClean="0"/>
+          </a:p>
+          <a:p>
+            <a:r>
+              <a:rPr kumimoji="1" lang="ja-JP" altLang="en-US" dirty="0" smtClean="0"/>
+              <a:t>それを実現することができるのが、この「闇キャンパスポータル」システムです。</a:t>
+            </a:r>
+            <a:endParaRPr kumimoji="1" lang="en-US" altLang="ja-JP" dirty="0" smtClean="0"/>
+          </a:p>
+          <a:p>
+            <a:r>
+              <a:rPr kumimoji="1" lang="ja-JP" altLang="en-US" dirty="0" smtClean="0"/>
+              <a:t>先ほど述べた、シラバスを見たいのに手間がかかる・・・という問題もこのシステムによって解決することができます。</a:t>
+            </a:r>
+            <a:endParaRPr kumimoji="1" lang="en-US" altLang="ja-JP" dirty="0" smtClean="0"/>
           </a:p>
         </p:txBody>
       </p:sp>
@@ -994,7 +1153,7 @@
           <a:p>
             <a:fld id="{31EB9004-3F70-404F-81A1-72744BD5EB90}" type="slidenum">
               <a:rPr kumimoji="1" lang="ja-JP" altLang="en-US" smtClean="0"/>
-              <a:t>5</a:t>
+              <a:t>4</a:t>
             </a:fld>
             <a:endParaRPr kumimoji="1" lang="ja-JP" altLang="en-US"/>
           </a:p>
@@ -1003,7 +1162,7 @@
     </p:spTree>
     <p:extLst>
       <p:ext uri="{BB962C8B-B14F-4D97-AF65-F5344CB8AC3E}">
-        <p14:creationId xmlns:p14="http://schemas.microsoft.com/office/powerpoint/2010/main" val="1024868156"/>
+        <p14:creationId xmlns:p14="http://schemas.microsoft.com/office/powerpoint/2010/main" val="3956821453"/>
       </p:ext>
     </p:extLst>
   </p:cSld>
@@ -1057,7 +1216,37 @@
           <a:bodyPr/>
           <a:lstStyle/>
           <a:p>
-            <a:endParaRPr kumimoji="1" lang="ja-JP" altLang="en-US" dirty="0"/>
+            <a:r>
+              <a:rPr kumimoji="1" lang="ja-JP" altLang="en-US" dirty="0" smtClean="0"/>
+              <a:t>次に機能についての説明です。</a:t>
+            </a:r>
+            <a:endParaRPr kumimoji="1" lang="en-US" altLang="ja-JP" dirty="0" smtClean="0"/>
+          </a:p>
+          <a:p>
+            <a:pPr marL="0" marR="0" indent="0" algn="l" defTabSz="914400" rtl="0" eaLnBrk="1" fontAlgn="auto" latinLnBrk="0" hangingPunct="1">
+              <a:lnSpc>
+                <a:spcPct val="100000"/>
+              </a:lnSpc>
+              <a:spcBef>
+                <a:spcPts val="0"/>
+              </a:spcBef>
+              <a:spcAft>
+                <a:spcPts val="0"/>
+              </a:spcAft>
+              <a:buClrTx/>
+              <a:buSzTx/>
+              <a:buFontTx/>
+              <a:buNone/>
+              <a:tabLst/>
+              <a:defRPr/>
+            </a:pPr>
+            <a:r>
+              <a:rPr kumimoji="1" lang="ja-JP" altLang="en-US" dirty="0" smtClean="0"/>
+              <a:t>具体的には、試作品のデモの際に説明します。</a:t>
+            </a:r>
+          </a:p>
+          <a:p>
+            <a:endParaRPr kumimoji="1" lang="en-US" altLang="ja-JP" dirty="0" smtClean="0"/>
           </a:p>
         </p:txBody>
       </p:sp>
@@ -1078,7 +1267,7 @@
           <a:p>
             <a:fld id="{31EB9004-3F70-404F-81A1-72744BD5EB90}" type="slidenum">
               <a:rPr kumimoji="1" lang="ja-JP" altLang="en-US" smtClean="0"/>
-              <a:t>6</a:t>
+              <a:t>5</a:t>
             </a:fld>
             <a:endParaRPr kumimoji="1" lang="ja-JP" altLang="en-US"/>
           </a:p>
@@ -1087,7 +1276,7 @@
     </p:spTree>
     <p:extLst>
       <p:ext uri="{BB962C8B-B14F-4D97-AF65-F5344CB8AC3E}">
-        <p14:creationId xmlns:p14="http://schemas.microsoft.com/office/powerpoint/2010/main" val="4205761179"/>
+        <p14:creationId xmlns:p14="http://schemas.microsoft.com/office/powerpoint/2010/main" val="1024868156"/>
       </p:ext>
     </p:extLst>
   </p:cSld>
@@ -1141,7 +1330,57 @@
           <a:bodyPr/>
           <a:lstStyle/>
           <a:p>
-            <a:endParaRPr kumimoji="1" lang="ja-JP" altLang="en-US" dirty="0"/>
+            <a:r>
+              <a:rPr kumimoji="1" lang="ja-JP" altLang="en-US" dirty="0" smtClean="0"/>
+              <a:t>次に私たちが選択したチーム課題は、こちらになります。</a:t>
+            </a:r>
+            <a:endParaRPr kumimoji="1" lang="en-US" altLang="ja-JP" dirty="0" smtClean="0"/>
+          </a:p>
+          <a:p>
+            <a:r>
+              <a:rPr kumimoji="1" lang="ja-JP" altLang="en-US" dirty="0" smtClean="0"/>
+              <a:t>管理系では、「アジャイル開発の導入」を選択しました。</a:t>
+            </a:r>
+            <a:endParaRPr kumimoji="1" lang="en-US" altLang="ja-JP" dirty="0" smtClean="0"/>
+          </a:p>
+          <a:p>
+            <a:pPr marL="0" marR="0" indent="0" algn="l" defTabSz="914400" rtl="0" eaLnBrk="1" fontAlgn="auto" latinLnBrk="0" hangingPunct="1">
+              <a:lnSpc>
+                <a:spcPct val="100000"/>
+              </a:lnSpc>
+              <a:spcBef>
+                <a:spcPts val="0"/>
+              </a:spcBef>
+              <a:spcAft>
+                <a:spcPts val="0"/>
+              </a:spcAft>
+              <a:buClrTx/>
+              <a:buSzTx/>
+              <a:buFontTx/>
+              <a:buNone/>
+              <a:tabLst/>
+              <a:defRPr/>
+            </a:pPr>
+            <a:r>
+              <a:rPr kumimoji="1" lang="ja-JP" altLang="en-US" dirty="0" smtClean="0"/>
+              <a:t>技術系では、「</a:t>
+            </a:r>
+            <a:r>
+              <a:rPr lang="ja-JP" altLang="en-US" sz="1200" dirty="0" smtClean="0"/>
+              <a:t>外部</a:t>
+            </a:r>
+            <a:r>
+              <a:rPr lang="en-US" altLang="ja-JP" sz="1200" dirty="0" smtClean="0"/>
+              <a:t>API</a:t>
+            </a:r>
+            <a:r>
+              <a:rPr lang="ja-JP" altLang="en-US" sz="1200" dirty="0" smtClean="0"/>
+              <a:t>を利用した実装」を選択しました。</a:t>
+            </a:r>
+            <a:endParaRPr kumimoji="1" lang="ja-JP" altLang="en-US" sz="1200" dirty="0" smtClean="0"/>
+          </a:p>
+          <a:p>
+            <a:endParaRPr kumimoji="1" lang="en-US" altLang="ja-JP" dirty="0" smtClean="0"/>
           </a:p>
         </p:txBody>
       </p:sp>
@@ -1162,7 +1401,7 @@
           <a:p>
             <a:fld id="{31EB9004-3F70-404F-81A1-72744BD5EB90}" type="slidenum">
               <a:rPr kumimoji="1" lang="ja-JP" altLang="en-US" smtClean="0"/>
-              <a:t>9</a:t>
+              <a:t>6</a:t>
             </a:fld>
             <a:endParaRPr kumimoji="1" lang="ja-JP" altLang="en-US"/>
           </a:p>
@@ -1171,7 +1410,7 @@
     </p:spTree>
     <p:extLst>
       <p:ext uri="{BB962C8B-B14F-4D97-AF65-F5344CB8AC3E}">
-        <p14:creationId xmlns:p14="http://schemas.microsoft.com/office/powerpoint/2010/main" val="4234615695"/>
+        <p14:creationId xmlns:p14="http://schemas.microsoft.com/office/powerpoint/2010/main" val="4205761179"/>
       </p:ext>
     </p:extLst>
   </p:cSld>
@@ -1225,6 +1464,27 @@
           <a:bodyPr/>
           <a:lstStyle/>
           <a:p>
+            <a:r>
+              <a:rPr kumimoji="1" lang="ja-JP" altLang="en-US" dirty="0" smtClean="0"/>
+              <a:t>次に進捗管理について説明します。</a:t>
+            </a:r>
+            <a:endParaRPr kumimoji="1" lang="en-US" altLang="ja-JP" dirty="0" smtClean="0"/>
+          </a:p>
+          <a:p>
+            <a:r>
+              <a:rPr kumimoji="1" lang="ja-JP" altLang="en-US" dirty="0" smtClean="0"/>
+              <a:t>私たちは進捗管理のツールとしてバーンアップチャートを用いています。</a:t>
+            </a:r>
+            <a:endParaRPr kumimoji="1" lang="en-US" altLang="ja-JP" dirty="0" smtClean="0"/>
+          </a:p>
+          <a:p>
+            <a:r>
+              <a:rPr kumimoji="1" lang="ja-JP" altLang="en-US" dirty="0" smtClean="0"/>
+              <a:t>アジャイル開発では、ガントチャートの代わりにバーンアップチャートを用います。</a:t>
+            </a:r>
+            <a:endParaRPr kumimoji="1" lang="en-US" altLang="ja-JP" dirty="0" smtClean="0"/>
+          </a:p>
+          <a:p>
             <a:endParaRPr kumimoji="1" lang="ja-JP" altLang="en-US" dirty="0"/>
           </a:p>
         </p:txBody>
@@ -1246,7 +1506,7 @@
           <a:p>
             <a:fld id="{31EB9004-3F70-404F-81A1-72744BD5EB90}" type="slidenum">
               <a:rPr kumimoji="1" lang="ja-JP" altLang="en-US" smtClean="0"/>
-              <a:t>10</a:t>
+              <a:t>7</a:t>
             </a:fld>
             <a:endParaRPr kumimoji="1" lang="ja-JP" altLang="en-US"/>
           </a:p>
@@ -1255,7 +1515,179 @@
     </p:spTree>
     <p:extLst>
       <p:ext uri="{BB962C8B-B14F-4D97-AF65-F5344CB8AC3E}">
-        <p14:creationId xmlns:p14="http://schemas.microsoft.com/office/powerpoint/2010/main" val="4069497027"/>
+        <p14:creationId xmlns:p14="http://schemas.microsoft.com/office/powerpoint/2010/main" val="1570594500"/>
+      </p:ext>
+    </p:extLst>
+  </p:cSld>
+  <p:clrMapOvr>
+    <a:masterClrMapping/>
+  </p:clrMapOvr>
+</p:notes>
+</file>
+
+<file path=ppt/notesSlides/notesSlide8.xml><?xml version="1.0" encoding="utf-8"?>
+<p:notes xmlns:a="http://schemas.openxmlformats.org/drawingml/2006/main" xmlns:r="http://schemas.openxmlformats.org/officeDocument/2006/relationships" xmlns:p="http://schemas.openxmlformats.org/presentationml/2006/main">
+  <p:cSld>
+    <p:spTree>
+      <p:nvGrpSpPr>
+        <p:cNvPr id="1" name=""/>
+        <p:cNvGrpSpPr/>
+        <p:nvPr/>
+      </p:nvGrpSpPr>
+      <p:grpSpPr>
+        <a:xfrm>
+          <a:off x="0" y="0"/>
+          <a:ext cx="0" cy="0"/>
+          <a:chOff x="0" y="0"/>
+          <a:chExt cx="0" cy="0"/>
+        </a:xfrm>
+      </p:grpSpPr>
+      <p:sp>
+        <p:nvSpPr>
+          <p:cNvPr id="2" name="スライド イメージ プレースホルダー 1"/>
+          <p:cNvSpPr>
+            <a:spLocks noGrp="1" noRot="1" noChangeAspect="1"/>
+          </p:cNvSpPr>
+          <p:nvPr>
+            <p:ph type="sldImg"/>
+          </p:nvPr>
+        </p:nvSpPr>
+        <p:spPr/>
+      </p:sp>
+      <p:sp>
+        <p:nvSpPr>
+          <p:cNvPr id="3" name="ノート プレースホルダー 2"/>
+          <p:cNvSpPr>
+            <a:spLocks noGrp="1"/>
+          </p:cNvSpPr>
+          <p:nvPr>
+            <p:ph type="body" idx="1"/>
+          </p:nvPr>
+        </p:nvSpPr>
+        <p:spPr/>
+        <p:txBody>
+          <a:bodyPr/>
+          <a:lstStyle/>
+          <a:p>
+            <a:r>
+              <a:rPr kumimoji="1" lang="ja-JP" altLang="en-US" dirty="0" smtClean="0"/>
+              <a:t>こちらの表は各機能の</a:t>
+            </a:r>
+            <a:endParaRPr kumimoji="1" lang="ja-JP" altLang="en-US" dirty="0"/>
+          </a:p>
+        </p:txBody>
+      </p:sp>
+      <p:sp>
+        <p:nvSpPr>
+          <p:cNvPr id="4" name="スライド番号プレースホルダー 3"/>
+          <p:cNvSpPr>
+            <a:spLocks noGrp="1"/>
+          </p:cNvSpPr>
+          <p:nvPr>
+            <p:ph type="sldNum" sz="quarter" idx="10"/>
+          </p:nvPr>
+        </p:nvSpPr>
+        <p:spPr/>
+        <p:txBody>
+          <a:bodyPr/>
+          <a:lstStyle/>
+          <a:p>
+            <a:fld id="{31EB9004-3F70-404F-81A1-72744BD5EB90}" type="slidenum">
+              <a:rPr kumimoji="1" lang="ja-JP" altLang="en-US" smtClean="0"/>
+              <a:t>8</a:t>
+            </a:fld>
+            <a:endParaRPr kumimoji="1" lang="ja-JP" altLang="en-US"/>
+          </a:p>
+        </p:txBody>
+      </p:sp>
+    </p:spTree>
+    <p:extLst>
+      <p:ext uri="{BB962C8B-B14F-4D97-AF65-F5344CB8AC3E}">
+        <p14:creationId xmlns:p14="http://schemas.microsoft.com/office/powerpoint/2010/main" val="3100691090"/>
+      </p:ext>
+    </p:extLst>
+  </p:cSld>
+  <p:clrMapOvr>
+    <a:masterClrMapping/>
+  </p:clrMapOvr>
+</p:notes>
+</file>
+
+<file path=ppt/notesSlides/notesSlide9.xml><?xml version="1.0" encoding="utf-8"?>
+<p:notes xmlns:a="http://schemas.openxmlformats.org/drawingml/2006/main" xmlns:r="http://schemas.openxmlformats.org/officeDocument/2006/relationships" xmlns:p="http://schemas.openxmlformats.org/presentationml/2006/main">
+  <p:cSld>
+    <p:spTree>
+      <p:nvGrpSpPr>
+        <p:cNvPr id="1" name=""/>
+        <p:cNvGrpSpPr/>
+        <p:nvPr/>
+      </p:nvGrpSpPr>
+      <p:grpSpPr>
+        <a:xfrm>
+          <a:off x="0" y="0"/>
+          <a:ext cx="0" cy="0"/>
+          <a:chOff x="0" y="0"/>
+          <a:chExt cx="0" cy="0"/>
+        </a:xfrm>
+      </p:grpSpPr>
+      <p:sp>
+        <p:nvSpPr>
+          <p:cNvPr id="2" name="スライド イメージ プレースホルダー 1"/>
+          <p:cNvSpPr>
+            <a:spLocks noGrp="1" noRot="1" noChangeAspect="1"/>
+          </p:cNvSpPr>
+          <p:nvPr>
+            <p:ph type="sldImg"/>
+          </p:nvPr>
+        </p:nvSpPr>
+        <p:spPr/>
+      </p:sp>
+      <p:sp>
+        <p:nvSpPr>
+          <p:cNvPr id="3" name="ノート プレースホルダー 2"/>
+          <p:cNvSpPr>
+            <a:spLocks noGrp="1"/>
+          </p:cNvSpPr>
+          <p:nvPr>
+            <p:ph type="body" idx="1"/>
+          </p:nvPr>
+        </p:nvSpPr>
+        <p:spPr/>
+        <p:txBody>
+          <a:bodyPr/>
+          <a:lstStyle/>
+          <a:p>
+            <a:endParaRPr kumimoji="1" lang="ja-JP" altLang="en-US" dirty="0"/>
+          </a:p>
+        </p:txBody>
+      </p:sp>
+      <p:sp>
+        <p:nvSpPr>
+          <p:cNvPr id="4" name="スライド番号プレースホルダー 3"/>
+          <p:cNvSpPr>
+            <a:spLocks noGrp="1"/>
+          </p:cNvSpPr>
+          <p:nvPr>
+            <p:ph type="sldNum" sz="quarter" idx="10"/>
+          </p:nvPr>
+        </p:nvSpPr>
+        <p:spPr/>
+        <p:txBody>
+          <a:bodyPr/>
+          <a:lstStyle/>
+          <a:p>
+            <a:fld id="{31EB9004-3F70-404F-81A1-72744BD5EB90}" type="slidenum">
+              <a:rPr kumimoji="1" lang="ja-JP" altLang="en-US" smtClean="0"/>
+              <a:t>9</a:t>
+            </a:fld>
+            <a:endParaRPr kumimoji="1" lang="ja-JP" altLang="en-US"/>
+          </a:p>
+        </p:txBody>
+      </p:sp>
+    </p:spTree>
+    <p:extLst>
+      <p:ext uri="{BB962C8B-B14F-4D97-AF65-F5344CB8AC3E}">
+        <p14:creationId xmlns:p14="http://schemas.microsoft.com/office/powerpoint/2010/main" val="4234615695"/>
       </p:ext>
     </p:extLst>
   </p:cSld>
@@ -1396,7 +1828,7 @@
           <a:p>
             <a:fld id="{FF1F60C7-22EE-4BDD-A7DB-2BE9E771ADAE}" type="datetime1">
               <a:rPr kumimoji="1" lang="ja-JP" altLang="en-US" smtClean="0"/>
-              <a:t>2017/6/6</a:t>
+              <a:t>2017/6/7</a:t>
             </a:fld>
             <a:endParaRPr kumimoji="1" lang="ja-JP" altLang="en-US"/>
           </a:p>
@@ -1598,7 +2030,7 @@
           <a:p>
             <a:fld id="{3558F5B3-57FA-40E3-9DD5-865F58A6A1EB}" type="datetime1">
               <a:rPr kumimoji="1" lang="ja-JP" altLang="en-US" smtClean="0"/>
-              <a:t>2017/6/6</a:t>
+              <a:t>2017/6/7</a:t>
             </a:fld>
             <a:endParaRPr kumimoji="1" lang="ja-JP" altLang="en-US"/>
           </a:p>
@@ -1810,7 +2242,7 @@
           <a:p>
             <a:fld id="{3E1CE54E-CFC4-4A2C-AF89-3AE1D4B55A02}" type="datetime1">
               <a:rPr kumimoji="1" lang="ja-JP" altLang="en-US" smtClean="0"/>
-              <a:t>2017/6/6</a:t>
+              <a:t>2017/6/7</a:t>
             </a:fld>
             <a:endParaRPr kumimoji="1" lang="ja-JP" altLang="en-US"/>
           </a:p>
@@ -2012,7 +2444,7 @@
           <a:p>
             <a:fld id="{6EAF5A2C-249F-4D12-95CF-BA9E6DC81759}" type="datetime1">
               <a:rPr kumimoji="1" lang="ja-JP" altLang="en-US" smtClean="0"/>
-              <a:t>2017/6/6</a:t>
+              <a:t>2017/6/7</a:t>
             </a:fld>
             <a:endParaRPr kumimoji="1" lang="ja-JP" altLang="en-US"/>
           </a:p>
@@ -2258,7 +2690,7 @@
           <a:p>
             <a:fld id="{594BE904-02D5-454A-A916-7A5A0D6FB0DE}" type="datetime1">
               <a:rPr kumimoji="1" lang="ja-JP" altLang="en-US" smtClean="0"/>
-              <a:t>2017/6/6</a:t>
+              <a:t>2017/6/7</a:t>
             </a:fld>
             <a:endParaRPr kumimoji="1" lang="ja-JP" altLang="en-US"/>
           </a:p>
@@ -2554,7 +2986,7 @@
           <a:p>
             <a:fld id="{9E6E95DC-BE55-40B0-A368-F21BAC0E9008}" type="datetime1">
               <a:rPr kumimoji="1" lang="ja-JP" altLang="en-US" smtClean="0"/>
-              <a:t>2017/6/6</a:t>
+              <a:t>2017/6/7</a:t>
             </a:fld>
             <a:endParaRPr kumimoji="1" lang="ja-JP" altLang="en-US"/>
           </a:p>
@@ -2985,7 +3417,7 @@
           <a:p>
             <a:fld id="{128CDB6B-EE21-4E41-B396-9A630BDA8AE8}" type="datetime1">
               <a:rPr kumimoji="1" lang="ja-JP" altLang="en-US" smtClean="0"/>
-              <a:t>2017/6/6</a:t>
+              <a:t>2017/6/7</a:t>
             </a:fld>
             <a:endParaRPr kumimoji="1" lang="ja-JP" altLang="en-US"/>
           </a:p>
@@ -3103,7 +3535,7 @@
           <a:p>
             <a:fld id="{C46A7404-F683-44E1-B0B0-263D0FA28552}" type="datetime1">
               <a:rPr kumimoji="1" lang="ja-JP" altLang="en-US" smtClean="0"/>
-              <a:t>2017/6/6</a:t>
+              <a:t>2017/6/7</a:t>
             </a:fld>
             <a:endParaRPr kumimoji="1" lang="ja-JP" altLang="en-US"/>
           </a:p>
@@ -3198,7 +3630,7 @@
           <a:p>
             <a:fld id="{F00541FF-BACD-4345-BF41-B98289916D94}" type="datetime1">
               <a:rPr kumimoji="1" lang="ja-JP" altLang="en-US" smtClean="0"/>
-              <a:t>2017/6/6</a:t>
+              <a:t>2017/6/7</a:t>
             </a:fld>
             <a:endParaRPr kumimoji="1" lang="ja-JP" altLang="en-US"/>
           </a:p>
@@ -3507,7 +3939,7 @@
           <a:p>
             <a:fld id="{422B87D0-1168-44EE-BD22-F93731B4F980}" type="datetime1">
               <a:rPr kumimoji="1" lang="ja-JP" altLang="en-US" smtClean="0"/>
-              <a:t>2017/6/6</a:t>
+              <a:t>2017/6/7</a:t>
             </a:fld>
             <a:endParaRPr kumimoji="1" lang="ja-JP" altLang="en-US"/>
           </a:p>
@@ -3760,7 +4192,7 @@
           <a:p>
             <a:fld id="{ACE0470E-F4A4-487A-8E40-C8EB83F705CB}" type="datetime1">
               <a:rPr kumimoji="1" lang="ja-JP" altLang="en-US" smtClean="0"/>
-              <a:t>2017/6/6</a:t>
+              <a:t>2017/6/7</a:t>
             </a:fld>
             <a:endParaRPr kumimoji="1" lang="ja-JP" altLang="en-US"/>
           </a:p>
@@ -4005,7 +4437,7 @@
           <a:p>
             <a:fld id="{634FA4D4-DD35-4153-8499-1CE8BAA4A326}" type="datetime1">
               <a:rPr kumimoji="1" lang="ja-JP" altLang="en-US" smtClean="0"/>
-              <a:t>2017/6/6</a:t>
+              <a:t>2017/6/7</a:t>
             </a:fld>
             <a:endParaRPr kumimoji="1" lang="ja-JP" altLang="en-US"/>
           </a:p>
@@ -4624,19 +5056,7 @@
             </a:pPr>
             <a:r>
               <a:rPr lang="ja-JP" altLang="en-US" sz="3600" dirty="0" smtClean="0"/>
-              <a:t>過去</a:t>
-            </a:r>
-            <a:r>
-              <a:rPr lang="ja-JP" altLang="en-US" sz="3600" dirty="0" smtClean="0"/>
-              <a:t>問、シラバス</a:t>
-            </a:r>
-            <a:r>
-              <a:rPr lang="ja-JP" altLang="en-US" sz="3600" dirty="0" smtClean="0"/>
-              <a:t>の表示機能の</a:t>
-            </a:r>
-            <a:r>
-              <a:rPr lang="ja-JP" altLang="en-US" sz="3600" dirty="0" smtClean="0"/>
-              <a:t>作成</a:t>
+              <a:t>過去問、シラバスの表示機能の作成</a:t>
             </a:r>
             <a:endParaRPr lang="en-US" altLang="ja-JP" sz="3600" dirty="0" smtClean="0"/>
           </a:p>
@@ -4813,7 +5233,7 @@
             </a:r>
             <a:r>
               <a:rPr lang="ja-JP" altLang="en-US" sz="3200" b="1" dirty="0" smtClean="0"/>
-              <a:t>進捗状況</a:t>
+              <a:t>進捗管理・状況</a:t>
             </a:r>
             <a:endParaRPr lang="en-US" altLang="ja-JP" sz="3200" b="1" dirty="0"/>
           </a:p>
@@ -5173,15 +5593,15 @@
           <a:p>
             <a:r>
               <a:rPr kumimoji="1" lang="en-US" altLang="ja-JP" b="1" dirty="0" smtClean="0"/>
-              <a:t>2.</a:t>
-            </a:r>
-            <a:r>
-              <a:rPr lang="ja-JP" altLang="en-US" b="1" dirty="0"/>
-              <a:t>主</a:t>
+              <a:t>2</a:t>
+            </a:r>
+            <a:r>
+              <a:rPr kumimoji="1" lang="en-US" altLang="ja-JP" b="1" dirty="0" smtClean="0"/>
+              <a:t>.</a:t>
             </a:r>
             <a:r>
               <a:rPr lang="ja-JP" altLang="en-US" b="1" dirty="0" smtClean="0"/>
-              <a:t>な機能</a:t>
+              <a:t>機能</a:t>
             </a:r>
             <a:endParaRPr kumimoji="1" lang="ja-JP" altLang="en-US" b="1" dirty="0"/>
           </a:p>
@@ -5554,23 +5974,7 @@
             </a:pPr>
             <a:r>
               <a:rPr lang="ja-JP" altLang="en-US" dirty="0" smtClean="0"/>
-              <a:t>進捗</a:t>
-            </a:r>
-            <a:r>
-              <a:rPr lang="ja-JP" altLang="en-US" dirty="0" smtClean="0"/>
-              <a:t>管理</a:t>
-            </a:r>
-            <a:r>
-              <a:rPr lang="ja-JP" altLang="en-US" dirty="0" smtClean="0"/>
-              <a:t>はバーンアップチャート</a:t>
-            </a:r>
-            <a:r>
-              <a:rPr lang="ja-JP" altLang="en-US" dirty="0" smtClean="0"/>
-              <a:t>を</a:t>
-            </a:r>
-            <a:r>
-              <a:rPr lang="ja-JP" altLang="en-US" dirty="0" smtClean="0"/>
-              <a:t>用いる。</a:t>
+              <a:t>進捗管理はバーンアップチャートを用いる。</a:t>
             </a:r>
             <a:endParaRPr lang="en-US" altLang="ja-JP" dirty="0" smtClean="0"/>
           </a:p>
@@ -5591,15 +5995,7 @@
             </a:r>
             <a:r>
               <a:rPr lang="ja-JP" altLang="en-US" dirty="0" smtClean="0"/>
-              <a:t>スプリントごとに</a:t>
-            </a:r>
-            <a:r>
-              <a:rPr lang="ja-JP" altLang="en-US" dirty="0" smtClean="0"/>
-              <a:t>更新</a:t>
-            </a:r>
-            <a:r>
-              <a:rPr lang="ja-JP" altLang="en-US" dirty="0" smtClean="0"/>
-              <a:t>す</a:t>
+              <a:t>スプリントごとに更新す</a:t>
             </a:r>
             <a:r>
               <a:rPr lang="ja-JP" altLang="en-US" dirty="0"/>

--- a/ＰＭ学科専用2.pptx
+++ b/ＰＭ学科専用2.pptx
@@ -5,10 +5,10 @@
     <p:sldMasterId id="2147483832" r:id="rId1"/>
   </p:sldMasterIdLst>
   <p:notesMasterIdLst>
-    <p:notesMasterId r:id="rId12"/>
+    <p:notesMasterId r:id="rId13"/>
   </p:notesMasterIdLst>
   <p:handoutMasterIdLst>
-    <p:handoutMasterId r:id="rId13"/>
+    <p:handoutMasterId r:id="rId14"/>
   </p:handoutMasterIdLst>
   <p:sldIdLst>
     <p:sldId id="258" r:id="rId2"/>
@@ -20,7 +20,8 @@
     <p:sldId id="261" r:id="rId8"/>
     <p:sldId id="276" r:id="rId9"/>
     <p:sldId id="274" r:id="rId10"/>
-    <p:sldId id="266" r:id="rId11"/>
+    <p:sldId id="277" r:id="rId11"/>
+    <p:sldId id="266" r:id="rId12"/>
   </p:sldIdLst>
   <p:sldSz cx="12192000" cy="6858000"/>
   <p:notesSz cx="6858000" cy="9144000"/>
@@ -820,7 +821,41 @@
           <a:bodyPr/>
           <a:lstStyle/>
           <a:p>
-            <a:endParaRPr kumimoji="1" lang="ja-JP" altLang="en-US" dirty="0"/>
+            <a:r>
+              <a:rPr kumimoji="1" lang="ja-JP" altLang="en-US" dirty="0" smtClean="0"/>
+              <a:t>次に品質管理についてです。</a:t>
+            </a:r>
+            <a:endParaRPr kumimoji="1" lang="en-US" altLang="ja-JP" dirty="0" smtClean="0"/>
+          </a:p>
+          <a:p>
+            <a:r>
+              <a:rPr kumimoji="1" lang="ja-JP" altLang="en-US" dirty="0" smtClean="0"/>
+              <a:t>各スプリント終了ごとにプロダクトオーナーに評価を行ってもらいます。</a:t>
+            </a:r>
+            <a:endParaRPr kumimoji="1" lang="en-US" altLang="ja-JP" dirty="0" smtClean="0"/>
+          </a:p>
+          <a:p>
+            <a:r>
+              <a:rPr kumimoji="1" lang="ja-JP" altLang="en-US" dirty="0" smtClean="0"/>
+              <a:t>具体的に、成果物の情報量、利便性、簡易性の観点から</a:t>
+            </a:r>
+            <a:r>
+              <a:rPr kumimoji="1" lang="en-US" altLang="ja-JP" dirty="0" smtClean="0"/>
+              <a:t>1~10</a:t>
+            </a:r>
+            <a:r>
+              <a:rPr kumimoji="1" lang="ja-JP" altLang="en-US" dirty="0" smtClean="0"/>
+              <a:t>の</a:t>
+            </a:r>
+            <a:r>
+              <a:rPr kumimoji="1" lang="en-US" altLang="ja-JP" dirty="0" smtClean="0"/>
+              <a:t>10</a:t>
+            </a:r>
+            <a:r>
+              <a:rPr kumimoji="1" lang="ja-JP" altLang="en-US" dirty="0" smtClean="0"/>
+              <a:t>段階で評価してもらいます。</a:t>
+            </a:r>
+            <a:endParaRPr kumimoji="1" lang="en-US" altLang="ja-JP" dirty="0" smtClean="0"/>
           </a:p>
         </p:txBody>
       </p:sp>
@@ -842,6 +877,131 @@
             <a:fld id="{31EB9004-3F70-404F-81A1-72744BD5EB90}" type="slidenum">
               <a:rPr kumimoji="1" lang="ja-JP" altLang="en-US" smtClean="0"/>
               <a:t>10</a:t>
+            </a:fld>
+            <a:endParaRPr kumimoji="1" lang="ja-JP" altLang="en-US"/>
+          </a:p>
+        </p:txBody>
+      </p:sp>
+    </p:spTree>
+    <p:extLst>
+      <p:ext uri="{BB962C8B-B14F-4D97-AF65-F5344CB8AC3E}">
+        <p14:creationId xmlns:p14="http://schemas.microsoft.com/office/powerpoint/2010/main" val="1609545007"/>
+      </p:ext>
+    </p:extLst>
+  </p:cSld>
+  <p:clrMapOvr>
+    <a:masterClrMapping/>
+  </p:clrMapOvr>
+</p:notes>
+</file>
+
+<file path=ppt/notesSlides/notesSlide11.xml><?xml version="1.0" encoding="utf-8"?>
+<p:notes xmlns:a="http://schemas.openxmlformats.org/drawingml/2006/main" xmlns:r="http://schemas.openxmlformats.org/officeDocument/2006/relationships" xmlns:p="http://schemas.openxmlformats.org/presentationml/2006/main">
+  <p:cSld>
+    <p:spTree>
+      <p:nvGrpSpPr>
+        <p:cNvPr id="1" name=""/>
+        <p:cNvGrpSpPr/>
+        <p:nvPr/>
+      </p:nvGrpSpPr>
+      <p:grpSpPr>
+        <a:xfrm>
+          <a:off x="0" y="0"/>
+          <a:ext cx="0" cy="0"/>
+          <a:chOff x="0" y="0"/>
+          <a:chExt cx="0" cy="0"/>
+        </a:xfrm>
+      </p:grpSpPr>
+      <p:sp>
+        <p:nvSpPr>
+          <p:cNvPr id="2" name="スライド イメージ プレースホルダー 1"/>
+          <p:cNvSpPr>
+            <a:spLocks noGrp="1" noRot="1" noChangeAspect="1"/>
+          </p:cNvSpPr>
+          <p:nvPr>
+            <p:ph type="sldImg"/>
+          </p:nvPr>
+        </p:nvSpPr>
+        <p:spPr/>
+      </p:sp>
+      <p:sp>
+        <p:nvSpPr>
+          <p:cNvPr id="3" name="ノート プレースホルダー 2"/>
+          <p:cNvSpPr>
+            <a:spLocks noGrp="1"/>
+          </p:cNvSpPr>
+          <p:nvPr>
+            <p:ph type="body" idx="1"/>
+          </p:nvPr>
+        </p:nvSpPr>
+        <p:spPr/>
+        <p:txBody>
+          <a:bodyPr/>
+          <a:lstStyle/>
+          <a:p>
+            <a:r>
+              <a:rPr kumimoji="1" lang="ja-JP" altLang="en-US" dirty="0" smtClean="0"/>
+              <a:t>次に後半の流れです。</a:t>
+            </a:r>
+            <a:endParaRPr kumimoji="1" lang="en-US" altLang="ja-JP" dirty="0" smtClean="0"/>
+          </a:p>
+          <a:p>
+            <a:r>
+              <a:rPr kumimoji="1" lang="ja-JP" altLang="en-US" dirty="0" smtClean="0"/>
+              <a:t>現在、</a:t>
+            </a:r>
+            <a:r>
+              <a:rPr kumimoji="1" lang="en-US" altLang="ja-JP" dirty="0" smtClean="0"/>
+              <a:t>3</a:t>
+            </a:r>
+            <a:r>
+              <a:rPr kumimoji="1" lang="ja-JP" altLang="en-US" dirty="0" smtClean="0"/>
+              <a:t>スプリント目に取り掛かっており、過去問・シラバスの表示機能の作成に取り掛かってます。</a:t>
+            </a:r>
+            <a:endParaRPr kumimoji="1" lang="en-US" altLang="ja-JP" dirty="0" smtClean="0"/>
+          </a:p>
+          <a:p>
+            <a:r>
+              <a:rPr kumimoji="1" lang="ja-JP" altLang="en-US" dirty="0" smtClean="0"/>
+              <a:t>以上で、矢吹研</a:t>
+            </a:r>
+            <a:r>
+              <a:rPr kumimoji="1" lang="en-US" altLang="ja-JP" dirty="0" smtClean="0"/>
+              <a:t>A</a:t>
+            </a:r>
+            <a:r>
+              <a:rPr kumimoji="1" lang="ja-JP" altLang="en-US" dirty="0" smtClean="0"/>
+              <a:t>班の発表を終わります。</a:t>
+            </a:r>
+            <a:endParaRPr kumimoji="1" lang="en-US" altLang="ja-JP" dirty="0" smtClean="0"/>
+          </a:p>
+          <a:p>
+            <a:r>
+              <a:rPr kumimoji="1" lang="ja-JP" altLang="en-US" dirty="0" smtClean="0"/>
+              <a:t>ありがとうございました。</a:t>
+            </a:r>
+            <a:endParaRPr kumimoji="1" lang="en-US" altLang="ja-JP" dirty="0" smtClean="0"/>
+          </a:p>
+        </p:txBody>
+      </p:sp>
+      <p:sp>
+        <p:nvSpPr>
+          <p:cNvPr id="4" name="スライド番号プレースホルダー 3"/>
+          <p:cNvSpPr>
+            <a:spLocks noGrp="1"/>
+          </p:cNvSpPr>
+          <p:nvPr>
+            <p:ph type="sldNum" sz="quarter" idx="10"/>
+          </p:nvPr>
+        </p:nvSpPr>
+        <p:spPr/>
+        <p:txBody>
+          <a:bodyPr/>
+          <a:lstStyle/>
+          <a:p>
+            <a:fld id="{31EB9004-3F70-404F-81A1-72744BD5EB90}" type="slidenum">
+              <a:rPr kumimoji="1" lang="ja-JP" altLang="en-US" smtClean="0"/>
+              <a:t>11</a:t>
             </a:fld>
             <a:endParaRPr kumimoji="1" lang="ja-JP" altLang="en-US"/>
           </a:p>
@@ -1009,11 +1169,7 @@
             </a:r>
             <a:r>
               <a:rPr kumimoji="1" lang="ja-JP" altLang="en-US" dirty="0" smtClean="0"/>
-              <a:t>学科の専門科目のシラバスを見たいとします。</a:t>
-            </a:r>
-            <a:r>
-              <a:rPr kumimoji="1" lang="ja-JP" altLang="en-US" dirty="0" smtClean="0"/>
-              <a:t>アプリを立ち上げ、ログインは毎回しなければなりません。検索フォームでは所属学科から教員名まですべて手入力で行い、一覧から自分の見たいシラバスを探していかなければならず、手間がかかります。</a:t>
+              <a:t>学科の専門科目のシラバスを見たいとします。アプリを立ち上げ、ログインは毎回しなければなりません。検索フォームでは所属学科から教員名まですべて手入力で行い、一覧から自分の見たいシラバスを探していかなければならず、手間がかかります。</a:t>
             </a:r>
             <a:endParaRPr kumimoji="1" lang="en-US" altLang="ja-JP" dirty="0" smtClean="0"/>
           </a:p>
@@ -1339,7 +1495,11 @@
           <a:p>
             <a:r>
               <a:rPr kumimoji="1" lang="ja-JP" altLang="en-US" dirty="0" smtClean="0"/>
-              <a:t>管理系では、「アジャイル開発の導入」を選択しました。</a:t>
+              <a:t>管理系では、「アジャイル開発の導入」を選択</a:t>
+            </a:r>
+            <a:r>
+              <a:rPr kumimoji="1" lang="ja-JP" altLang="en-US" dirty="0" smtClean="0"/>
+              <a:t>し、スクラムという手法を用いて進めています。</a:t>
             </a:r>
             <a:endParaRPr kumimoji="1" lang="en-US" altLang="ja-JP" dirty="0" smtClean="0"/>
           </a:p>
@@ -1375,7 +1535,19 @@
             </a:r>
             <a:r>
               <a:rPr lang="ja-JP" altLang="en-US" sz="1200" dirty="0" smtClean="0"/>
-              <a:t>を利用した実装」を選択しました。</a:t>
+              <a:t>を利用した実装」を選択</a:t>
+            </a:r>
+            <a:r>
+              <a:rPr lang="ja-JP" altLang="en-US" sz="1200" dirty="0" smtClean="0"/>
+              <a:t>し、ツイッター</a:t>
+            </a:r>
+            <a:r>
+              <a:rPr lang="en-US" altLang="ja-JP" sz="1200" dirty="0" smtClean="0"/>
+              <a:t>API</a:t>
+            </a:r>
+            <a:r>
+              <a:rPr lang="ja-JP" altLang="en-US" sz="1200" dirty="0" smtClean="0"/>
+              <a:t>を実装しました。</a:t>
             </a:r>
             <a:endParaRPr kumimoji="1" lang="ja-JP" altLang="en-US" sz="1200" dirty="0" smtClean="0"/>
           </a:p>
@@ -1466,26 +1638,136 @@
           <a:p>
             <a:r>
               <a:rPr kumimoji="1" lang="ja-JP" altLang="en-US" dirty="0" smtClean="0"/>
-              <a:t>次に進捗管理について説明します。</a:t>
+              <a:t>次に進捗管理について説明します</a:t>
+            </a:r>
+            <a:r>
+              <a:rPr kumimoji="1" lang="ja-JP" altLang="en-US" dirty="0" smtClean="0"/>
+              <a:t>。</a:t>
             </a:r>
             <a:endParaRPr kumimoji="1" lang="en-US" altLang="ja-JP" dirty="0" smtClean="0"/>
           </a:p>
           <a:p>
+            <a:pPr marL="0" marR="0" indent="0" algn="l" defTabSz="914400" rtl="0" eaLnBrk="1" fontAlgn="auto" latinLnBrk="0" hangingPunct="1">
+              <a:lnSpc>
+                <a:spcPct val="100000"/>
+              </a:lnSpc>
+              <a:spcBef>
+                <a:spcPts val="0"/>
+              </a:spcBef>
+              <a:spcAft>
+                <a:spcPts val="0"/>
+              </a:spcAft>
+              <a:buClrTx/>
+              <a:buSzTx/>
+              <a:buFontTx/>
+              <a:buNone/>
+              <a:tabLst/>
+              <a:defRPr/>
+            </a:pPr>
+            <a:r>
+              <a:rPr lang="ja-JP" altLang="en-US" dirty="0" smtClean="0"/>
+              <a:t>アジャイル開発の進捗管理では、ガントチャートの代わりにバーンアップチャートを用います。</a:t>
+            </a:r>
+            <a:endParaRPr lang="en-US" altLang="ja-JP" dirty="0" smtClean="0"/>
+          </a:p>
+          <a:p>
+            <a:pPr marL="0" marR="0" indent="0" algn="l" defTabSz="914400" rtl="0" eaLnBrk="1" fontAlgn="auto" latinLnBrk="0" hangingPunct="1">
+              <a:lnSpc>
+                <a:spcPct val="100000"/>
+              </a:lnSpc>
+              <a:spcBef>
+                <a:spcPts val="0"/>
+              </a:spcBef>
+              <a:spcAft>
+                <a:spcPts val="0"/>
+              </a:spcAft>
+              <a:buClrTx/>
+              <a:buSzTx/>
+              <a:buFontTx/>
+              <a:buNone/>
+              <a:tabLst/>
+              <a:defRPr/>
+            </a:pPr>
             <a:r>
               <a:rPr kumimoji="1" lang="ja-JP" altLang="en-US" dirty="0" smtClean="0"/>
-              <a:t>私たちは進捗管理のツールとしてバーンアップチャートを用いています。</a:t>
+              <a:t>バーンアップチャートは、機能の実装速度や残作業量、完了日が一目でわかるよう表した図です。</a:t>
             </a:r>
             <a:endParaRPr kumimoji="1" lang="en-US" altLang="ja-JP" dirty="0" smtClean="0"/>
           </a:p>
           <a:p>
-            <a:r>
-              <a:rPr kumimoji="1" lang="ja-JP" altLang="en-US" dirty="0" smtClean="0"/>
-              <a:t>アジャイル開発では、ガントチャートの代わりにバーンアップチャートを用います。</a:t>
-            </a:r>
+            <a:pPr marL="0" marR="0" indent="0" algn="l" defTabSz="914400" rtl="0" eaLnBrk="1" fontAlgn="auto" latinLnBrk="0" hangingPunct="1">
+              <a:lnSpc>
+                <a:spcPct val="100000"/>
+              </a:lnSpc>
+              <a:spcBef>
+                <a:spcPts val="0"/>
+              </a:spcBef>
+              <a:spcAft>
+                <a:spcPts val="0"/>
+              </a:spcAft>
+              <a:buClrTx/>
+              <a:buSzTx/>
+              <a:buFontTx/>
+              <a:buNone/>
+              <a:tabLst/>
+              <a:defRPr/>
+            </a:pPr>
+            <a:r>
+              <a:rPr lang="ja-JP" altLang="en-US" dirty="0" smtClean="0"/>
+              <a:t>バーンアップチャートは、</a:t>
+            </a:r>
+            <a:r>
+              <a:rPr lang="en-US" altLang="ja-JP" dirty="0" smtClean="0"/>
+              <a:t>1</a:t>
+            </a:r>
+            <a:r>
+              <a:rPr lang="ja-JP" altLang="en-US" dirty="0" smtClean="0"/>
+              <a:t>スプリントごとに更新していきます。</a:t>
+            </a:r>
+            <a:endParaRPr lang="en-US" altLang="ja-JP" dirty="0" smtClean="0"/>
+          </a:p>
+          <a:p>
+            <a:pPr marL="0" marR="0" indent="0" algn="l" defTabSz="914400" rtl="0" eaLnBrk="1" fontAlgn="auto" latinLnBrk="0" hangingPunct="1">
+              <a:lnSpc>
+                <a:spcPct val="100000"/>
+              </a:lnSpc>
+              <a:spcBef>
+                <a:spcPts val="0"/>
+              </a:spcBef>
+              <a:spcAft>
+                <a:spcPts val="0"/>
+              </a:spcAft>
+              <a:buClrTx/>
+              <a:buSzTx/>
+              <a:buFontTx/>
+              <a:buNone/>
+              <a:tabLst/>
+              <a:defRPr/>
+            </a:pPr>
+            <a:r>
+              <a:rPr lang="ja-JP" altLang="en-US" dirty="0" smtClean="0"/>
+              <a:t>私たちは</a:t>
+            </a:r>
+            <a:r>
+              <a:rPr lang="en-US" altLang="ja-JP" dirty="0" smtClean="0"/>
+              <a:t>1</a:t>
+            </a:r>
+            <a:r>
+              <a:rPr lang="ja-JP" altLang="en-US" dirty="0" smtClean="0"/>
+              <a:t>スプリントの期間を、</a:t>
+            </a:r>
+            <a:r>
+              <a:rPr lang="en-US" altLang="ja-JP" dirty="0" smtClean="0"/>
+              <a:t>2</a:t>
+            </a:r>
+            <a:r>
+              <a:rPr lang="ja-JP" altLang="en-US" dirty="0" smtClean="0"/>
+              <a:t>週間で行っています。</a:t>
+            </a:r>
+            <a:endParaRPr lang="en-US" altLang="ja-JP" dirty="0" smtClean="0"/>
+          </a:p>
+          <a:p>
             <a:endParaRPr kumimoji="1" lang="en-US" altLang="ja-JP" dirty="0" smtClean="0"/>
-          </a:p>
-          <a:p>
-            <a:endParaRPr kumimoji="1" lang="ja-JP" altLang="en-US" dirty="0"/>
           </a:p>
         </p:txBody>
       </p:sp>
@@ -1571,7 +1853,11 @@
           <a:p>
             <a:r>
               <a:rPr kumimoji="1" lang="ja-JP" altLang="en-US" dirty="0" smtClean="0"/>
-              <a:t>こちらの表は各機能の</a:t>
+              <a:t>こちらの表</a:t>
+            </a:r>
+            <a:r>
+              <a:rPr kumimoji="1" lang="ja-JP" altLang="en-US" dirty="0" smtClean="0"/>
+              <a:t>は、各機能の見積り時間と優先順位を見積もったものです。</a:t>
             </a:r>
             <a:endParaRPr kumimoji="1" lang="ja-JP" altLang="en-US" dirty="0"/>
           </a:p>
@@ -1656,6 +1942,71 @@
         <p:txBody>
           <a:bodyPr/>
           <a:lstStyle/>
+          <a:p>
+            <a:r>
+              <a:rPr kumimoji="1" lang="ja-JP" altLang="en-US" dirty="0" smtClean="0"/>
+              <a:t>こちらが、バーンアップチャートです。</a:t>
+            </a:r>
+            <a:endParaRPr kumimoji="1" lang="en-US" altLang="ja-JP" dirty="0" smtClean="0"/>
+          </a:p>
+          <a:p>
+            <a:r>
+              <a:rPr kumimoji="1" lang="ja-JP" altLang="en-US" dirty="0" smtClean="0"/>
+              <a:t>青色の線は、見積時間で、各機能ごとに時間を見積もったものです。</a:t>
+            </a:r>
+            <a:endParaRPr kumimoji="1" lang="en-US" altLang="ja-JP" dirty="0" smtClean="0"/>
+          </a:p>
+          <a:p>
+            <a:r>
+              <a:rPr kumimoji="1" lang="ja-JP" altLang="en-US" dirty="0" smtClean="0"/>
+              <a:t>オレンジ色の線は、完了時間累計で、現在までの各機能の実績値を、時間で表した合計です。</a:t>
+            </a:r>
+            <a:endParaRPr kumimoji="1" lang="en-US" altLang="ja-JP" dirty="0" smtClean="0"/>
+          </a:p>
+          <a:p>
+            <a:r>
+              <a:rPr kumimoji="1" lang="ja-JP" altLang="en-US" dirty="0" smtClean="0"/>
+              <a:t>灰色の線は、理想完了時間で、各機能の作業終了までを表した、予測値です。</a:t>
+            </a:r>
+            <a:endParaRPr kumimoji="1" lang="en-US" altLang="ja-JP" dirty="0" smtClean="0"/>
+          </a:p>
+          <a:p>
+            <a:r>
+              <a:rPr kumimoji="1" lang="ja-JP" altLang="en-US" dirty="0" smtClean="0"/>
+              <a:t>黄色の線は、作業時間累計で、現在までの作業時間の合計です。</a:t>
+            </a:r>
+            <a:endParaRPr kumimoji="1" lang="en-US" altLang="ja-JP" dirty="0" smtClean="0"/>
+          </a:p>
+          <a:p>
+            <a:r>
+              <a:rPr kumimoji="1" lang="en-US" altLang="ja-JP" dirty="0" smtClean="0"/>
+              <a:t>6</a:t>
+            </a:r>
+            <a:r>
+              <a:rPr kumimoji="1" lang="ja-JP" altLang="en-US" dirty="0" smtClean="0"/>
+              <a:t>月</a:t>
+            </a:r>
+            <a:r>
+              <a:rPr kumimoji="1" lang="en-US" altLang="ja-JP" dirty="0" smtClean="0"/>
+              <a:t>7</a:t>
+            </a:r>
+            <a:r>
+              <a:rPr kumimoji="1" lang="ja-JP" altLang="en-US" dirty="0" smtClean="0"/>
+              <a:t>日に</a:t>
+            </a:r>
+            <a:r>
+              <a:rPr kumimoji="1" lang="en-US" altLang="ja-JP" dirty="0" smtClean="0"/>
+              <a:t>2</a:t>
+            </a:r>
+            <a:r>
+              <a:rPr kumimoji="1" lang="ja-JP" altLang="en-US" dirty="0" smtClean="0"/>
+              <a:t>回目のスプリントが終了し、現在は作業とコストともに遅れが生じている状況です。</a:t>
+            </a:r>
+            <a:endParaRPr kumimoji="1" lang="en-US" altLang="ja-JP" dirty="0" smtClean="0"/>
+          </a:p>
+          <a:p>
+            <a:endParaRPr kumimoji="1" lang="en-US" altLang="ja-JP" dirty="0" smtClean="0"/>
+          </a:p>
           <a:p>
             <a:endParaRPr kumimoji="1" lang="ja-JP" altLang="en-US" dirty="0"/>
           </a:p>
@@ -5012,12 +5363,202 @@
           <a:lstStyle/>
           <a:p>
             <a:r>
+              <a:rPr lang="en-US" altLang="ja-JP" b="1" dirty="0"/>
+              <a:t>6</a:t>
+            </a:r>
+            <a:r>
               <a:rPr lang="en-US" altLang="ja-JP" b="1" dirty="0" smtClean="0"/>
-              <a:t>5.</a:t>
+              <a:t>.</a:t>
             </a:r>
             <a:r>
               <a:rPr lang="ja-JP" altLang="en-US" b="1" dirty="0" smtClean="0"/>
-              <a:t> 後半の流れ</a:t>
+              <a:t>品質管理</a:t>
+            </a:r>
+            <a:endParaRPr kumimoji="1" lang="ja-JP" altLang="en-US" b="1" dirty="0"/>
+          </a:p>
+        </p:txBody>
+      </p:sp>
+      <p:sp>
+        <p:nvSpPr>
+          <p:cNvPr id="4" name="スライド番号プレースホルダー 3"/>
+          <p:cNvSpPr>
+            <a:spLocks noGrp="1"/>
+          </p:cNvSpPr>
+          <p:nvPr>
+            <p:ph type="sldNum" sz="quarter" idx="12"/>
+          </p:nvPr>
+        </p:nvSpPr>
+        <p:spPr/>
+        <p:txBody>
+          <a:bodyPr/>
+          <a:lstStyle/>
+          <a:p>
+            <a:fld id="{DBCC0E39-F1DF-4704-BA4C-1FA94645E7DF}" type="slidenum">
+              <a:rPr kumimoji="1" lang="ja-JP" altLang="en-US" smtClean="0"/>
+              <a:t>10</a:t>
+            </a:fld>
+            <a:endParaRPr kumimoji="1" lang="ja-JP" altLang="en-US"/>
+          </a:p>
+        </p:txBody>
+      </p:sp>
+      <p:sp>
+        <p:nvSpPr>
+          <p:cNvPr id="5" name="テキスト ボックス 4"/>
+          <p:cNvSpPr txBox="1"/>
+          <p:nvPr/>
+        </p:nvSpPr>
+        <p:spPr>
+          <a:xfrm>
+            <a:off x="642257" y="2774905"/>
+            <a:ext cx="10515600" cy="1569660"/>
+          </a:xfrm>
+          <a:prstGeom prst="rect">
+            <a:avLst/>
+          </a:prstGeom>
+          <a:noFill/>
+        </p:spPr>
+        <p:txBody>
+          <a:bodyPr wrap="square" rtlCol="0">
+            <a:spAutoFit/>
+          </a:bodyPr>
+          <a:lstStyle/>
+          <a:p>
+            <a:pPr algn="ctr"/>
+            <a:r>
+              <a:rPr lang="ja-JP" altLang="ja-JP" sz="3200" b="1" dirty="0"/>
+              <a:t>スプリント終了</a:t>
+            </a:r>
+            <a:r>
+              <a:rPr lang="ja-JP" altLang="ja-JP" sz="3200" b="1" dirty="0" smtClean="0"/>
+              <a:t>時</a:t>
+            </a:r>
+            <a:r>
+              <a:rPr lang="ja-JP" altLang="en-US" sz="3200" b="1" dirty="0" smtClean="0"/>
+              <a:t>毎</a:t>
+            </a:r>
+            <a:r>
+              <a:rPr lang="ja-JP" altLang="ja-JP" sz="3200" b="1" dirty="0" smtClean="0"/>
+              <a:t>に</a:t>
+            </a:r>
+            <a:r>
+              <a:rPr lang="ja-JP" altLang="ja-JP" sz="3200" b="1" dirty="0"/>
+              <a:t>プロダクトオーナー</a:t>
+            </a:r>
+            <a:r>
+              <a:rPr lang="ja-JP" altLang="ja-JP" sz="3200" b="1" dirty="0" smtClean="0"/>
+              <a:t>に</a:t>
+            </a:r>
+            <a:endParaRPr lang="en-US" altLang="ja-JP" sz="3200" b="1" dirty="0" smtClean="0"/>
+          </a:p>
+          <a:p>
+            <a:pPr algn="ctr"/>
+            <a:r>
+              <a:rPr lang="ja-JP" altLang="ja-JP" sz="3200" b="1" dirty="0" smtClean="0"/>
+              <a:t>成果物</a:t>
+            </a:r>
+            <a:r>
+              <a:rPr lang="ja-JP" altLang="ja-JP" sz="3200" b="1" dirty="0"/>
+              <a:t>の情報量、利便性、簡易性の</a:t>
+            </a:r>
+            <a:r>
+              <a:rPr lang="ja-JP" altLang="ja-JP" sz="3200" b="1" dirty="0" smtClean="0"/>
+              <a:t>観点から</a:t>
+            </a:r>
+            <a:r>
+              <a:rPr lang="ja-JP" altLang="en-US" sz="3200" b="1" dirty="0" smtClean="0"/>
+              <a:t>、</a:t>
+            </a:r>
+            <a:endParaRPr lang="en-US" altLang="ja-JP" sz="3200" b="1" dirty="0" smtClean="0"/>
+          </a:p>
+          <a:p>
+            <a:pPr algn="ctr"/>
+            <a:r>
+              <a:rPr lang="ja-JP" altLang="ja-JP" sz="3200" b="1" dirty="0" smtClean="0"/>
+              <a:t>１～</a:t>
+            </a:r>
+            <a:r>
+              <a:rPr lang="en-US" altLang="ja-JP" sz="3200" b="1" dirty="0" smtClean="0"/>
+              <a:t>10</a:t>
+            </a:r>
+            <a:r>
+              <a:rPr lang="ja-JP" altLang="ja-JP" sz="3200" b="1" dirty="0" smtClean="0"/>
+              <a:t>の</a:t>
+            </a:r>
+            <a:r>
+              <a:rPr lang="en-US" altLang="ja-JP" sz="3200" b="1" dirty="0" smtClean="0"/>
+              <a:t>10</a:t>
+            </a:r>
+            <a:r>
+              <a:rPr lang="ja-JP" altLang="ja-JP" sz="3200" b="1" dirty="0" smtClean="0"/>
+              <a:t>段階で評価してもらう。</a:t>
+            </a:r>
+            <a:endParaRPr lang="ja-JP" altLang="ja-JP" sz="3200" b="1" dirty="0"/>
+          </a:p>
+        </p:txBody>
+      </p:sp>
+    </p:spTree>
+    <p:extLst>
+      <p:ext uri="{BB962C8B-B14F-4D97-AF65-F5344CB8AC3E}">
+        <p14:creationId xmlns:p14="http://schemas.microsoft.com/office/powerpoint/2010/main" val="3102615835"/>
+      </p:ext>
+    </p:extLst>
+  </p:cSld>
+  <p:clrMapOvr>
+    <a:masterClrMapping/>
+  </p:clrMapOvr>
+  <p:timing>
+    <p:tnLst>
+      <p:par>
+        <p:cTn id="1" dur="indefinite" restart="never" nodeType="tmRoot"/>
+      </p:par>
+    </p:tnLst>
+  </p:timing>
+</p:sld>
+</file>
+
+<file path=ppt/slides/slide11.xml><?xml version="1.0" encoding="utf-8"?>
+<p:sld xmlns:a="http://schemas.openxmlformats.org/drawingml/2006/main" xmlns:r="http://schemas.openxmlformats.org/officeDocument/2006/relationships" xmlns:p="http://schemas.openxmlformats.org/presentationml/2006/main">
+  <p:cSld>
+    <p:spTree>
+      <p:nvGrpSpPr>
+        <p:cNvPr id="1" name=""/>
+        <p:cNvGrpSpPr/>
+        <p:nvPr/>
+      </p:nvGrpSpPr>
+      <p:grpSpPr>
+        <a:xfrm>
+          <a:off x="0" y="0"/>
+          <a:ext cx="0" cy="0"/>
+          <a:chOff x="0" y="0"/>
+          <a:chExt cx="0" cy="0"/>
+        </a:xfrm>
+      </p:grpSpPr>
+      <p:sp>
+        <p:nvSpPr>
+          <p:cNvPr id="2" name="タイトル 1"/>
+          <p:cNvSpPr>
+            <a:spLocks noGrp="1"/>
+          </p:cNvSpPr>
+          <p:nvPr>
+            <p:ph type="title"/>
+          </p:nvPr>
+        </p:nvSpPr>
+        <p:spPr/>
+        <p:txBody>
+          <a:bodyPr/>
+          <a:lstStyle/>
+          <a:p>
+            <a:r>
+              <a:rPr lang="en-US" altLang="ja-JP" b="1" dirty="0" smtClean="0"/>
+              <a:t>.</a:t>
+            </a:r>
+            <a:r>
+              <a:rPr lang="ja-JP" altLang="en-US" b="1" dirty="0" smtClean="0"/>
+              <a:t> </a:t>
+            </a:r>
+            <a:r>
+              <a:rPr lang="ja-JP" altLang="en-US" b="1" dirty="0" smtClean="0"/>
+              <a:t>後半の流れ</a:t>
             </a:r>
             <a:endParaRPr kumimoji="1" lang="ja-JP" altLang="en-US" dirty="0"/>
           </a:p>
@@ -5055,10 +5596,10 @@
               <a:buNone/>
             </a:pPr>
             <a:r>
-              <a:rPr lang="ja-JP" altLang="en-US" sz="3600" dirty="0" smtClean="0"/>
+              <a:rPr lang="ja-JP" altLang="en-US" sz="3600" b="1" dirty="0" smtClean="0"/>
               <a:t>過去問、シラバスの表示機能の作成</a:t>
             </a:r>
-            <a:endParaRPr lang="en-US" altLang="ja-JP" sz="3600" dirty="0" smtClean="0"/>
+            <a:endParaRPr lang="en-US" altLang="ja-JP" sz="3600" b="1" dirty="0" smtClean="0"/>
           </a:p>
           <a:p>
             <a:pPr marL="0" indent="0" algn="ctr">
@@ -5068,22 +5609,22 @@
               <a:buNone/>
             </a:pPr>
             <a:r>
-              <a:rPr lang="ja-JP" altLang="en-US" sz="3600" dirty="0" smtClean="0"/>
+              <a:rPr lang="ja-JP" altLang="en-US" sz="3600" b="1" dirty="0" smtClean="0"/>
               <a:t>竹内</a:t>
             </a:r>
             <a:r>
-              <a:rPr lang="ja-JP" altLang="en-US" sz="3600" dirty="0"/>
+              <a:rPr lang="ja-JP" altLang="en-US" sz="3600" b="1" dirty="0"/>
               <a:t>君が</a:t>
             </a:r>
             <a:r>
-              <a:rPr lang="en-US" altLang="ja-JP" sz="3600" dirty="0"/>
+              <a:rPr lang="en-US" altLang="ja-JP" sz="3600" b="1" dirty="0"/>
               <a:t>PM</a:t>
             </a:r>
             <a:r>
-              <a:rPr lang="ja-JP" altLang="en-US" sz="3600" dirty="0"/>
+              <a:rPr lang="ja-JP" altLang="en-US" sz="3600" b="1" dirty="0"/>
               <a:t>を引き継ぎます。</a:t>
             </a:r>
-            <a:endParaRPr lang="en-US" altLang="ja-JP" sz="3600" dirty="0"/>
+            <a:endParaRPr lang="en-US" altLang="ja-JP" sz="3600" b="1" dirty="0"/>
           </a:p>
           <a:p>
             <a:endParaRPr kumimoji="1" lang="en-US" altLang="ja-JP" dirty="0" smtClean="0"/>
@@ -5183,7 +5724,7 @@
             </a:r>
             <a:r>
               <a:rPr lang="ja-JP" altLang="en-US" sz="3200" b="1" dirty="0" smtClean="0"/>
-              <a:t>概要</a:t>
+              <a:t>背景</a:t>
             </a:r>
             <a:endParaRPr lang="en-US" altLang="ja-JP" sz="3200" b="1" dirty="0" smtClean="0"/>
           </a:p>
@@ -5192,12 +5733,16 @@
               <a:buNone/>
             </a:pPr>
             <a:r>
+              <a:rPr lang="en-US" altLang="ja-JP" sz="3200" b="1" dirty="0"/>
+              <a:t>2</a:t>
+            </a:r>
+            <a:r>
               <a:rPr lang="en-US" altLang="ja-JP" sz="3200" b="1" dirty="0" smtClean="0"/>
-              <a:t>2.</a:t>
+              <a:t>.</a:t>
             </a:r>
             <a:r>
               <a:rPr lang="ja-JP" altLang="en-US" sz="3200" b="1" dirty="0" smtClean="0"/>
-              <a:t>主な機能</a:t>
+              <a:t>プロジェクト目的</a:t>
             </a:r>
             <a:endParaRPr lang="en-US" altLang="ja-JP" sz="3200" b="1" dirty="0" smtClean="0"/>
           </a:p>
@@ -5214,6 +5759,24 @@
               <a:t>.</a:t>
             </a:r>
             <a:r>
+              <a:rPr lang="ja-JP" altLang="en-US" sz="3200" b="1" smtClean="0"/>
+              <a:t>主な機能</a:t>
+            </a:r>
+            <a:endParaRPr lang="en-US" altLang="ja-JP" sz="3200" b="1" dirty="0" smtClean="0"/>
+          </a:p>
+          <a:p>
+            <a:pPr marL="0" indent="0">
+              <a:buNone/>
+            </a:pPr>
+            <a:r>
+              <a:rPr lang="en-US" altLang="ja-JP" sz="3200" b="1" dirty="0"/>
+              <a:t>4</a:t>
+            </a:r>
+            <a:r>
+              <a:rPr lang="en-US" altLang="ja-JP" sz="3200" b="1" dirty="0" smtClean="0"/>
+              <a:t>.</a:t>
+            </a:r>
+            <a:r>
               <a:rPr lang="ja-JP" altLang="en-US" sz="3200" b="1" dirty="0" smtClean="0"/>
               <a:t>選択したチーム課題</a:t>
             </a:r>
@@ -5225,7 +5788,7 @@
             </a:pPr>
             <a:r>
               <a:rPr lang="en-US" altLang="ja-JP" sz="3200" b="1" dirty="0"/>
-              <a:t>4</a:t>
+              <a:t>5</a:t>
             </a:r>
             <a:r>
               <a:rPr lang="en-US" altLang="ja-JP" sz="3200" b="1" dirty="0" smtClean="0"/>
@@ -5233,17 +5796,43 @@
             </a:r>
             <a:r>
               <a:rPr lang="ja-JP" altLang="en-US" sz="3200" b="1" dirty="0" smtClean="0"/>
-              <a:t>進捗管理・状況</a:t>
-            </a:r>
-            <a:endParaRPr lang="en-US" altLang="ja-JP" sz="3200" b="1" dirty="0"/>
+              <a:t>進捗</a:t>
+            </a:r>
+            <a:r>
+              <a:rPr lang="ja-JP" altLang="en-US" sz="3200" b="1" dirty="0" smtClean="0"/>
+              <a:t>管理の方法</a:t>
+            </a:r>
+            <a:endParaRPr lang="en-US" altLang="ja-JP" sz="3200" b="1" dirty="0" smtClean="0"/>
           </a:p>
           <a:p>
             <a:pPr marL="0" indent="0">
               <a:buNone/>
             </a:pPr>
             <a:r>
+              <a:rPr lang="en-US" altLang="ja-JP" sz="3200" b="1" dirty="0"/>
+              <a:t>6</a:t>
+            </a:r>
+            <a:r>
               <a:rPr lang="en-US" altLang="ja-JP" sz="3200" b="1" dirty="0" smtClean="0"/>
-              <a:t>5.</a:t>
+              <a:t>.</a:t>
+            </a:r>
+            <a:r>
+              <a:rPr lang="ja-JP" altLang="en-US" sz="3200" b="1" dirty="0" smtClean="0"/>
+              <a:t>品質管理</a:t>
+            </a:r>
+            <a:endParaRPr lang="en-US" altLang="ja-JP" sz="3200" b="1" dirty="0" smtClean="0"/>
+          </a:p>
+          <a:p>
+            <a:pPr marL="0" indent="0">
+              <a:buNone/>
+            </a:pPr>
+            <a:r>
+              <a:rPr lang="en-US" altLang="ja-JP" sz="3200" b="1" dirty="0"/>
+              <a:t>7</a:t>
+            </a:r>
+            <a:r>
+              <a:rPr lang="en-US" altLang="ja-JP" sz="3200" b="1" dirty="0" smtClean="0"/>
+              <a:t>.</a:t>
             </a:r>
             <a:r>
               <a:rPr lang="ja-JP" altLang="en-US" sz="3200" b="1" dirty="0" smtClean="0"/>
@@ -5319,7 +5908,11 @@
             </a:r>
             <a:r>
               <a:rPr kumimoji="1" lang="ja-JP" altLang="en-US" b="1" dirty="0" smtClean="0"/>
-              <a:t>プロジェクト概要</a:t>
+              <a:t>プロジェクト</a:t>
+            </a:r>
+            <a:r>
+              <a:rPr lang="ja-JP" altLang="en-US" b="1" dirty="0"/>
+              <a:t>背景</a:t>
             </a:r>
             <a:endParaRPr kumimoji="1" lang="ja-JP" altLang="en-US" b="1" dirty="0"/>
           </a:p>
@@ -5337,8 +5930,8 @@
         </p:nvSpPr>
         <p:spPr>
           <a:xfrm>
-            <a:off x="552450" y="2588419"/>
-            <a:ext cx="10515600" cy="2870200"/>
+            <a:off x="382633" y="1974463"/>
+            <a:ext cx="10515600" cy="3767931"/>
           </a:xfrm>
         </p:spPr>
         <p:txBody>
@@ -5347,42 +5940,51 @@
           </a:bodyPr>
           <a:lstStyle/>
           <a:p>
-            <a:pPr marL="0" indent="0" algn="ctr">
+            <a:pPr marL="0" indent="0">
               <a:lnSpc>
                 <a:spcPct val="150000"/>
               </a:lnSpc>
               <a:buNone/>
             </a:pPr>
             <a:r>
-              <a:rPr lang="ja-JP" altLang="en-US" sz="4800" dirty="0" smtClean="0"/>
-              <a:t>シラバス</a:t>
-            </a:r>
-            <a:r>
-              <a:rPr lang="ja-JP" altLang="en-US" sz="4800" dirty="0"/>
-              <a:t>検索や時間割の</a:t>
-            </a:r>
-            <a:r>
-              <a:rPr lang="ja-JP" altLang="en-US" sz="4800" dirty="0" smtClean="0"/>
-              <a:t>確認に、</a:t>
+              <a:rPr lang="ja-JP" altLang="en-US" sz="4800" b="1" dirty="0" smtClean="0"/>
+              <a:t>従来は</a:t>
+            </a:r>
+            <a:r>
+              <a:rPr lang="en-US" altLang="ja-JP" sz="4800" dirty="0"/>
+              <a:t>…</a:t>
             </a:r>
             <a:endParaRPr lang="en-US" altLang="ja-JP" sz="4800" dirty="0" smtClean="0"/>
           </a:p>
           <a:p>
-            <a:pPr marL="0" indent="0" algn="ctr">
+            <a:pPr marL="0" indent="0">
               <a:lnSpc>
                 <a:spcPct val="150000"/>
               </a:lnSpc>
               <a:buNone/>
             </a:pPr>
             <a:r>
-              <a:rPr lang="ja-JP" altLang="en-US" sz="4800" dirty="0" smtClean="0"/>
-              <a:t>手間</a:t>
-            </a:r>
-            <a:r>
-              <a:rPr lang="ja-JP" altLang="en-US" sz="4800" dirty="0"/>
-              <a:t>がかかっていた。</a:t>
-            </a:r>
-            <a:endParaRPr lang="en-US" altLang="ja-JP" sz="4800" dirty="0"/>
+              <a:rPr lang="ja-JP" altLang="en-US" sz="5200" b="1" dirty="0" smtClean="0"/>
+              <a:t>シラバス検索や時間割の確認に、手間</a:t>
+            </a:r>
+            <a:r>
+              <a:rPr lang="ja-JP" altLang="en-US" sz="5200" b="1" dirty="0"/>
+              <a:t>がかかって</a:t>
+            </a:r>
+            <a:r>
+              <a:rPr lang="ja-JP" altLang="en-US" sz="5200" b="1" dirty="0" smtClean="0"/>
+              <a:t>いた</a:t>
+            </a:r>
+            <a:endParaRPr lang="en-US" altLang="ja-JP" sz="5200" b="1" dirty="0" smtClean="0"/>
+          </a:p>
+          <a:p>
+            <a:pPr marL="0" indent="0">
+              <a:lnSpc>
+                <a:spcPct val="150000"/>
+              </a:lnSpc>
+              <a:buNone/>
+            </a:pPr>
+            <a:endParaRPr lang="en-US" altLang="ja-JP" sz="3200" b="1" dirty="0"/>
           </a:p>
           <a:p>
             <a:endParaRPr kumimoji="1" lang="ja-JP" altLang="en-US" dirty="0"/>
@@ -5465,12 +6067,20 @@
           <a:lstStyle/>
           <a:p>
             <a:r>
+              <a:rPr lang="en-US" altLang="ja-JP" b="1" dirty="0"/>
+              <a:t>2</a:t>
+            </a:r>
+            <a:r>
               <a:rPr kumimoji="1" lang="en-US" altLang="ja-JP" b="1" dirty="0" smtClean="0"/>
-              <a:t>1.</a:t>
+              <a:t>.</a:t>
             </a:r>
             <a:r>
               <a:rPr kumimoji="1" lang="ja-JP" altLang="en-US" b="1" dirty="0" smtClean="0"/>
-              <a:t>プロジェクト概要</a:t>
+              <a:t>プロジェクト</a:t>
+            </a:r>
+            <a:r>
+              <a:rPr lang="ja-JP" altLang="en-US" b="1" dirty="0"/>
+              <a:t>目的</a:t>
             </a:r>
             <a:endParaRPr kumimoji="1" lang="ja-JP" altLang="en-US" b="1" dirty="0"/>
           </a:p>
@@ -5488,31 +6098,57 @@
         </p:nvSpPr>
         <p:spPr>
           <a:xfrm>
-            <a:off x="581025" y="3321050"/>
-            <a:ext cx="10515600" cy="1136650"/>
+            <a:off x="581025" y="2220685"/>
+            <a:ext cx="11475992" cy="3670664"/>
           </a:xfrm>
         </p:spPr>
         <p:txBody>
           <a:bodyPr>
-            <a:normAutofit lnSpcReduction="10000"/>
+            <a:normAutofit fontScale="70000" lnSpcReduction="20000"/>
           </a:bodyPr>
           <a:lstStyle/>
           <a:p>
-            <a:pPr marL="0" indent="0" algn="ctr">
+            <a:pPr marL="0" indent="0">
               <a:lnSpc>
                 <a:spcPct val="150000"/>
               </a:lnSpc>
               <a:buNone/>
             </a:pPr>
             <a:r>
-              <a:rPr lang="en-US" altLang="ja-JP" sz="4800" dirty="0" smtClean="0"/>
-              <a:t>PM</a:t>
-            </a:r>
-            <a:r>
-              <a:rPr lang="ja-JP" altLang="en-US" sz="4800" dirty="0" smtClean="0"/>
-              <a:t>学科専用闇キャンパスポータル</a:t>
-            </a:r>
-            <a:endParaRPr lang="en-US" altLang="ja-JP" dirty="0" smtClean="0"/>
+              <a:rPr lang="ja-JP" altLang="en-US" sz="6900" b="1" dirty="0" smtClean="0"/>
+              <a:t>本システムでは</a:t>
+            </a:r>
+            <a:r>
+              <a:rPr lang="en-US" altLang="ja-JP" sz="6900" b="1" dirty="0" smtClean="0"/>
+              <a:t>…</a:t>
+            </a:r>
+            <a:endParaRPr lang="en-US" altLang="ja-JP" sz="6900" dirty="0"/>
+          </a:p>
+          <a:p>
+            <a:pPr marL="0" indent="0">
+              <a:lnSpc>
+                <a:spcPct val="150000"/>
+              </a:lnSpc>
+              <a:buNone/>
+            </a:pPr>
+            <a:r>
+              <a:rPr lang="ja-JP" altLang="en-US" sz="7700" b="1" dirty="0" smtClean="0"/>
+              <a:t>その手間を省き、</a:t>
+            </a:r>
+            <a:endParaRPr lang="en-US" altLang="ja-JP" sz="7700" b="1" dirty="0" smtClean="0"/>
+          </a:p>
+          <a:p>
+            <a:pPr marL="0" indent="0">
+              <a:lnSpc>
+                <a:spcPct val="150000"/>
+              </a:lnSpc>
+              <a:buNone/>
+            </a:pPr>
+            <a:r>
+              <a:rPr lang="ja-JP" altLang="en-US" sz="7700" b="1" dirty="0" smtClean="0"/>
+              <a:t>新たな付加価値を加え提供します！</a:t>
+            </a:r>
+            <a:endParaRPr lang="en-US" altLang="ja-JP" sz="7700" b="1" dirty="0" smtClean="0"/>
           </a:p>
         </p:txBody>
       </p:sp>
@@ -5592,12 +6228,16 @@
           <a:lstStyle/>
           <a:p>
             <a:r>
-              <a:rPr kumimoji="1" lang="en-US" altLang="ja-JP" b="1" dirty="0" smtClean="0"/>
-              <a:t>2</a:t>
+              <a:rPr lang="en-US" altLang="ja-JP" b="1" dirty="0"/>
+              <a:t>3</a:t>
             </a:r>
             <a:r>
               <a:rPr kumimoji="1" lang="en-US" altLang="ja-JP" b="1" dirty="0" smtClean="0"/>
               <a:t>.</a:t>
+            </a:r>
+            <a:r>
+              <a:rPr kumimoji="1" lang="ja-JP" altLang="en-US" b="1" dirty="0" smtClean="0"/>
+              <a:t>主な</a:t>
             </a:r>
             <a:r>
               <a:rPr lang="ja-JP" altLang="en-US" b="1" dirty="0" smtClean="0"/>
@@ -5784,7 +6424,7 @@
           <a:p>
             <a:r>
               <a:rPr lang="en-US" altLang="ja-JP" b="1" dirty="0"/>
-              <a:t>3</a:t>
+              <a:t>4</a:t>
             </a:r>
             <a:r>
               <a:rPr lang="en-US" altLang="ja-JP" b="1" dirty="0" smtClean="0"/>
@@ -5924,12 +6564,16 @@
           <a:lstStyle/>
           <a:p>
             <a:r>
+              <a:rPr lang="en-US" altLang="ja-JP" b="1" dirty="0"/>
+              <a:t>5</a:t>
+            </a:r>
+            <a:r>
               <a:rPr kumimoji="1" lang="en-US" altLang="ja-JP" b="1" dirty="0" smtClean="0"/>
-              <a:t>4.</a:t>
+              <a:t>.</a:t>
             </a:r>
             <a:r>
               <a:rPr kumimoji="1" lang="ja-JP" altLang="en-US" b="1" dirty="0" smtClean="0"/>
-              <a:t>現在の進捗状況</a:t>
+              <a:t>進捗管理の方法</a:t>
             </a:r>
             <a:endParaRPr kumimoji="1" lang="ja-JP" altLang="en-US" b="1" dirty="0"/>
           </a:p>
@@ -5957,55 +6601,84 @@
           </a:bodyPr>
           <a:lstStyle/>
           <a:p>
-            <a:pPr marL="0" indent="0" algn="ctr">
+            <a:pPr marL="0" indent="0">
               <a:lnSpc>
                 <a:spcPct val="150000"/>
               </a:lnSpc>
               <a:buNone/>
             </a:pPr>
-            <a:endParaRPr lang="en-US" altLang="ja-JP" dirty="0" smtClean="0"/>
-          </a:p>
-          <a:p>
-            <a:pPr marL="0" indent="0" algn="ctr">
+            <a:r>
+              <a:rPr lang="ja-JP" altLang="en-US" sz="3200" b="1" dirty="0" smtClean="0"/>
+              <a:t>アジャイル開発では、進捗管理にバーンアップチャート</a:t>
+            </a:r>
+            <a:r>
+              <a:rPr lang="ja-JP" altLang="en-US" sz="3200" b="1" dirty="0" smtClean="0"/>
+              <a:t>を用いる</a:t>
+            </a:r>
+            <a:r>
+              <a:rPr lang="ja-JP" altLang="en-US" sz="3200" b="1" dirty="0" smtClean="0"/>
+              <a:t>。</a:t>
+            </a:r>
+            <a:endParaRPr lang="en-US" altLang="ja-JP" sz="3200" b="1" dirty="0" smtClean="0"/>
+          </a:p>
+          <a:p>
+            <a:pPr marL="0" indent="0">
               <a:lnSpc>
                 <a:spcPct val="150000"/>
               </a:lnSpc>
               <a:buNone/>
             </a:pPr>
             <a:r>
-              <a:rPr lang="ja-JP" altLang="en-US" dirty="0" smtClean="0"/>
-              <a:t>進捗管理はバーンアップチャートを用いる。</a:t>
-            </a:r>
-            <a:endParaRPr lang="en-US" altLang="ja-JP" dirty="0" smtClean="0"/>
-          </a:p>
-          <a:p>
-            <a:pPr marL="0" indent="0" algn="ctr">
+              <a:rPr lang="ja-JP" altLang="en-US" sz="3200" b="1" dirty="0" smtClean="0"/>
+              <a:t>プロジェクトの状況を可視化するツールであり、</a:t>
+            </a:r>
+            <a:endParaRPr lang="en-US" altLang="ja-JP" sz="3200" b="1" dirty="0" smtClean="0"/>
+          </a:p>
+          <a:p>
+            <a:pPr marL="0" indent="0">
               <a:lnSpc>
                 <a:spcPct val="150000"/>
               </a:lnSpc>
               <a:buNone/>
             </a:pPr>
             <a:r>
-              <a:rPr lang="ja-JP" altLang="en-US" dirty="0" smtClean="0"/>
-              <a:t>バーンアップチャートは、</a:t>
-            </a:r>
-            <a:r>
-              <a:rPr lang="en-US" altLang="ja-JP" dirty="0" smtClean="0"/>
+              <a:rPr lang="ja-JP" altLang="en-US" sz="3200" b="1" dirty="0"/>
+              <a:t>機能</a:t>
+            </a:r>
+            <a:r>
+              <a:rPr lang="ja-JP" altLang="en-US" sz="3200" b="1" dirty="0" smtClean="0"/>
+              <a:t>の実装速度や残作業量、完了日が一目でわかる。</a:t>
+            </a:r>
+            <a:endParaRPr lang="en-US" altLang="ja-JP" sz="3200" b="1" dirty="0"/>
+          </a:p>
+          <a:p>
+            <a:pPr marL="0" indent="0">
+              <a:lnSpc>
+                <a:spcPct val="150000"/>
+              </a:lnSpc>
+              <a:buNone/>
+            </a:pPr>
+            <a:r>
+              <a:rPr lang="en-US" altLang="ja-JP" sz="3200" b="1" dirty="0" smtClean="0"/>
               <a:t>1</a:t>
             </a:r>
             <a:r>
-              <a:rPr lang="ja-JP" altLang="en-US" dirty="0" smtClean="0"/>
-              <a:t>スプリントごとに更新す</a:t>
-            </a:r>
-            <a:r>
-              <a:rPr lang="ja-JP" altLang="en-US" dirty="0"/>
+              <a:rPr lang="ja-JP" altLang="en-US" sz="3200" b="1" dirty="0" smtClean="0"/>
+              <a:t>スプリントごとに</a:t>
+            </a:r>
+            <a:r>
+              <a:rPr lang="ja-JP" altLang="en-US" sz="3200" b="1" dirty="0" smtClean="0"/>
+              <a:t>更新す</a:t>
+            </a:r>
+            <a:r>
+              <a:rPr lang="ja-JP" altLang="en-US" sz="3200" b="1" dirty="0"/>
               <a:t>る</a:t>
             </a:r>
             <a:r>
-              <a:rPr lang="ja-JP" altLang="en-US" dirty="0" smtClean="0"/>
+              <a:rPr lang="ja-JP" altLang="en-US" sz="3200" b="1" dirty="0" smtClean="0"/>
               <a:t>。</a:t>
             </a:r>
-            <a:endParaRPr lang="en-US" altLang="ja-JP" dirty="0" smtClean="0"/>
+            <a:endParaRPr lang="en-US" altLang="ja-JP" sz="3200" b="1" dirty="0" smtClean="0"/>
           </a:p>
         </p:txBody>
       </p:sp>
@@ -6070,12 +6743,16 @@
           <a:lstStyle/>
           <a:p>
             <a:r>
+              <a:rPr lang="en-US" altLang="ja-JP" b="1" dirty="0" smtClean="0"/>
+              <a:t>5</a:t>
+            </a:r>
+            <a:r>
               <a:rPr kumimoji="1" lang="en-US" altLang="ja-JP" b="1" dirty="0" smtClean="0"/>
-              <a:t>4.</a:t>
-            </a:r>
-            <a:r>
-              <a:rPr kumimoji="1" lang="ja-JP" altLang="en-US" b="1" dirty="0" smtClean="0"/>
-              <a:t>現在の進捗状況</a:t>
+              <a:t>.</a:t>
+            </a:r>
+            <a:r>
+              <a:rPr lang="ja-JP" altLang="en-US" b="1" dirty="0" smtClean="0"/>
+              <a:t>進捗管理の方法</a:t>
             </a:r>
             <a:endParaRPr kumimoji="1" lang="ja-JP" altLang="en-US" b="1" dirty="0"/>
           </a:p>
@@ -6090,7 +6767,7 @@
           <p:nvPr>
             <p:extLst>
               <p:ext uri="{D42A27DB-BD31-4B8C-83A1-F6EECF244321}">
-                <p14:modId xmlns:p14="http://schemas.microsoft.com/office/powerpoint/2010/main" val="1221077399"/>
+                <p14:modId xmlns:p14="http://schemas.microsoft.com/office/powerpoint/2010/main" val="2527773818"/>
               </p:ext>
             </p:extLst>
           </p:nvPr>
@@ -6160,7 +6837,7 @@
                       </a:pPr>
                       <a:r>
                         <a:rPr kumimoji="1" lang="ja-JP" altLang="en-US" b="1" dirty="0" smtClean="0"/>
-                        <a:t>ポイント数</a:t>
+                        <a:t>見積り時間</a:t>
                       </a:r>
                       <a:endParaRPr kumimoji="1" lang="ja-JP" altLang="en-US" b="1" dirty="0"/>
                     </a:p>
@@ -6246,7 +6923,7 @@
                       <a:pPr algn="r"/>
                       <a:r>
                         <a:rPr kumimoji="1" lang="en-US" altLang="ja-JP" b="1" dirty="0" smtClean="0"/>
-                        <a:t>5</a:t>
+                        <a:t>20</a:t>
                       </a:r>
                       <a:endParaRPr kumimoji="1" lang="ja-JP" altLang="en-US" b="1" dirty="0"/>
                     </a:p>
@@ -6321,7 +6998,7 @@
                       <a:pPr algn="r"/>
                       <a:r>
                         <a:rPr kumimoji="1" lang="en-US" altLang="ja-JP" b="1" dirty="0" smtClean="0"/>
-                        <a:t>5</a:t>
+                        <a:t>20</a:t>
                       </a:r>
                       <a:endParaRPr kumimoji="1" lang="ja-JP" altLang="en-US" b="1" dirty="0"/>
                     </a:p>
@@ -6389,7 +7066,7 @@
                       <a:pPr algn="r"/>
                       <a:r>
                         <a:rPr kumimoji="1" lang="en-US" altLang="ja-JP" b="1" dirty="0" smtClean="0"/>
-                        <a:t>11</a:t>
+                        <a:t>44</a:t>
                       </a:r>
                       <a:endParaRPr kumimoji="1" lang="ja-JP" altLang="en-US" b="1" dirty="0"/>
                     </a:p>
@@ -6457,7 +7134,7 @@
                       <a:pPr algn="r"/>
                       <a:r>
                         <a:rPr kumimoji="1" lang="en-US" altLang="ja-JP" b="1" dirty="0" smtClean="0"/>
-                        <a:t>10</a:t>
+                        <a:t>40</a:t>
                       </a:r>
                       <a:endParaRPr kumimoji="1" lang="ja-JP" altLang="en-US" b="1" dirty="0"/>
                     </a:p>
@@ -6527,7 +7204,7 @@
                       <a:pPr algn="r"/>
                       <a:r>
                         <a:rPr kumimoji="1" lang="en-US" altLang="ja-JP" b="1" dirty="0" smtClean="0"/>
-                        <a:t>1</a:t>
+                        <a:t>4</a:t>
                       </a:r>
                       <a:endParaRPr kumimoji="1" lang="ja-JP" altLang="en-US" b="1" dirty="0"/>
                     </a:p>
@@ -6644,12 +7321,16 @@
           <a:lstStyle/>
           <a:p>
             <a:r>
+              <a:rPr lang="en-US" altLang="ja-JP" b="1" dirty="0"/>
+              <a:t>5</a:t>
+            </a:r>
+            <a:r>
               <a:rPr kumimoji="1" lang="en-US" altLang="ja-JP" b="1" dirty="0" smtClean="0"/>
-              <a:t>4.</a:t>
+              <a:t>.</a:t>
             </a:r>
             <a:r>
               <a:rPr kumimoji="1" lang="ja-JP" altLang="en-US" b="1" dirty="0" smtClean="0"/>
-              <a:t>現在の進捗状況</a:t>
+              <a:t>進捗管理の方法</a:t>
             </a:r>
             <a:endParaRPr kumimoji="1" lang="ja-JP" altLang="en-US" b="1" dirty="0"/>
           </a:p>

--- a/ＰＭ学科専用2.pptx
+++ b/ＰＭ学科専用2.pptx
@@ -5,10 +5,10 @@
     <p:sldMasterId id="2147483832" r:id="rId1"/>
   </p:sldMasterIdLst>
   <p:notesMasterIdLst>
-    <p:notesMasterId r:id="rId13"/>
+    <p:notesMasterId r:id="rId15"/>
   </p:notesMasterIdLst>
   <p:handoutMasterIdLst>
-    <p:handoutMasterId r:id="rId14"/>
+    <p:handoutMasterId r:id="rId16"/>
   </p:handoutMasterIdLst>
   <p:sldIdLst>
     <p:sldId id="258" r:id="rId2"/>
@@ -16,12 +16,14 @@
     <p:sldId id="269" r:id="rId4"/>
     <p:sldId id="271" r:id="rId5"/>
     <p:sldId id="267" r:id="rId6"/>
-    <p:sldId id="264" r:id="rId7"/>
-    <p:sldId id="261" r:id="rId8"/>
-    <p:sldId id="276" r:id="rId9"/>
-    <p:sldId id="274" r:id="rId10"/>
-    <p:sldId id="277" r:id="rId11"/>
-    <p:sldId id="266" r:id="rId12"/>
+    <p:sldId id="278" r:id="rId7"/>
+    <p:sldId id="264" r:id="rId8"/>
+    <p:sldId id="261" r:id="rId9"/>
+    <p:sldId id="276" r:id="rId10"/>
+    <p:sldId id="274" r:id="rId11"/>
+    <p:sldId id="277" r:id="rId12"/>
+    <p:sldId id="266" r:id="rId13"/>
+    <p:sldId id="279" r:id="rId14"/>
   </p:sldIdLst>
   <p:sldSz cx="12192000" cy="6858000"/>
   <p:notesSz cx="6858000" cy="9144000"/>
@@ -723,21 +725,21 @@
           <a:lstStyle/>
           <a:p>
             <a:r>
-              <a:rPr kumimoji="1" lang="ja-JP" altLang="en-US" dirty="0" smtClean="0"/>
+              <a:rPr kumimoji="1" lang="ja-JP" altLang="en-US" b="1" dirty="0" smtClean="0"/>
               <a:t>これから矢吹研</a:t>
             </a:r>
             <a:r>
-              <a:rPr kumimoji="1" lang="en-US" altLang="ja-JP" dirty="0" smtClean="0"/>
+              <a:rPr kumimoji="1" lang="en-US" altLang="ja-JP" b="1" dirty="0" smtClean="0"/>
               <a:t>A</a:t>
             </a:r>
             <a:r>
-              <a:rPr kumimoji="1" lang="ja-JP" altLang="en-US" dirty="0" smtClean="0"/>
+              <a:rPr kumimoji="1" lang="ja-JP" altLang="en-US" b="1" dirty="0" smtClean="0"/>
               <a:t>班の発表を始めます。よろしくお願いします。</a:t>
             </a:r>
-            <a:endParaRPr kumimoji="1" lang="en-US" altLang="ja-JP" dirty="0" smtClean="0"/>
-          </a:p>
-          <a:p>
-            <a:endParaRPr kumimoji="1" lang="ja-JP" altLang="en-US" dirty="0"/>
+            <a:endParaRPr kumimoji="1" lang="en-US" altLang="ja-JP" b="1" dirty="0" smtClean="0"/>
+          </a:p>
+          <a:p>
+            <a:endParaRPr kumimoji="1" lang="ja-JP" altLang="en-US" b="1" dirty="0"/>
           </a:p>
         </p:txBody>
       </p:sp>
@@ -822,40 +824,40 @@
           <a:lstStyle/>
           <a:p>
             <a:r>
-              <a:rPr kumimoji="1" lang="ja-JP" altLang="en-US" dirty="0" smtClean="0"/>
+              <a:rPr kumimoji="1" lang="ja-JP" altLang="en-US" b="1" dirty="0" smtClean="0"/>
               <a:t>次に品質管理についてです。</a:t>
             </a:r>
-            <a:endParaRPr kumimoji="1" lang="en-US" altLang="ja-JP" dirty="0" smtClean="0"/>
-          </a:p>
-          <a:p>
-            <a:r>
-              <a:rPr kumimoji="1" lang="ja-JP" altLang="en-US" dirty="0" smtClean="0"/>
+            <a:endParaRPr kumimoji="1" lang="en-US" altLang="ja-JP" b="1" dirty="0" smtClean="0"/>
+          </a:p>
+          <a:p>
+            <a:r>
+              <a:rPr kumimoji="1" lang="ja-JP" altLang="en-US" b="1" dirty="0" smtClean="0"/>
               <a:t>各スプリント終了ごとにプロダクトオーナーに評価を行ってもらいます。</a:t>
             </a:r>
-            <a:endParaRPr kumimoji="1" lang="en-US" altLang="ja-JP" dirty="0" smtClean="0"/>
-          </a:p>
-          <a:p>
-            <a:r>
-              <a:rPr kumimoji="1" lang="ja-JP" altLang="en-US" dirty="0" smtClean="0"/>
+            <a:endParaRPr kumimoji="1" lang="en-US" altLang="ja-JP" b="1" dirty="0" smtClean="0"/>
+          </a:p>
+          <a:p>
+            <a:r>
+              <a:rPr kumimoji="1" lang="ja-JP" altLang="en-US" b="1" dirty="0" smtClean="0"/>
               <a:t>具体的に、成果物の情報量、利便性、簡易性の観点から</a:t>
             </a:r>
             <a:r>
-              <a:rPr kumimoji="1" lang="en-US" altLang="ja-JP" dirty="0" smtClean="0"/>
+              <a:rPr kumimoji="1" lang="en-US" altLang="ja-JP" b="1" dirty="0" smtClean="0"/>
               <a:t>1~10</a:t>
             </a:r>
             <a:r>
-              <a:rPr kumimoji="1" lang="ja-JP" altLang="en-US" dirty="0" smtClean="0"/>
+              <a:rPr kumimoji="1" lang="ja-JP" altLang="en-US" b="1" dirty="0" smtClean="0"/>
               <a:t>の</a:t>
             </a:r>
             <a:r>
-              <a:rPr kumimoji="1" lang="en-US" altLang="ja-JP" dirty="0" smtClean="0"/>
+              <a:rPr kumimoji="1" lang="en-US" altLang="ja-JP" b="1" dirty="0" smtClean="0"/>
               <a:t>10</a:t>
             </a:r>
             <a:r>
-              <a:rPr kumimoji="1" lang="ja-JP" altLang="en-US" dirty="0" smtClean="0"/>
+              <a:rPr kumimoji="1" lang="ja-JP" altLang="en-US" b="1" dirty="0" smtClean="0"/>
               <a:t>段階で評価してもらいます。</a:t>
             </a:r>
-            <a:endParaRPr kumimoji="1" lang="en-US" altLang="ja-JP" dirty="0" smtClean="0"/>
+            <a:endParaRPr kumimoji="1" lang="en-US" altLang="ja-JP" b="1" dirty="0" smtClean="0"/>
           </a:p>
         </p:txBody>
       </p:sp>
@@ -876,7 +878,7 @@
           <a:p>
             <a:fld id="{31EB9004-3F70-404F-81A1-72744BD5EB90}" type="slidenum">
               <a:rPr kumimoji="1" lang="ja-JP" altLang="en-US" smtClean="0"/>
-              <a:t>10</a:t>
+              <a:t>11</a:t>
             </a:fld>
             <a:endParaRPr kumimoji="1" lang="ja-JP" altLang="en-US"/>
           </a:p>
@@ -940,47 +942,47 @@
           <a:lstStyle/>
           <a:p>
             <a:r>
-              <a:rPr kumimoji="1" lang="ja-JP" altLang="en-US" dirty="0" smtClean="0"/>
+              <a:rPr kumimoji="1" lang="ja-JP" altLang="en-US" b="1" dirty="0" smtClean="0"/>
               <a:t>次に後半の流れです。</a:t>
             </a:r>
-            <a:endParaRPr kumimoji="1" lang="en-US" altLang="ja-JP" dirty="0" smtClean="0"/>
-          </a:p>
-          <a:p>
-            <a:r>
-              <a:rPr kumimoji="1" lang="ja-JP" altLang="en-US" dirty="0" smtClean="0"/>
+            <a:endParaRPr kumimoji="1" lang="en-US" altLang="ja-JP" b="1" dirty="0" smtClean="0"/>
+          </a:p>
+          <a:p>
+            <a:r>
+              <a:rPr kumimoji="1" lang="ja-JP" altLang="en-US" b="1" dirty="0" smtClean="0"/>
               <a:t>現在、</a:t>
             </a:r>
             <a:r>
-              <a:rPr kumimoji="1" lang="en-US" altLang="ja-JP" dirty="0" smtClean="0"/>
+              <a:rPr kumimoji="1" lang="en-US" altLang="ja-JP" b="1" dirty="0" smtClean="0"/>
               <a:t>3</a:t>
             </a:r>
             <a:r>
-              <a:rPr kumimoji="1" lang="ja-JP" altLang="en-US" dirty="0" smtClean="0"/>
+              <a:rPr kumimoji="1" lang="ja-JP" altLang="en-US" b="1" dirty="0" smtClean="0"/>
               <a:t>スプリント目に取り掛かっており、過去問・シラバスの表示機能の作成に取り掛かってます。</a:t>
             </a:r>
-            <a:endParaRPr kumimoji="1" lang="en-US" altLang="ja-JP" dirty="0" smtClean="0"/>
-          </a:p>
-          <a:p>
-            <a:r>
-              <a:rPr kumimoji="1" lang="ja-JP" altLang="en-US" dirty="0" smtClean="0"/>
+            <a:endParaRPr kumimoji="1" lang="en-US" altLang="ja-JP" b="1" dirty="0" smtClean="0"/>
+          </a:p>
+          <a:p>
+            <a:r>
+              <a:rPr kumimoji="1" lang="ja-JP" altLang="en-US" b="1" dirty="0" smtClean="0"/>
               <a:t>以上で、矢吹研</a:t>
             </a:r>
             <a:r>
-              <a:rPr kumimoji="1" lang="en-US" altLang="ja-JP" dirty="0" smtClean="0"/>
+              <a:rPr kumimoji="1" lang="en-US" altLang="ja-JP" b="1" dirty="0" smtClean="0"/>
               <a:t>A</a:t>
             </a:r>
             <a:r>
-              <a:rPr kumimoji="1" lang="ja-JP" altLang="en-US" dirty="0" smtClean="0"/>
+              <a:rPr kumimoji="1" lang="ja-JP" altLang="en-US" b="1" dirty="0" smtClean="0"/>
               <a:t>班の発表を終わります。</a:t>
             </a:r>
-            <a:endParaRPr kumimoji="1" lang="en-US" altLang="ja-JP" dirty="0" smtClean="0"/>
-          </a:p>
-          <a:p>
-            <a:r>
-              <a:rPr kumimoji="1" lang="ja-JP" altLang="en-US" dirty="0" smtClean="0"/>
+            <a:endParaRPr kumimoji="1" lang="en-US" altLang="ja-JP" b="1" dirty="0" smtClean="0"/>
+          </a:p>
+          <a:p>
+            <a:r>
+              <a:rPr kumimoji="1" lang="ja-JP" altLang="en-US" b="1" dirty="0" smtClean="0"/>
               <a:t>ありがとうございました。</a:t>
             </a:r>
-            <a:endParaRPr kumimoji="1" lang="en-US" altLang="ja-JP" dirty="0" smtClean="0"/>
+            <a:endParaRPr kumimoji="1" lang="en-US" altLang="ja-JP" b="1" dirty="0" smtClean="0"/>
           </a:p>
         </p:txBody>
       </p:sp>
@@ -1001,7 +1003,7 @@
           <a:p>
             <a:fld id="{31EB9004-3F70-404F-81A1-72744BD5EB90}" type="slidenum">
               <a:rPr kumimoji="1" lang="ja-JP" altLang="en-US" smtClean="0"/>
-              <a:t>11</a:t>
+              <a:t>12</a:t>
             </a:fld>
             <a:endParaRPr kumimoji="1" lang="ja-JP" altLang="en-US"/>
           </a:p>
@@ -1065,10 +1067,10 @@
           <a:lstStyle/>
           <a:p>
             <a:r>
-              <a:rPr kumimoji="1" lang="ja-JP" altLang="en-US" dirty="0" smtClean="0"/>
+              <a:rPr kumimoji="1" lang="ja-JP" altLang="en-US" b="1" dirty="0" smtClean="0"/>
               <a:t>こちらが今回発表する流れとなります。</a:t>
             </a:r>
-            <a:endParaRPr kumimoji="1" lang="ja-JP" altLang="en-US" dirty="0"/>
+            <a:endParaRPr kumimoji="1" lang="ja-JP" altLang="en-US" b="1" dirty="0"/>
           </a:p>
         </p:txBody>
       </p:sp>
@@ -1153,25 +1155,25 @@
           <a:lstStyle/>
           <a:p>
             <a:r>
-              <a:rPr kumimoji="1" lang="ja-JP" altLang="en-US" dirty="0" smtClean="0"/>
+              <a:rPr kumimoji="1" lang="ja-JP" altLang="en-US" b="1" dirty="0" smtClean="0"/>
               <a:t>従来のキャンパスポータルアプリでは、シラバスの検索や時間割の確認など必要な情報を手に入れるのに、手間がかかっていました。</a:t>
             </a:r>
-            <a:endParaRPr kumimoji="1" lang="en-US" altLang="ja-JP" dirty="0" smtClean="0"/>
-          </a:p>
-          <a:p>
-            <a:r>
-              <a:rPr kumimoji="1" lang="ja-JP" altLang="en-US" dirty="0" smtClean="0"/>
+            <a:endParaRPr kumimoji="1" lang="en-US" altLang="ja-JP" b="1" dirty="0" smtClean="0"/>
+          </a:p>
+          <a:p>
+            <a:r>
+              <a:rPr kumimoji="1" lang="ja-JP" altLang="en-US" b="1" dirty="0" smtClean="0"/>
               <a:t>例えば、</a:t>
             </a:r>
             <a:r>
-              <a:rPr kumimoji="1" lang="en-US" altLang="ja-JP" dirty="0" smtClean="0"/>
+              <a:rPr kumimoji="1" lang="en-US" altLang="ja-JP" b="1" dirty="0" smtClean="0"/>
               <a:t>PM</a:t>
             </a:r>
             <a:r>
-              <a:rPr kumimoji="1" lang="ja-JP" altLang="en-US" dirty="0" smtClean="0"/>
+              <a:rPr kumimoji="1" lang="ja-JP" altLang="en-US" b="1" dirty="0" smtClean="0"/>
               <a:t>学科の専門科目のシラバスを見たいとします。アプリを立ち上げ、ログインは毎回しなければなりません。検索フォームでは所属学科から教員名まですべて手入力で行い、一覧から自分の見たいシラバスを探していかなければならず、手間がかかります。</a:t>
             </a:r>
-            <a:endParaRPr kumimoji="1" lang="en-US" altLang="ja-JP" dirty="0" smtClean="0"/>
+            <a:endParaRPr kumimoji="1" lang="en-US" altLang="ja-JP" b="1" dirty="0" smtClean="0"/>
           </a:p>
         </p:txBody>
       </p:sp>
@@ -1256,39 +1258,55 @@
           <a:lstStyle/>
           <a:p>
             <a:r>
-              <a:rPr kumimoji="1" lang="ja-JP" altLang="en-US" dirty="0" smtClean="0"/>
+              <a:rPr kumimoji="1" lang="ja-JP" altLang="en-US" b="1" dirty="0" smtClean="0"/>
               <a:t>そこで私たちは、「</a:t>
             </a:r>
             <a:r>
-              <a:rPr kumimoji="1" lang="en-US" altLang="ja-JP" dirty="0" smtClean="0"/>
+              <a:rPr kumimoji="1" lang="en-US" altLang="ja-JP" b="1" dirty="0" smtClean="0"/>
               <a:t>PM</a:t>
             </a:r>
             <a:r>
-              <a:rPr kumimoji="1" lang="ja-JP" altLang="en-US" dirty="0" smtClean="0"/>
+              <a:rPr kumimoji="1" lang="ja-JP" altLang="en-US" b="1" dirty="0" smtClean="0"/>
               <a:t>学科専用闇キャンパスポータルシステム」を提案します。</a:t>
             </a:r>
-            <a:endParaRPr kumimoji="1" lang="en-US" altLang="ja-JP" dirty="0" smtClean="0"/>
-          </a:p>
-          <a:p>
-            <a:r>
-              <a:rPr kumimoji="1" lang="ja-JP" altLang="en-US" dirty="0" smtClean="0"/>
+            <a:endParaRPr kumimoji="1" lang="en-US" altLang="ja-JP" b="1" dirty="0" smtClean="0"/>
+          </a:p>
+          <a:p>
+            <a:r>
+              <a:rPr kumimoji="1" lang="ja-JP" altLang="en-US" b="1" dirty="0" smtClean="0"/>
               <a:t>私たちの目的は、キャンパスポータルの中でも必要であると思われる情報を絞り、そして今までにはない過去問などの新たな付加価値を加え提供することです。</a:t>
             </a:r>
-            <a:endParaRPr kumimoji="1" lang="en-US" altLang="ja-JP" dirty="0" smtClean="0"/>
-          </a:p>
-          <a:p>
-            <a:r>
-              <a:rPr kumimoji="1" lang="ja-JP" altLang="en-US" dirty="0" smtClean="0"/>
-              <a:t>それを実現することができるのが、この「闇キャンパスポータル」システムです。</a:t>
-            </a:r>
-            <a:endParaRPr kumimoji="1" lang="en-US" altLang="ja-JP" dirty="0" smtClean="0"/>
-          </a:p>
-          <a:p>
-            <a:r>
-              <a:rPr kumimoji="1" lang="ja-JP" altLang="en-US" dirty="0" smtClean="0"/>
+            <a:endParaRPr kumimoji="1" lang="en-US" altLang="ja-JP" b="1" dirty="0" smtClean="0"/>
+          </a:p>
+          <a:p>
+            <a:r>
+              <a:rPr kumimoji="1" lang="ja-JP" altLang="en-US" b="1" dirty="0" smtClean="0"/>
+              <a:t>それを実現することができるのが、この</a:t>
+            </a:r>
+            <a:r>
+              <a:rPr kumimoji="1" lang="ja-JP" altLang="en-US" b="1" dirty="0" smtClean="0"/>
+              <a:t>「</a:t>
+            </a:r>
+            <a:r>
+              <a:rPr kumimoji="1" lang="en-US" altLang="ja-JP" b="1" dirty="0" smtClean="0"/>
+              <a:t>PM</a:t>
+            </a:r>
+            <a:r>
+              <a:rPr kumimoji="1" lang="ja-JP" altLang="en-US" b="1" dirty="0" smtClean="0"/>
+              <a:t>学科専用闇</a:t>
+            </a:r>
+            <a:r>
+              <a:rPr kumimoji="1" lang="ja-JP" altLang="en-US" b="1" dirty="0" smtClean="0"/>
+              <a:t>キャンパスポータル」システムです。</a:t>
+            </a:r>
+            <a:endParaRPr kumimoji="1" lang="en-US" altLang="ja-JP" b="1" dirty="0" smtClean="0"/>
+          </a:p>
+          <a:p>
+            <a:r>
+              <a:rPr kumimoji="1" lang="ja-JP" altLang="en-US" b="1" dirty="0" smtClean="0"/>
               <a:t>先ほど述べた、シラバスを見たいのに手間がかかる・・・という問題もこのシステムによって解決することができます。</a:t>
             </a:r>
-            <a:endParaRPr kumimoji="1" lang="en-US" altLang="ja-JP" dirty="0" smtClean="0"/>
+            <a:endParaRPr kumimoji="1" lang="en-US" altLang="ja-JP" b="1" dirty="0" smtClean="0"/>
           </a:p>
         </p:txBody>
       </p:sp>
@@ -1373,10 +1391,92 @@
           <a:lstStyle/>
           <a:p>
             <a:r>
-              <a:rPr kumimoji="1" lang="ja-JP" altLang="en-US" dirty="0" smtClean="0"/>
-              <a:t>次に機能についての説明です。</a:t>
-            </a:r>
-            <a:endParaRPr kumimoji="1" lang="en-US" altLang="ja-JP" dirty="0" smtClean="0"/>
+              <a:rPr kumimoji="1" lang="ja-JP" altLang="en-US" b="1" dirty="0" smtClean="0"/>
+              <a:t>こちらが主な機能になります。</a:t>
+            </a:r>
+            <a:endParaRPr kumimoji="1" lang="en-US" altLang="ja-JP" b="1" dirty="0" smtClean="0"/>
+          </a:p>
+          <a:p>
+            <a:pPr marL="0" indent="0">
+              <a:buNone/>
+            </a:pPr>
+            <a:r>
+              <a:rPr lang="en-US" altLang="ja-JP" sz="1200" b="1" dirty="0" smtClean="0"/>
+              <a:t>1</a:t>
+            </a:r>
+            <a:r>
+              <a:rPr lang="ja-JP" altLang="en-US" sz="1200" b="1" dirty="0" smtClean="0"/>
+              <a:t>つ目はトップページの表示、</a:t>
+            </a:r>
+            <a:r>
+              <a:rPr kumimoji="1" lang="en-US" altLang="ja-JP" sz="1200" b="1" dirty="0" smtClean="0"/>
+              <a:t>2</a:t>
+            </a:r>
+            <a:r>
+              <a:rPr kumimoji="1" lang="ja-JP" altLang="en-US" sz="1200" b="1" dirty="0" smtClean="0"/>
+              <a:t>つ目は</a:t>
+            </a:r>
+            <a:r>
+              <a:rPr kumimoji="1" lang="en-US" altLang="ja-JP" sz="1200" b="1" dirty="0" smtClean="0"/>
+              <a:t>Twitter</a:t>
+            </a:r>
+            <a:r>
+              <a:rPr lang="ja-JP" altLang="en-US" sz="1200" b="1" dirty="0" smtClean="0"/>
+              <a:t> </a:t>
+            </a:r>
+            <a:r>
+              <a:rPr kumimoji="1" lang="en-US" altLang="ja-JP" sz="1200" b="1" dirty="0" smtClean="0"/>
+              <a:t>API</a:t>
+            </a:r>
+            <a:r>
+              <a:rPr kumimoji="1" lang="ja-JP" altLang="en-US" sz="1200" b="1" dirty="0" smtClean="0"/>
+              <a:t>の実装、</a:t>
+            </a:r>
+            <a:r>
+              <a:rPr lang="en-US" altLang="ja-JP" sz="1200" b="1" dirty="0" smtClean="0"/>
+              <a:t>3</a:t>
+            </a:r>
+            <a:r>
+              <a:rPr lang="ja-JP" altLang="en-US" sz="1200" b="1" dirty="0" smtClean="0"/>
+              <a:t>つ目は過去問・シラバスの表示、</a:t>
+            </a:r>
+            <a:r>
+              <a:rPr lang="en-US" altLang="ja-JP" sz="1200" b="1" dirty="0" smtClean="0"/>
+              <a:t>4</a:t>
+            </a:r>
+            <a:r>
+              <a:rPr lang="ja-JP" altLang="en-US" sz="1200" b="1" dirty="0" smtClean="0"/>
+              <a:t>つ目は</a:t>
+            </a:r>
+            <a:r>
+              <a:rPr lang="en-US" altLang="ja-JP" sz="1200" b="1" dirty="0" smtClean="0"/>
+              <a:t> </a:t>
+            </a:r>
+            <a:r>
+              <a:rPr lang="ja-JP" altLang="en-US" sz="1200" b="1" dirty="0" smtClean="0"/>
+              <a:t>各</a:t>
+            </a:r>
+            <a:r>
+              <a:rPr kumimoji="1" lang="ja-JP" altLang="en-US" sz="1200" b="1" dirty="0" smtClean="0"/>
+              <a:t>成果物の表示、</a:t>
+            </a:r>
+            <a:r>
+              <a:rPr lang="en-US" altLang="ja-JP" sz="1200" b="1" dirty="0" smtClean="0"/>
+              <a:t>5</a:t>
+            </a:r>
+            <a:r>
+              <a:rPr lang="ja-JP" altLang="en-US" sz="1200" b="1" dirty="0" smtClean="0"/>
+              <a:t>つ目は</a:t>
+            </a:r>
+            <a:r>
+              <a:rPr lang="en-US" altLang="ja-JP" sz="1200" b="1" dirty="0" smtClean="0"/>
+              <a:t> </a:t>
+            </a:r>
+            <a:r>
+              <a:rPr lang="ja-JP" altLang="en-US" sz="1200" b="1" dirty="0" smtClean="0"/>
+              <a:t>時間割の表示</a:t>
+            </a:r>
+            <a:endParaRPr kumimoji="1" lang="en-US" altLang="ja-JP" b="1" dirty="0" smtClean="0"/>
           </a:p>
           <a:p>
             <a:pPr marL="0" marR="0" indent="0" algn="l" defTabSz="914400" rtl="0" eaLnBrk="1" fontAlgn="auto" latinLnBrk="0" hangingPunct="1">
@@ -1397,8 +1497,12 @@
               <a:defRPr/>
             </a:pPr>
             <a:r>
-              <a:rPr kumimoji="1" lang="ja-JP" altLang="en-US" dirty="0" smtClean="0"/>
-              <a:t>具体的には、試作品のデモの際に説明します。</a:t>
+              <a:rPr kumimoji="1" lang="ja-JP" altLang="en-US" b="1" dirty="0" smtClean="0"/>
+              <a:t>ただいまからデモを交えて具体的に説明</a:t>
+            </a:r>
+            <a:r>
+              <a:rPr kumimoji="1" lang="ja-JP" altLang="en-US" b="1" dirty="0" smtClean="0"/>
+              <a:t>します。</a:t>
             </a:r>
           </a:p>
           <a:p>
@@ -1487,21 +1591,37 @@
           <a:lstStyle/>
           <a:p>
             <a:r>
-              <a:rPr kumimoji="1" lang="ja-JP" altLang="en-US" dirty="0" smtClean="0"/>
+              <a:rPr kumimoji="1" lang="ja-JP" altLang="en-US" b="1" dirty="0" smtClean="0"/>
               <a:t>次に私たちが選択したチーム課題は、こちらになります。</a:t>
             </a:r>
-            <a:endParaRPr kumimoji="1" lang="en-US" altLang="ja-JP" dirty="0" smtClean="0"/>
-          </a:p>
-          <a:p>
-            <a:r>
-              <a:rPr kumimoji="1" lang="ja-JP" altLang="en-US" dirty="0" smtClean="0"/>
-              <a:t>管理系では、「アジャイル開発の導入」を選択</a:t>
-            </a:r>
-            <a:r>
-              <a:rPr kumimoji="1" lang="ja-JP" altLang="en-US" dirty="0" smtClean="0"/>
-              <a:t>し、スクラムという手法を用いて進めています。</a:t>
-            </a:r>
-            <a:endParaRPr kumimoji="1" lang="en-US" altLang="ja-JP" dirty="0" smtClean="0"/>
+            <a:endParaRPr kumimoji="1" lang="en-US" altLang="ja-JP" b="1" dirty="0" smtClean="0"/>
+          </a:p>
+          <a:p>
+            <a:r>
+              <a:rPr kumimoji="1" lang="ja-JP" altLang="en-US" b="1" dirty="0" smtClean="0"/>
+              <a:t>管</a:t>
+            </a:r>
+            <a:r>
+              <a:rPr kumimoji="1" lang="ja-JP" altLang="en-US" b="1" dirty="0" smtClean="0"/>
+              <a:t>理系では</a:t>
+            </a:r>
+            <a:r>
+              <a:rPr kumimoji="1" lang="ja-JP" altLang="en-US" b="1" dirty="0" smtClean="0"/>
+              <a:t>、開発に重きをおくために「</a:t>
+            </a:r>
+            <a:r>
+              <a:rPr kumimoji="1" lang="ja-JP" altLang="en-US" b="1" dirty="0" smtClean="0"/>
+              <a:t>アジャイル開発の導入」を選択し</a:t>
+            </a:r>
+            <a:r>
+              <a:rPr kumimoji="1" lang="ja-JP" altLang="en-US" b="1" dirty="0" smtClean="0"/>
+              <a:t>、スクラム</a:t>
+            </a:r>
+            <a:r>
+              <a:rPr kumimoji="1" lang="ja-JP" altLang="en-US" b="1" dirty="0" smtClean="0"/>
+              <a:t>という手法を用いて進めています。</a:t>
+            </a:r>
+            <a:endParaRPr kumimoji="1" lang="en-US" altLang="ja-JP" b="1" dirty="0" smtClean="0"/>
           </a:p>
           <a:p>
             <a:pPr marL="0" marR="0" indent="0" algn="l" defTabSz="914400" rtl="0" eaLnBrk="1" fontAlgn="auto" latinLnBrk="0" hangingPunct="1">
@@ -1522,37 +1642,41 @@
               <a:defRPr/>
             </a:pPr>
             <a:r>
-              <a:rPr kumimoji="1" lang="ja-JP" altLang="en-US" dirty="0" smtClean="0"/>
-              <a:t>技術系では、「</a:t>
-            </a:r>
-            <a:r>
-              <a:rPr lang="ja-JP" altLang="en-US" sz="1200" dirty="0" smtClean="0"/>
+              <a:rPr kumimoji="1" lang="ja-JP" altLang="en-US" b="1" dirty="0" smtClean="0"/>
+              <a:t>技術系では</a:t>
+            </a:r>
+            <a:r>
+              <a:rPr kumimoji="1" lang="ja-JP" altLang="en-US" b="1" dirty="0" smtClean="0"/>
+              <a:t>、「</a:t>
+            </a:r>
+            <a:r>
+              <a:rPr lang="ja-JP" altLang="en-US" sz="1200" b="1" dirty="0" smtClean="0"/>
               <a:t>外部</a:t>
             </a:r>
             <a:r>
-              <a:rPr lang="en-US" altLang="ja-JP" sz="1200" dirty="0" smtClean="0"/>
+              <a:rPr lang="en-US" altLang="ja-JP" sz="1200" b="1" dirty="0" smtClean="0"/>
               <a:t>API</a:t>
             </a:r>
             <a:r>
-              <a:rPr lang="ja-JP" altLang="en-US" sz="1200" dirty="0" smtClean="0"/>
-              <a:t>を利用した実装」を選択</a:t>
-            </a:r>
-            <a:r>
-              <a:rPr lang="ja-JP" altLang="en-US" sz="1200" dirty="0" smtClean="0"/>
-              <a:t>し、ツイッター</a:t>
-            </a:r>
-            <a:r>
-              <a:rPr lang="en-US" altLang="ja-JP" sz="1200" dirty="0" smtClean="0"/>
+              <a:rPr lang="ja-JP" altLang="en-US" sz="1200" b="1" dirty="0" smtClean="0"/>
+              <a:t>を利用した実装」を選択し、ツイッター</a:t>
+            </a:r>
+            <a:r>
+              <a:rPr lang="en-US" altLang="ja-JP" sz="1200" b="1" dirty="0" smtClean="0"/>
               <a:t>API</a:t>
             </a:r>
             <a:r>
-              <a:rPr lang="ja-JP" altLang="en-US" sz="1200" dirty="0" smtClean="0"/>
+              <a:rPr lang="ja-JP" altLang="en-US" sz="1200" b="1" dirty="0" smtClean="0"/>
               <a:t>を実装しました。</a:t>
             </a:r>
-            <a:endParaRPr kumimoji="1" lang="ja-JP" altLang="en-US" sz="1200" dirty="0" smtClean="0"/>
-          </a:p>
-          <a:p>
-            <a:endParaRPr kumimoji="1" lang="en-US" altLang="ja-JP" dirty="0" smtClean="0"/>
+            <a:endParaRPr kumimoji="1" lang="ja-JP" altLang="en-US" sz="1200" b="1" dirty="0" smtClean="0"/>
+          </a:p>
+          <a:p>
+            <a:r>
+              <a:rPr kumimoji="1" lang="ja-JP" altLang="en-US" b="1" dirty="0" smtClean="0"/>
+              <a:t>それは周知度を高め、情報提供を狙っているからです。</a:t>
+            </a:r>
+            <a:endParaRPr kumimoji="1" lang="en-US" altLang="ja-JP" b="1" dirty="0" smtClean="0"/>
           </a:p>
         </p:txBody>
       </p:sp>
@@ -1573,7 +1697,7 @@
           <a:p>
             <a:fld id="{31EB9004-3F70-404F-81A1-72744BD5EB90}" type="slidenum">
               <a:rPr kumimoji="1" lang="ja-JP" altLang="en-US" smtClean="0"/>
-              <a:t>6</a:t>
+              <a:t>7</a:t>
             </a:fld>
             <a:endParaRPr kumimoji="1" lang="ja-JP" altLang="en-US"/>
           </a:p>
@@ -1637,14 +1761,10 @@
           <a:lstStyle/>
           <a:p>
             <a:r>
-              <a:rPr kumimoji="1" lang="ja-JP" altLang="en-US" dirty="0" smtClean="0"/>
-              <a:t>次に進捗管理について説明します</a:t>
-            </a:r>
-            <a:r>
-              <a:rPr kumimoji="1" lang="ja-JP" altLang="en-US" dirty="0" smtClean="0"/>
-              <a:t>。</a:t>
-            </a:r>
-            <a:endParaRPr kumimoji="1" lang="en-US" altLang="ja-JP" dirty="0" smtClean="0"/>
+              <a:rPr kumimoji="1" lang="ja-JP" altLang="en-US" b="1" dirty="0" smtClean="0"/>
+              <a:t>次に進捗管理について説明します。</a:t>
+            </a:r>
+            <a:endParaRPr kumimoji="1" lang="en-US" altLang="ja-JP" b="1" dirty="0" smtClean="0"/>
           </a:p>
           <a:p>
             <a:pPr marL="0" marR="0" indent="0" algn="l" defTabSz="914400" rtl="0" eaLnBrk="1" fontAlgn="auto" latinLnBrk="0" hangingPunct="1">
@@ -1665,10 +1785,10 @@
               <a:defRPr/>
             </a:pPr>
             <a:r>
-              <a:rPr lang="ja-JP" altLang="en-US" dirty="0" smtClean="0"/>
+              <a:rPr lang="ja-JP" altLang="en-US" b="1" dirty="0" smtClean="0"/>
               <a:t>アジャイル開発の進捗管理では、ガントチャートの代わりにバーンアップチャートを用います。</a:t>
             </a:r>
-            <a:endParaRPr lang="en-US" altLang="ja-JP" dirty="0" smtClean="0"/>
+            <a:endParaRPr lang="en-US" altLang="ja-JP" b="1" dirty="0" smtClean="0"/>
           </a:p>
           <a:p>
             <a:pPr marL="0" marR="0" indent="0" algn="l" defTabSz="914400" rtl="0" eaLnBrk="1" fontAlgn="auto" latinLnBrk="0" hangingPunct="1">
@@ -1689,10 +1809,10 @@
               <a:defRPr/>
             </a:pPr>
             <a:r>
-              <a:rPr kumimoji="1" lang="ja-JP" altLang="en-US" dirty="0" smtClean="0"/>
+              <a:rPr kumimoji="1" lang="ja-JP" altLang="en-US" b="1" dirty="0" smtClean="0"/>
               <a:t>バーンアップチャートは、機能の実装速度や残作業量、完了日が一目でわかるよう表した図です。</a:t>
             </a:r>
-            <a:endParaRPr kumimoji="1" lang="en-US" altLang="ja-JP" dirty="0" smtClean="0"/>
+            <a:endParaRPr kumimoji="1" lang="en-US" altLang="ja-JP" b="1" dirty="0" smtClean="0"/>
           </a:p>
           <a:p>
             <a:pPr marL="0" marR="0" indent="0" algn="l" defTabSz="914400" rtl="0" eaLnBrk="1" fontAlgn="auto" latinLnBrk="0" hangingPunct="1">
@@ -1713,18 +1833,18 @@
               <a:defRPr/>
             </a:pPr>
             <a:r>
-              <a:rPr lang="ja-JP" altLang="en-US" dirty="0" smtClean="0"/>
+              <a:rPr lang="ja-JP" altLang="en-US" b="1" dirty="0" smtClean="0"/>
               <a:t>バーンアップチャートは、</a:t>
             </a:r>
             <a:r>
-              <a:rPr lang="en-US" altLang="ja-JP" dirty="0" smtClean="0"/>
+              <a:rPr lang="en-US" altLang="ja-JP" b="1" dirty="0" smtClean="0"/>
               <a:t>1</a:t>
             </a:r>
             <a:r>
-              <a:rPr lang="ja-JP" altLang="en-US" dirty="0" smtClean="0"/>
+              <a:rPr lang="ja-JP" altLang="en-US" b="1" dirty="0" smtClean="0"/>
               <a:t>スプリントごとに更新していきます。</a:t>
             </a:r>
-            <a:endParaRPr lang="en-US" altLang="ja-JP" dirty="0" smtClean="0"/>
+            <a:endParaRPr lang="en-US" altLang="ja-JP" b="1" dirty="0" smtClean="0"/>
           </a:p>
           <a:p>
             <a:pPr marL="0" marR="0" indent="0" algn="l" defTabSz="914400" rtl="0" eaLnBrk="1" fontAlgn="auto" latinLnBrk="0" hangingPunct="1">
@@ -1745,29 +1865,29 @@
               <a:defRPr/>
             </a:pPr>
             <a:r>
-              <a:rPr lang="ja-JP" altLang="en-US" dirty="0" smtClean="0"/>
+              <a:rPr lang="ja-JP" altLang="en-US" b="1" dirty="0" smtClean="0"/>
               <a:t>私たちは</a:t>
             </a:r>
             <a:r>
-              <a:rPr lang="en-US" altLang="ja-JP" dirty="0" smtClean="0"/>
+              <a:rPr lang="en-US" altLang="ja-JP" b="1" dirty="0" smtClean="0"/>
               <a:t>1</a:t>
             </a:r>
             <a:r>
-              <a:rPr lang="ja-JP" altLang="en-US" dirty="0" smtClean="0"/>
+              <a:rPr lang="ja-JP" altLang="en-US" b="1" dirty="0" smtClean="0"/>
               <a:t>スプリントの期間を、</a:t>
             </a:r>
             <a:r>
-              <a:rPr lang="en-US" altLang="ja-JP" dirty="0" smtClean="0"/>
+              <a:rPr lang="en-US" altLang="ja-JP" b="1" dirty="0" smtClean="0"/>
               <a:t>2</a:t>
             </a:r>
             <a:r>
-              <a:rPr lang="ja-JP" altLang="en-US" dirty="0" smtClean="0"/>
+              <a:rPr lang="ja-JP" altLang="en-US" b="1" dirty="0" smtClean="0"/>
               <a:t>週間で行っています。</a:t>
             </a:r>
-            <a:endParaRPr lang="en-US" altLang="ja-JP" dirty="0" smtClean="0"/>
-          </a:p>
-          <a:p>
-            <a:endParaRPr kumimoji="1" lang="en-US" altLang="ja-JP" dirty="0" smtClean="0"/>
+            <a:endParaRPr lang="en-US" altLang="ja-JP" b="1" dirty="0" smtClean="0"/>
+          </a:p>
+          <a:p>
+            <a:endParaRPr kumimoji="1" lang="en-US" altLang="ja-JP" b="1" dirty="0" smtClean="0"/>
           </a:p>
         </p:txBody>
       </p:sp>
@@ -1788,7 +1908,7 @@
           <a:p>
             <a:fld id="{31EB9004-3F70-404F-81A1-72744BD5EB90}" type="slidenum">
               <a:rPr kumimoji="1" lang="ja-JP" altLang="en-US" smtClean="0"/>
-              <a:t>7</a:t>
+              <a:t>8</a:t>
             </a:fld>
             <a:endParaRPr kumimoji="1" lang="ja-JP" altLang="en-US"/>
           </a:p>
@@ -1852,14 +1972,10 @@
           <a:lstStyle/>
           <a:p>
             <a:r>
-              <a:rPr kumimoji="1" lang="ja-JP" altLang="en-US" dirty="0" smtClean="0"/>
-              <a:t>こちらの表</a:t>
-            </a:r>
-            <a:r>
-              <a:rPr kumimoji="1" lang="ja-JP" altLang="en-US" dirty="0" smtClean="0"/>
-              <a:t>は、各機能の見積り時間と優先順位を見積もったものです。</a:t>
-            </a:r>
-            <a:endParaRPr kumimoji="1" lang="ja-JP" altLang="en-US" dirty="0"/>
+              <a:rPr kumimoji="1" lang="ja-JP" altLang="en-US" b="1" dirty="0" smtClean="0"/>
+              <a:t>こちらの表は、各機能の見積り時間と優先順位を見積もったものです。</a:t>
+            </a:r>
+            <a:endParaRPr kumimoji="1" lang="ja-JP" altLang="en-US" b="1" dirty="0"/>
           </a:p>
         </p:txBody>
       </p:sp>
@@ -1880,7 +1996,7 @@
           <a:p>
             <a:fld id="{31EB9004-3F70-404F-81A1-72744BD5EB90}" type="slidenum">
               <a:rPr kumimoji="1" lang="ja-JP" altLang="en-US" smtClean="0"/>
-              <a:t>8</a:t>
+              <a:t>9</a:t>
             </a:fld>
             <a:endParaRPr kumimoji="1" lang="ja-JP" altLang="en-US"/>
           </a:p>
@@ -1944,68 +2060,102 @@
           <a:lstStyle/>
           <a:p>
             <a:r>
-              <a:rPr kumimoji="1" lang="ja-JP" altLang="en-US" dirty="0" smtClean="0"/>
+              <a:rPr kumimoji="1" lang="ja-JP" altLang="en-US" b="1" dirty="0" smtClean="0"/>
               <a:t>こちらが、バーンアップチャートです。</a:t>
             </a:r>
-            <a:endParaRPr kumimoji="1" lang="en-US" altLang="ja-JP" dirty="0" smtClean="0"/>
-          </a:p>
-          <a:p>
-            <a:r>
-              <a:rPr kumimoji="1" lang="ja-JP" altLang="en-US" dirty="0" smtClean="0"/>
-              <a:t>青色の線は、見積時間で、各機能ごとに時間を見積もったものです。</a:t>
-            </a:r>
-            <a:endParaRPr kumimoji="1" lang="en-US" altLang="ja-JP" dirty="0" smtClean="0"/>
-          </a:p>
-          <a:p>
-            <a:r>
-              <a:rPr kumimoji="1" lang="ja-JP" altLang="en-US" dirty="0" smtClean="0"/>
-              <a:t>オレンジ色の線は、完了時間累計で、現在までの各機能の実績値を、時間で表した合計です。</a:t>
-            </a:r>
-            <a:endParaRPr kumimoji="1" lang="en-US" altLang="ja-JP" dirty="0" smtClean="0"/>
-          </a:p>
-          <a:p>
-            <a:r>
-              <a:rPr kumimoji="1" lang="ja-JP" altLang="en-US" dirty="0" smtClean="0"/>
-              <a:t>灰色の線は、理想完了時間で、各機能の作業終了までを表した、予測値です。</a:t>
-            </a:r>
-            <a:endParaRPr kumimoji="1" lang="en-US" altLang="ja-JP" dirty="0" smtClean="0"/>
-          </a:p>
-          <a:p>
-            <a:r>
-              <a:rPr kumimoji="1" lang="ja-JP" altLang="en-US" dirty="0" smtClean="0"/>
-              <a:t>黄色の線は、作業時間累計で、現在までの作業時間の合計です。</a:t>
-            </a:r>
-            <a:endParaRPr kumimoji="1" lang="en-US" altLang="ja-JP" dirty="0" smtClean="0"/>
-          </a:p>
-          <a:p>
-            <a:r>
-              <a:rPr kumimoji="1" lang="en-US" altLang="ja-JP" dirty="0" smtClean="0"/>
+            <a:endParaRPr kumimoji="1" lang="en-US" altLang="ja-JP" b="1" dirty="0" smtClean="0"/>
+          </a:p>
+          <a:p>
+            <a:r>
+              <a:rPr kumimoji="1" lang="ja-JP" altLang="en-US" b="1" dirty="0" smtClean="0"/>
+              <a:t>青色の線が本プロジェクトの作業時間の見積り時間の合計。</a:t>
+            </a:r>
+            <a:endParaRPr kumimoji="1" lang="en-US" altLang="ja-JP" b="1" dirty="0" smtClean="0"/>
+          </a:p>
+          <a:p>
+            <a:r>
+              <a:rPr kumimoji="1" lang="ja-JP" altLang="en-US" b="1" dirty="0" smtClean="0"/>
+              <a:t>灰色の線が本プロジェクトの作業時間の見積り時間の累計で、</a:t>
+            </a:r>
+            <a:r>
+              <a:rPr kumimoji="1" lang="en-US" altLang="ja-JP" b="1" dirty="0" smtClean="0"/>
+              <a:t>PV</a:t>
+            </a:r>
+            <a:r>
+              <a:rPr kumimoji="1" lang="ja-JP" altLang="en-US" b="1" dirty="0" smtClean="0"/>
+              <a:t>です。</a:t>
+            </a:r>
+            <a:endParaRPr kumimoji="1" lang="en-US" altLang="ja-JP" b="1" dirty="0" smtClean="0"/>
+          </a:p>
+          <a:p>
+            <a:r>
+              <a:rPr kumimoji="1" lang="ja-JP" altLang="en-US" b="1" dirty="0" smtClean="0"/>
+              <a:t>黄色の線が作業時間の累計で、</a:t>
+            </a:r>
+            <a:r>
+              <a:rPr kumimoji="1" lang="en-US" altLang="ja-JP" b="1" dirty="0" smtClean="0"/>
+              <a:t>EV</a:t>
+            </a:r>
+            <a:r>
+              <a:rPr kumimoji="1" lang="ja-JP" altLang="en-US" b="1" dirty="0" smtClean="0"/>
+              <a:t>です。</a:t>
+            </a:r>
+            <a:endParaRPr kumimoji="1" lang="en-US" altLang="ja-JP" b="1" dirty="0" smtClean="0"/>
+          </a:p>
+          <a:p>
+            <a:r>
+              <a:rPr kumimoji="1" lang="ja-JP" altLang="en-US" b="1" dirty="0" smtClean="0"/>
+              <a:t>オレンジ色の線が終了した作業の見積り時間の累計で、</a:t>
+            </a:r>
+            <a:r>
+              <a:rPr kumimoji="1" lang="en-US" altLang="ja-JP" b="1" dirty="0" smtClean="0"/>
+              <a:t>AC</a:t>
+            </a:r>
+            <a:r>
+              <a:rPr kumimoji="1" lang="ja-JP" altLang="en-US" b="1" dirty="0" smtClean="0"/>
+              <a:t>です。</a:t>
+            </a:r>
+            <a:endParaRPr kumimoji="1" lang="en-US" altLang="ja-JP" b="1" dirty="0" smtClean="0"/>
+          </a:p>
+          <a:p>
+            <a:endParaRPr kumimoji="1" lang="en-US" altLang="ja-JP" b="1" dirty="0" smtClean="0"/>
+          </a:p>
+          <a:p>
+            <a:r>
+              <a:rPr kumimoji="1" lang="ja-JP" altLang="en-US" b="1" dirty="0" smtClean="0"/>
+              <a:t>コストはバーンアップチャートを用いて評価します。</a:t>
+            </a:r>
+            <a:endParaRPr kumimoji="1" lang="en-US" altLang="ja-JP" b="1" dirty="0" smtClean="0"/>
+          </a:p>
+          <a:p>
+            <a:r>
+              <a:rPr kumimoji="1" lang="en-US" altLang="ja-JP" b="1" dirty="0" smtClean="0"/>
               <a:t>6</a:t>
             </a:r>
             <a:r>
-              <a:rPr kumimoji="1" lang="ja-JP" altLang="en-US" dirty="0" smtClean="0"/>
+              <a:rPr kumimoji="1" lang="ja-JP" altLang="en-US" b="1" dirty="0" smtClean="0"/>
               <a:t>月</a:t>
             </a:r>
             <a:r>
-              <a:rPr kumimoji="1" lang="en-US" altLang="ja-JP" dirty="0" smtClean="0"/>
+              <a:rPr kumimoji="1" lang="en-US" altLang="ja-JP" b="1" dirty="0" smtClean="0"/>
               <a:t>7</a:t>
             </a:r>
             <a:r>
-              <a:rPr kumimoji="1" lang="ja-JP" altLang="en-US" dirty="0" smtClean="0"/>
+              <a:rPr kumimoji="1" lang="ja-JP" altLang="en-US" b="1" dirty="0" smtClean="0"/>
               <a:t>日に</a:t>
             </a:r>
             <a:r>
-              <a:rPr kumimoji="1" lang="en-US" altLang="ja-JP" dirty="0" smtClean="0"/>
+              <a:rPr kumimoji="1" lang="en-US" altLang="ja-JP" b="1" dirty="0" smtClean="0"/>
               <a:t>2</a:t>
             </a:r>
             <a:r>
-              <a:rPr kumimoji="1" lang="ja-JP" altLang="en-US" dirty="0" smtClean="0"/>
+              <a:rPr kumimoji="1" lang="ja-JP" altLang="en-US" b="1" dirty="0" smtClean="0"/>
               <a:t>回目のスプリントが終了し、現在は作業とコストともに遅れが生じている状況です。</a:t>
             </a:r>
-            <a:endParaRPr kumimoji="1" lang="en-US" altLang="ja-JP" dirty="0" smtClean="0"/>
-          </a:p>
-          <a:p>
-            <a:endParaRPr kumimoji="1" lang="en-US" altLang="ja-JP" dirty="0" smtClean="0"/>
+            <a:endParaRPr kumimoji="1" lang="en-US" altLang="ja-JP" b="1" dirty="0" smtClean="0"/>
+          </a:p>
+          <a:p>
+            <a:endParaRPr kumimoji="1" lang="en-US" altLang="ja-JP" b="1" dirty="0" smtClean="0"/>
           </a:p>
           <a:p>
             <a:endParaRPr kumimoji="1" lang="ja-JP" altLang="en-US" dirty="0"/>
@@ -2029,7 +2179,7 @@
           <a:p>
             <a:fld id="{31EB9004-3F70-404F-81A1-72744BD5EB90}" type="slidenum">
               <a:rPr kumimoji="1" lang="ja-JP" altLang="en-US" smtClean="0"/>
-              <a:t>9</a:t>
+              <a:t>10</a:t>
             </a:fld>
             <a:endParaRPr kumimoji="1" lang="ja-JP" altLang="en-US"/>
           </a:p>
@@ -5347,1940 +5497,6 @@
           <a:chExt cx="0" cy="0"/>
         </a:xfrm>
       </p:grpSpPr>
-      <p:sp>
-        <p:nvSpPr>
-          <p:cNvPr id="2" name="タイトル 1"/>
-          <p:cNvSpPr>
-            <a:spLocks noGrp="1"/>
-          </p:cNvSpPr>
-          <p:nvPr>
-            <p:ph type="title"/>
-          </p:nvPr>
-        </p:nvSpPr>
-        <p:spPr/>
-        <p:txBody>
-          <a:bodyPr/>
-          <a:lstStyle/>
-          <a:p>
-            <a:r>
-              <a:rPr lang="en-US" altLang="ja-JP" b="1" dirty="0"/>
-              <a:t>6</a:t>
-            </a:r>
-            <a:r>
-              <a:rPr lang="en-US" altLang="ja-JP" b="1" dirty="0" smtClean="0"/>
-              <a:t>.</a:t>
-            </a:r>
-            <a:r>
-              <a:rPr lang="ja-JP" altLang="en-US" b="1" dirty="0" smtClean="0"/>
-              <a:t>品質管理</a:t>
-            </a:r>
-            <a:endParaRPr kumimoji="1" lang="ja-JP" altLang="en-US" b="1" dirty="0"/>
-          </a:p>
-        </p:txBody>
-      </p:sp>
-      <p:sp>
-        <p:nvSpPr>
-          <p:cNvPr id="4" name="スライド番号プレースホルダー 3"/>
-          <p:cNvSpPr>
-            <a:spLocks noGrp="1"/>
-          </p:cNvSpPr>
-          <p:nvPr>
-            <p:ph type="sldNum" sz="quarter" idx="12"/>
-          </p:nvPr>
-        </p:nvSpPr>
-        <p:spPr/>
-        <p:txBody>
-          <a:bodyPr/>
-          <a:lstStyle/>
-          <a:p>
-            <a:fld id="{DBCC0E39-F1DF-4704-BA4C-1FA94645E7DF}" type="slidenum">
-              <a:rPr kumimoji="1" lang="ja-JP" altLang="en-US" smtClean="0"/>
-              <a:t>10</a:t>
-            </a:fld>
-            <a:endParaRPr kumimoji="1" lang="ja-JP" altLang="en-US"/>
-          </a:p>
-        </p:txBody>
-      </p:sp>
-      <p:sp>
-        <p:nvSpPr>
-          <p:cNvPr id="5" name="テキスト ボックス 4"/>
-          <p:cNvSpPr txBox="1"/>
-          <p:nvPr/>
-        </p:nvSpPr>
-        <p:spPr>
-          <a:xfrm>
-            <a:off x="642257" y="2774905"/>
-            <a:ext cx="10515600" cy="1569660"/>
-          </a:xfrm>
-          <a:prstGeom prst="rect">
-            <a:avLst/>
-          </a:prstGeom>
-          <a:noFill/>
-        </p:spPr>
-        <p:txBody>
-          <a:bodyPr wrap="square" rtlCol="0">
-            <a:spAutoFit/>
-          </a:bodyPr>
-          <a:lstStyle/>
-          <a:p>
-            <a:pPr algn="ctr"/>
-            <a:r>
-              <a:rPr lang="ja-JP" altLang="ja-JP" sz="3200" b="1" dirty="0"/>
-              <a:t>スプリント終了</a:t>
-            </a:r>
-            <a:r>
-              <a:rPr lang="ja-JP" altLang="ja-JP" sz="3200" b="1" dirty="0" smtClean="0"/>
-              <a:t>時</a:t>
-            </a:r>
-            <a:r>
-              <a:rPr lang="ja-JP" altLang="en-US" sz="3200" b="1" dirty="0" smtClean="0"/>
-              <a:t>毎</a:t>
-            </a:r>
-            <a:r>
-              <a:rPr lang="ja-JP" altLang="ja-JP" sz="3200" b="1" dirty="0" smtClean="0"/>
-              <a:t>に</a:t>
-            </a:r>
-            <a:r>
-              <a:rPr lang="ja-JP" altLang="ja-JP" sz="3200" b="1" dirty="0"/>
-              <a:t>プロダクトオーナー</a:t>
-            </a:r>
-            <a:r>
-              <a:rPr lang="ja-JP" altLang="ja-JP" sz="3200" b="1" dirty="0" smtClean="0"/>
-              <a:t>に</a:t>
-            </a:r>
-            <a:endParaRPr lang="en-US" altLang="ja-JP" sz="3200" b="1" dirty="0" smtClean="0"/>
-          </a:p>
-          <a:p>
-            <a:pPr algn="ctr"/>
-            <a:r>
-              <a:rPr lang="ja-JP" altLang="ja-JP" sz="3200" b="1" dirty="0" smtClean="0"/>
-              <a:t>成果物</a:t>
-            </a:r>
-            <a:r>
-              <a:rPr lang="ja-JP" altLang="ja-JP" sz="3200" b="1" dirty="0"/>
-              <a:t>の情報量、利便性、簡易性の</a:t>
-            </a:r>
-            <a:r>
-              <a:rPr lang="ja-JP" altLang="ja-JP" sz="3200" b="1" dirty="0" smtClean="0"/>
-              <a:t>観点から</a:t>
-            </a:r>
-            <a:r>
-              <a:rPr lang="ja-JP" altLang="en-US" sz="3200" b="1" dirty="0" smtClean="0"/>
-              <a:t>、</a:t>
-            </a:r>
-            <a:endParaRPr lang="en-US" altLang="ja-JP" sz="3200" b="1" dirty="0" smtClean="0"/>
-          </a:p>
-          <a:p>
-            <a:pPr algn="ctr"/>
-            <a:r>
-              <a:rPr lang="ja-JP" altLang="ja-JP" sz="3200" b="1" dirty="0" smtClean="0"/>
-              <a:t>１～</a:t>
-            </a:r>
-            <a:r>
-              <a:rPr lang="en-US" altLang="ja-JP" sz="3200" b="1" dirty="0" smtClean="0"/>
-              <a:t>10</a:t>
-            </a:r>
-            <a:r>
-              <a:rPr lang="ja-JP" altLang="ja-JP" sz="3200" b="1" dirty="0" smtClean="0"/>
-              <a:t>の</a:t>
-            </a:r>
-            <a:r>
-              <a:rPr lang="en-US" altLang="ja-JP" sz="3200" b="1" dirty="0" smtClean="0"/>
-              <a:t>10</a:t>
-            </a:r>
-            <a:r>
-              <a:rPr lang="ja-JP" altLang="ja-JP" sz="3200" b="1" dirty="0" smtClean="0"/>
-              <a:t>段階で評価してもらう。</a:t>
-            </a:r>
-            <a:endParaRPr lang="ja-JP" altLang="ja-JP" sz="3200" b="1" dirty="0"/>
-          </a:p>
-        </p:txBody>
-      </p:sp>
-    </p:spTree>
-    <p:extLst>
-      <p:ext uri="{BB962C8B-B14F-4D97-AF65-F5344CB8AC3E}">
-        <p14:creationId xmlns:p14="http://schemas.microsoft.com/office/powerpoint/2010/main" val="3102615835"/>
-      </p:ext>
-    </p:extLst>
-  </p:cSld>
-  <p:clrMapOvr>
-    <a:masterClrMapping/>
-  </p:clrMapOvr>
-  <p:timing>
-    <p:tnLst>
-      <p:par>
-        <p:cTn id="1" dur="indefinite" restart="never" nodeType="tmRoot"/>
-      </p:par>
-    </p:tnLst>
-  </p:timing>
-</p:sld>
-</file>
-
-<file path=ppt/slides/slide11.xml><?xml version="1.0" encoding="utf-8"?>
-<p:sld xmlns:a="http://schemas.openxmlformats.org/drawingml/2006/main" xmlns:r="http://schemas.openxmlformats.org/officeDocument/2006/relationships" xmlns:p="http://schemas.openxmlformats.org/presentationml/2006/main">
-  <p:cSld>
-    <p:spTree>
-      <p:nvGrpSpPr>
-        <p:cNvPr id="1" name=""/>
-        <p:cNvGrpSpPr/>
-        <p:nvPr/>
-      </p:nvGrpSpPr>
-      <p:grpSpPr>
-        <a:xfrm>
-          <a:off x="0" y="0"/>
-          <a:ext cx="0" cy="0"/>
-          <a:chOff x="0" y="0"/>
-          <a:chExt cx="0" cy="0"/>
-        </a:xfrm>
-      </p:grpSpPr>
-      <p:sp>
-        <p:nvSpPr>
-          <p:cNvPr id="2" name="タイトル 1"/>
-          <p:cNvSpPr>
-            <a:spLocks noGrp="1"/>
-          </p:cNvSpPr>
-          <p:nvPr>
-            <p:ph type="title"/>
-          </p:nvPr>
-        </p:nvSpPr>
-        <p:spPr/>
-        <p:txBody>
-          <a:bodyPr/>
-          <a:lstStyle/>
-          <a:p>
-            <a:r>
-              <a:rPr lang="en-US" altLang="ja-JP" b="1" dirty="0" smtClean="0"/>
-              <a:t>.</a:t>
-            </a:r>
-            <a:r>
-              <a:rPr lang="ja-JP" altLang="en-US" b="1" dirty="0" smtClean="0"/>
-              <a:t> </a:t>
-            </a:r>
-            <a:r>
-              <a:rPr lang="ja-JP" altLang="en-US" b="1" dirty="0" smtClean="0"/>
-              <a:t>後半の流れ</a:t>
-            </a:r>
-            <a:endParaRPr kumimoji="1" lang="ja-JP" altLang="en-US" dirty="0"/>
-          </a:p>
-        </p:txBody>
-      </p:sp>
-      <p:sp>
-        <p:nvSpPr>
-          <p:cNvPr id="6" name="コンテンツ プレースホルダー 5"/>
-          <p:cNvSpPr>
-            <a:spLocks noGrp="1"/>
-          </p:cNvSpPr>
-          <p:nvPr>
-            <p:ph sz="half" idx="1"/>
-          </p:nvPr>
-        </p:nvSpPr>
-        <p:spPr>
-          <a:xfrm>
-            <a:off x="838200" y="1825625"/>
-            <a:ext cx="10515600" cy="4351338"/>
-          </a:xfrm>
-        </p:spPr>
-        <p:txBody>
-          <a:bodyPr>
-            <a:normAutofit/>
-          </a:bodyPr>
-          <a:lstStyle/>
-          <a:p>
-            <a:endParaRPr lang="en-US" altLang="ja-JP" dirty="0" smtClean="0"/>
-          </a:p>
-          <a:p>
-            <a:pPr marL="0" indent="0" algn="ctr">
-              <a:lnSpc>
-                <a:spcPct val="150000"/>
-              </a:lnSpc>
-              <a:buNone/>
-            </a:pPr>
-            <a:r>
-              <a:rPr lang="ja-JP" altLang="en-US" sz="3600" b="1" dirty="0" smtClean="0"/>
-              <a:t>過去問、シラバスの表示機能の作成</a:t>
-            </a:r>
-            <a:endParaRPr lang="en-US" altLang="ja-JP" sz="3600" b="1" dirty="0" smtClean="0"/>
-          </a:p>
-          <a:p>
-            <a:pPr marL="0" indent="0" algn="ctr">
-              <a:lnSpc>
-                <a:spcPct val="150000"/>
-              </a:lnSpc>
-              <a:buNone/>
-            </a:pPr>
-            <a:r>
-              <a:rPr lang="ja-JP" altLang="en-US" sz="3600" b="1" dirty="0" smtClean="0"/>
-              <a:t>竹内</a:t>
-            </a:r>
-            <a:r>
-              <a:rPr lang="ja-JP" altLang="en-US" sz="3600" b="1" dirty="0"/>
-              <a:t>君が</a:t>
-            </a:r>
-            <a:r>
-              <a:rPr lang="en-US" altLang="ja-JP" sz="3600" b="1" dirty="0"/>
-              <a:t>PM</a:t>
-            </a:r>
-            <a:r>
-              <a:rPr lang="ja-JP" altLang="en-US" sz="3600" b="1" dirty="0"/>
-              <a:t>を引き継ぎます。</a:t>
-            </a:r>
-            <a:endParaRPr lang="en-US" altLang="ja-JP" sz="3600" b="1" dirty="0"/>
-          </a:p>
-          <a:p>
-            <a:endParaRPr kumimoji="1" lang="en-US" altLang="ja-JP" dirty="0" smtClean="0"/>
-          </a:p>
-        </p:txBody>
-      </p:sp>
-    </p:spTree>
-    <p:extLst>
-      <p:ext uri="{BB962C8B-B14F-4D97-AF65-F5344CB8AC3E}">
-        <p14:creationId xmlns:p14="http://schemas.microsoft.com/office/powerpoint/2010/main" val="2564451170"/>
-      </p:ext>
-    </p:extLst>
-  </p:cSld>
-  <p:clrMapOvr>
-    <a:masterClrMapping/>
-  </p:clrMapOvr>
-  <p:timing>
-    <p:tnLst>
-      <p:par>
-        <p:cTn id="1" dur="indefinite" restart="never" nodeType="tmRoot"/>
-      </p:par>
-    </p:tnLst>
-  </p:timing>
-</p:sld>
-</file>
-
-<file path=ppt/slides/slide2.xml><?xml version="1.0" encoding="utf-8"?>
-<p:sld xmlns:a="http://schemas.openxmlformats.org/drawingml/2006/main" xmlns:r="http://schemas.openxmlformats.org/officeDocument/2006/relationships" xmlns:p="http://schemas.openxmlformats.org/presentationml/2006/main">
-  <p:cSld>
-    <p:spTree>
-      <p:nvGrpSpPr>
-        <p:cNvPr id="1" name=""/>
-        <p:cNvGrpSpPr/>
-        <p:nvPr/>
-      </p:nvGrpSpPr>
-      <p:grpSpPr>
-        <a:xfrm>
-          <a:off x="0" y="0"/>
-          <a:ext cx="0" cy="0"/>
-          <a:chOff x="0" y="0"/>
-          <a:chExt cx="0" cy="0"/>
-        </a:xfrm>
-      </p:grpSpPr>
-      <p:sp>
-        <p:nvSpPr>
-          <p:cNvPr id="2" name="タイトル 1"/>
-          <p:cNvSpPr>
-            <a:spLocks noGrp="1"/>
-          </p:cNvSpPr>
-          <p:nvPr>
-            <p:ph type="title"/>
-          </p:nvPr>
-        </p:nvSpPr>
-        <p:spPr/>
-        <p:txBody>
-          <a:bodyPr/>
-          <a:lstStyle/>
-          <a:p>
-            <a:r>
-              <a:rPr lang="ja-JP" altLang="en-US" b="1" dirty="0" smtClean="0"/>
-              <a:t>目次</a:t>
-            </a:r>
-            <a:endParaRPr kumimoji="1" lang="ja-JP" altLang="en-US" b="1" dirty="0">
-              <a:latin typeface="HGP創英角ｺﾞｼｯｸUB" panose="020B0900000000000000" pitchFamily="50" charset="-128"/>
-              <a:ea typeface="HGP創英角ｺﾞｼｯｸUB" panose="020B0900000000000000" pitchFamily="50" charset="-128"/>
-            </a:endParaRPr>
-          </a:p>
-        </p:txBody>
-      </p:sp>
-      <p:sp>
-        <p:nvSpPr>
-          <p:cNvPr id="3" name="コンテンツ プレースホルダー 2"/>
-          <p:cNvSpPr>
-            <a:spLocks noGrp="1"/>
-          </p:cNvSpPr>
-          <p:nvPr>
-            <p:ph idx="1"/>
-          </p:nvPr>
-        </p:nvSpPr>
-        <p:spPr/>
-        <p:txBody>
-          <a:bodyPr>
-            <a:normAutofit/>
-          </a:bodyPr>
-          <a:lstStyle/>
-          <a:p>
-            <a:pPr marL="0" indent="0">
-              <a:buNone/>
-            </a:pPr>
-            <a:r>
-              <a:rPr lang="en-US" altLang="ja-JP" sz="3200" b="1" dirty="0" smtClean="0"/>
-              <a:t>1.</a:t>
-            </a:r>
-            <a:r>
-              <a:rPr kumimoji="1" lang="ja-JP" altLang="en-US" sz="3200" b="1" dirty="0" smtClean="0"/>
-              <a:t>プロジェクト</a:t>
-            </a:r>
-            <a:r>
-              <a:rPr lang="ja-JP" altLang="en-US" sz="3200" b="1" dirty="0" smtClean="0"/>
-              <a:t>背景</a:t>
-            </a:r>
-            <a:endParaRPr lang="en-US" altLang="ja-JP" sz="3200" b="1" dirty="0" smtClean="0"/>
-          </a:p>
-          <a:p>
-            <a:pPr marL="0" indent="0">
-              <a:buNone/>
-            </a:pPr>
-            <a:r>
-              <a:rPr lang="en-US" altLang="ja-JP" sz="3200" b="1" dirty="0"/>
-              <a:t>2</a:t>
-            </a:r>
-            <a:r>
-              <a:rPr lang="en-US" altLang="ja-JP" sz="3200" b="1" dirty="0" smtClean="0"/>
-              <a:t>.</a:t>
-            </a:r>
-            <a:r>
-              <a:rPr lang="ja-JP" altLang="en-US" sz="3200" b="1" dirty="0" smtClean="0"/>
-              <a:t>プロジェクト目的</a:t>
-            </a:r>
-            <a:endParaRPr lang="en-US" altLang="ja-JP" sz="3200" b="1" dirty="0" smtClean="0"/>
-          </a:p>
-          <a:p>
-            <a:pPr marL="0" indent="0">
-              <a:buNone/>
-            </a:pPr>
-            <a:r>
-              <a:rPr lang="en-US" altLang="ja-JP" sz="3200" b="1" dirty="0"/>
-              <a:t>3</a:t>
-            </a:r>
-            <a:r>
-              <a:rPr lang="en-US" altLang="ja-JP" sz="3200" b="1" dirty="0" smtClean="0"/>
-              <a:t>.</a:t>
-            </a:r>
-            <a:r>
-              <a:rPr lang="ja-JP" altLang="en-US" sz="3200" b="1" smtClean="0"/>
-              <a:t>主な機能</a:t>
-            </a:r>
-            <a:endParaRPr lang="en-US" altLang="ja-JP" sz="3200" b="1" dirty="0" smtClean="0"/>
-          </a:p>
-          <a:p>
-            <a:pPr marL="0" indent="0">
-              <a:buNone/>
-            </a:pPr>
-            <a:r>
-              <a:rPr lang="en-US" altLang="ja-JP" sz="3200" b="1" dirty="0"/>
-              <a:t>4</a:t>
-            </a:r>
-            <a:r>
-              <a:rPr lang="en-US" altLang="ja-JP" sz="3200" b="1" dirty="0" smtClean="0"/>
-              <a:t>.</a:t>
-            </a:r>
-            <a:r>
-              <a:rPr lang="ja-JP" altLang="en-US" sz="3200" b="1" dirty="0" smtClean="0"/>
-              <a:t>選択したチーム課題</a:t>
-            </a:r>
-            <a:endParaRPr lang="en-US" altLang="ja-JP" sz="3200" b="1" dirty="0" smtClean="0"/>
-          </a:p>
-          <a:p>
-            <a:pPr marL="0" indent="0">
-              <a:buNone/>
-            </a:pPr>
-            <a:r>
-              <a:rPr lang="en-US" altLang="ja-JP" sz="3200" b="1" dirty="0"/>
-              <a:t>5</a:t>
-            </a:r>
-            <a:r>
-              <a:rPr lang="en-US" altLang="ja-JP" sz="3200" b="1" dirty="0" smtClean="0"/>
-              <a:t>.</a:t>
-            </a:r>
-            <a:r>
-              <a:rPr lang="ja-JP" altLang="en-US" sz="3200" b="1" dirty="0" smtClean="0"/>
-              <a:t>進捗</a:t>
-            </a:r>
-            <a:r>
-              <a:rPr lang="ja-JP" altLang="en-US" sz="3200" b="1" dirty="0" smtClean="0"/>
-              <a:t>管理の方法</a:t>
-            </a:r>
-            <a:endParaRPr lang="en-US" altLang="ja-JP" sz="3200" b="1" dirty="0" smtClean="0"/>
-          </a:p>
-          <a:p>
-            <a:pPr marL="0" indent="0">
-              <a:buNone/>
-            </a:pPr>
-            <a:r>
-              <a:rPr lang="en-US" altLang="ja-JP" sz="3200" b="1" dirty="0"/>
-              <a:t>6</a:t>
-            </a:r>
-            <a:r>
-              <a:rPr lang="en-US" altLang="ja-JP" sz="3200" b="1" dirty="0" smtClean="0"/>
-              <a:t>.</a:t>
-            </a:r>
-            <a:r>
-              <a:rPr lang="ja-JP" altLang="en-US" sz="3200" b="1" dirty="0" smtClean="0"/>
-              <a:t>品質管理</a:t>
-            </a:r>
-            <a:endParaRPr lang="en-US" altLang="ja-JP" sz="3200" b="1" dirty="0" smtClean="0"/>
-          </a:p>
-          <a:p>
-            <a:pPr marL="0" indent="0">
-              <a:buNone/>
-            </a:pPr>
-            <a:r>
-              <a:rPr lang="en-US" altLang="ja-JP" sz="3200" b="1" dirty="0"/>
-              <a:t>7</a:t>
-            </a:r>
-            <a:r>
-              <a:rPr lang="en-US" altLang="ja-JP" sz="3200" b="1" dirty="0" smtClean="0"/>
-              <a:t>.</a:t>
-            </a:r>
-            <a:r>
-              <a:rPr lang="ja-JP" altLang="en-US" sz="3200" b="1" dirty="0" smtClean="0"/>
-              <a:t>後半の流れ</a:t>
-            </a:r>
-            <a:endParaRPr kumimoji="1" lang="en-US" altLang="ja-JP" sz="3200" b="1" dirty="0" smtClean="0"/>
-          </a:p>
-        </p:txBody>
-      </p:sp>
-    </p:spTree>
-    <p:extLst>
-      <p:ext uri="{BB962C8B-B14F-4D97-AF65-F5344CB8AC3E}">
-        <p14:creationId xmlns:p14="http://schemas.microsoft.com/office/powerpoint/2010/main" val="1416461174"/>
-      </p:ext>
-    </p:extLst>
-  </p:cSld>
-  <p:clrMapOvr>
-    <a:masterClrMapping/>
-  </p:clrMapOvr>
-  <mc:AlternateContent xmlns:mc="http://schemas.openxmlformats.org/markup-compatibility/2006" xmlns:p14="http://schemas.microsoft.com/office/powerpoint/2010/main">
-    <mc:Choice Requires="p14">
-      <p:transition p14:dur="0"/>
-    </mc:Choice>
-    <mc:Fallback xmlns="">
-      <p:transition/>
-    </mc:Fallback>
-  </mc:AlternateContent>
-  <p:timing>
-    <p:tnLst>
-      <p:par>
-        <p:cTn id="1" dur="indefinite" restart="never" nodeType="tmRoot"/>
-      </p:par>
-    </p:tnLst>
-  </p:timing>
-</p:sld>
-</file>
-
-<file path=ppt/slides/slide3.xml><?xml version="1.0" encoding="utf-8"?>
-<p:sld xmlns:a="http://schemas.openxmlformats.org/drawingml/2006/main" xmlns:r="http://schemas.openxmlformats.org/officeDocument/2006/relationships" xmlns:p="http://schemas.openxmlformats.org/presentationml/2006/main">
-  <p:cSld>
-    <p:spTree>
-      <p:nvGrpSpPr>
-        <p:cNvPr id="1" name=""/>
-        <p:cNvGrpSpPr/>
-        <p:nvPr/>
-      </p:nvGrpSpPr>
-      <p:grpSpPr>
-        <a:xfrm>
-          <a:off x="0" y="0"/>
-          <a:ext cx="0" cy="0"/>
-          <a:chOff x="0" y="0"/>
-          <a:chExt cx="0" cy="0"/>
-        </a:xfrm>
-      </p:grpSpPr>
-      <p:sp>
-        <p:nvSpPr>
-          <p:cNvPr id="2" name="タイトル 1"/>
-          <p:cNvSpPr>
-            <a:spLocks noGrp="1"/>
-          </p:cNvSpPr>
-          <p:nvPr>
-            <p:ph type="title"/>
-          </p:nvPr>
-        </p:nvSpPr>
-        <p:spPr/>
-        <p:txBody>
-          <a:bodyPr/>
-          <a:lstStyle/>
-          <a:p>
-            <a:r>
-              <a:rPr kumimoji="1" lang="en-US" altLang="ja-JP" b="1" dirty="0" smtClean="0"/>
-              <a:t>1.</a:t>
-            </a:r>
-            <a:r>
-              <a:rPr kumimoji="1" lang="ja-JP" altLang="en-US" b="1" dirty="0" smtClean="0"/>
-              <a:t>プロジェクト</a:t>
-            </a:r>
-            <a:r>
-              <a:rPr lang="ja-JP" altLang="en-US" b="1" dirty="0"/>
-              <a:t>背景</a:t>
-            </a:r>
-            <a:endParaRPr kumimoji="1" lang="ja-JP" altLang="en-US" b="1" dirty="0"/>
-          </a:p>
-        </p:txBody>
-      </p:sp>
-      <p:sp>
-        <p:nvSpPr>
-          <p:cNvPr id="3" name="コンテンツ プレースホルダー 2"/>
-          <p:cNvSpPr>
-            <a:spLocks noGrp="1"/>
-          </p:cNvSpPr>
-          <p:nvPr>
-            <p:ph idx="1"/>
-          </p:nvPr>
-        </p:nvSpPr>
-        <p:spPr>
-          <a:xfrm>
-            <a:off x="382633" y="1974463"/>
-            <a:ext cx="10515600" cy="3767931"/>
-          </a:xfrm>
-        </p:spPr>
-        <p:txBody>
-          <a:bodyPr>
-            <a:normAutofit/>
-          </a:bodyPr>
-          <a:lstStyle/>
-          <a:p>
-            <a:pPr marL="0" indent="0">
-              <a:lnSpc>
-                <a:spcPct val="150000"/>
-              </a:lnSpc>
-              <a:buNone/>
-            </a:pPr>
-            <a:r>
-              <a:rPr lang="ja-JP" altLang="en-US" sz="4800" b="1" dirty="0" smtClean="0"/>
-              <a:t>従来は</a:t>
-            </a:r>
-            <a:r>
-              <a:rPr lang="en-US" altLang="ja-JP" sz="4800" dirty="0"/>
-              <a:t>…</a:t>
-            </a:r>
-            <a:endParaRPr lang="en-US" altLang="ja-JP" sz="4800" dirty="0" smtClean="0"/>
-          </a:p>
-          <a:p>
-            <a:pPr marL="0" indent="0">
-              <a:lnSpc>
-                <a:spcPct val="150000"/>
-              </a:lnSpc>
-              <a:buNone/>
-            </a:pPr>
-            <a:r>
-              <a:rPr lang="ja-JP" altLang="en-US" sz="5200" b="1" dirty="0" smtClean="0"/>
-              <a:t>シラバス検索や時間割の確認に、手間</a:t>
-            </a:r>
-            <a:r>
-              <a:rPr lang="ja-JP" altLang="en-US" sz="5200" b="1" dirty="0"/>
-              <a:t>がかかって</a:t>
-            </a:r>
-            <a:r>
-              <a:rPr lang="ja-JP" altLang="en-US" sz="5200" b="1" dirty="0" smtClean="0"/>
-              <a:t>いた</a:t>
-            </a:r>
-            <a:endParaRPr lang="en-US" altLang="ja-JP" sz="5200" b="1" dirty="0" smtClean="0"/>
-          </a:p>
-          <a:p>
-            <a:pPr marL="0" indent="0">
-              <a:lnSpc>
-                <a:spcPct val="150000"/>
-              </a:lnSpc>
-              <a:buNone/>
-            </a:pPr>
-            <a:endParaRPr lang="en-US" altLang="ja-JP" sz="3200" b="1" dirty="0"/>
-          </a:p>
-          <a:p>
-            <a:endParaRPr kumimoji="1" lang="ja-JP" altLang="en-US" dirty="0"/>
-          </a:p>
-        </p:txBody>
-      </p:sp>
-      <p:sp>
-        <p:nvSpPr>
-          <p:cNvPr id="4" name="スライド番号プレースホルダー 3"/>
-          <p:cNvSpPr>
-            <a:spLocks noGrp="1"/>
-          </p:cNvSpPr>
-          <p:nvPr>
-            <p:ph type="sldNum" sz="quarter" idx="12"/>
-          </p:nvPr>
-        </p:nvSpPr>
-        <p:spPr/>
-        <p:txBody>
-          <a:bodyPr/>
-          <a:lstStyle/>
-          <a:p>
-            <a:fld id="{DBCC0E39-F1DF-4704-BA4C-1FA94645E7DF}" type="slidenum">
-              <a:rPr kumimoji="1" lang="ja-JP" altLang="en-US" smtClean="0"/>
-              <a:t>3</a:t>
-            </a:fld>
-            <a:endParaRPr kumimoji="1" lang="ja-JP" altLang="en-US"/>
-          </a:p>
-        </p:txBody>
-      </p:sp>
-    </p:spTree>
-    <p:extLst>
-      <p:ext uri="{BB962C8B-B14F-4D97-AF65-F5344CB8AC3E}">
-        <p14:creationId xmlns:p14="http://schemas.microsoft.com/office/powerpoint/2010/main" val="2451840469"/>
-      </p:ext>
-    </p:extLst>
-  </p:cSld>
-  <p:clrMapOvr>
-    <a:masterClrMapping/>
-  </p:clrMapOvr>
-  <p:timing>
-    <p:tnLst>
-      <p:par>
-        <p:cTn id="1" dur="indefinite" restart="never" nodeType="tmRoot"/>
-      </p:par>
-    </p:tnLst>
-  </p:timing>
-</p:sld>
-</file>
-
-<file path=ppt/slides/slide4.xml><?xml version="1.0" encoding="utf-8"?>
-<p:sld xmlns:a="http://schemas.openxmlformats.org/drawingml/2006/main" xmlns:r="http://schemas.openxmlformats.org/officeDocument/2006/relationships" xmlns:p="http://schemas.openxmlformats.org/presentationml/2006/main">
-  <p:cSld>
-    <p:spTree>
-      <p:nvGrpSpPr>
-        <p:cNvPr id="1" name=""/>
-        <p:cNvGrpSpPr/>
-        <p:nvPr/>
-      </p:nvGrpSpPr>
-      <p:grpSpPr>
-        <a:xfrm>
-          <a:off x="0" y="0"/>
-          <a:ext cx="0" cy="0"/>
-          <a:chOff x="0" y="0"/>
-          <a:chExt cx="0" cy="0"/>
-        </a:xfrm>
-      </p:grpSpPr>
-      <p:sp>
-        <p:nvSpPr>
-          <p:cNvPr id="2" name="タイトル 1"/>
-          <p:cNvSpPr>
-            <a:spLocks noGrp="1"/>
-          </p:cNvSpPr>
-          <p:nvPr>
-            <p:ph type="title"/>
-          </p:nvPr>
-        </p:nvSpPr>
-        <p:spPr/>
-        <p:txBody>
-          <a:bodyPr/>
-          <a:lstStyle/>
-          <a:p>
-            <a:r>
-              <a:rPr lang="en-US" altLang="ja-JP" b="1" dirty="0"/>
-              <a:t>2</a:t>
-            </a:r>
-            <a:r>
-              <a:rPr kumimoji="1" lang="en-US" altLang="ja-JP" b="1" dirty="0" smtClean="0"/>
-              <a:t>.</a:t>
-            </a:r>
-            <a:r>
-              <a:rPr kumimoji="1" lang="ja-JP" altLang="en-US" b="1" dirty="0" smtClean="0"/>
-              <a:t>プロジェクト</a:t>
-            </a:r>
-            <a:r>
-              <a:rPr lang="ja-JP" altLang="en-US" b="1" dirty="0"/>
-              <a:t>目的</a:t>
-            </a:r>
-            <a:endParaRPr kumimoji="1" lang="ja-JP" altLang="en-US" b="1" dirty="0"/>
-          </a:p>
-        </p:txBody>
-      </p:sp>
-      <p:sp>
-        <p:nvSpPr>
-          <p:cNvPr id="3" name="コンテンツ プレースホルダー 2"/>
-          <p:cNvSpPr>
-            <a:spLocks noGrp="1"/>
-          </p:cNvSpPr>
-          <p:nvPr>
-            <p:ph idx="1"/>
-          </p:nvPr>
-        </p:nvSpPr>
-        <p:spPr>
-          <a:xfrm>
-            <a:off x="581025" y="2220685"/>
-            <a:ext cx="11475992" cy="3670664"/>
-          </a:xfrm>
-        </p:spPr>
-        <p:txBody>
-          <a:bodyPr>
-            <a:normAutofit fontScale="70000" lnSpcReduction="20000"/>
-          </a:bodyPr>
-          <a:lstStyle/>
-          <a:p>
-            <a:pPr marL="0" indent="0">
-              <a:lnSpc>
-                <a:spcPct val="150000"/>
-              </a:lnSpc>
-              <a:buNone/>
-            </a:pPr>
-            <a:r>
-              <a:rPr lang="ja-JP" altLang="en-US" sz="6900" b="1" dirty="0" smtClean="0"/>
-              <a:t>本システムでは</a:t>
-            </a:r>
-            <a:r>
-              <a:rPr lang="en-US" altLang="ja-JP" sz="6900" b="1" dirty="0" smtClean="0"/>
-              <a:t>…</a:t>
-            </a:r>
-            <a:endParaRPr lang="en-US" altLang="ja-JP" sz="6900" dirty="0"/>
-          </a:p>
-          <a:p>
-            <a:pPr marL="0" indent="0">
-              <a:lnSpc>
-                <a:spcPct val="150000"/>
-              </a:lnSpc>
-              <a:buNone/>
-            </a:pPr>
-            <a:r>
-              <a:rPr lang="ja-JP" altLang="en-US" sz="7700" b="1" dirty="0" smtClean="0"/>
-              <a:t>その手間を省き、</a:t>
-            </a:r>
-            <a:endParaRPr lang="en-US" altLang="ja-JP" sz="7700" b="1" dirty="0" smtClean="0"/>
-          </a:p>
-          <a:p>
-            <a:pPr marL="0" indent="0">
-              <a:lnSpc>
-                <a:spcPct val="150000"/>
-              </a:lnSpc>
-              <a:buNone/>
-            </a:pPr>
-            <a:r>
-              <a:rPr lang="ja-JP" altLang="en-US" sz="7700" b="1" dirty="0" smtClean="0"/>
-              <a:t>新たな付加価値を加え提供します！</a:t>
-            </a:r>
-            <a:endParaRPr lang="en-US" altLang="ja-JP" sz="7700" b="1" dirty="0" smtClean="0"/>
-          </a:p>
-        </p:txBody>
-      </p:sp>
-      <p:sp>
-        <p:nvSpPr>
-          <p:cNvPr id="4" name="スライド番号プレースホルダー 3"/>
-          <p:cNvSpPr>
-            <a:spLocks noGrp="1"/>
-          </p:cNvSpPr>
-          <p:nvPr>
-            <p:ph type="sldNum" sz="quarter" idx="12"/>
-          </p:nvPr>
-        </p:nvSpPr>
-        <p:spPr/>
-        <p:txBody>
-          <a:bodyPr/>
-          <a:lstStyle/>
-          <a:p>
-            <a:fld id="{DBCC0E39-F1DF-4704-BA4C-1FA94645E7DF}" type="slidenum">
-              <a:rPr kumimoji="1" lang="ja-JP" altLang="en-US" smtClean="0"/>
-              <a:t>4</a:t>
-            </a:fld>
-            <a:endParaRPr kumimoji="1" lang="ja-JP" altLang="en-US"/>
-          </a:p>
-        </p:txBody>
-      </p:sp>
-    </p:spTree>
-    <p:extLst>
-      <p:ext uri="{BB962C8B-B14F-4D97-AF65-F5344CB8AC3E}">
-        <p14:creationId xmlns:p14="http://schemas.microsoft.com/office/powerpoint/2010/main" val="1383825895"/>
-      </p:ext>
-    </p:extLst>
-  </p:cSld>
-  <p:clrMapOvr>
-    <a:masterClrMapping/>
-  </p:clrMapOvr>
-  <p:timing>
-    <p:tnLst>
-      <p:par>
-        <p:cTn id="1" dur="indefinite" restart="never" nodeType="tmRoot"/>
-      </p:par>
-    </p:tnLst>
-  </p:timing>
-</p:sld>
-</file>
-
-<file path=ppt/slides/slide5.xml><?xml version="1.0" encoding="utf-8"?>
-<p:sld xmlns:a="http://schemas.openxmlformats.org/drawingml/2006/main" xmlns:r="http://schemas.openxmlformats.org/officeDocument/2006/relationships" xmlns:p="http://schemas.openxmlformats.org/presentationml/2006/main">
-  <p:cSld>
-    <p:spTree>
-      <p:nvGrpSpPr>
-        <p:cNvPr id="1" name=""/>
-        <p:cNvGrpSpPr/>
-        <p:nvPr/>
-      </p:nvGrpSpPr>
-      <p:grpSpPr>
-        <a:xfrm>
-          <a:off x="0" y="0"/>
-          <a:ext cx="0" cy="0"/>
-          <a:chOff x="0" y="0"/>
-          <a:chExt cx="0" cy="0"/>
-        </a:xfrm>
-      </p:grpSpPr>
-      <p:sp>
-        <p:nvSpPr>
-          <p:cNvPr id="2" name="タイトル 1"/>
-          <p:cNvSpPr>
-            <a:spLocks noGrp="1"/>
-          </p:cNvSpPr>
-          <p:nvPr>
-            <p:ph type="title"/>
-          </p:nvPr>
-        </p:nvSpPr>
-        <p:spPr/>
-        <p:txBody>
-          <a:bodyPr/>
-          <a:lstStyle/>
-          <a:p>
-            <a:r>
-              <a:rPr lang="en-US" altLang="ja-JP" b="1" dirty="0"/>
-              <a:t>3</a:t>
-            </a:r>
-            <a:r>
-              <a:rPr kumimoji="1" lang="en-US" altLang="ja-JP" b="1" dirty="0" smtClean="0"/>
-              <a:t>.</a:t>
-            </a:r>
-            <a:r>
-              <a:rPr kumimoji="1" lang="ja-JP" altLang="en-US" b="1" dirty="0" smtClean="0"/>
-              <a:t>主な</a:t>
-            </a:r>
-            <a:r>
-              <a:rPr lang="ja-JP" altLang="en-US" b="1" dirty="0" smtClean="0"/>
-              <a:t>機能</a:t>
-            </a:r>
-            <a:endParaRPr kumimoji="1" lang="ja-JP" altLang="en-US" b="1" dirty="0"/>
-          </a:p>
-        </p:txBody>
-      </p:sp>
-      <p:sp>
-        <p:nvSpPr>
-          <p:cNvPr id="4" name="スライド番号プレースホルダー 3"/>
-          <p:cNvSpPr>
-            <a:spLocks noGrp="1"/>
-          </p:cNvSpPr>
-          <p:nvPr>
-            <p:ph type="sldNum" sz="quarter" idx="12"/>
-          </p:nvPr>
-        </p:nvSpPr>
-        <p:spPr/>
-        <p:txBody>
-          <a:bodyPr/>
-          <a:lstStyle/>
-          <a:p>
-            <a:fld id="{DBCC0E39-F1DF-4704-BA4C-1FA94645E7DF}" type="slidenum">
-              <a:rPr kumimoji="1" lang="ja-JP" altLang="en-US" smtClean="0"/>
-              <a:t>5</a:t>
-            </a:fld>
-            <a:endParaRPr kumimoji="1" lang="ja-JP" altLang="en-US"/>
-          </a:p>
-        </p:txBody>
-      </p:sp>
-      <p:sp>
-        <p:nvSpPr>
-          <p:cNvPr id="8" name="コンテンツ プレースホルダー 7"/>
-          <p:cNvSpPr>
-            <a:spLocks noGrp="1"/>
-          </p:cNvSpPr>
-          <p:nvPr>
-            <p:ph idx="1"/>
-          </p:nvPr>
-        </p:nvSpPr>
-        <p:spPr/>
-        <p:txBody>
-          <a:bodyPr>
-            <a:normAutofit/>
-          </a:bodyPr>
-          <a:lstStyle/>
-          <a:p>
-            <a:pPr marL="0" indent="0">
-              <a:buNone/>
-            </a:pPr>
-            <a:r>
-              <a:rPr lang="en-US" altLang="ja-JP" sz="4000" dirty="0" smtClean="0"/>
-              <a:t>1. </a:t>
-            </a:r>
-            <a:r>
-              <a:rPr lang="ja-JP" altLang="en-US" sz="4000" dirty="0" smtClean="0"/>
-              <a:t>トップページの表示</a:t>
-            </a:r>
-            <a:endParaRPr lang="en-US" altLang="ja-JP" sz="4000" dirty="0" smtClean="0"/>
-          </a:p>
-          <a:p>
-            <a:pPr marL="0" indent="0">
-              <a:buNone/>
-            </a:pPr>
-            <a:r>
-              <a:rPr kumimoji="1" lang="en-US" altLang="ja-JP" sz="4000" dirty="0" smtClean="0"/>
-              <a:t>2. Twitter</a:t>
-            </a:r>
-            <a:r>
-              <a:rPr lang="ja-JP" altLang="en-US" sz="4000" dirty="0" smtClean="0"/>
-              <a:t> </a:t>
-            </a:r>
-            <a:r>
-              <a:rPr kumimoji="1" lang="en-US" altLang="ja-JP" sz="4000" dirty="0" smtClean="0"/>
-              <a:t>API</a:t>
-            </a:r>
-            <a:r>
-              <a:rPr kumimoji="1" lang="ja-JP" altLang="en-US" sz="4000" dirty="0" smtClean="0"/>
-              <a:t>の実装</a:t>
-            </a:r>
-            <a:endParaRPr kumimoji="1" lang="en-US" altLang="ja-JP" sz="4000" dirty="0" smtClean="0"/>
-          </a:p>
-          <a:p>
-            <a:pPr marL="0" indent="0">
-              <a:buNone/>
-            </a:pPr>
-            <a:r>
-              <a:rPr lang="en-US" altLang="ja-JP" sz="4000" dirty="0" smtClean="0"/>
-              <a:t>3. </a:t>
-            </a:r>
-            <a:r>
-              <a:rPr lang="ja-JP" altLang="en-US" sz="4000" dirty="0" smtClean="0"/>
-              <a:t>過去問・シラバスの表示</a:t>
-            </a:r>
-            <a:endParaRPr lang="en-US" altLang="ja-JP" sz="4000" dirty="0" smtClean="0"/>
-          </a:p>
-          <a:p>
-            <a:pPr marL="0" indent="0">
-              <a:buNone/>
-            </a:pPr>
-            <a:r>
-              <a:rPr lang="en-US" altLang="ja-JP" sz="4000" dirty="0" smtClean="0"/>
-              <a:t>4. </a:t>
-            </a:r>
-            <a:r>
-              <a:rPr lang="ja-JP" altLang="en-US" sz="4000" dirty="0" smtClean="0"/>
-              <a:t>各</a:t>
-            </a:r>
-            <a:r>
-              <a:rPr kumimoji="1" lang="ja-JP" altLang="en-US" sz="4000" dirty="0" smtClean="0"/>
-              <a:t>成果物の表示</a:t>
-            </a:r>
-            <a:endParaRPr kumimoji="1" lang="en-US" altLang="ja-JP" sz="4000" dirty="0" smtClean="0"/>
-          </a:p>
-          <a:p>
-            <a:pPr marL="0" indent="0">
-              <a:buNone/>
-            </a:pPr>
-            <a:r>
-              <a:rPr lang="en-US" altLang="ja-JP" sz="4000" dirty="0" smtClean="0"/>
-              <a:t>5. </a:t>
-            </a:r>
-            <a:r>
-              <a:rPr lang="ja-JP" altLang="en-US" sz="4000" dirty="0" smtClean="0"/>
-              <a:t>時間割の表示</a:t>
-            </a:r>
-            <a:endParaRPr kumimoji="1" lang="ja-JP" altLang="en-US" sz="4000" dirty="0"/>
-          </a:p>
-        </p:txBody>
-      </p:sp>
-    </p:spTree>
-    <p:extLst>
-      <p:ext uri="{BB962C8B-B14F-4D97-AF65-F5344CB8AC3E}">
-        <p14:creationId xmlns:p14="http://schemas.microsoft.com/office/powerpoint/2010/main" val="2821163146"/>
-      </p:ext>
-    </p:extLst>
-  </p:cSld>
-  <p:clrMapOvr>
-    <a:masterClrMapping/>
-  </p:clrMapOvr>
-  <p:timing>
-    <p:tnLst>
-      <p:par>
-        <p:cTn id="1" dur="indefinite" restart="never" nodeType="tmRoot"/>
-      </p:par>
-    </p:tnLst>
-  </p:timing>
-</p:sld>
-</file>
-
-<file path=ppt/slides/slide6.xml><?xml version="1.0" encoding="utf-8"?>
-<p:sld xmlns:a="http://schemas.openxmlformats.org/drawingml/2006/main" xmlns:r="http://schemas.openxmlformats.org/officeDocument/2006/relationships" xmlns:p="http://schemas.openxmlformats.org/presentationml/2006/main">
-  <p:cSld>
-    <p:spTree>
-      <p:nvGrpSpPr>
-        <p:cNvPr id="1" name=""/>
-        <p:cNvGrpSpPr/>
-        <p:nvPr/>
-      </p:nvGrpSpPr>
-      <p:grpSpPr>
-        <a:xfrm>
-          <a:off x="0" y="0"/>
-          <a:ext cx="0" cy="0"/>
-          <a:chOff x="0" y="0"/>
-          <a:chExt cx="0" cy="0"/>
-        </a:xfrm>
-      </p:grpSpPr>
-      <p:sp>
-        <p:nvSpPr>
-          <p:cNvPr id="2" name="タイトル 1"/>
-          <p:cNvSpPr>
-            <a:spLocks noGrp="1"/>
-          </p:cNvSpPr>
-          <p:nvPr>
-            <p:ph type="title"/>
-          </p:nvPr>
-        </p:nvSpPr>
-        <p:spPr/>
-        <p:txBody>
-          <a:bodyPr/>
-          <a:lstStyle/>
-          <a:p>
-            <a:r>
-              <a:rPr lang="en-US" altLang="ja-JP" b="1" dirty="0"/>
-              <a:t>4</a:t>
-            </a:r>
-            <a:r>
-              <a:rPr lang="en-US" altLang="ja-JP" b="1" dirty="0" smtClean="0"/>
-              <a:t>.</a:t>
-            </a:r>
-            <a:r>
-              <a:rPr lang="ja-JP" altLang="en-US" b="1" dirty="0" smtClean="0"/>
-              <a:t>選択したチーム課題</a:t>
-            </a:r>
-            <a:endParaRPr kumimoji="1" lang="ja-JP" altLang="en-US" b="1" dirty="0">
-              <a:ea typeface="HGP創英角ｺﾞｼｯｸUB" panose="020B0900000000000000" pitchFamily="50" charset="-128"/>
-            </a:endParaRPr>
-          </a:p>
-        </p:txBody>
-      </p:sp>
-      <p:sp>
-        <p:nvSpPr>
-          <p:cNvPr id="3" name="コンテンツ プレースホルダー 2"/>
-          <p:cNvSpPr>
-            <a:spLocks noGrp="1"/>
-          </p:cNvSpPr>
-          <p:nvPr>
-            <p:ph idx="1"/>
-          </p:nvPr>
-        </p:nvSpPr>
-        <p:spPr/>
-        <p:txBody>
-          <a:bodyPr>
-            <a:normAutofit/>
-          </a:bodyPr>
-          <a:lstStyle/>
-          <a:p>
-            <a:endParaRPr kumimoji="1" lang="en-US" altLang="ja-JP" sz="4400" dirty="0" smtClean="0"/>
-          </a:p>
-          <a:p>
-            <a:pPr marL="0" indent="0" algn="ctr">
-              <a:lnSpc>
-                <a:spcPct val="150000"/>
-              </a:lnSpc>
-              <a:buNone/>
-            </a:pPr>
-            <a:r>
-              <a:rPr kumimoji="1" lang="ja-JP" altLang="en-US" sz="4400" dirty="0" smtClean="0"/>
-              <a:t>管理系 </a:t>
-            </a:r>
-            <a:r>
-              <a:rPr kumimoji="1" lang="en-US" altLang="ja-JP" sz="4400" dirty="0" smtClean="0"/>
-              <a:t>… </a:t>
-            </a:r>
-            <a:r>
-              <a:rPr kumimoji="1" lang="ja-JP" altLang="en-US" sz="4400" dirty="0" smtClean="0"/>
-              <a:t>アジャイル開発の導入</a:t>
-            </a:r>
-            <a:endParaRPr kumimoji="1" lang="en-US" altLang="ja-JP" sz="4400" dirty="0" smtClean="0"/>
-          </a:p>
-          <a:p>
-            <a:pPr marL="0" indent="0" algn="ctr">
-              <a:lnSpc>
-                <a:spcPct val="150000"/>
-              </a:lnSpc>
-              <a:buNone/>
-            </a:pPr>
-            <a:r>
-              <a:rPr lang="ja-JP" altLang="en-US" sz="4400" dirty="0" smtClean="0"/>
-              <a:t>技術系 </a:t>
-            </a:r>
-            <a:r>
-              <a:rPr lang="en-US" altLang="ja-JP" sz="4400" dirty="0" smtClean="0"/>
-              <a:t>… </a:t>
-            </a:r>
-            <a:r>
-              <a:rPr lang="ja-JP" altLang="en-US" sz="4400" dirty="0" smtClean="0"/>
-              <a:t>外部</a:t>
-            </a:r>
-            <a:r>
-              <a:rPr lang="en-US" altLang="ja-JP" sz="4400" dirty="0" smtClean="0"/>
-              <a:t>API</a:t>
-            </a:r>
-            <a:r>
-              <a:rPr lang="ja-JP" altLang="en-US" sz="4400" dirty="0" smtClean="0"/>
-              <a:t>を利用した実装</a:t>
-            </a:r>
-            <a:endParaRPr kumimoji="1" lang="ja-JP" altLang="en-US" sz="4400" dirty="0"/>
-          </a:p>
-        </p:txBody>
-      </p:sp>
-    </p:spTree>
-    <p:extLst>
-      <p:ext uri="{BB962C8B-B14F-4D97-AF65-F5344CB8AC3E}">
-        <p14:creationId xmlns:p14="http://schemas.microsoft.com/office/powerpoint/2010/main" val="2144897642"/>
-      </p:ext>
-    </p:extLst>
-  </p:cSld>
-  <p:clrMapOvr>
-    <a:masterClrMapping/>
-  </p:clrMapOvr>
-  <p:timing>
-    <p:tnLst>
-      <p:par>
-        <p:cTn id="1" dur="indefinite" restart="never" nodeType="tmRoot"/>
-      </p:par>
-    </p:tnLst>
-  </p:timing>
-</p:sld>
-</file>
-
-<file path=ppt/slides/slide7.xml><?xml version="1.0" encoding="utf-8"?>
-<p:sld xmlns:a="http://schemas.openxmlformats.org/drawingml/2006/main" xmlns:r="http://schemas.openxmlformats.org/officeDocument/2006/relationships" xmlns:p="http://schemas.openxmlformats.org/presentationml/2006/main">
-  <p:cSld>
-    <p:spTree>
-      <p:nvGrpSpPr>
-        <p:cNvPr id="1" name=""/>
-        <p:cNvGrpSpPr/>
-        <p:nvPr/>
-      </p:nvGrpSpPr>
-      <p:grpSpPr>
-        <a:xfrm>
-          <a:off x="0" y="0"/>
-          <a:ext cx="0" cy="0"/>
-          <a:chOff x="0" y="0"/>
-          <a:chExt cx="0" cy="0"/>
-        </a:xfrm>
-      </p:grpSpPr>
-      <p:sp>
-        <p:nvSpPr>
-          <p:cNvPr id="2" name="タイトル 1"/>
-          <p:cNvSpPr>
-            <a:spLocks noGrp="1"/>
-          </p:cNvSpPr>
-          <p:nvPr>
-            <p:ph type="title"/>
-          </p:nvPr>
-        </p:nvSpPr>
-        <p:spPr/>
-        <p:txBody>
-          <a:bodyPr/>
-          <a:lstStyle/>
-          <a:p>
-            <a:r>
-              <a:rPr lang="en-US" altLang="ja-JP" b="1" dirty="0"/>
-              <a:t>5</a:t>
-            </a:r>
-            <a:r>
-              <a:rPr kumimoji="1" lang="en-US" altLang="ja-JP" b="1" dirty="0" smtClean="0"/>
-              <a:t>.</a:t>
-            </a:r>
-            <a:r>
-              <a:rPr kumimoji="1" lang="ja-JP" altLang="en-US" b="1" dirty="0" smtClean="0"/>
-              <a:t>進捗管理の方法</a:t>
-            </a:r>
-            <a:endParaRPr kumimoji="1" lang="ja-JP" altLang="en-US" b="1" dirty="0"/>
-          </a:p>
-        </p:txBody>
-      </p:sp>
-      <p:sp>
-        <p:nvSpPr>
-          <p:cNvPr id="3" name="コンテンツ プレースホルダー 2"/>
-          <p:cNvSpPr>
-            <a:spLocks noGrp="1"/>
-          </p:cNvSpPr>
-          <p:nvPr>
-            <p:ph idx="1"/>
-          </p:nvPr>
-        </p:nvSpPr>
-        <p:spPr>
-          <a:xfrm>
-            <a:off x="838200" y="1828799"/>
-            <a:ext cx="10515600" cy="4348163"/>
-          </a:xfrm>
-        </p:spPr>
-        <p:txBody>
-          <a:bodyPr>
-            <a:normAutofit/>
-          </a:bodyPr>
-          <a:lstStyle/>
-          <a:p>
-            <a:pPr marL="0" indent="0">
-              <a:lnSpc>
-                <a:spcPct val="150000"/>
-              </a:lnSpc>
-              <a:buNone/>
-            </a:pPr>
-            <a:r>
-              <a:rPr lang="ja-JP" altLang="en-US" sz="3200" b="1" dirty="0" smtClean="0"/>
-              <a:t>アジャイル開発では、進捗管理にバーンアップチャート</a:t>
-            </a:r>
-            <a:r>
-              <a:rPr lang="ja-JP" altLang="en-US" sz="3200" b="1" dirty="0" smtClean="0"/>
-              <a:t>を用いる</a:t>
-            </a:r>
-            <a:r>
-              <a:rPr lang="ja-JP" altLang="en-US" sz="3200" b="1" dirty="0" smtClean="0"/>
-              <a:t>。</a:t>
-            </a:r>
-            <a:endParaRPr lang="en-US" altLang="ja-JP" sz="3200" b="1" dirty="0" smtClean="0"/>
-          </a:p>
-          <a:p>
-            <a:pPr marL="0" indent="0">
-              <a:lnSpc>
-                <a:spcPct val="150000"/>
-              </a:lnSpc>
-              <a:buNone/>
-            </a:pPr>
-            <a:r>
-              <a:rPr lang="ja-JP" altLang="en-US" sz="3200" b="1" dirty="0" smtClean="0"/>
-              <a:t>プロジェクトの状況を可視化するツールであり、</a:t>
-            </a:r>
-            <a:endParaRPr lang="en-US" altLang="ja-JP" sz="3200" b="1" dirty="0" smtClean="0"/>
-          </a:p>
-          <a:p>
-            <a:pPr marL="0" indent="0">
-              <a:lnSpc>
-                <a:spcPct val="150000"/>
-              </a:lnSpc>
-              <a:buNone/>
-            </a:pPr>
-            <a:r>
-              <a:rPr lang="ja-JP" altLang="en-US" sz="3200" b="1" dirty="0"/>
-              <a:t>機能</a:t>
-            </a:r>
-            <a:r>
-              <a:rPr lang="ja-JP" altLang="en-US" sz="3200" b="1" dirty="0" smtClean="0"/>
-              <a:t>の実装速度や残作業量、完了日が一目でわかる。</a:t>
-            </a:r>
-            <a:endParaRPr lang="en-US" altLang="ja-JP" sz="3200" b="1" dirty="0"/>
-          </a:p>
-          <a:p>
-            <a:pPr marL="0" indent="0">
-              <a:lnSpc>
-                <a:spcPct val="150000"/>
-              </a:lnSpc>
-              <a:buNone/>
-            </a:pPr>
-            <a:r>
-              <a:rPr lang="en-US" altLang="ja-JP" sz="3200" b="1" dirty="0" smtClean="0"/>
-              <a:t>1</a:t>
-            </a:r>
-            <a:r>
-              <a:rPr lang="ja-JP" altLang="en-US" sz="3200" b="1" dirty="0" smtClean="0"/>
-              <a:t>スプリントごとに</a:t>
-            </a:r>
-            <a:r>
-              <a:rPr lang="ja-JP" altLang="en-US" sz="3200" b="1" dirty="0" smtClean="0"/>
-              <a:t>更新す</a:t>
-            </a:r>
-            <a:r>
-              <a:rPr lang="ja-JP" altLang="en-US" sz="3200" b="1" dirty="0"/>
-              <a:t>る</a:t>
-            </a:r>
-            <a:r>
-              <a:rPr lang="ja-JP" altLang="en-US" sz="3200" b="1" dirty="0" smtClean="0"/>
-              <a:t>。</a:t>
-            </a:r>
-            <a:endParaRPr lang="en-US" altLang="ja-JP" sz="3200" b="1" dirty="0" smtClean="0"/>
-          </a:p>
-        </p:txBody>
-      </p:sp>
-    </p:spTree>
-    <p:extLst>
-      <p:ext uri="{BB962C8B-B14F-4D97-AF65-F5344CB8AC3E}">
-        <p14:creationId xmlns:p14="http://schemas.microsoft.com/office/powerpoint/2010/main" val="3584214275"/>
-      </p:ext>
-    </p:extLst>
-  </p:cSld>
-  <p:clrMapOvr>
-    <a:masterClrMapping/>
-  </p:clrMapOvr>
-  <mc:AlternateContent xmlns:mc="http://schemas.openxmlformats.org/markup-compatibility/2006" xmlns:p14="http://schemas.microsoft.com/office/powerpoint/2010/main">
-    <mc:Choice Requires="p14">
-      <p:transition p14:dur="0"/>
-    </mc:Choice>
-    <mc:Fallback xmlns="">
-      <p:transition/>
-    </mc:Fallback>
-  </mc:AlternateContent>
-  <p:timing>
-    <p:tnLst>
-      <p:par>
-        <p:cTn id="1" dur="indefinite" restart="never" nodeType="tmRoot"/>
-      </p:par>
-    </p:tnLst>
-  </p:timing>
-</p:sld>
-</file>
-
-<file path=ppt/slides/slide8.xml><?xml version="1.0" encoding="utf-8"?>
-<p:sld xmlns:a="http://schemas.openxmlformats.org/drawingml/2006/main" xmlns:r="http://schemas.openxmlformats.org/officeDocument/2006/relationships" xmlns:p="http://schemas.openxmlformats.org/presentationml/2006/main">
-  <p:cSld>
-    <p:spTree>
-      <p:nvGrpSpPr>
-        <p:cNvPr id="1" name=""/>
-        <p:cNvGrpSpPr/>
-        <p:nvPr/>
-      </p:nvGrpSpPr>
-      <p:grpSpPr>
-        <a:xfrm>
-          <a:off x="0" y="0"/>
-          <a:ext cx="0" cy="0"/>
-          <a:chOff x="0" y="0"/>
-          <a:chExt cx="0" cy="0"/>
-        </a:xfrm>
-      </p:grpSpPr>
-      <p:sp>
-        <p:nvSpPr>
-          <p:cNvPr id="2" name="タイトル 1"/>
-          <p:cNvSpPr>
-            <a:spLocks noGrp="1"/>
-          </p:cNvSpPr>
-          <p:nvPr>
-            <p:ph type="title"/>
-          </p:nvPr>
-        </p:nvSpPr>
-        <p:spPr/>
-        <p:txBody>
-          <a:bodyPr/>
-          <a:lstStyle/>
-          <a:p>
-            <a:r>
-              <a:rPr lang="en-US" altLang="ja-JP" b="1" dirty="0" smtClean="0"/>
-              <a:t>5</a:t>
-            </a:r>
-            <a:r>
-              <a:rPr kumimoji="1" lang="en-US" altLang="ja-JP" b="1" dirty="0" smtClean="0"/>
-              <a:t>.</a:t>
-            </a:r>
-            <a:r>
-              <a:rPr lang="ja-JP" altLang="en-US" b="1" dirty="0" smtClean="0"/>
-              <a:t>進捗管理の方法</a:t>
-            </a:r>
-            <a:endParaRPr kumimoji="1" lang="ja-JP" altLang="en-US" b="1" dirty="0"/>
-          </a:p>
-        </p:txBody>
-      </p:sp>
-      <p:graphicFrame>
-        <p:nvGraphicFramePr>
-          <p:cNvPr id="4" name="表 3"/>
-          <p:cNvGraphicFramePr>
-            <a:graphicFrameLocks noGrp="1"/>
-          </p:cNvGraphicFramePr>
-          <p:nvPr>
-            <p:extLst>
-              <p:ext uri="{D42A27DB-BD31-4B8C-83A1-F6EECF244321}">
-                <p14:modId xmlns:p14="http://schemas.microsoft.com/office/powerpoint/2010/main" val="2527773818"/>
-              </p:ext>
-            </p:extLst>
-          </p:nvPr>
-        </p:nvGraphicFramePr>
-        <p:xfrm>
-          <a:off x="2447925" y="1903303"/>
-          <a:ext cx="7296149" cy="3839515"/>
-        </p:xfrm>
-        <a:graphic>
-          <a:graphicData uri="http://schemas.openxmlformats.org/drawingml/2006/table">
-            <a:tbl>
-              <a:tblPr firstRow="1" bandRow="1">
-                <a:tableStyleId>{5C22544A-7EE6-4342-B048-85BDC9FD1C3A}</a:tableStyleId>
-              </a:tblPr>
-              <a:tblGrid>
-                <a:gridCol w="2405614">
-                  <a:extLst>
-                    <a:ext uri="{9D8B030D-6E8A-4147-A177-3AD203B41FA5}">
-                      <a16:colId xmlns:a16="http://schemas.microsoft.com/office/drawing/2014/main" val="301707538"/>
-                    </a:ext>
-                  </a:extLst>
-                </a:gridCol>
-                <a:gridCol w="2354022">
-                  <a:extLst>
-                    <a:ext uri="{9D8B030D-6E8A-4147-A177-3AD203B41FA5}">
-                      <a16:colId xmlns:a16="http://schemas.microsoft.com/office/drawing/2014/main" val="3229960533"/>
-                    </a:ext>
-                  </a:extLst>
-                </a:gridCol>
-                <a:gridCol w="2536513">
-                  <a:extLst>
-                    <a:ext uri="{9D8B030D-6E8A-4147-A177-3AD203B41FA5}">
-                      <a16:colId xmlns:a16="http://schemas.microsoft.com/office/drawing/2014/main" val="820344272"/>
-                    </a:ext>
-                  </a:extLst>
-                </a:gridCol>
-              </a:tblGrid>
-              <a:tr h="875964">
-                <a:tc>
-                  <a:txBody>
-                    <a:bodyPr/>
-                    <a:lstStyle/>
-                    <a:p>
-                      <a:pPr algn="ctr">
-                        <a:lnSpc>
-                          <a:spcPct val="150000"/>
-                        </a:lnSpc>
-                      </a:pPr>
-                      <a:r>
-                        <a:rPr kumimoji="1" lang="ja-JP" altLang="en-US" b="1" dirty="0" smtClean="0"/>
-                        <a:t>要件</a:t>
-                      </a:r>
-                      <a:endParaRPr kumimoji="1" lang="ja-JP" altLang="en-US" b="1" dirty="0"/>
-                    </a:p>
-                  </a:txBody>
-                  <a:tcPr/>
-                </a:tc>
-                <a:tc>
-                  <a:txBody>
-                    <a:bodyPr/>
-                    <a:lstStyle/>
-                    <a:p>
-                      <a:pPr algn="ctr">
-                        <a:lnSpc>
-                          <a:spcPct val="150000"/>
-                        </a:lnSpc>
-                      </a:pPr>
-                      <a:r>
-                        <a:rPr kumimoji="1" lang="ja-JP" altLang="en-US" b="1" dirty="0" smtClean="0"/>
-                        <a:t>見積り時間</a:t>
-                      </a:r>
-                      <a:endParaRPr kumimoji="1" lang="ja-JP" altLang="en-US" b="1" dirty="0"/>
-                    </a:p>
-                  </a:txBody>
-                  <a:tcPr/>
-                </a:tc>
-                <a:tc>
-                  <a:txBody>
-                    <a:bodyPr/>
-                    <a:lstStyle/>
-                    <a:p>
-                      <a:pPr marL="0" marR="0" indent="0" algn="ctr" defTabSz="914400" rtl="0" eaLnBrk="1" fontAlgn="auto" latinLnBrk="0" hangingPunct="1">
-                        <a:lnSpc>
-                          <a:spcPct val="150000"/>
-                        </a:lnSpc>
-                        <a:spcBef>
-                          <a:spcPts val="0"/>
-                        </a:spcBef>
-                        <a:spcAft>
-                          <a:spcPts val="0"/>
-                        </a:spcAft>
-                        <a:buClrTx/>
-                        <a:buSzTx/>
-                        <a:buFontTx/>
-                        <a:buNone/>
-                        <a:tabLst/>
-                        <a:defRPr/>
-                      </a:pPr>
-                      <a:r>
-                        <a:rPr kumimoji="1" lang="ja-JP" altLang="en-US" b="1" dirty="0" smtClean="0"/>
-                        <a:t>優先順位</a:t>
-                      </a:r>
-                    </a:p>
-                  </a:txBody>
-                  <a:tcPr/>
-                </a:tc>
-                <a:extLst>
-                  <a:ext uri="{0D108BD9-81ED-4DB2-BD59-A6C34878D82A}">
-                    <a16:rowId xmlns:a16="http://schemas.microsoft.com/office/drawing/2014/main" val="331362158"/>
-                  </a:ext>
-                </a:extLst>
-              </a:tr>
-              <a:tr h="498283">
-                <a:tc>
-                  <a:txBody>
-                    <a:bodyPr/>
-                    <a:lstStyle/>
-                    <a:p>
-                      <a:pPr marL="0" marR="0" indent="0" algn="l" defTabSz="914400" rtl="0" eaLnBrk="1" fontAlgn="auto" latinLnBrk="0" hangingPunct="1">
-                        <a:lnSpc>
-                          <a:spcPct val="100000"/>
-                        </a:lnSpc>
-                        <a:spcBef>
-                          <a:spcPts val="0"/>
-                        </a:spcBef>
-                        <a:spcAft>
-                          <a:spcPts val="0"/>
-                        </a:spcAft>
-                        <a:buClrTx/>
-                        <a:buSzTx/>
-                        <a:buFontTx/>
-                        <a:buNone/>
-                        <a:tabLst/>
-                        <a:defRPr/>
-                      </a:pPr>
-                      <a:r>
-                        <a:rPr lang="ja-JP" altLang="en-US" b="1" dirty="0" smtClean="0"/>
-                        <a:t>トップページ</a:t>
-                      </a:r>
-                      <a:endParaRPr lang="en-US" altLang="ja-JP" b="1" dirty="0" smtClean="0"/>
-                    </a:p>
-                    <a:p>
-                      <a:endParaRPr kumimoji="1" lang="ja-JP" altLang="en-US" b="1" dirty="0"/>
-                    </a:p>
-                  </a:txBody>
-                  <a:tcPr/>
-                </a:tc>
-                <a:tc>
-                  <a:txBody>
-                    <a:bodyPr/>
-                    <a:lstStyle/>
-                    <a:p>
-                      <a:pPr algn="r"/>
-                      <a:r>
-                        <a:rPr kumimoji="1" lang="en-US" altLang="ja-JP" b="1" dirty="0" smtClean="0"/>
-                        <a:t>20</a:t>
-                      </a:r>
-                      <a:endParaRPr kumimoji="1" lang="ja-JP" altLang="en-US" b="1" dirty="0"/>
-                    </a:p>
-                  </a:txBody>
-                  <a:tcPr/>
-                </a:tc>
-                <a:tc>
-                  <a:txBody>
-                    <a:bodyPr/>
-                    <a:lstStyle/>
-                    <a:p>
-                      <a:pPr algn="r"/>
-                      <a:r>
-                        <a:rPr kumimoji="1" lang="en-US" altLang="ja-JP" b="1" dirty="0" smtClean="0"/>
-                        <a:t>1</a:t>
-                      </a:r>
-                      <a:endParaRPr kumimoji="1" lang="ja-JP" altLang="en-US" b="1" dirty="0"/>
-                    </a:p>
-                  </a:txBody>
-                  <a:tcPr/>
-                </a:tc>
-                <a:extLst>
-                  <a:ext uri="{0D108BD9-81ED-4DB2-BD59-A6C34878D82A}">
-                    <a16:rowId xmlns:a16="http://schemas.microsoft.com/office/drawing/2014/main" val="3897752923"/>
-                  </a:ext>
-                </a:extLst>
-              </a:tr>
-              <a:tr h="450521">
-                <a:tc>
-                  <a:txBody>
-                    <a:bodyPr/>
-                    <a:lstStyle/>
-                    <a:p>
-                      <a:pPr marL="0" marR="0" indent="0" algn="l" defTabSz="914400" rtl="0" eaLnBrk="1" fontAlgn="auto" latinLnBrk="0" hangingPunct="1">
-                        <a:lnSpc>
-                          <a:spcPct val="100000"/>
-                        </a:lnSpc>
-                        <a:spcBef>
-                          <a:spcPts val="0"/>
-                        </a:spcBef>
-                        <a:spcAft>
-                          <a:spcPts val="0"/>
-                        </a:spcAft>
-                        <a:buClrTx/>
-                        <a:buSzTx/>
-                        <a:buFontTx/>
-                        <a:buNone/>
-                        <a:tabLst/>
-                        <a:defRPr/>
-                      </a:pPr>
-                      <a:r>
-                        <a:rPr lang="en-US" altLang="ja-JP" b="1" dirty="0" smtClean="0"/>
-                        <a:t>Twitter</a:t>
-                      </a:r>
-                      <a:r>
-                        <a:rPr lang="ja-JP" altLang="en-US" b="1" dirty="0" smtClean="0"/>
-                        <a:t> </a:t>
-                      </a:r>
-                      <a:r>
-                        <a:rPr lang="en-US" altLang="ja-JP" b="1" dirty="0" smtClean="0"/>
-                        <a:t>API</a:t>
-                      </a:r>
-                    </a:p>
-                  </a:txBody>
-                  <a:tcPr/>
-                </a:tc>
-                <a:tc>
-                  <a:txBody>
-                    <a:bodyPr/>
-                    <a:lstStyle/>
-                    <a:p>
-                      <a:pPr algn="r"/>
-                      <a:r>
-                        <a:rPr kumimoji="1" lang="en-US" altLang="ja-JP" b="1" dirty="0" smtClean="0"/>
-                        <a:t>20</a:t>
-                      </a:r>
-                      <a:endParaRPr kumimoji="1" lang="ja-JP" altLang="en-US" b="1" dirty="0"/>
-                    </a:p>
-                  </a:txBody>
-                  <a:tcPr/>
-                </a:tc>
-                <a:tc>
-                  <a:txBody>
-                    <a:bodyPr/>
-                    <a:lstStyle/>
-                    <a:p>
-                      <a:pPr algn="r"/>
-                      <a:r>
-                        <a:rPr kumimoji="1" lang="en-US" altLang="ja-JP" b="1" dirty="0" smtClean="0"/>
-                        <a:t>2</a:t>
-                      </a:r>
-                      <a:endParaRPr kumimoji="1" lang="ja-JP" altLang="en-US" b="1" dirty="0"/>
-                    </a:p>
-                  </a:txBody>
-                  <a:tcPr/>
-                </a:tc>
-                <a:extLst>
-                  <a:ext uri="{0D108BD9-81ED-4DB2-BD59-A6C34878D82A}">
-                    <a16:rowId xmlns:a16="http://schemas.microsoft.com/office/drawing/2014/main" val="3588780552"/>
-                  </a:ext>
-                </a:extLst>
-              </a:tr>
-              <a:tr h="539439">
-                <a:tc>
-                  <a:txBody>
-                    <a:bodyPr/>
-                    <a:lstStyle/>
-                    <a:p>
-                      <a:pPr marL="0" marR="0" indent="0" algn="l" defTabSz="914400" rtl="0" eaLnBrk="1" fontAlgn="auto" latinLnBrk="0" hangingPunct="1">
-                        <a:lnSpc>
-                          <a:spcPct val="100000"/>
-                        </a:lnSpc>
-                        <a:spcBef>
-                          <a:spcPts val="0"/>
-                        </a:spcBef>
-                        <a:spcAft>
-                          <a:spcPts val="0"/>
-                        </a:spcAft>
-                        <a:buClrTx/>
-                        <a:buSzTx/>
-                        <a:buFontTx/>
-                        <a:buNone/>
-                        <a:tabLst/>
-                        <a:defRPr/>
-                      </a:pPr>
-                      <a:r>
-                        <a:rPr lang="ja-JP" altLang="en-US" b="1" dirty="0" smtClean="0"/>
-                        <a:t>過去問・シラバスの表示</a:t>
-                      </a:r>
-                      <a:endParaRPr lang="en-US" altLang="ja-JP" b="1" dirty="0" smtClean="0"/>
-                    </a:p>
-                  </a:txBody>
-                  <a:tcPr/>
-                </a:tc>
-                <a:tc>
-                  <a:txBody>
-                    <a:bodyPr/>
-                    <a:lstStyle/>
-                    <a:p>
-                      <a:pPr algn="r"/>
-                      <a:r>
-                        <a:rPr kumimoji="1" lang="en-US" altLang="ja-JP" b="1" dirty="0" smtClean="0"/>
-                        <a:t>44</a:t>
-                      </a:r>
-                      <a:endParaRPr kumimoji="1" lang="ja-JP" altLang="en-US" b="1" dirty="0"/>
-                    </a:p>
-                  </a:txBody>
-                  <a:tcPr/>
-                </a:tc>
-                <a:tc>
-                  <a:txBody>
-                    <a:bodyPr/>
-                    <a:lstStyle/>
-                    <a:p>
-                      <a:pPr algn="r"/>
-                      <a:r>
-                        <a:rPr kumimoji="1" lang="en-US" altLang="ja-JP" b="1" dirty="0" smtClean="0"/>
-                        <a:t>3</a:t>
-                      </a:r>
-                      <a:endParaRPr kumimoji="1" lang="ja-JP" altLang="en-US" b="1" dirty="0"/>
-                    </a:p>
-                  </a:txBody>
-                  <a:tcPr/>
-                </a:tc>
-                <a:extLst>
-                  <a:ext uri="{0D108BD9-81ED-4DB2-BD59-A6C34878D82A}">
-                    <a16:rowId xmlns:a16="http://schemas.microsoft.com/office/drawing/2014/main" val="398459552"/>
-                  </a:ext>
-                </a:extLst>
-              </a:tr>
-              <a:tr h="592790">
-                <a:tc>
-                  <a:txBody>
-                    <a:bodyPr/>
-                    <a:lstStyle/>
-                    <a:p>
-                      <a:pPr marL="0" marR="0" indent="0" algn="l" defTabSz="914400" rtl="0" eaLnBrk="1" fontAlgn="auto" latinLnBrk="0" hangingPunct="1">
-                        <a:lnSpc>
-                          <a:spcPct val="100000"/>
-                        </a:lnSpc>
-                        <a:spcBef>
-                          <a:spcPts val="0"/>
-                        </a:spcBef>
-                        <a:spcAft>
-                          <a:spcPts val="0"/>
-                        </a:spcAft>
-                        <a:buClrTx/>
-                        <a:buSzTx/>
-                        <a:buFontTx/>
-                        <a:buNone/>
-                        <a:tabLst/>
-                        <a:defRPr/>
-                      </a:pPr>
-                      <a:r>
-                        <a:rPr lang="ja-JP" altLang="en-US" b="1" dirty="0" smtClean="0"/>
-                        <a:t>各成果物の表示</a:t>
-                      </a:r>
-                      <a:endParaRPr kumimoji="1" lang="ja-JP" altLang="en-US" b="1" dirty="0"/>
-                    </a:p>
-                  </a:txBody>
-                  <a:tcPr/>
-                </a:tc>
-                <a:tc>
-                  <a:txBody>
-                    <a:bodyPr/>
-                    <a:lstStyle/>
-                    <a:p>
-                      <a:pPr algn="r"/>
-                      <a:r>
-                        <a:rPr kumimoji="1" lang="en-US" altLang="ja-JP" b="1" dirty="0" smtClean="0"/>
-                        <a:t>40</a:t>
-                      </a:r>
-                      <a:endParaRPr kumimoji="1" lang="ja-JP" altLang="en-US" b="1" dirty="0"/>
-                    </a:p>
-                  </a:txBody>
-                  <a:tcPr/>
-                </a:tc>
-                <a:tc>
-                  <a:txBody>
-                    <a:bodyPr/>
-                    <a:lstStyle/>
-                    <a:p>
-                      <a:pPr algn="r"/>
-                      <a:r>
-                        <a:rPr kumimoji="1" lang="en-US" altLang="ja-JP" b="1" dirty="0" smtClean="0"/>
-                        <a:t>4</a:t>
-                      </a:r>
-                      <a:endParaRPr kumimoji="1" lang="ja-JP" altLang="en-US" b="1" dirty="0"/>
-                    </a:p>
-                  </a:txBody>
-                  <a:tcPr/>
-                </a:tc>
-                <a:extLst>
-                  <a:ext uri="{0D108BD9-81ED-4DB2-BD59-A6C34878D82A}">
-                    <a16:rowId xmlns:a16="http://schemas.microsoft.com/office/drawing/2014/main" val="143611511"/>
-                  </a:ext>
-                </a:extLst>
-              </a:tr>
-              <a:tr h="566497">
-                <a:tc>
-                  <a:txBody>
-                    <a:bodyPr/>
-                    <a:lstStyle/>
-                    <a:p>
-                      <a:pPr marL="0" marR="0" indent="0" algn="l" defTabSz="914400" rtl="0" eaLnBrk="1" fontAlgn="auto" latinLnBrk="0" hangingPunct="1">
-                        <a:lnSpc>
-                          <a:spcPct val="100000"/>
-                        </a:lnSpc>
-                        <a:spcBef>
-                          <a:spcPts val="0"/>
-                        </a:spcBef>
-                        <a:spcAft>
-                          <a:spcPts val="0"/>
-                        </a:spcAft>
-                        <a:buClrTx/>
-                        <a:buSzTx/>
-                        <a:buFontTx/>
-                        <a:buNone/>
-                        <a:tabLst/>
-                        <a:defRPr/>
-                      </a:pPr>
-                      <a:r>
-                        <a:rPr lang="ja-JP" altLang="en-US" b="1" dirty="0" smtClean="0"/>
-                        <a:t>時間割の表示</a:t>
-                      </a:r>
-                    </a:p>
-                    <a:p>
-                      <a:endParaRPr kumimoji="1" lang="ja-JP" altLang="en-US" b="1" dirty="0"/>
-                    </a:p>
-                  </a:txBody>
-                  <a:tcPr/>
-                </a:tc>
-                <a:tc>
-                  <a:txBody>
-                    <a:bodyPr/>
-                    <a:lstStyle/>
-                    <a:p>
-                      <a:pPr algn="r"/>
-                      <a:r>
-                        <a:rPr kumimoji="1" lang="en-US" altLang="ja-JP" b="1" dirty="0" smtClean="0"/>
-                        <a:t>4</a:t>
-                      </a:r>
-                      <a:endParaRPr kumimoji="1" lang="ja-JP" altLang="en-US" b="1" dirty="0"/>
-                    </a:p>
-                  </a:txBody>
-                  <a:tcPr/>
-                </a:tc>
-                <a:tc>
-                  <a:txBody>
-                    <a:bodyPr/>
-                    <a:lstStyle/>
-                    <a:p>
-                      <a:pPr algn="r"/>
-                      <a:r>
-                        <a:rPr kumimoji="1" lang="en-US" altLang="ja-JP" b="1" dirty="0" smtClean="0"/>
-                        <a:t>5</a:t>
-                      </a:r>
-                      <a:endParaRPr kumimoji="1" lang="ja-JP" altLang="en-US" b="1" dirty="0"/>
-                    </a:p>
-                  </a:txBody>
-                  <a:tcPr/>
-                </a:tc>
-                <a:extLst>
-                  <a:ext uri="{0D108BD9-81ED-4DB2-BD59-A6C34878D82A}">
-                    <a16:rowId xmlns:a16="http://schemas.microsoft.com/office/drawing/2014/main" val="1322407502"/>
-                  </a:ext>
-                </a:extLst>
-              </a:tr>
-            </a:tbl>
-          </a:graphicData>
-        </a:graphic>
-      </p:graphicFrame>
-    </p:spTree>
-    <p:extLst>
-      <p:ext uri="{BB962C8B-B14F-4D97-AF65-F5344CB8AC3E}">
-        <p14:creationId xmlns:p14="http://schemas.microsoft.com/office/powerpoint/2010/main" val="1188981526"/>
-      </p:ext>
-    </p:extLst>
-  </p:cSld>
-  <p:clrMapOvr>
-    <a:masterClrMapping/>
-  </p:clrMapOvr>
-  <mc:AlternateContent xmlns:mc="http://schemas.openxmlformats.org/markup-compatibility/2006" xmlns:p14="http://schemas.microsoft.com/office/powerpoint/2010/main">
-    <mc:Choice Requires="p14">
-      <p:transition p14:dur="0"/>
-    </mc:Choice>
-    <mc:Fallback xmlns="">
-      <p:transition/>
-    </mc:Fallback>
-  </mc:AlternateContent>
-  <p:timing>
-    <p:tnLst>
-      <p:par>
-        <p:cTn id="1" dur="indefinite" restart="never" nodeType="tmRoot"/>
-      </p:par>
-    </p:tnLst>
-  </p:timing>
-</p:sld>
-</file>
-
-<file path=ppt/slides/slide9.xml><?xml version="1.0" encoding="utf-8"?>
-<p:sld xmlns:a="http://schemas.openxmlformats.org/drawingml/2006/main" xmlns:r="http://schemas.openxmlformats.org/officeDocument/2006/relationships" xmlns:p="http://schemas.openxmlformats.org/presentationml/2006/main">
-  <p:cSld>
-    <p:spTree>
-      <p:nvGrpSpPr>
-        <p:cNvPr id="1" name=""/>
-        <p:cNvGrpSpPr/>
-        <p:nvPr/>
-      </p:nvGrpSpPr>
-      <p:grpSpPr>
-        <a:xfrm>
-          <a:off x="0" y="0"/>
-          <a:ext cx="0" cy="0"/>
-          <a:chOff x="0" y="0"/>
-          <a:chExt cx="0" cy="0"/>
-        </a:xfrm>
-      </p:grpSpPr>
       <p:pic>
         <p:nvPicPr>
           <p:cNvPr id="3" name="図 2"/>
@@ -7322,7 +5538,7 @@
           <a:p>
             <a:r>
               <a:rPr lang="en-US" altLang="ja-JP" b="1" dirty="0"/>
-              <a:t>5</a:t>
+              <a:t>6</a:t>
             </a:r>
             <a:r>
               <a:rPr kumimoji="1" lang="en-US" altLang="ja-JP" b="1" dirty="0" smtClean="0"/>
@@ -7330,7 +5546,7 @@
             </a:r>
             <a:r>
               <a:rPr kumimoji="1" lang="ja-JP" altLang="en-US" b="1" dirty="0" smtClean="0"/>
-              <a:t>進捗管理の方法</a:t>
+              <a:t>進捗状況</a:t>
             </a:r>
             <a:endParaRPr kumimoji="1" lang="ja-JP" altLang="en-US" b="1" dirty="0"/>
           </a:p>
@@ -8376,6 +6592,2375 @@
       <p:bldP spid="32" grpId="0"/>
       <p:bldP spid="13" grpId="0"/>
     </p:bldLst>
+  </p:timing>
+</p:sld>
+</file>
+
+<file path=ppt/slides/slide11.xml><?xml version="1.0" encoding="utf-8"?>
+<p:sld xmlns:a="http://schemas.openxmlformats.org/drawingml/2006/main" xmlns:r="http://schemas.openxmlformats.org/officeDocument/2006/relationships" xmlns:p="http://schemas.openxmlformats.org/presentationml/2006/main">
+  <p:cSld>
+    <p:spTree>
+      <p:nvGrpSpPr>
+        <p:cNvPr id="1" name=""/>
+        <p:cNvGrpSpPr/>
+        <p:nvPr/>
+      </p:nvGrpSpPr>
+      <p:grpSpPr>
+        <a:xfrm>
+          <a:off x="0" y="0"/>
+          <a:ext cx="0" cy="0"/>
+          <a:chOff x="0" y="0"/>
+          <a:chExt cx="0" cy="0"/>
+        </a:xfrm>
+      </p:grpSpPr>
+      <p:sp>
+        <p:nvSpPr>
+          <p:cNvPr id="2" name="タイトル 1"/>
+          <p:cNvSpPr>
+            <a:spLocks noGrp="1"/>
+          </p:cNvSpPr>
+          <p:nvPr>
+            <p:ph type="title"/>
+          </p:nvPr>
+        </p:nvSpPr>
+        <p:spPr/>
+        <p:txBody>
+          <a:bodyPr/>
+          <a:lstStyle/>
+          <a:p>
+            <a:r>
+              <a:rPr lang="en-US" altLang="ja-JP" b="1" dirty="0"/>
+              <a:t>7</a:t>
+            </a:r>
+            <a:r>
+              <a:rPr lang="en-US" altLang="ja-JP" b="1" dirty="0" smtClean="0"/>
+              <a:t>.</a:t>
+            </a:r>
+            <a:r>
+              <a:rPr lang="ja-JP" altLang="en-US" b="1" dirty="0" smtClean="0"/>
+              <a:t>品質管理</a:t>
+            </a:r>
+            <a:endParaRPr kumimoji="1" lang="ja-JP" altLang="en-US" b="1" dirty="0"/>
+          </a:p>
+        </p:txBody>
+      </p:sp>
+      <p:sp>
+        <p:nvSpPr>
+          <p:cNvPr id="4" name="スライド番号プレースホルダー 3"/>
+          <p:cNvSpPr>
+            <a:spLocks noGrp="1"/>
+          </p:cNvSpPr>
+          <p:nvPr>
+            <p:ph type="sldNum" sz="quarter" idx="12"/>
+          </p:nvPr>
+        </p:nvSpPr>
+        <p:spPr/>
+        <p:txBody>
+          <a:bodyPr/>
+          <a:lstStyle/>
+          <a:p>
+            <a:fld id="{DBCC0E39-F1DF-4704-BA4C-1FA94645E7DF}" type="slidenum">
+              <a:rPr kumimoji="1" lang="ja-JP" altLang="en-US" smtClean="0"/>
+              <a:t>11</a:t>
+            </a:fld>
+            <a:endParaRPr kumimoji="1" lang="ja-JP" altLang="en-US"/>
+          </a:p>
+        </p:txBody>
+      </p:sp>
+      <p:sp>
+        <p:nvSpPr>
+          <p:cNvPr id="5" name="テキスト ボックス 4"/>
+          <p:cNvSpPr txBox="1"/>
+          <p:nvPr/>
+        </p:nvSpPr>
+        <p:spPr>
+          <a:xfrm>
+            <a:off x="642257" y="2774905"/>
+            <a:ext cx="10515600" cy="1569660"/>
+          </a:xfrm>
+          <a:prstGeom prst="rect">
+            <a:avLst/>
+          </a:prstGeom>
+          <a:noFill/>
+        </p:spPr>
+        <p:txBody>
+          <a:bodyPr wrap="square" rtlCol="0">
+            <a:spAutoFit/>
+          </a:bodyPr>
+          <a:lstStyle/>
+          <a:p>
+            <a:pPr algn="ctr"/>
+            <a:r>
+              <a:rPr lang="ja-JP" altLang="ja-JP" sz="3200" b="1" dirty="0"/>
+              <a:t>スプリント終了</a:t>
+            </a:r>
+            <a:r>
+              <a:rPr lang="ja-JP" altLang="ja-JP" sz="3200" b="1" dirty="0" smtClean="0"/>
+              <a:t>時</a:t>
+            </a:r>
+            <a:r>
+              <a:rPr lang="ja-JP" altLang="en-US" sz="3200" b="1" dirty="0" smtClean="0"/>
+              <a:t>毎</a:t>
+            </a:r>
+            <a:r>
+              <a:rPr lang="ja-JP" altLang="ja-JP" sz="3200" b="1" dirty="0" smtClean="0"/>
+              <a:t>に</a:t>
+            </a:r>
+            <a:r>
+              <a:rPr lang="ja-JP" altLang="ja-JP" sz="3200" b="1" dirty="0"/>
+              <a:t>プロダクトオーナー</a:t>
+            </a:r>
+            <a:r>
+              <a:rPr lang="ja-JP" altLang="ja-JP" sz="3200" b="1" dirty="0" smtClean="0"/>
+              <a:t>に</a:t>
+            </a:r>
+            <a:endParaRPr lang="en-US" altLang="ja-JP" sz="3200" b="1" dirty="0" smtClean="0"/>
+          </a:p>
+          <a:p>
+            <a:pPr algn="ctr"/>
+            <a:r>
+              <a:rPr lang="ja-JP" altLang="ja-JP" sz="3200" b="1" dirty="0" smtClean="0"/>
+              <a:t>成果物</a:t>
+            </a:r>
+            <a:r>
+              <a:rPr lang="ja-JP" altLang="ja-JP" sz="3200" b="1" dirty="0"/>
+              <a:t>の情報量、利便性、簡易性の</a:t>
+            </a:r>
+            <a:r>
+              <a:rPr lang="ja-JP" altLang="ja-JP" sz="3200" b="1" dirty="0" smtClean="0"/>
+              <a:t>観点から</a:t>
+            </a:r>
+            <a:r>
+              <a:rPr lang="ja-JP" altLang="en-US" sz="3200" b="1" dirty="0" smtClean="0"/>
+              <a:t>、</a:t>
+            </a:r>
+            <a:endParaRPr lang="en-US" altLang="ja-JP" sz="3200" b="1" dirty="0" smtClean="0"/>
+          </a:p>
+          <a:p>
+            <a:pPr algn="ctr"/>
+            <a:r>
+              <a:rPr lang="ja-JP" altLang="ja-JP" sz="3200" b="1" dirty="0" smtClean="0"/>
+              <a:t>１～</a:t>
+            </a:r>
+            <a:r>
+              <a:rPr lang="en-US" altLang="ja-JP" sz="3200" b="1" dirty="0" smtClean="0"/>
+              <a:t>10</a:t>
+            </a:r>
+            <a:r>
+              <a:rPr lang="ja-JP" altLang="ja-JP" sz="3200" b="1" dirty="0" smtClean="0"/>
+              <a:t>の</a:t>
+            </a:r>
+            <a:r>
+              <a:rPr lang="en-US" altLang="ja-JP" sz="3200" b="1" dirty="0" smtClean="0"/>
+              <a:t>10</a:t>
+            </a:r>
+            <a:r>
+              <a:rPr lang="ja-JP" altLang="ja-JP" sz="3200" b="1" dirty="0" smtClean="0"/>
+              <a:t>段階で評価してもらう。</a:t>
+            </a:r>
+            <a:endParaRPr lang="ja-JP" altLang="ja-JP" sz="3200" b="1" dirty="0"/>
+          </a:p>
+        </p:txBody>
+      </p:sp>
+    </p:spTree>
+    <p:extLst>
+      <p:ext uri="{BB962C8B-B14F-4D97-AF65-F5344CB8AC3E}">
+        <p14:creationId xmlns:p14="http://schemas.microsoft.com/office/powerpoint/2010/main" val="3102615835"/>
+      </p:ext>
+    </p:extLst>
+  </p:cSld>
+  <p:clrMapOvr>
+    <a:masterClrMapping/>
+  </p:clrMapOvr>
+  <p:timing>
+    <p:tnLst>
+      <p:par>
+        <p:cTn id="1" dur="indefinite" restart="never" nodeType="tmRoot"/>
+      </p:par>
+    </p:tnLst>
+  </p:timing>
+</p:sld>
+</file>
+
+<file path=ppt/slides/slide12.xml><?xml version="1.0" encoding="utf-8"?>
+<p:sld xmlns:a="http://schemas.openxmlformats.org/drawingml/2006/main" xmlns:r="http://schemas.openxmlformats.org/officeDocument/2006/relationships" xmlns:p="http://schemas.openxmlformats.org/presentationml/2006/main">
+  <p:cSld>
+    <p:spTree>
+      <p:nvGrpSpPr>
+        <p:cNvPr id="1" name=""/>
+        <p:cNvGrpSpPr/>
+        <p:nvPr/>
+      </p:nvGrpSpPr>
+      <p:grpSpPr>
+        <a:xfrm>
+          <a:off x="0" y="0"/>
+          <a:ext cx="0" cy="0"/>
+          <a:chOff x="0" y="0"/>
+          <a:chExt cx="0" cy="0"/>
+        </a:xfrm>
+      </p:grpSpPr>
+      <p:sp>
+        <p:nvSpPr>
+          <p:cNvPr id="2" name="タイトル 1"/>
+          <p:cNvSpPr>
+            <a:spLocks noGrp="1"/>
+          </p:cNvSpPr>
+          <p:nvPr>
+            <p:ph type="title"/>
+          </p:nvPr>
+        </p:nvSpPr>
+        <p:spPr/>
+        <p:txBody>
+          <a:bodyPr/>
+          <a:lstStyle/>
+          <a:p>
+            <a:r>
+              <a:rPr lang="en-US" altLang="ja-JP" b="1" dirty="0" smtClean="0"/>
+              <a:t>8.</a:t>
+            </a:r>
+            <a:r>
+              <a:rPr lang="ja-JP" altLang="en-US" b="1" dirty="0" smtClean="0"/>
+              <a:t> </a:t>
+            </a:r>
+            <a:r>
+              <a:rPr lang="ja-JP" altLang="en-US" b="1" dirty="0" smtClean="0"/>
+              <a:t>後半の流れ</a:t>
+            </a:r>
+            <a:endParaRPr kumimoji="1" lang="ja-JP" altLang="en-US" dirty="0"/>
+          </a:p>
+        </p:txBody>
+      </p:sp>
+      <p:sp>
+        <p:nvSpPr>
+          <p:cNvPr id="6" name="コンテンツ プレースホルダー 5"/>
+          <p:cNvSpPr>
+            <a:spLocks noGrp="1"/>
+          </p:cNvSpPr>
+          <p:nvPr>
+            <p:ph sz="half" idx="1"/>
+          </p:nvPr>
+        </p:nvSpPr>
+        <p:spPr>
+          <a:xfrm>
+            <a:off x="838200" y="1825625"/>
+            <a:ext cx="10515600" cy="4351338"/>
+          </a:xfrm>
+        </p:spPr>
+        <p:txBody>
+          <a:bodyPr>
+            <a:normAutofit/>
+          </a:bodyPr>
+          <a:lstStyle/>
+          <a:p>
+            <a:endParaRPr lang="en-US" altLang="ja-JP" dirty="0" smtClean="0"/>
+          </a:p>
+          <a:p>
+            <a:pPr marL="0" indent="0" algn="ctr">
+              <a:lnSpc>
+                <a:spcPct val="150000"/>
+              </a:lnSpc>
+              <a:buNone/>
+            </a:pPr>
+            <a:r>
+              <a:rPr lang="ja-JP" altLang="en-US" sz="3600" b="1" dirty="0" smtClean="0"/>
+              <a:t>過去問、シラバスの表示機能の作成</a:t>
+            </a:r>
+            <a:endParaRPr lang="en-US" altLang="ja-JP" sz="3600" b="1" dirty="0" smtClean="0"/>
+          </a:p>
+          <a:p>
+            <a:pPr marL="0" indent="0" algn="ctr">
+              <a:lnSpc>
+                <a:spcPct val="150000"/>
+              </a:lnSpc>
+              <a:buNone/>
+            </a:pPr>
+            <a:r>
+              <a:rPr lang="ja-JP" altLang="en-US" sz="3600" b="1" dirty="0" smtClean="0"/>
+              <a:t>竹内</a:t>
+            </a:r>
+            <a:r>
+              <a:rPr lang="ja-JP" altLang="en-US" sz="3600" b="1" dirty="0"/>
+              <a:t>君が</a:t>
+            </a:r>
+            <a:r>
+              <a:rPr lang="en-US" altLang="ja-JP" sz="3600" b="1" dirty="0"/>
+              <a:t>PM</a:t>
+            </a:r>
+            <a:r>
+              <a:rPr lang="ja-JP" altLang="en-US" sz="3600" b="1" dirty="0"/>
+              <a:t>を引き継ぎます。</a:t>
+            </a:r>
+            <a:endParaRPr lang="en-US" altLang="ja-JP" sz="3600" b="1" dirty="0"/>
+          </a:p>
+          <a:p>
+            <a:endParaRPr kumimoji="1" lang="en-US" altLang="ja-JP" dirty="0" smtClean="0"/>
+          </a:p>
+        </p:txBody>
+      </p:sp>
+    </p:spTree>
+    <p:extLst>
+      <p:ext uri="{BB962C8B-B14F-4D97-AF65-F5344CB8AC3E}">
+        <p14:creationId xmlns:p14="http://schemas.microsoft.com/office/powerpoint/2010/main" val="2564451170"/>
+      </p:ext>
+    </p:extLst>
+  </p:cSld>
+  <p:clrMapOvr>
+    <a:masterClrMapping/>
+  </p:clrMapOvr>
+  <p:timing>
+    <p:tnLst>
+      <p:par>
+        <p:cTn id="1" dur="indefinite" restart="never" nodeType="tmRoot"/>
+      </p:par>
+    </p:tnLst>
+  </p:timing>
+</p:sld>
+</file>
+
+<file path=ppt/slides/slide13.xml><?xml version="1.0" encoding="utf-8"?>
+<p:sld xmlns:a="http://schemas.openxmlformats.org/drawingml/2006/main" xmlns:r="http://schemas.openxmlformats.org/officeDocument/2006/relationships" xmlns:p="http://schemas.openxmlformats.org/presentationml/2006/main">
+  <p:cSld>
+    <p:spTree>
+      <p:nvGrpSpPr>
+        <p:cNvPr id="1" name=""/>
+        <p:cNvGrpSpPr/>
+        <p:nvPr/>
+      </p:nvGrpSpPr>
+      <p:grpSpPr>
+        <a:xfrm>
+          <a:off x="0" y="0"/>
+          <a:ext cx="0" cy="0"/>
+          <a:chOff x="0" y="0"/>
+          <a:chExt cx="0" cy="0"/>
+        </a:xfrm>
+      </p:grpSpPr>
+      <p:sp>
+        <p:nvSpPr>
+          <p:cNvPr id="5" name="スライド番号プレースホルダー 4"/>
+          <p:cNvSpPr>
+            <a:spLocks noGrp="1"/>
+          </p:cNvSpPr>
+          <p:nvPr>
+            <p:ph type="sldNum" sz="quarter" idx="12"/>
+          </p:nvPr>
+        </p:nvSpPr>
+        <p:spPr/>
+        <p:txBody>
+          <a:bodyPr/>
+          <a:lstStyle/>
+          <a:p>
+            <a:fld id="{DBCC0E39-F1DF-4704-BA4C-1FA94645E7DF}" type="slidenum">
+              <a:rPr kumimoji="1" lang="ja-JP" altLang="en-US" smtClean="0"/>
+              <a:t>13</a:t>
+            </a:fld>
+            <a:endParaRPr kumimoji="1" lang="ja-JP" altLang="en-US"/>
+          </a:p>
+        </p:txBody>
+      </p:sp>
+      <p:sp>
+        <p:nvSpPr>
+          <p:cNvPr id="6" name="テキスト ボックス 5"/>
+          <p:cNvSpPr txBox="1"/>
+          <p:nvPr/>
+        </p:nvSpPr>
+        <p:spPr>
+          <a:xfrm>
+            <a:off x="1750422" y="2899955"/>
+            <a:ext cx="9013371" cy="830997"/>
+          </a:xfrm>
+          <a:prstGeom prst="rect">
+            <a:avLst/>
+          </a:prstGeom>
+          <a:noFill/>
+        </p:spPr>
+        <p:txBody>
+          <a:bodyPr wrap="square" rtlCol="0">
+            <a:spAutoFit/>
+          </a:bodyPr>
+          <a:lstStyle/>
+          <a:p>
+            <a:r>
+              <a:rPr kumimoji="1" lang="ja-JP" altLang="en-US" sz="4800" b="1" dirty="0" smtClean="0"/>
+              <a:t>ご清聴ありがとうございました</a:t>
+            </a:r>
+            <a:endParaRPr kumimoji="1" lang="ja-JP" altLang="en-US" sz="4800" b="1" dirty="0"/>
+          </a:p>
+        </p:txBody>
+      </p:sp>
+    </p:spTree>
+    <p:extLst>
+      <p:ext uri="{BB962C8B-B14F-4D97-AF65-F5344CB8AC3E}">
+        <p14:creationId xmlns:p14="http://schemas.microsoft.com/office/powerpoint/2010/main" val="793623619"/>
+      </p:ext>
+    </p:extLst>
+  </p:cSld>
+  <p:clrMapOvr>
+    <a:masterClrMapping/>
+  </p:clrMapOvr>
+  <p:timing>
+    <p:tnLst>
+      <p:par>
+        <p:cTn id="1" dur="indefinite" restart="never" nodeType="tmRoot"/>
+      </p:par>
+    </p:tnLst>
+  </p:timing>
+</p:sld>
+</file>
+
+<file path=ppt/slides/slide2.xml><?xml version="1.0" encoding="utf-8"?>
+<p:sld xmlns:a="http://schemas.openxmlformats.org/drawingml/2006/main" xmlns:r="http://schemas.openxmlformats.org/officeDocument/2006/relationships" xmlns:p="http://schemas.openxmlformats.org/presentationml/2006/main">
+  <p:cSld>
+    <p:spTree>
+      <p:nvGrpSpPr>
+        <p:cNvPr id="1" name=""/>
+        <p:cNvGrpSpPr/>
+        <p:nvPr/>
+      </p:nvGrpSpPr>
+      <p:grpSpPr>
+        <a:xfrm>
+          <a:off x="0" y="0"/>
+          <a:ext cx="0" cy="0"/>
+          <a:chOff x="0" y="0"/>
+          <a:chExt cx="0" cy="0"/>
+        </a:xfrm>
+      </p:grpSpPr>
+      <p:sp>
+        <p:nvSpPr>
+          <p:cNvPr id="2" name="タイトル 1"/>
+          <p:cNvSpPr>
+            <a:spLocks noGrp="1"/>
+          </p:cNvSpPr>
+          <p:nvPr>
+            <p:ph type="title"/>
+          </p:nvPr>
+        </p:nvSpPr>
+        <p:spPr/>
+        <p:txBody>
+          <a:bodyPr/>
+          <a:lstStyle/>
+          <a:p>
+            <a:r>
+              <a:rPr lang="ja-JP" altLang="en-US" b="1" dirty="0" smtClean="0"/>
+              <a:t>目次</a:t>
+            </a:r>
+            <a:endParaRPr kumimoji="1" lang="ja-JP" altLang="en-US" b="1" dirty="0">
+              <a:latin typeface="HGP創英角ｺﾞｼｯｸUB" panose="020B0900000000000000" pitchFamily="50" charset="-128"/>
+              <a:ea typeface="HGP創英角ｺﾞｼｯｸUB" panose="020B0900000000000000" pitchFamily="50" charset="-128"/>
+            </a:endParaRPr>
+          </a:p>
+        </p:txBody>
+      </p:sp>
+      <p:sp>
+        <p:nvSpPr>
+          <p:cNvPr id="3" name="コンテンツ プレースホルダー 2"/>
+          <p:cNvSpPr>
+            <a:spLocks noGrp="1"/>
+          </p:cNvSpPr>
+          <p:nvPr>
+            <p:ph idx="1"/>
+          </p:nvPr>
+        </p:nvSpPr>
+        <p:spPr/>
+        <p:txBody>
+          <a:bodyPr>
+            <a:normAutofit lnSpcReduction="10000"/>
+          </a:bodyPr>
+          <a:lstStyle/>
+          <a:p>
+            <a:pPr marL="0" indent="0">
+              <a:buNone/>
+            </a:pPr>
+            <a:r>
+              <a:rPr lang="en-US" altLang="ja-JP" sz="3200" b="1" dirty="0" smtClean="0"/>
+              <a:t>1.</a:t>
+            </a:r>
+            <a:r>
+              <a:rPr kumimoji="1" lang="ja-JP" altLang="en-US" sz="3200" b="1" dirty="0" smtClean="0"/>
+              <a:t>プロジェクト</a:t>
+            </a:r>
+            <a:r>
+              <a:rPr lang="ja-JP" altLang="en-US" sz="3200" b="1" dirty="0" smtClean="0"/>
+              <a:t>背景</a:t>
+            </a:r>
+            <a:endParaRPr lang="en-US" altLang="ja-JP" sz="3200" b="1" dirty="0" smtClean="0"/>
+          </a:p>
+          <a:p>
+            <a:pPr marL="0" indent="0">
+              <a:buNone/>
+            </a:pPr>
+            <a:r>
+              <a:rPr lang="en-US" altLang="ja-JP" sz="3200" b="1" dirty="0"/>
+              <a:t>2</a:t>
+            </a:r>
+            <a:r>
+              <a:rPr lang="en-US" altLang="ja-JP" sz="3200" b="1" dirty="0" smtClean="0"/>
+              <a:t>.</a:t>
+            </a:r>
+            <a:r>
+              <a:rPr lang="ja-JP" altLang="en-US" sz="3200" b="1" dirty="0" smtClean="0"/>
+              <a:t>プロジェクト目的</a:t>
+            </a:r>
+            <a:endParaRPr lang="en-US" altLang="ja-JP" sz="3200" b="1" dirty="0" smtClean="0"/>
+          </a:p>
+          <a:p>
+            <a:pPr marL="0" indent="0">
+              <a:buNone/>
+            </a:pPr>
+            <a:r>
+              <a:rPr lang="en-US" altLang="ja-JP" sz="3200" b="1" dirty="0"/>
+              <a:t>3</a:t>
+            </a:r>
+            <a:r>
+              <a:rPr lang="en-US" altLang="ja-JP" sz="3200" b="1" dirty="0" smtClean="0"/>
+              <a:t>.</a:t>
+            </a:r>
+            <a:r>
+              <a:rPr lang="ja-JP" altLang="en-US" sz="3200" b="1" dirty="0" smtClean="0"/>
+              <a:t>主な機能</a:t>
+            </a:r>
+            <a:endParaRPr lang="en-US" altLang="ja-JP" sz="3200" b="1" dirty="0" smtClean="0"/>
+          </a:p>
+          <a:p>
+            <a:pPr marL="0" indent="0">
+              <a:buNone/>
+            </a:pPr>
+            <a:r>
+              <a:rPr lang="en-US" altLang="ja-JP" sz="3200" b="1" dirty="0"/>
+              <a:t>4</a:t>
+            </a:r>
+            <a:r>
+              <a:rPr lang="en-US" altLang="ja-JP" sz="3200" b="1" dirty="0" smtClean="0"/>
+              <a:t>.</a:t>
+            </a:r>
+            <a:r>
+              <a:rPr lang="ja-JP" altLang="en-US" sz="3200" b="1" dirty="0" smtClean="0"/>
+              <a:t>選択したチーム課題</a:t>
+            </a:r>
+            <a:endParaRPr lang="en-US" altLang="ja-JP" sz="3200" b="1" dirty="0" smtClean="0"/>
+          </a:p>
+          <a:p>
+            <a:pPr marL="0" indent="0">
+              <a:buNone/>
+            </a:pPr>
+            <a:r>
+              <a:rPr lang="en-US" altLang="ja-JP" sz="3200" b="1" dirty="0"/>
+              <a:t>5</a:t>
+            </a:r>
+            <a:r>
+              <a:rPr lang="en-US" altLang="ja-JP" sz="3200" b="1" dirty="0" smtClean="0"/>
+              <a:t>.</a:t>
+            </a:r>
+            <a:r>
+              <a:rPr lang="ja-JP" altLang="en-US" sz="3200" b="1" dirty="0" smtClean="0"/>
+              <a:t>進捗管理の</a:t>
+            </a:r>
+            <a:r>
+              <a:rPr lang="ja-JP" altLang="en-US" sz="3200" b="1" dirty="0" smtClean="0"/>
+              <a:t>方法</a:t>
+            </a:r>
+            <a:endParaRPr lang="en-US" altLang="ja-JP" sz="3200" b="1" dirty="0" smtClean="0"/>
+          </a:p>
+          <a:p>
+            <a:pPr marL="0" indent="0">
+              <a:buNone/>
+            </a:pPr>
+            <a:r>
+              <a:rPr lang="en-US" altLang="ja-JP" sz="3200" b="1" dirty="0" smtClean="0"/>
+              <a:t>6.</a:t>
+            </a:r>
+            <a:r>
+              <a:rPr lang="ja-JP" altLang="en-US" sz="3200" b="1" dirty="0" smtClean="0"/>
+              <a:t>進捗状況</a:t>
+            </a:r>
+            <a:endParaRPr lang="en-US" altLang="ja-JP" sz="3200" b="1" dirty="0" smtClean="0"/>
+          </a:p>
+          <a:p>
+            <a:pPr marL="0" indent="0">
+              <a:buNone/>
+            </a:pPr>
+            <a:r>
+              <a:rPr lang="en-US" altLang="ja-JP" sz="3200" b="1" dirty="0"/>
+              <a:t>7</a:t>
+            </a:r>
+            <a:r>
+              <a:rPr lang="en-US" altLang="ja-JP" sz="3200" b="1" dirty="0" smtClean="0"/>
+              <a:t>.</a:t>
+            </a:r>
+            <a:r>
+              <a:rPr lang="ja-JP" altLang="en-US" sz="3200" b="1" dirty="0" smtClean="0"/>
+              <a:t>品質管理</a:t>
+            </a:r>
+            <a:endParaRPr lang="en-US" altLang="ja-JP" sz="3200" b="1" dirty="0" smtClean="0"/>
+          </a:p>
+          <a:p>
+            <a:pPr marL="0" indent="0">
+              <a:buNone/>
+            </a:pPr>
+            <a:r>
+              <a:rPr lang="en-US" altLang="ja-JP" sz="3200" b="1" dirty="0"/>
+              <a:t>8</a:t>
+            </a:r>
+            <a:r>
+              <a:rPr lang="en-US" altLang="ja-JP" sz="3200" b="1" dirty="0" smtClean="0"/>
+              <a:t>.</a:t>
+            </a:r>
+            <a:r>
+              <a:rPr lang="ja-JP" altLang="en-US" sz="3200" b="1" dirty="0" smtClean="0"/>
+              <a:t>後半の流れ</a:t>
+            </a:r>
+            <a:endParaRPr kumimoji="1" lang="en-US" altLang="ja-JP" sz="3200" b="1" dirty="0" smtClean="0"/>
+          </a:p>
+        </p:txBody>
+      </p:sp>
+    </p:spTree>
+    <p:extLst>
+      <p:ext uri="{BB962C8B-B14F-4D97-AF65-F5344CB8AC3E}">
+        <p14:creationId xmlns:p14="http://schemas.microsoft.com/office/powerpoint/2010/main" val="1416461174"/>
+      </p:ext>
+    </p:extLst>
+  </p:cSld>
+  <p:clrMapOvr>
+    <a:masterClrMapping/>
+  </p:clrMapOvr>
+  <mc:AlternateContent xmlns:mc="http://schemas.openxmlformats.org/markup-compatibility/2006" xmlns:p14="http://schemas.microsoft.com/office/powerpoint/2010/main">
+    <mc:Choice Requires="p14">
+      <p:transition p14:dur="0"/>
+    </mc:Choice>
+    <mc:Fallback xmlns="">
+      <p:transition/>
+    </mc:Fallback>
+  </mc:AlternateContent>
+  <p:timing>
+    <p:tnLst>
+      <p:par>
+        <p:cTn id="1" dur="indefinite" restart="never" nodeType="tmRoot"/>
+      </p:par>
+    </p:tnLst>
+  </p:timing>
+</p:sld>
+</file>
+
+<file path=ppt/slides/slide3.xml><?xml version="1.0" encoding="utf-8"?>
+<p:sld xmlns:a="http://schemas.openxmlformats.org/drawingml/2006/main" xmlns:r="http://schemas.openxmlformats.org/officeDocument/2006/relationships" xmlns:p="http://schemas.openxmlformats.org/presentationml/2006/main">
+  <p:cSld>
+    <p:spTree>
+      <p:nvGrpSpPr>
+        <p:cNvPr id="1" name=""/>
+        <p:cNvGrpSpPr/>
+        <p:nvPr/>
+      </p:nvGrpSpPr>
+      <p:grpSpPr>
+        <a:xfrm>
+          <a:off x="0" y="0"/>
+          <a:ext cx="0" cy="0"/>
+          <a:chOff x="0" y="0"/>
+          <a:chExt cx="0" cy="0"/>
+        </a:xfrm>
+      </p:grpSpPr>
+      <p:sp>
+        <p:nvSpPr>
+          <p:cNvPr id="2" name="タイトル 1"/>
+          <p:cNvSpPr>
+            <a:spLocks noGrp="1"/>
+          </p:cNvSpPr>
+          <p:nvPr>
+            <p:ph type="title"/>
+          </p:nvPr>
+        </p:nvSpPr>
+        <p:spPr/>
+        <p:txBody>
+          <a:bodyPr/>
+          <a:lstStyle/>
+          <a:p>
+            <a:r>
+              <a:rPr kumimoji="1" lang="en-US" altLang="ja-JP" b="1" dirty="0" smtClean="0"/>
+              <a:t>1.</a:t>
+            </a:r>
+            <a:r>
+              <a:rPr kumimoji="1" lang="ja-JP" altLang="en-US" b="1" dirty="0" smtClean="0"/>
+              <a:t>プロジェクト</a:t>
+            </a:r>
+            <a:r>
+              <a:rPr lang="ja-JP" altLang="en-US" b="1" dirty="0"/>
+              <a:t>背景</a:t>
+            </a:r>
+            <a:endParaRPr kumimoji="1" lang="ja-JP" altLang="en-US" b="1" dirty="0"/>
+          </a:p>
+        </p:txBody>
+      </p:sp>
+      <p:sp>
+        <p:nvSpPr>
+          <p:cNvPr id="3" name="コンテンツ プレースホルダー 2"/>
+          <p:cNvSpPr>
+            <a:spLocks noGrp="1"/>
+          </p:cNvSpPr>
+          <p:nvPr>
+            <p:ph idx="1"/>
+          </p:nvPr>
+        </p:nvSpPr>
+        <p:spPr>
+          <a:xfrm>
+            <a:off x="382633" y="1974463"/>
+            <a:ext cx="10515600" cy="3767931"/>
+          </a:xfrm>
+        </p:spPr>
+        <p:txBody>
+          <a:bodyPr>
+            <a:normAutofit/>
+          </a:bodyPr>
+          <a:lstStyle/>
+          <a:p>
+            <a:pPr marL="0" indent="0">
+              <a:lnSpc>
+                <a:spcPct val="150000"/>
+              </a:lnSpc>
+              <a:buNone/>
+            </a:pPr>
+            <a:r>
+              <a:rPr lang="ja-JP" altLang="en-US" sz="4800" b="1" dirty="0" smtClean="0"/>
+              <a:t>従来は</a:t>
+            </a:r>
+            <a:r>
+              <a:rPr lang="en-US" altLang="ja-JP" sz="4800" dirty="0"/>
+              <a:t>…</a:t>
+            </a:r>
+            <a:endParaRPr lang="en-US" altLang="ja-JP" sz="4800" dirty="0" smtClean="0"/>
+          </a:p>
+          <a:p>
+            <a:pPr marL="0" indent="0">
+              <a:lnSpc>
+                <a:spcPct val="150000"/>
+              </a:lnSpc>
+              <a:buNone/>
+            </a:pPr>
+            <a:r>
+              <a:rPr lang="ja-JP" altLang="en-US" sz="5200" b="1" dirty="0" smtClean="0"/>
+              <a:t>シラバス検索や時間割の確認に、手間</a:t>
+            </a:r>
+            <a:r>
+              <a:rPr lang="ja-JP" altLang="en-US" sz="5200" b="1" dirty="0"/>
+              <a:t>がかかって</a:t>
+            </a:r>
+            <a:r>
+              <a:rPr lang="ja-JP" altLang="en-US" sz="5200" b="1" dirty="0" smtClean="0"/>
+              <a:t>いた</a:t>
+            </a:r>
+            <a:endParaRPr lang="en-US" altLang="ja-JP" sz="5200" b="1" dirty="0" smtClean="0"/>
+          </a:p>
+          <a:p>
+            <a:pPr marL="0" indent="0">
+              <a:lnSpc>
+                <a:spcPct val="150000"/>
+              </a:lnSpc>
+              <a:buNone/>
+            </a:pPr>
+            <a:endParaRPr lang="en-US" altLang="ja-JP" sz="3200" b="1" dirty="0"/>
+          </a:p>
+          <a:p>
+            <a:endParaRPr kumimoji="1" lang="ja-JP" altLang="en-US" dirty="0"/>
+          </a:p>
+        </p:txBody>
+      </p:sp>
+      <p:sp>
+        <p:nvSpPr>
+          <p:cNvPr id="4" name="スライド番号プレースホルダー 3"/>
+          <p:cNvSpPr>
+            <a:spLocks noGrp="1"/>
+          </p:cNvSpPr>
+          <p:nvPr>
+            <p:ph type="sldNum" sz="quarter" idx="12"/>
+          </p:nvPr>
+        </p:nvSpPr>
+        <p:spPr/>
+        <p:txBody>
+          <a:bodyPr/>
+          <a:lstStyle/>
+          <a:p>
+            <a:fld id="{DBCC0E39-F1DF-4704-BA4C-1FA94645E7DF}" type="slidenum">
+              <a:rPr kumimoji="1" lang="ja-JP" altLang="en-US" smtClean="0"/>
+              <a:t>3</a:t>
+            </a:fld>
+            <a:endParaRPr kumimoji="1" lang="ja-JP" altLang="en-US"/>
+          </a:p>
+        </p:txBody>
+      </p:sp>
+    </p:spTree>
+    <p:extLst>
+      <p:ext uri="{BB962C8B-B14F-4D97-AF65-F5344CB8AC3E}">
+        <p14:creationId xmlns:p14="http://schemas.microsoft.com/office/powerpoint/2010/main" val="2451840469"/>
+      </p:ext>
+    </p:extLst>
+  </p:cSld>
+  <p:clrMapOvr>
+    <a:masterClrMapping/>
+  </p:clrMapOvr>
+  <p:timing>
+    <p:tnLst>
+      <p:par>
+        <p:cTn id="1" dur="indefinite" restart="never" nodeType="tmRoot">
+          <p:childTnLst>
+            <p:seq concurrent="1" nextAc="seek">
+              <p:cTn id="2" dur="indefinite" nodeType="mainSeq">
+                <p:childTnLst>
+                  <p:par>
+                    <p:cTn id="3" fill="hold">
+                      <p:stCondLst>
+                        <p:cond delay="indefinite"/>
+                      </p:stCondLst>
+                      <p:childTnLst>
+                        <p:par>
+                          <p:cTn id="4" fill="hold">
+                            <p:stCondLst>
+                              <p:cond delay="0"/>
+                            </p:stCondLst>
+                            <p:childTnLst>
+                              <p:par>
+                                <p:cTn id="5" presetID="10" presetClass="entr" presetSubtype="0" fill="hold" nodeType="clickEffect">
+                                  <p:stCondLst>
+                                    <p:cond delay="0"/>
+                                  </p:stCondLst>
+                                  <p:childTnLst>
+                                    <p:set>
+                                      <p:cBhvr>
+                                        <p:cTn id="6" dur="1" fill="hold">
+                                          <p:stCondLst>
+                                            <p:cond delay="0"/>
+                                          </p:stCondLst>
+                                        </p:cTn>
+                                        <p:tgtEl>
+                                          <p:spTgt spid="3">
+                                            <p:txEl>
+                                              <p:pRg st="1" end="1"/>
+                                            </p:txEl>
+                                          </p:spTgt>
+                                        </p:tgtEl>
+                                        <p:attrNameLst>
+                                          <p:attrName>style.visibility</p:attrName>
+                                        </p:attrNameLst>
+                                      </p:cBhvr>
+                                      <p:to>
+                                        <p:strVal val="visible"/>
+                                      </p:to>
+                                    </p:set>
+                                    <p:animEffect transition="in" filter="fade">
+                                      <p:cBhvr>
+                                        <p:cTn id="7" dur="500"/>
+                                        <p:tgtEl>
+                                          <p:spTgt spid="3">
+                                            <p:txEl>
+                                              <p:pRg st="1" end="1"/>
+                                            </p:txEl>
+                                          </p:spTgt>
+                                        </p:tgtEl>
+                                      </p:cBhvr>
+                                    </p:animEffect>
+                                  </p:childTnLst>
+                                </p:cTn>
+                              </p:par>
+                            </p:childTnLst>
+                          </p:cTn>
+                        </p:par>
+                      </p:childTnLst>
+                    </p:cTn>
+                  </p:par>
+                </p:childTnLst>
+              </p:cTn>
+              <p:prevCondLst>
+                <p:cond evt="onPrev" delay="0">
+                  <p:tgtEl>
+                    <p:sldTgt/>
+                  </p:tgtEl>
+                </p:cond>
+              </p:prevCondLst>
+              <p:nextCondLst>
+                <p:cond evt="onNext" delay="0">
+                  <p:tgtEl>
+                    <p:sldTgt/>
+                  </p:tgtEl>
+                </p:cond>
+              </p:nextCondLst>
+            </p:seq>
+          </p:childTnLst>
+        </p:cTn>
+      </p:par>
+    </p:tnLst>
+  </p:timing>
+</p:sld>
+</file>
+
+<file path=ppt/slides/slide4.xml><?xml version="1.0" encoding="utf-8"?>
+<p:sld xmlns:a="http://schemas.openxmlformats.org/drawingml/2006/main" xmlns:r="http://schemas.openxmlformats.org/officeDocument/2006/relationships" xmlns:p="http://schemas.openxmlformats.org/presentationml/2006/main">
+  <p:cSld>
+    <p:spTree>
+      <p:nvGrpSpPr>
+        <p:cNvPr id="1" name=""/>
+        <p:cNvGrpSpPr/>
+        <p:nvPr/>
+      </p:nvGrpSpPr>
+      <p:grpSpPr>
+        <a:xfrm>
+          <a:off x="0" y="0"/>
+          <a:ext cx="0" cy="0"/>
+          <a:chOff x="0" y="0"/>
+          <a:chExt cx="0" cy="0"/>
+        </a:xfrm>
+      </p:grpSpPr>
+      <p:sp>
+        <p:nvSpPr>
+          <p:cNvPr id="2" name="タイトル 1"/>
+          <p:cNvSpPr>
+            <a:spLocks noGrp="1"/>
+          </p:cNvSpPr>
+          <p:nvPr>
+            <p:ph type="title"/>
+          </p:nvPr>
+        </p:nvSpPr>
+        <p:spPr/>
+        <p:txBody>
+          <a:bodyPr/>
+          <a:lstStyle/>
+          <a:p>
+            <a:r>
+              <a:rPr lang="en-US" altLang="ja-JP" b="1" dirty="0"/>
+              <a:t>2</a:t>
+            </a:r>
+            <a:r>
+              <a:rPr kumimoji="1" lang="en-US" altLang="ja-JP" b="1" dirty="0" smtClean="0"/>
+              <a:t>.</a:t>
+            </a:r>
+            <a:r>
+              <a:rPr kumimoji="1" lang="ja-JP" altLang="en-US" b="1" dirty="0" smtClean="0"/>
+              <a:t>プロジェクト</a:t>
+            </a:r>
+            <a:r>
+              <a:rPr lang="ja-JP" altLang="en-US" b="1" dirty="0"/>
+              <a:t>目的</a:t>
+            </a:r>
+            <a:endParaRPr kumimoji="1" lang="ja-JP" altLang="en-US" b="1" dirty="0"/>
+          </a:p>
+        </p:txBody>
+      </p:sp>
+      <p:sp>
+        <p:nvSpPr>
+          <p:cNvPr id="3" name="コンテンツ プレースホルダー 2"/>
+          <p:cNvSpPr>
+            <a:spLocks noGrp="1"/>
+          </p:cNvSpPr>
+          <p:nvPr>
+            <p:ph idx="1"/>
+          </p:nvPr>
+        </p:nvSpPr>
+        <p:spPr>
+          <a:xfrm>
+            <a:off x="581025" y="2220685"/>
+            <a:ext cx="11475992" cy="3670664"/>
+          </a:xfrm>
+        </p:spPr>
+        <p:txBody>
+          <a:bodyPr>
+            <a:normAutofit fontScale="70000" lnSpcReduction="20000"/>
+          </a:bodyPr>
+          <a:lstStyle/>
+          <a:p>
+            <a:pPr marL="0" indent="0">
+              <a:lnSpc>
+                <a:spcPct val="150000"/>
+              </a:lnSpc>
+              <a:buNone/>
+            </a:pPr>
+            <a:r>
+              <a:rPr lang="ja-JP" altLang="en-US" sz="6900" b="1" dirty="0" smtClean="0"/>
+              <a:t>本システムでは</a:t>
+            </a:r>
+            <a:r>
+              <a:rPr lang="en-US" altLang="ja-JP" sz="6900" b="1" dirty="0" smtClean="0"/>
+              <a:t>…</a:t>
+            </a:r>
+            <a:endParaRPr lang="en-US" altLang="ja-JP" sz="6900" dirty="0"/>
+          </a:p>
+          <a:p>
+            <a:pPr marL="0" indent="0">
+              <a:lnSpc>
+                <a:spcPct val="150000"/>
+              </a:lnSpc>
+              <a:buNone/>
+            </a:pPr>
+            <a:r>
+              <a:rPr lang="ja-JP" altLang="en-US" sz="7700" b="1" dirty="0" smtClean="0"/>
+              <a:t>その手間を省き、</a:t>
+            </a:r>
+            <a:endParaRPr lang="en-US" altLang="ja-JP" sz="7700" b="1" dirty="0" smtClean="0"/>
+          </a:p>
+          <a:p>
+            <a:pPr marL="0" indent="0">
+              <a:lnSpc>
+                <a:spcPct val="150000"/>
+              </a:lnSpc>
+              <a:buNone/>
+            </a:pPr>
+            <a:r>
+              <a:rPr lang="ja-JP" altLang="en-US" sz="7700" b="1" dirty="0" smtClean="0"/>
+              <a:t>新たな付加価値を加え提供します！</a:t>
+            </a:r>
+            <a:endParaRPr lang="en-US" altLang="ja-JP" sz="7700" b="1" dirty="0" smtClean="0"/>
+          </a:p>
+        </p:txBody>
+      </p:sp>
+      <p:sp>
+        <p:nvSpPr>
+          <p:cNvPr id="4" name="スライド番号プレースホルダー 3"/>
+          <p:cNvSpPr>
+            <a:spLocks noGrp="1"/>
+          </p:cNvSpPr>
+          <p:nvPr>
+            <p:ph type="sldNum" sz="quarter" idx="12"/>
+          </p:nvPr>
+        </p:nvSpPr>
+        <p:spPr/>
+        <p:txBody>
+          <a:bodyPr/>
+          <a:lstStyle/>
+          <a:p>
+            <a:fld id="{DBCC0E39-F1DF-4704-BA4C-1FA94645E7DF}" type="slidenum">
+              <a:rPr kumimoji="1" lang="ja-JP" altLang="en-US" smtClean="0"/>
+              <a:t>4</a:t>
+            </a:fld>
+            <a:endParaRPr kumimoji="1" lang="ja-JP" altLang="en-US"/>
+          </a:p>
+        </p:txBody>
+      </p:sp>
+    </p:spTree>
+    <p:extLst>
+      <p:ext uri="{BB962C8B-B14F-4D97-AF65-F5344CB8AC3E}">
+        <p14:creationId xmlns:p14="http://schemas.microsoft.com/office/powerpoint/2010/main" val="1383825895"/>
+      </p:ext>
+    </p:extLst>
+  </p:cSld>
+  <p:clrMapOvr>
+    <a:masterClrMapping/>
+  </p:clrMapOvr>
+  <p:timing>
+    <p:tnLst>
+      <p:par>
+        <p:cTn id="1" dur="indefinite" restart="never" nodeType="tmRoot">
+          <p:childTnLst>
+            <p:seq concurrent="1" nextAc="seek">
+              <p:cTn id="2" dur="indefinite" nodeType="mainSeq">
+                <p:childTnLst>
+                  <p:par>
+                    <p:cTn id="3" fill="hold">
+                      <p:stCondLst>
+                        <p:cond delay="indefinite"/>
+                      </p:stCondLst>
+                      <p:childTnLst>
+                        <p:par>
+                          <p:cTn id="4" fill="hold">
+                            <p:stCondLst>
+                              <p:cond delay="0"/>
+                            </p:stCondLst>
+                            <p:childTnLst>
+                              <p:par>
+                                <p:cTn id="5" presetID="10" presetClass="entr" presetSubtype="0" fill="hold" nodeType="clickEffect">
+                                  <p:stCondLst>
+                                    <p:cond delay="0"/>
+                                  </p:stCondLst>
+                                  <p:childTnLst>
+                                    <p:set>
+                                      <p:cBhvr>
+                                        <p:cTn id="6" dur="1" fill="hold">
+                                          <p:stCondLst>
+                                            <p:cond delay="0"/>
+                                          </p:stCondLst>
+                                        </p:cTn>
+                                        <p:tgtEl>
+                                          <p:spTgt spid="3">
+                                            <p:txEl>
+                                              <p:pRg st="1" end="1"/>
+                                            </p:txEl>
+                                          </p:spTgt>
+                                        </p:tgtEl>
+                                        <p:attrNameLst>
+                                          <p:attrName>style.visibility</p:attrName>
+                                        </p:attrNameLst>
+                                      </p:cBhvr>
+                                      <p:to>
+                                        <p:strVal val="visible"/>
+                                      </p:to>
+                                    </p:set>
+                                    <p:animEffect transition="in" filter="fade">
+                                      <p:cBhvr>
+                                        <p:cTn id="7" dur="500"/>
+                                        <p:tgtEl>
+                                          <p:spTgt spid="3">
+                                            <p:txEl>
+                                              <p:pRg st="1" end="1"/>
+                                            </p:txEl>
+                                          </p:spTgt>
+                                        </p:tgtEl>
+                                      </p:cBhvr>
+                                    </p:animEffect>
+                                  </p:childTnLst>
+                                </p:cTn>
+                              </p:par>
+                              <p:par>
+                                <p:cTn id="8" presetID="10" presetClass="entr" presetSubtype="0" fill="hold" nodeType="withEffect">
+                                  <p:stCondLst>
+                                    <p:cond delay="0"/>
+                                  </p:stCondLst>
+                                  <p:childTnLst>
+                                    <p:set>
+                                      <p:cBhvr>
+                                        <p:cTn id="9" dur="1" fill="hold">
+                                          <p:stCondLst>
+                                            <p:cond delay="0"/>
+                                          </p:stCondLst>
+                                        </p:cTn>
+                                        <p:tgtEl>
+                                          <p:spTgt spid="3">
+                                            <p:txEl>
+                                              <p:pRg st="2" end="2"/>
+                                            </p:txEl>
+                                          </p:spTgt>
+                                        </p:tgtEl>
+                                        <p:attrNameLst>
+                                          <p:attrName>style.visibility</p:attrName>
+                                        </p:attrNameLst>
+                                      </p:cBhvr>
+                                      <p:to>
+                                        <p:strVal val="visible"/>
+                                      </p:to>
+                                    </p:set>
+                                    <p:animEffect transition="in" filter="fade">
+                                      <p:cBhvr>
+                                        <p:cTn id="10" dur="500"/>
+                                        <p:tgtEl>
+                                          <p:spTgt spid="3">
+                                            <p:txEl>
+                                              <p:pRg st="2" end="2"/>
+                                            </p:txEl>
+                                          </p:spTgt>
+                                        </p:tgtEl>
+                                      </p:cBhvr>
+                                    </p:animEffect>
+                                  </p:childTnLst>
+                                </p:cTn>
+                              </p:par>
+                            </p:childTnLst>
+                          </p:cTn>
+                        </p:par>
+                      </p:childTnLst>
+                    </p:cTn>
+                  </p:par>
+                </p:childTnLst>
+              </p:cTn>
+              <p:prevCondLst>
+                <p:cond evt="onPrev" delay="0">
+                  <p:tgtEl>
+                    <p:sldTgt/>
+                  </p:tgtEl>
+                </p:cond>
+              </p:prevCondLst>
+              <p:nextCondLst>
+                <p:cond evt="onNext" delay="0">
+                  <p:tgtEl>
+                    <p:sldTgt/>
+                  </p:tgtEl>
+                </p:cond>
+              </p:nextCondLst>
+            </p:seq>
+          </p:childTnLst>
+        </p:cTn>
+      </p:par>
+    </p:tnLst>
+  </p:timing>
+</p:sld>
+</file>
+
+<file path=ppt/slides/slide5.xml><?xml version="1.0" encoding="utf-8"?>
+<p:sld xmlns:a="http://schemas.openxmlformats.org/drawingml/2006/main" xmlns:r="http://schemas.openxmlformats.org/officeDocument/2006/relationships" xmlns:p="http://schemas.openxmlformats.org/presentationml/2006/main">
+  <p:cSld>
+    <p:spTree>
+      <p:nvGrpSpPr>
+        <p:cNvPr id="1" name=""/>
+        <p:cNvGrpSpPr/>
+        <p:nvPr/>
+      </p:nvGrpSpPr>
+      <p:grpSpPr>
+        <a:xfrm>
+          <a:off x="0" y="0"/>
+          <a:ext cx="0" cy="0"/>
+          <a:chOff x="0" y="0"/>
+          <a:chExt cx="0" cy="0"/>
+        </a:xfrm>
+      </p:grpSpPr>
+      <p:sp>
+        <p:nvSpPr>
+          <p:cNvPr id="2" name="タイトル 1"/>
+          <p:cNvSpPr>
+            <a:spLocks noGrp="1"/>
+          </p:cNvSpPr>
+          <p:nvPr>
+            <p:ph type="title"/>
+          </p:nvPr>
+        </p:nvSpPr>
+        <p:spPr/>
+        <p:txBody>
+          <a:bodyPr/>
+          <a:lstStyle/>
+          <a:p>
+            <a:r>
+              <a:rPr lang="en-US" altLang="ja-JP" b="1" dirty="0"/>
+              <a:t>3</a:t>
+            </a:r>
+            <a:r>
+              <a:rPr kumimoji="1" lang="en-US" altLang="ja-JP" b="1" dirty="0" smtClean="0"/>
+              <a:t>.</a:t>
+            </a:r>
+            <a:r>
+              <a:rPr kumimoji="1" lang="ja-JP" altLang="en-US" b="1" dirty="0" smtClean="0"/>
+              <a:t>主な</a:t>
+            </a:r>
+            <a:r>
+              <a:rPr lang="ja-JP" altLang="en-US" b="1" dirty="0" smtClean="0"/>
+              <a:t>機能</a:t>
+            </a:r>
+            <a:endParaRPr kumimoji="1" lang="ja-JP" altLang="en-US" b="1" dirty="0"/>
+          </a:p>
+        </p:txBody>
+      </p:sp>
+      <p:sp>
+        <p:nvSpPr>
+          <p:cNvPr id="4" name="スライド番号プレースホルダー 3"/>
+          <p:cNvSpPr>
+            <a:spLocks noGrp="1"/>
+          </p:cNvSpPr>
+          <p:nvPr>
+            <p:ph type="sldNum" sz="quarter" idx="12"/>
+          </p:nvPr>
+        </p:nvSpPr>
+        <p:spPr/>
+        <p:txBody>
+          <a:bodyPr/>
+          <a:lstStyle/>
+          <a:p>
+            <a:fld id="{DBCC0E39-F1DF-4704-BA4C-1FA94645E7DF}" type="slidenum">
+              <a:rPr kumimoji="1" lang="ja-JP" altLang="en-US" smtClean="0"/>
+              <a:t>5</a:t>
+            </a:fld>
+            <a:endParaRPr kumimoji="1" lang="ja-JP" altLang="en-US"/>
+          </a:p>
+        </p:txBody>
+      </p:sp>
+      <p:sp>
+        <p:nvSpPr>
+          <p:cNvPr id="8" name="コンテンツ プレースホルダー 7"/>
+          <p:cNvSpPr>
+            <a:spLocks noGrp="1"/>
+          </p:cNvSpPr>
+          <p:nvPr>
+            <p:ph idx="1"/>
+          </p:nvPr>
+        </p:nvSpPr>
+        <p:spPr/>
+        <p:txBody>
+          <a:bodyPr>
+            <a:normAutofit/>
+          </a:bodyPr>
+          <a:lstStyle/>
+          <a:p>
+            <a:pPr marL="0" indent="0">
+              <a:buNone/>
+            </a:pPr>
+            <a:r>
+              <a:rPr lang="en-US" altLang="ja-JP" sz="4000" dirty="0" smtClean="0"/>
+              <a:t>1. </a:t>
+            </a:r>
+            <a:r>
+              <a:rPr lang="ja-JP" altLang="en-US" sz="4000" dirty="0" smtClean="0"/>
+              <a:t>トップページの表示</a:t>
+            </a:r>
+            <a:endParaRPr lang="en-US" altLang="ja-JP" sz="4000" dirty="0" smtClean="0"/>
+          </a:p>
+          <a:p>
+            <a:pPr marL="0" indent="0">
+              <a:buNone/>
+            </a:pPr>
+            <a:r>
+              <a:rPr kumimoji="1" lang="en-US" altLang="ja-JP" sz="4000" dirty="0" smtClean="0"/>
+              <a:t>2. Twitter</a:t>
+            </a:r>
+            <a:r>
+              <a:rPr lang="ja-JP" altLang="en-US" sz="4000" dirty="0" smtClean="0"/>
+              <a:t> </a:t>
+            </a:r>
+            <a:r>
+              <a:rPr kumimoji="1" lang="en-US" altLang="ja-JP" sz="4000" dirty="0" smtClean="0"/>
+              <a:t>API</a:t>
+            </a:r>
+            <a:r>
+              <a:rPr kumimoji="1" lang="ja-JP" altLang="en-US" sz="4000" dirty="0" smtClean="0"/>
+              <a:t>の実装</a:t>
+            </a:r>
+            <a:endParaRPr kumimoji="1" lang="en-US" altLang="ja-JP" sz="4000" dirty="0" smtClean="0"/>
+          </a:p>
+          <a:p>
+            <a:pPr marL="0" indent="0">
+              <a:buNone/>
+            </a:pPr>
+            <a:r>
+              <a:rPr lang="en-US" altLang="ja-JP" sz="4000" dirty="0" smtClean="0"/>
+              <a:t>3. </a:t>
+            </a:r>
+            <a:r>
+              <a:rPr lang="ja-JP" altLang="en-US" sz="4000" dirty="0" smtClean="0"/>
+              <a:t>過去問・シラバスの表示</a:t>
+            </a:r>
+            <a:endParaRPr lang="en-US" altLang="ja-JP" sz="4000" dirty="0" smtClean="0"/>
+          </a:p>
+          <a:p>
+            <a:pPr marL="0" indent="0">
+              <a:buNone/>
+            </a:pPr>
+            <a:r>
+              <a:rPr lang="en-US" altLang="ja-JP" sz="4000" dirty="0" smtClean="0"/>
+              <a:t>4. </a:t>
+            </a:r>
+            <a:r>
+              <a:rPr lang="ja-JP" altLang="en-US" sz="4000" dirty="0" smtClean="0"/>
+              <a:t>各</a:t>
+            </a:r>
+            <a:r>
+              <a:rPr kumimoji="1" lang="ja-JP" altLang="en-US" sz="4000" dirty="0" smtClean="0"/>
+              <a:t>成果物の表示</a:t>
+            </a:r>
+            <a:endParaRPr kumimoji="1" lang="en-US" altLang="ja-JP" sz="4000" dirty="0" smtClean="0"/>
+          </a:p>
+          <a:p>
+            <a:pPr marL="0" indent="0">
+              <a:buNone/>
+            </a:pPr>
+            <a:r>
+              <a:rPr lang="en-US" altLang="ja-JP" sz="4000" dirty="0" smtClean="0"/>
+              <a:t>5. </a:t>
+            </a:r>
+            <a:r>
+              <a:rPr lang="ja-JP" altLang="en-US" sz="4000" dirty="0" smtClean="0"/>
+              <a:t>時間割の表示</a:t>
+            </a:r>
+            <a:endParaRPr kumimoji="1" lang="ja-JP" altLang="en-US" sz="4000" dirty="0"/>
+          </a:p>
+        </p:txBody>
+      </p:sp>
+    </p:spTree>
+    <p:extLst>
+      <p:ext uri="{BB962C8B-B14F-4D97-AF65-F5344CB8AC3E}">
+        <p14:creationId xmlns:p14="http://schemas.microsoft.com/office/powerpoint/2010/main" val="2821163146"/>
+      </p:ext>
+    </p:extLst>
+  </p:cSld>
+  <p:clrMapOvr>
+    <a:masterClrMapping/>
+  </p:clrMapOvr>
+  <p:timing>
+    <p:tnLst>
+      <p:par>
+        <p:cTn id="1" dur="indefinite" restart="never" nodeType="tmRoot"/>
+      </p:par>
+    </p:tnLst>
+  </p:timing>
+</p:sld>
+</file>
+
+<file path=ppt/slides/slide6.xml><?xml version="1.0" encoding="utf-8"?>
+<p:sld xmlns:a="http://schemas.openxmlformats.org/drawingml/2006/main" xmlns:r="http://schemas.openxmlformats.org/officeDocument/2006/relationships" xmlns:p="http://schemas.openxmlformats.org/presentationml/2006/main">
+  <p:cSld>
+    <p:spTree>
+      <p:nvGrpSpPr>
+        <p:cNvPr id="1" name=""/>
+        <p:cNvGrpSpPr/>
+        <p:nvPr/>
+      </p:nvGrpSpPr>
+      <p:grpSpPr>
+        <a:xfrm>
+          <a:off x="0" y="0"/>
+          <a:ext cx="0" cy="0"/>
+          <a:chOff x="0" y="0"/>
+          <a:chExt cx="0" cy="0"/>
+        </a:xfrm>
+      </p:grpSpPr>
+      <p:sp>
+        <p:nvSpPr>
+          <p:cNvPr id="4" name="スライド番号プレースホルダー 3"/>
+          <p:cNvSpPr>
+            <a:spLocks noGrp="1"/>
+          </p:cNvSpPr>
+          <p:nvPr>
+            <p:ph type="sldNum" sz="quarter" idx="12"/>
+          </p:nvPr>
+        </p:nvSpPr>
+        <p:spPr/>
+        <p:txBody>
+          <a:bodyPr/>
+          <a:lstStyle/>
+          <a:p>
+            <a:fld id="{DBCC0E39-F1DF-4704-BA4C-1FA94645E7DF}" type="slidenum">
+              <a:rPr kumimoji="1" lang="ja-JP" altLang="en-US" smtClean="0"/>
+              <a:t>6</a:t>
+            </a:fld>
+            <a:endParaRPr kumimoji="1" lang="ja-JP" altLang="en-US"/>
+          </a:p>
+        </p:txBody>
+      </p:sp>
+      <p:sp>
+        <p:nvSpPr>
+          <p:cNvPr id="5" name="正方形/長方形 4"/>
+          <p:cNvSpPr/>
+          <p:nvPr/>
+        </p:nvSpPr>
+        <p:spPr>
+          <a:xfrm>
+            <a:off x="4258493" y="2834640"/>
+            <a:ext cx="3350828" cy="923330"/>
+          </a:xfrm>
+          <a:prstGeom prst="rect">
+            <a:avLst/>
+          </a:prstGeom>
+        </p:spPr>
+        <p:txBody>
+          <a:bodyPr wrap="square">
+            <a:spAutoFit/>
+          </a:bodyPr>
+          <a:lstStyle/>
+          <a:p>
+            <a:pPr algn="ctr"/>
+            <a:r>
+              <a:rPr lang="ja-JP" altLang="en-US" sz="5400" b="1" dirty="0"/>
+              <a:t>試作品</a:t>
+            </a:r>
+            <a:endParaRPr lang="ja-JP" altLang="en-US" sz="5400" b="1" dirty="0"/>
+          </a:p>
+        </p:txBody>
+      </p:sp>
+    </p:spTree>
+    <p:extLst>
+      <p:ext uri="{BB962C8B-B14F-4D97-AF65-F5344CB8AC3E}">
+        <p14:creationId xmlns:p14="http://schemas.microsoft.com/office/powerpoint/2010/main" val="1235035029"/>
+      </p:ext>
+    </p:extLst>
+  </p:cSld>
+  <p:clrMapOvr>
+    <a:masterClrMapping/>
+  </p:clrMapOvr>
+  <p:timing>
+    <p:tnLst>
+      <p:par>
+        <p:cTn id="1" dur="indefinite" restart="never" nodeType="tmRoot"/>
+      </p:par>
+    </p:tnLst>
+  </p:timing>
+</p:sld>
+</file>
+
+<file path=ppt/slides/slide7.xml><?xml version="1.0" encoding="utf-8"?>
+<p:sld xmlns:a="http://schemas.openxmlformats.org/drawingml/2006/main" xmlns:r="http://schemas.openxmlformats.org/officeDocument/2006/relationships" xmlns:p="http://schemas.openxmlformats.org/presentationml/2006/main">
+  <p:cSld>
+    <p:spTree>
+      <p:nvGrpSpPr>
+        <p:cNvPr id="1" name=""/>
+        <p:cNvGrpSpPr/>
+        <p:nvPr/>
+      </p:nvGrpSpPr>
+      <p:grpSpPr>
+        <a:xfrm>
+          <a:off x="0" y="0"/>
+          <a:ext cx="0" cy="0"/>
+          <a:chOff x="0" y="0"/>
+          <a:chExt cx="0" cy="0"/>
+        </a:xfrm>
+      </p:grpSpPr>
+      <p:sp>
+        <p:nvSpPr>
+          <p:cNvPr id="2" name="タイトル 1"/>
+          <p:cNvSpPr>
+            <a:spLocks noGrp="1"/>
+          </p:cNvSpPr>
+          <p:nvPr>
+            <p:ph type="title"/>
+          </p:nvPr>
+        </p:nvSpPr>
+        <p:spPr/>
+        <p:txBody>
+          <a:bodyPr/>
+          <a:lstStyle/>
+          <a:p>
+            <a:r>
+              <a:rPr lang="en-US" altLang="ja-JP" b="1" dirty="0"/>
+              <a:t>4</a:t>
+            </a:r>
+            <a:r>
+              <a:rPr lang="en-US" altLang="ja-JP" b="1" dirty="0" smtClean="0"/>
+              <a:t>.</a:t>
+            </a:r>
+            <a:r>
+              <a:rPr lang="ja-JP" altLang="en-US" b="1" dirty="0" smtClean="0"/>
+              <a:t>選択したチーム課題</a:t>
+            </a:r>
+            <a:endParaRPr kumimoji="1" lang="ja-JP" altLang="en-US" b="1" dirty="0">
+              <a:ea typeface="HGP創英角ｺﾞｼｯｸUB" panose="020B0900000000000000" pitchFamily="50" charset="-128"/>
+            </a:endParaRPr>
+          </a:p>
+        </p:txBody>
+      </p:sp>
+      <p:sp>
+        <p:nvSpPr>
+          <p:cNvPr id="3" name="コンテンツ プレースホルダー 2"/>
+          <p:cNvSpPr>
+            <a:spLocks noGrp="1"/>
+          </p:cNvSpPr>
+          <p:nvPr>
+            <p:ph idx="1"/>
+          </p:nvPr>
+        </p:nvSpPr>
+        <p:spPr/>
+        <p:txBody>
+          <a:bodyPr>
+            <a:normAutofit/>
+          </a:bodyPr>
+          <a:lstStyle/>
+          <a:p>
+            <a:endParaRPr kumimoji="1" lang="en-US" altLang="ja-JP" sz="4400" dirty="0" smtClean="0"/>
+          </a:p>
+          <a:p>
+            <a:pPr marL="0" indent="0" algn="ctr">
+              <a:lnSpc>
+                <a:spcPct val="150000"/>
+              </a:lnSpc>
+              <a:buNone/>
+            </a:pPr>
+            <a:r>
+              <a:rPr kumimoji="1" lang="ja-JP" altLang="en-US" sz="4400" dirty="0" smtClean="0"/>
+              <a:t>管理系 </a:t>
+            </a:r>
+            <a:r>
+              <a:rPr kumimoji="1" lang="en-US" altLang="ja-JP" sz="4400" dirty="0" smtClean="0"/>
+              <a:t>… </a:t>
+            </a:r>
+            <a:r>
+              <a:rPr kumimoji="1" lang="ja-JP" altLang="en-US" sz="4400" dirty="0" smtClean="0"/>
+              <a:t>アジャイル開発の</a:t>
+            </a:r>
+            <a:r>
+              <a:rPr kumimoji="1" lang="ja-JP" altLang="en-US" sz="4400" dirty="0" smtClean="0"/>
+              <a:t>導入</a:t>
+            </a:r>
+            <a:endParaRPr kumimoji="1" lang="en-US" altLang="ja-JP" sz="4400" dirty="0" smtClean="0"/>
+          </a:p>
+          <a:p>
+            <a:pPr marL="0" indent="0" algn="ctr">
+              <a:lnSpc>
+                <a:spcPct val="150000"/>
+              </a:lnSpc>
+              <a:buNone/>
+            </a:pPr>
+            <a:r>
+              <a:rPr lang="ja-JP" altLang="en-US" sz="2000" dirty="0" smtClean="0"/>
+              <a:t>（開発を重点に</a:t>
+            </a:r>
+            <a:r>
+              <a:rPr lang="ja-JP" altLang="en-US" sz="2000" dirty="0"/>
+              <a:t>置</a:t>
+            </a:r>
+            <a:r>
+              <a:rPr lang="ja-JP" altLang="en-US" sz="2000" dirty="0" smtClean="0"/>
+              <a:t>くため）</a:t>
+            </a:r>
+            <a:endParaRPr kumimoji="1" lang="en-US" altLang="ja-JP" sz="2000" dirty="0" smtClean="0"/>
+          </a:p>
+          <a:p>
+            <a:pPr marL="0" indent="0" algn="ctr">
+              <a:lnSpc>
+                <a:spcPct val="150000"/>
+              </a:lnSpc>
+              <a:buNone/>
+            </a:pPr>
+            <a:r>
+              <a:rPr lang="ja-JP" altLang="en-US" sz="4400" dirty="0" smtClean="0"/>
+              <a:t>技術系 </a:t>
+            </a:r>
+            <a:r>
+              <a:rPr lang="en-US" altLang="ja-JP" sz="4400" dirty="0" smtClean="0"/>
+              <a:t>… </a:t>
+            </a:r>
+            <a:r>
+              <a:rPr lang="ja-JP" altLang="en-US" sz="4400" dirty="0" smtClean="0"/>
+              <a:t>外部</a:t>
+            </a:r>
+            <a:r>
+              <a:rPr lang="en-US" altLang="ja-JP" sz="4400" dirty="0" smtClean="0"/>
+              <a:t>API</a:t>
+            </a:r>
+            <a:r>
+              <a:rPr lang="ja-JP" altLang="en-US" sz="4400" dirty="0" smtClean="0"/>
+              <a:t>を利用した</a:t>
+            </a:r>
+            <a:r>
+              <a:rPr lang="ja-JP" altLang="en-US" sz="4400" dirty="0" smtClean="0"/>
+              <a:t>実装</a:t>
+            </a:r>
+            <a:endParaRPr lang="en-US" altLang="ja-JP" sz="4400" dirty="0" smtClean="0"/>
+          </a:p>
+          <a:p>
+            <a:pPr marL="0" indent="0" algn="ctr">
+              <a:lnSpc>
+                <a:spcPct val="150000"/>
+              </a:lnSpc>
+              <a:buNone/>
+            </a:pPr>
+            <a:r>
+              <a:rPr kumimoji="1" lang="ja-JP" altLang="en-US" sz="2000" dirty="0" smtClean="0"/>
+              <a:t>（周知度を高める、情報提供を狙っているため）</a:t>
+            </a:r>
+            <a:endParaRPr kumimoji="1" lang="ja-JP" altLang="en-US" sz="2000" dirty="0"/>
+          </a:p>
+        </p:txBody>
+      </p:sp>
+    </p:spTree>
+    <p:extLst>
+      <p:ext uri="{BB962C8B-B14F-4D97-AF65-F5344CB8AC3E}">
+        <p14:creationId xmlns:p14="http://schemas.microsoft.com/office/powerpoint/2010/main" val="2144897642"/>
+      </p:ext>
+    </p:extLst>
+  </p:cSld>
+  <p:clrMapOvr>
+    <a:masterClrMapping/>
+  </p:clrMapOvr>
+  <p:timing>
+    <p:tnLst>
+      <p:par>
+        <p:cTn id="1" dur="indefinite" restart="never" nodeType="tmRoot"/>
+      </p:par>
+    </p:tnLst>
+  </p:timing>
+</p:sld>
+</file>
+
+<file path=ppt/slides/slide8.xml><?xml version="1.0" encoding="utf-8"?>
+<p:sld xmlns:a="http://schemas.openxmlformats.org/drawingml/2006/main" xmlns:r="http://schemas.openxmlformats.org/officeDocument/2006/relationships" xmlns:p="http://schemas.openxmlformats.org/presentationml/2006/main">
+  <p:cSld>
+    <p:spTree>
+      <p:nvGrpSpPr>
+        <p:cNvPr id="1" name=""/>
+        <p:cNvGrpSpPr/>
+        <p:nvPr/>
+      </p:nvGrpSpPr>
+      <p:grpSpPr>
+        <a:xfrm>
+          <a:off x="0" y="0"/>
+          <a:ext cx="0" cy="0"/>
+          <a:chOff x="0" y="0"/>
+          <a:chExt cx="0" cy="0"/>
+        </a:xfrm>
+      </p:grpSpPr>
+      <p:sp>
+        <p:nvSpPr>
+          <p:cNvPr id="2" name="タイトル 1"/>
+          <p:cNvSpPr>
+            <a:spLocks noGrp="1"/>
+          </p:cNvSpPr>
+          <p:nvPr>
+            <p:ph type="title"/>
+          </p:nvPr>
+        </p:nvSpPr>
+        <p:spPr/>
+        <p:txBody>
+          <a:bodyPr/>
+          <a:lstStyle/>
+          <a:p>
+            <a:r>
+              <a:rPr lang="en-US" altLang="ja-JP" b="1" dirty="0"/>
+              <a:t>5</a:t>
+            </a:r>
+            <a:r>
+              <a:rPr kumimoji="1" lang="en-US" altLang="ja-JP" b="1" dirty="0" smtClean="0"/>
+              <a:t>.</a:t>
+            </a:r>
+            <a:r>
+              <a:rPr kumimoji="1" lang="ja-JP" altLang="en-US" b="1" dirty="0" smtClean="0"/>
+              <a:t>進捗管理の方法</a:t>
+            </a:r>
+            <a:endParaRPr kumimoji="1" lang="ja-JP" altLang="en-US" b="1" dirty="0"/>
+          </a:p>
+        </p:txBody>
+      </p:sp>
+      <p:sp>
+        <p:nvSpPr>
+          <p:cNvPr id="3" name="コンテンツ プレースホルダー 2"/>
+          <p:cNvSpPr>
+            <a:spLocks noGrp="1"/>
+          </p:cNvSpPr>
+          <p:nvPr>
+            <p:ph idx="1"/>
+          </p:nvPr>
+        </p:nvSpPr>
+        <p:spPr>
+          <a:xfrm>
+            <a:off x="838200" y="1828799"/>
+            <a:ext cx="10515600" cy="4348163"/>
+          </a:xfrm>
+        </p:spPr>
+        <p:txBody>
+          <a:bodyPr>
+            <a:normAutofit/>
+          </a:bodyPr>
+          <a:lstStyle/>
+          <a:p>
+            <a:pPr marL="0" indent="0">
+              <a:lnSpc>
+                <a:spcPct val="150000"/>
+              </a:lnSpc>
+              <a:buNone/>
+            </a:pPr>
+            <a:r>
+              <a:rPr lang="ja-JP" altLang="en-US" sz="3200" b="1" dirty="0" smtClean="0"/>
+              <a:t>アジャイル開発では、進捗管理にバーンアップチャートを用いる。</a:t>
+            </a:r>
+            <a:endParaRPr lang="en-US" altLang="ja-JP" sz="3200" b="1" dirty="0" smtClean="0"/>
+          </a:p>
+          <a:p>
+            <a:pPr marL="0" indent="0">
+              <a:lnSpc>
+                <a:spcPct val="150000"/>
+              </a:lnSpc>
+              <a:buNone/>
+            </a:pPr>
+            <a:r>
+              <a:rPr lang="ja-JP" altLang="en-US" sz="3200" b="1" dirty="0" smtClean="0"/>
+              <a:t>プロジェクトの状況を可視化するツールであり、</a:t>
+            </a:r>
+            <a:endParaRPr lang="en-US" altLang="ja-JP" sz="3200" b="1" dirty="0" smtClean="0"/>
+          </a:p>
+          <a:p>
+            <a:pPr marL="0" indent="0">
+              <a:lnSpc>
+                <a:spcPct val="150000"/>
+              </a:lnSpc>
+              <a:buNone/>
+            </a:pPr>
+            <a:r>
+              <a:rPr lang="ja-JP" altLang="en-US" sz="3200" b="1" dirty="0"/>
+              <a:t>機能</a:t>
+            </a:r>
+            <a:r>
+              <a:rPr lang="ja-JP" altLang="en-US" sz="3200" b="1" dirty="0" smtClean="0"/>
+              <a:t>の実装速度や残作業量、完了日が一目でわかる。</a:t>
+            </a:r>
+            <a:endParaRPr lang="en-US" altLang="ja-JP" sz="3200" b="1" dirty="0"/>
+          </a:p>
+          <a:p>
+            <a:pPr marL="0" indent="0">
+              <a:lnSpc>
+                <a:spcPct val="150000"/>
+              </a:lnSpc>
+              <a:buNone/>
+            </a:pPr>
+            <a:r>
+              <a:rPr lang="en-US" altLang="ja-JP" sz="3200" b="1" dirty="0" smtClean="0"/>
+              <a:t>1</a:t>
+            </a:r>
+            <a:r>
+              <a:rPr lang="ja-JP" altLang="en-US" sz="3200" b="1" dirty="0" smtClean="0"/>
+              <a:t>スプリントごとに更新す</a:t>
+            </a:r>
+            <a:r>
+              <a:rPr lang="ja-JP" altLang="en-US" sz="3200" b="1" dirty="0"/>
+              <a:t>る</a:t>
+            </a:r>
+            <a:r>
+              <a:rPr lang="ja-JP" altLang="en-US" sz="3200" b="1" dirty="0" smtClean="0"/>
+              <a:t>。</a:t>
+            </a:r>
+            <a:endParaRPr lang="en-US" altLang="ja-JP" sz="3200" b="1" dirty="0" smtClean="0"/>
+          </a:p>
+        </p:txBody>
+      </p:sp>
+    </p:spTree>
+    <p:extLst>
+      <p:ext uri="{BB962C8B-B14F-4D97-AF65-F5344CB8AC3E}">
+        <p14:creationId xmlns:p14="http://schemas.microsoft.com/office/powerpoint/2010/main" val="3584214275"/>
+      </p:ext>
+    </p:extLst>
+  </p:cSld>
+  <p:clrMapOvr>
+    <a:masterClrMapping/>
+  </p:clrMapOvr>
+  <mc:AlternateContent xmlns:mc="http://schemas.openxmlformats.org/markup-compatibility/2006" xmlns:p14="http://schemas.microsoft.com/office/powerpoint/2010/main">
+    <mc:Choice Requires="p14">
+      <p:transition p14:dur="0"/>
+    </mc:Choice>
+    <mc:Fallback xmlns="">
+      <p:transition/>
+    </mc:Fallback>
+  </mc:AlternateContent>
+  <p:timing>
+    <p:tnLst>
+      <p:par>
+        <p:cTn id="1" dur="indefinite" restart="never" nodeType="tmRoot"/>
+      </p:par>
+    </p:tnLst>
+  </p:timing>
+</p:sld>
+</file>
+
+<file path=ppt/slides/slide9.xml><?xml version="1.0" encoding="utf-8"?>
+<p:sld xmlns:a="http://schemas.openxmlformats.org/drawingml/2006/main" xmlns:r="http://schemas.openxmlformats.org/officeDocument/2006/relationships" xmlns:p="http://schemas.openxmlformats.org/presentationml/2006/main">
+  <p:cSld>
+    <p:spTree>
+      <p:nvGrpSpPr>
+        <p:cNvPr id="1" name=""/>
+        <p:cNvGrpSpPr/>
+        <p:nvPr/>
+      </p:nvGrpSpPr>
+      <p:grpSpPr>
+        <a:xfrm>
+          <a:off x="0" y="0"/>
+          <a:ext cx="0" cy="0"/>
+          <a:chOff x="0" y="0"/>
+          <a:chExt cx="0" cy="0"/>
+        </a:xfrm>
+      </p:grpSpPr>
+      <p:sp>
+        <p:nvSpPr>
+          <p:cNvPr id="2" name="タイトル 1"/>
+          <p:cNvSpPr>
+            <a:spLocks noGrp="1"/>
+          </p:cNvSpPr>
+          <p:nvPr>
+            <p:ph type="title"/>
+          </p:nvPr>
+        </p:nvSpPr>
+        <p:spPr/>
+        <p:txBody>
+          <a:bodyPr/>
+          <a:lstStyle/>
+          <a:p>
+            <a:r>
+              <a:rPr lang="en-US" altLang="ja-JP" b="1" dirty="0" smtClean="0"/>
+              <a:t>5</a:t>
+            </a:r>
+            <a:r>
+              <a:rPr kumimoji="1" lang="en-US" altLang="ja-JP" b="1" dirty="0" smtClean="0"/>
+              <a:t>.</a:t>
+            </a:r>
+            <a:r>
+              <a:rPr lang="ja-JP" altLang="en-US" b="1" dirty="0" smtClean="0"/>
+              <a:t>進捗管理の方法</a:t>
+            </a:r>
+            <a:endParaRPr kumimoji="1" lang="ja-JP" altLang="en-US" b="1" dirty="0"/>
+          </a:p>
+        </p:txBody>
+      </p:sp>
+      <p:graphicFrame>
+        <p:nvGraphicFramePr>
+          <p:cNvPr id="4" name="表 3"/>
+          <p:cNvGraphicFramePr>
+            <a:graphicFrameLocks noGrp="1"/>
+          </p:cNvGraphicFramePr>
+          <p:nvPr>
+            <p:extLst>
+              <p:ext uri="{D42A27DB-BD31-4B8C-83A1-F6EECF244321}">
+                <p14:modId xmlns:p14="http://schemas.microsoft.com/office/powerpoint/2010/main" val="2527773818"/>
+              </p:ext>
+            </p:extLst>
+          </p:nvPr>
+        </p:nvGraphicFramePr>
+        <p:xfrm>
+          <a:off x="2447925" y="1903303"/>
+          <a:ext cx="7296149" cy="3839515"/>
+        </p:xfrm>
+        <a:graphic>
+          <a:graphicData uri="http://schemas.openxmlformats.org/drawingml/2006/table">
+            <a:tbl>
+              <a:tblPr firstRow="1" bandRow="1">
+                <a:tableStyleId>{5C22544A-7EE6-4342-B048-85BDC9FD1C3A}</a:tableStyleId>
+              </a:tblPr>
+              <a:tblGrid>
+                <a:gridCol w="2405614">
+                  <a:extLst>
+                    <a:ext uri="{9D8B030D-6E8A-4147-A177-3AD203B41FA5}">
+                      <a16:colId xmlns:a16="http://schemas.microsoft.com/office/drawing/2014/main" val="301707538"/>
+                    </a:ext>
+                  </a:extLst>
+                </a:gridCol>
+                <a:gridCol w="2354022">
+                  <a:extLst>
+                    <a:ext uri="{9D8B030D-6E8A-4147-A177-3AD203B41FA5}">
+                      <a16:colId xmlns:a16="http://schemas.microsoft.com/office/drawing/2014/main" val="3229960533"/>
+                    </a:ext>
+                  </a:extLst>
+                </a:gridCol>
+                <a:gridCol w="2536513">
+                  <a:extLst>
+                    <a:ext uri="{9D8B030D-6E8A-4147-A177-3AD203B41FA5}">
+                      <a16:colId xmlns:a16="http://schemas.microsoft.com/office/drawing/2014/main" val="820344272"/>
+                    </a:ext>
+                  </a:extLst>
+                </a:gridCol>
+              </a:tblGrid>
+              <a:tr h="875964">
+                <a:tc>
+                  <a:txBody>
+                    <a:bodyPr/>
+                    <a:lstStyle/>
+                    <a:p>
+                      <a:pPr algn="ctr">
+                        <a:lnSpc>
+                          <a:spcPct val="150000"/>
+                        </a:lnSpc>
+                      </a:pPr>
+                      <a:r>
+                        <a:rPr kumimoji="1" lang="ja-JP" altLang="en-US" b="1" dirty="0" smtClean="0"/>
+                        <a:t>要件</a:t>
+                      </a:r>
+                      <a:endParaRPr kumimoji="1" lang="ja-JP" altLang="en-US" b="1" dirty="0"/>
+                    </a:p>
+                  </a:txBody>
+                  <a:tcPr/>
+                </a:tc>
+                <a:tc>
+                  <a:txBody>
+                    <a:bodyPr/>
+                    <a:lstStyle/>
+                    <a:p>
+                      <a:pPr algn="ctr">
+                        <a:lnSpc>
+                          <a:spcPct val="150000"/>
+                        </a:lnSpc>
+                      </a:pPr>
+                      <a:r>
+                        <a:rPr kumimoji="1" lang="ja-JP" altLang="en-US" b="1" dirty="0" smtClean="0"/>
+                        <a:t>見積り時間</a:t>
+                      </a:r>
+                      <a:endParaRPr kumimoji="1" lang="ja-JP" altLang="en-US" b="1" dirty="0"/>
+                    </a:p>
+                  </a:txBody>
+                  <a:tcPr/>
+                </a:tc>
+                <a:tc>
+                  <a:txBody>
+                    <a:bodyPr/>
+                    <a:lstStyle/>
+                    <a:p>
+                      <a:pPr marL="0" marR="0" indent="0" algn="ctr" defTabSz="914400" rtl="0" eaLnBrk="1" fontAlgn="auto" latinLnBrk="0" hangingPunct="1">
+                        <a:lnSpc>
+                          <a:spcPct val="150000"/>
+                        </a:lnSpc>
+                        <a:spcBef>
+                          <a:spcPts val="0"/>
+                        </a:spcBef>
+                        <a:spcAft>
+                          <a:spcPts val="0"/>
+                        </a:spcAft>
+                        <a:buClrTx/>
+                        <a:buSzTx/>
+                        <a:buFontTx/>
+                        <a:buNone/>
+                        <a:tabLst/>
+                        <a:defRPr/>
+                      </a:pPr>
+                      <a:r>
+                        <a:rPr kumimoji="1" lang="ja-JP" altLang="en-US" b="1" dirty="0" smtClean="0"/>
+                        <a:t>優先順位</a:t>
+                      </a:r>
+                    </a:p>
+                  </a:txBody>
+                  <a:tcPr/>
+                </a:tc>
+                <a:extLst>
+                  <a:ext uri="{0D108BD9-81ED-4DB2-BD59-A6C34878D82A}">
+                    <a16:rowId xmlns:a16="http://schemas.microsoft.com/office/drawing/2014/main" val="331362158"/>
+                  </a:ext>
+                </a:extLst>
+              </a:tr>
+              <a:tr h="498283">
+                <a:tc>
+                  <a:txBody>
+                    <a:bodyPr/>
+                    <a:lstStyle/>
+                    <a:p>
+                      <a:pPr marL="0" marR="0" indent="0" algn="l" defTabSz="914400" rtl="0" eaLnBrk="1" fontAlgn="auto" latinLnBrk="0" hangingPunct="1">
+                        <a:lnSpc>
+                          <a:spcPct val="100000"/>
+                        </a:lnSpc>
+                        <a:spcBef>
+                          <a:spcPts val="0"/>
+                        </a:spcBef>
+                        <a:spcAft>
+                          <a:spcPts val="0"/>
+                        </a:spcAft>
+                        <a:buClrTx/>
+                        <a:buSzTx/>
+                        <a:buFontTx/>
+                        <a:buNone/>
+                        <a:tabLst/>
+                        <a:defRPr/>
+                      </a:pPr>
+                      <a:r>
+                        <a:rPr lang="ja-JP" altLang="en-US" b="1" dirty="0" smtClean="0"/>
+                        <a:t>トップページ</a:t>
+                      </a:r>
+                      <a:endParaRPr lang="en-US" altLang="ja-JP" b="1" dirty="0" smtClean="0"/>
+                    </a:p>
+                    <a:p>
+                      <a:endParaRPr kumimoji="1" lang="ja-JP" altLang="en-US" b="1" dirty="0"/>
+                    </a:p>
+                  </a:txBody>
+                  <a:tcPr/>
+                </a:tc>
+                <a:tc>
+                  <a:txBody>
+                    <a:bodyPr/>
+                    <a:lstStyle/>
+                    <a:p>
+                      <a:pPr algn="r"/>
+                      <a:r>
+                        <a:rPr kumimoji="1" lang="en-US" altLang="ja-JP" b="1" dirty="0" smtClean="0"/>
+                        <a:t>20</a:t>
+                      </a:r>
+                      <a:endParaRPr kumimoji="1" lang="ja-JP" altLang="en-US" b="1" dirty="0"/>
+                    </a:p>
+                  </a:txBody>
+                  <a:tcPr/>
+                </a:tc>
+                <a:tc>
+                  <a:txBody>
+                    <a:bodyPr/>
+                    <a:lstStyle/>
+                    <a:p>
+                      <a:pPr algn="r"/>
+                      <a:r>
+                        <a:rPr kumimoji="1" lang="en-US" altLang="ja-JP" b="1" dirty="0" smtClean="0"/>
+                        <a:t>1</a:t>
+                      </a:r>
+                      <a:endParaRPr kumimoji="1" lang="ja-JP" altLang="en-US" b="1" dirty="0"/>
+                    </a:p>
+                  </a:txBody>
+                  <a:tcPr/>
+                </a:tc>
+                <a:extLst>
+                  <a:ext uri="{0D108BD9-81ED-4DB2-BD59-A6C34878D82A}">
+                    <a16:rowId xmlns:a16="http://schemas.microsoft.com/office/drawing/2014/main" val="3897752923"/>
+                  </a:ext>
+                </a:extLst>
+              </a:tr>
+              <a:tr h="450521">
+                <a:tc>
+                  <a:txBody>
+                    <a:bodyPr/>
+                    <a:lstStyle/>
+                    <a:p>
+                      <a:pPr marL="0" marR="0" indent="0" algn="l" defTabSz="914400" rtl="0" eaLnBrk="1" fontAlgn="auto" latinLnBrk="0" hangingPunct="1">
+                        <a:lnSpc>
+                          <a:spcPct val="100000"/>
+                        </a:lnSpc>
+                        <a:spcBef>
+                          <a:spcPts val="0"/>
+                        </a:spcBef>
+                        <a:spcAft>
+                          <a:spcPts val="0"/>
+                        </a:spcAft>
+                        <a:buClrTx/>
+                        <a:buSzTx/>
+                        <a:buFontTx/>
+                        <a:buNone/>
+                        <a:tabLst/>
+                        <a:defRPr/>
+                      </a:pPr>
+                      <a:r>
+                        <a:rPr lang="en-US" altLang="ja-JP" b="1" dirty="0" smtClean="0"/>
+                        <a:t>Twitter</a:t>
+                      </a:r>
+                      <a:r>
+                        <a:rPr lang="ja-JP" altLang="en-US" b="1" dirty="0" smtClean="0"/>
+                        <a:t> </a:t>
+                      </a:r>
+                      <a:r>
+                        <a:rPr lang="en-US" altLang="ja-JP" b="1" dirty="0" smtClean="0"/>
+                        <a:t>API</a:t>
+                      </a:r>
+                    </a:p>
+                  </a:txBody>
+                  <a:tcPr/>
+                </a:tc>
+                <a:tc>
+                  <a:txBody>
+                    <a:bodyPr/>
+                    <a:lstStyle/>
+                    <a:p>
+                      <a:pPr algn="r"/>
+                      <a:r>
+                        <a:rPr kumimoji="1" lang="en-US" altLang="ja-JP" b="1" dirty="0" smtClean="0"/>
+                        <a:t>20</a:t>
+                      </a:r>
+                      <a:endParaRPr kumimoji="1" lang="ja-JP" altLang="en-US" b="1" dirty="0"/>
+                    </a:p>
+                  </a:txBody>
+                  <a:tcPr/>
+                </a:tc>
+                <a:tc>
+                  <a:txBody>
+                    <a:bodyPr/>
+                    <a:lstStyle/>
+                    <a:p>
+                      <a:pPr algn="r"/>
+                      <a:r>
+                        <a:rPr kumimoji="1" lang="en-US" altLang="ja-JP" b="1" dirty="0" smtClean="0"/>
+                        <a:t>2</a:t>
+                      </a:r>
+                      <a:endParaRPr kumimoji="1" lang="ja-JP" altLang="en-US" b="1" dirty="0"/>
+                    </a:p>
+                  </a:txBody>
+                  <a:tcPr/>
+                </a:tc>
+                <a:extLst>
+                  <a:ext uri="{0D108BD9-81ED-4DB2-BD59-A6C34878D82A}">
+                    <a16:rowId xmlns:a16="http://schemas.microsoft.com/office/drawing/2014/main" val="3588780552"/>
+                  </a:ext>
+                </a:extLst>
+              </a:tr>
+              <a:tr h="539439">
+                <a:tc>
+                  <a:txBody>
+                    <a:bodyPr/>
+                    <a:lstStyle/>
+                    <a:p>
+                      <a:pPr marL="0" marR="0" indent="0" algn="l" defTabSz="914400" rtl="0" eaLnBrk="1" fontAlgn="auto" latinLnBrk="0" hangingPunct="1">
+                        <a:lnSpc>
+                          <a:spcPct val="100000"/>
+                        </a:lnSpc>
+                        <a:spcBef>
+                          <a:spcPts val="0"/>
+                        </a:spcBef>
+                        <a:spcAft>
+                          <a:spcPts val="0"/>
+                        </a:spcAft>
+                        <a:buClrTx/>
+                        <a:buSzTx/>
+                        <a:buFontTx/>
+                        <a:buNone/>
+                        <a:tabLst/>
+                        <a:defRPr/>
+                      </a:pPr>
+                      <a:r>
+                        <a:rPr lang="ja-JP" altLang="en-US" b="1" dirty="0" smtClean="0"/>
+                        <a:t>過去問・シラバスの表示</a:t>
+                      </a:r>
+                      <a:endParaRPr lang="en-US" altLang="ja-JP" b="1" dirty="0" smtClean="0"/>
+                    </a:p>
+                  </a:txBody>
+                  <a:tcPr/>
+                </a:tc>
+                <a:tc>
+                  <a:txBody>
+                    <a:bodyPr/>
+                    <a:lstStyle/>
+                    <a:p>
+                      <a:pPr algn="r"/>
+                      <a:r>
+                        <a:rPr kumimoji="1" lang="en-US" altLang="ja-JP" b="1" dirty="0" smtClean="0"/>
+                        <a:t>44</a:t>
+                      </a:r>
+                      <a:endParaRPr kumimoji="1" lang="ja-JP" altLang="en-US" b="1" dirty="0"/>
+                    </a:p>
+                  </a:txBody>
+                  <a:tcPr/>
+                </a:tc>
+                <a:tc>
+                  <a:txBody>
+                    <a:bodyPr/>
+                    <a:lstStyle/>
+                    <a:p>
+                      <a:pPr algn="r"/>
+                      <a:r>
+                        <a:rPr kumimoji="1" lang="en-US" altLang="ja-JP" b="1" dirty="0" smtClean="0"/>
+                        <a:t>3</a:t>
+                      </a:r>
+                      <a:endParaRPr kumimoji="1" lang="ja-JP" altLang="en-US" b="1" dirty="0"/>
+                    </a:p>
+                  </a:txBody>
+                  <a:tcPr/>
+                </a:tc>
+                <a:extLst>
+                  <a:ext uri="{0D108BD9-81ED-4DB2-BD59-A6C34878D82A}">
+                    <a16:rowId xmlns:a16="http://schemas.microsoft.com/office/drawing/2014/main" val="398459552"/>
+                  </a:ext>
+                </a:extLst>
+              </a:tr>
+              <a:tr h="592790">
+                <a:tc>
+                  <a:txBody>
+                    <a:bodyPr/>
+                    <a:lstStyle/>
+                    <a:p>
+                      <a:pPr marL="0" marR="0" indent="0" algn="l" defTabSz="914400" rtl="0" eaLnBrk="1" fontAlgn="auto" latinLnBrk="0" hangingPunct="1">
+                        <a:lnSpc>
+                          <a:spcPct val="100000"/>
+                        </a:lnSpc>
+                        <a:spcBef>
+                          <a:spcPts val="0"/>
+                        </a:spcBef>
+                        <a:spcAft>
+                          <a:spcPts val="0"/>
+                        </a:spcAft>
+                        <a:buClrTx/>
+                        <a:buSzTx/>
+                        <a:buFontTx/>
+                        <a:buNone/>
+                        <a:tabLst/>
+                        <a:defRPr/>
+                      </a:pPr>
+                      <a:r>
+                        <a:rPr lang="ja-JP" altLang="en-US" b="1" dirty="0" smtClean="0"/>
+                        <a:t>各成果物の表示</a:t>
+                      </a:r>
+                      <a:endParaRPr kumimoji="1" lang="ja-JP" altLang="en-US" b="1" dirty="0"/>
+                    </a:p>
+                  </a:txBody>
+                  <a:tcPr/>
+                </a:tc>
+                <a:tc>
+                  <a:txBody>
+                    <a:bodyPr/>
+                    <a:lstStyle/>
+                    <a:p>
+                      <a:pPr algn="r"/>
+                      <a:r>
+                        <a:rPr kumimoji="1" lang="en-US" altLang="ja-JP" b="1" dirty="0" smtClean="0"/>
+                        <a:t>40</a:t>
+                      </a:r>
+                      <a:endParaRPr kumimoji="1" lang="ja-JP" altLang="en-US" b="1" dirty="0"/>
+                    </a:p>
+                  </a:txBody>
+                  <a:tcPr/>
+                </a:tc>
+                <a:tc>
+                  <a:txBody>
+                    <a:bodyPr/>
+                    <a:lstStyle/>
+                    <a:p>
+                      <a:pPr algn="r"/>
+                      <a:r>
+                        <a:rPr kumimoji="1" lang="en-US" altLang="ja-JP" b="1" dirty="0" smtClean="0"/>
+                        <a:t>4</a:t>
+                      </a:r>
+                      <a:endParaRPr kumimoji="1" lang="ja-JP" altLang="en-US" b="1" dirty="0"/>
+                    </a:p>
+                  </a:txBody>
+                  <a:tcPr/>
+                </a:tc>
+                <a:extLst>
+                  <a:ext uri="{0D108BD9-81ED-4DB2-BD59-A6C34878D82A}">
+                    <a16:rowId xmlns:a16="http://schemas.microsoft.com/office/drawing/2014/main" val="143611511"/>
+                  </a:ext>
+                </a:extLst>
+              </a:tr>
+              <a:tr h="566497">
+                <a:tc>
+                  <a:txBody>
+                    <a:bodyPr/>
+                    <a:lstStyle/>
+                    <a:p>
+                      <a:pPr marL="0" marR="0" indent="0" algn="l" defTabSz="914400" rtl="0" eaLnBrk="1" fontAlgn="auto" latinLnBrk="0" hangingPunct="1">
+                        <a:lnSpc>
+                          <a:spcPct val="100000"/>
+                        </a:lnSpc>
+                        <a:spcBef>
+                          <a:spcPts val="0"/>
+                        </a:spcBef>
+                        <a:spcAft>
+                          <a:spcPts val="0"/>
+                        </a:spcAft>
+                        <a:buClrTx/>
+                        <a:buSzTx/>
+                        <a:buFontTx/>
+                        <a:buNone/>
+                        <a:tabLst/>
+                        <a:defRPr/>
+                      </a:pPr>
+                      <a:r>
+                        <a:rPr lang="ja-JP" altLang="en-US" b="1" dirty="0" smtClean="0"/>
+                        <a:t>時間割の表示</a:t>
+                      </a:r>
+                    </a:p>
+                    <a:p>
+                      <a:endParaRPr kumimoji="1" lang="ja-JP" altLang="en-US" b="1" dirty="0"/>
+                    </a:p>
+                  </a:txBody>
+                  <a:tcPr/>
+                </a:tc>
+                <a:tc>
+                  <a:txBody>
+                    <a:bodyPr/>
+                    <a:lstStyle/>
+                    <a:p>
+                      <a:pPr algn="r"/>
+                      <a:r>
+                        <a:rPr kumimoji="1" lang="en-US" altLang="ja-JP" b="1" dirty="0" smtClean="0"/>
+                        <a:t>4</a:t>
+                      </a:r>
+                      <a:endParaRPr kumimoji="1" lang="ja-JP" altLang="en-US" b="1" dirty="0"/>
+                    </a:p>
+                  </a:txBody>
+                  <a:tcPr/>
+                </a:tc>
+                <a:tc>
+                  <a:txBody>
+                    <a:bodyPr/>
+                    <a:lstStyle/>
+                    <a:p>
+                      <a:pPr algn="r"/>
+                      <a:r>
+                        <a:rPr kumimoji="1" lang="en-US" altLang="ja-JP" b="1" dirty="0" smtClean="0"/>
+                        <a:t>5</a:t>
+                      </a:r>
+                      <a:endParaRPr kumimoji="1" lang="ja-JP" altLang="en-US" b="1" dirty="0"/>
+                    </a:p>
+                  </a:txBody>
+                  <a:tcPr/>
+                </a:tc>
+                <a:extLst>
+                  <a:ext uri="{0D108BD9-81ED-4DB2-BD59-A6C34878D82A}">
+                    <a16:rowId xmlns:a16="http://schemas.microsoft.com/office/drawing/2014/main" val="1322407502"/>
+                  </a:ext>
+                </a:extLst>
+              </a:tr>
+            </a:tbl>
+          </a:graphicData>
+        </a:graphic>
+      </p:graphicFrame>
+    </p:spTree>
+    <p:extLst>
+      <p:ext uri="{BB962C8B-B14F-4D97-AF65-F5344CB8AC3E}">
+        <p14:creationId xmlns:p14="http://schemas.microsoft.com/office/powerpoint/2010/main" val="1188981526"/>
+      </p:ext>
+    </p:extLst>
+  </p:cSld>
+  <p:clrMapOvr>
+    <a:masterClrMapping/>
+  </p:clrMapOvr>
+  <mc:AlternateContent xmlns:mc="http://schemas.openxmlformats.org/markup-compatibility/2006" xmlns:p14="http://schemas.microsoft.com/office/powerpoint/2010/main">
+    <mc:Choice Requires="p14">
+      <p:transition p14:dur="0"/>
+    </mc:Choice>
+    <mc:Fallback xmlns="">
+      <p:transition/>
+    </mc:Fallback>
+  </mc:AlternateContent>
+  <p:timing>
+    <p:tnLst>
+      <p:par>
+        <p:cTn id="1" dur="indefinite" restart="never" nodeType="tmRoot"/>
+      </p:par>
+    </p:tnLst>
   </p:timing>
 </p:sld>
 </file>

--- a/ＰＭ学科専用2.pptx
+++ b/ＰＭ学科専用2.pptx
@@ -5,10 +5,10 @@
     <p:sldMasterId id="2147483832" r:id="rId1"/>
   </p:sldMasterIdLst>
   <p:notesMasterIdLst>
-    <p:notesMasterId r:id="rId18"/>
+    <p:notesMasterId r:id="rId19"/>
   </p:notesMasterIdLst>
   <p:handoutMasterIdLst>
-    <p:handoutMasterId r:id="rId19"/>
+    <p:handoutMasterId r:id="rId20"/>
   </p:handoutMasterIdLst>
   <p:sldIdLst>
     <p:sldId id="258" r:id="rId2"/>
@@ -25,8 +25,9 @@
     <p:sldId id="274" r:id="rId13"/>
     <p:sldId id="276" r:id="rId14"/>
     <p:sldId id="277" r:id="rId15"/>
-    <p:sldId id="266" r:id="rId16"/>
-    <p:sldId id="282" r:id="rId17"/>
+    <p:sldId id="287" r:id="rId16"/>
+    <p:sldId id="266" r:id="rId17"/>
+    <p:sldId id="282" r:id="rId18"/>
   </p:sldIdLst>
   <p:sldSz cx="12192000" cy="6858000"/>
   <p:notesSz cx="6858000" cy="9144000"/>
@@ -2207,11 +2208,7 @@
             </a:r>
             <a:r>
               <a:rPr lang="ja-JP" altLang="en-US" sz="1200" b="1" dirty="0" smtClean="0"/>
-              <a:t>を利用した実装」を選択</a:t>
-            </a:r>
-            <a:r>
-              <a:rPr lang="ja-JP" altLang="en-US" sz="1200" b="1" dirty="0" smtClean="0"/>
-              <a:t>し、ツイッター</a:t>
+              <a:t>を利用した実装」を選択し、ツイッター</a:t>
             </a:r>
             <a:r>
               <a:rPr lang="en-US" altLang="ja-JP" sz="1200" b="1" dirty="0" smtClean="0"/>
@@ -2219,11 +2216,7 @@
             </a:r>
             <a:r>
               <a:rPr lang="ja-JP" altLang="en-US" sz="1200" b="1" dirty="0" smtClean="0"/>
-              <a:t>を</a:t>
-            </a:r>
-            <a:r>
-              <a:rPr lang="ja-JP" altLang="en-US" sz="1200" b="1" dirty="0" smtClean="0"/>
-              <a:t>利用しました。</a:t>
+              <a:t>を利用しました。</a:t>
             </a:r>
             <a:endParaRPr kumimoji="1" lang="en-US" altLang="ja-JP" sz="1200" b="1" dirty="0" smtClean="0"/>
           </a:p>
@@ -2245,23 +2238,7 @@
           <a:p>
             <a:r>
               <a:rPr kumimoji="1" lang="ja-JP" altLang="en-US" b="1" dirty="0" smtClean="0"/>
-              <a:t>また、このシステム</a:t>
-            </a:r>
-            <a:r>
-              <a:rPr kumimoji="1" lang="ja-JP" altLang="en-US" b="1" dirty="0" smtClean="0"/>
-              <a:t>の周知度を高めることで</a:t>
-            </a:r>
-            <a:r>
-              <a:rPr kumimoji="1" lang="ja-JP" altLang="en-US" b="1" dirty="0" smtClean="0"/>
-              <a:t>、過去問などの情報</a:t>
-            </a:r>
-            <a:r>
-              <a:rPr kumimoji="1" lang="ja-JP" altLang="en-US" b="1" dirty="0" smtClean="0"/>
-              <a:t>提供</a:t>
-            </a:r>
-            <a:r>
-              <a:rPr kumimoji="1" lang="ja-JP" altLang="en-US" b="1" dirty="0" smtClean="0"/>
-              <a:t>をしてもらうことを予想しているからです。</a:t>
+              <a:t>また、このシステムの周知度を高めることで、過去問などの情報提供をしてもらうことを予想しているからです。</a:t>
             </a:r>
             <a:endParaRPr kumimoji="1" lang="en-US" altLang="ja-JP" b="1" dirty="0" smtClean="0"/>
           </a:p>
@@ -2630,6 +2607,23 @@
             <a:endParaRPr kumimoji="1" lang="en-US" altLang="ja-JP" b="1" dirty="0" smtClean="0"/>
           </a:p>
           <a:p>
+            <a:pPr marL="0" marR="0" indent="0" algn="l" defTabSz="914400" rtl="0" eaLnBrk="1" fontAlgn="auto" latinLnBrk="0" hangingPunct="1">
+              <a:lnSpc>
+                <a:spcPct val="100000"/>
+              </a:lnSpc>
+              <a:spcBef>
+                <a:spcPts val="0"/>
+              </a:spcBef>
+              <a:spcAft>
+                <a:spcPts val="0"/>
+              </a:spcAft>
+              <a:buClrTx/>
+              <a:buSzTx/>
+              <a:buFontTx/>
+              <a:buNone/>
+              <a:tabLst/>
+              <a:defRPr/>
+            </a:pPr>
             <a:r>
               <a:rPr kumimoji="1" lang="en-US" altLang="ja-JP" b="1" dirty="0" smtClean="0"/>
               <a:t>6</a:t>
@@ -2652,27 +2646,8 @@
             </a:r>
             <a:r>
               <a:rPr kumimoji="1" lang="ja-JP" altLang="en-US" b="1" dirty="0" smtClean="0"/>
-              <a:t>スプリント目が終了</a:t>
-            </a:r>
-            <a:r>
-              <a:rPr kumimoji="1" lang="ja-JP" altLang="en-US" b="1" dirty="0" smtClean="0"/>
-              <a:t>しているため、</a:t>
-            </a:r>
-            <a:r>
-              <a:rPr kumimoji="1" lang="ja-JP" altLang="en-US" b="1" dirty="0" smtClean="0"/>
-              <a:t>現在</a:t>
-            </a:r>
-            <a:r>
-              <a:rPr kumimoji="1" lang="ja-JP" altLang="en-US" b="1" dirty="0" smtClean="0"/>
-              <a:t>は遅れ</a:t>
-            </a:r>
-            <a:r>
-              <a:rPr kumimoji="1" lang="ja-JP" altLang="en-US" b="1" dirty="0" smtClean="0"/>
-              <a:t>が生じている状況です。</a:t>
-            </a:r>
-            <a:endParaRPr kumimoji="1" lang="en-US" altLang="ja-JP" b="1" dirty="0" smtClean="0"/>
-          </a:p>
-          <a:p>
+              <a:t>スプリント目が終了しているため、現在、作業の遅れ、コストの超過が発生しています。</a:t>
+            </a:r>
             <a:endParaRPr kumimoji="1" lang="en-US" altLang="ja-JP" b="1" dirty="0" smtClean="0"/>
           </a:p>
           <a:p>
@@ -3002,46 +2977,142 @@
           <a:bodyPr/>
           <a:lstStyle/>
           <a:p>
+            <a:pPr marL="0" marR="0" indent="0" algn="l" defTabSz="914400" rtl="0" eaLnBrk="1" fontAlgn="auto" latinLnBrk="0" hangingPunct="1">
+              <a:lnSpc>
+                <a:spcPct val="100000"/>
+              </a:lnSpc>
+              <a:spcBef>
+                <a:spcPts val="0"/>
+              </a:spcBef>
+              <a:spcAft>
+                <a:spcPts val="0"/>
+              </a:spcAft>
+              <a:buClrTx/>
+              <a:buSzTx/>
+              <a:buFontTx/>
+              <a:buNone/>
+              <a:tabLst/>
+              <a:defRPr/>
+            </a:pPr>
             <a:r>
               <a:rPr kumimoji="1" lang="ja-JP" altLang="en-US" b="1" dirty="0" smtClean="0"/>
-              <a:t>次に後半の流れです。</a:t>
+              <a:t>次は後半の流れについてです。</a:t>
             </a:r>
             <a:endParaRPr kumimoji="1" lang="en-US" altLang="ja-JP" b="1" dirty="0" smtClean="0"/>
           </a:p>
           <a:p>
+            <a:pPr marL="0" marR="0" indent="0" algn="l" defTabSz="914400" rtl="0" eaLnBrk="1" fontAlgn="auto" latinLnBrk="0" hangingPunct="1">
+              <a:lnSpc>
+                <a:spcPct val="100000"/>
+              </a:lnSpc>
+              <a:spcBef>
+                <a:spcPts val="0"/>
+              </a:spcBef>
+              <a:spcAft>
+                <a:spcPts val="0"/>
+              </a:spcAft>
+              <a:buClrTx/>
+              <a:buSzTx/>
+              <a:buFontTx/>
+              <a:buNone/>
+              <a:tabLst/>
+              <a:defRPr/>
+            </a:pPr>
             <a:r>
               <a:rPr kumimoji="1" lang="ja-JP" altLang="en-US" b="1" dirty="0" smtClean="0"/>
-              <a:t>現在、</a:t>
-            </a:r>
-            <a:r>
-              <a:rPr kumimoji="1" lang="en-US" altLang="ja-JP" b="1" dirty="0" smtClean="0"/>
-              <a:t>3</a:t>
+              <a:t>現在の進捗の遅れの対応として、作業時間を増やすことを検討しています</a:t>
             </a:r>
             <a:r>
               <a:rPr kumimoji="1" lang="ja-JP" altLang="en-US" b="1" dirty="0" smtClean="0"/>
-              <a:t>スプリント目に取り掛かっており、過去問・シラバスの表示機能の作成に取り掛かってます。</a:t>
+              <a:t>。</a:t>
             </a:r>
             <a:endParaRPr kumimoji="1" lang="en-US" altLang="ja-JP" b="1" dirty="0" smtClean="0"/>
           </a:p>
           <a:p>
+            <a:pPr marL="0" marR="0" indent="0" algn="l" defTabSz="914400" rtl="0" eaLnBrk="1" fontAlgn="auto" latinLnBrk="0" hangingPunct="1">
+              <a:lnSpc>
+                <a:spcPct val="100000"/>
+              </a:lnSpc>
+              <a:spcBef>
+                <a:spcPts val="0"/>
+              </a:spcBef>
+              <a:spcAft>
+                <a:spcPts val="0"/>
+              </a:spcAft>
+              <a:buClrTx/>
+              <a:buSzTx/>
+              <a:buFontTx/>
+              <a:buNone/>
+              <a:tabLst/>
+              <a:defRPr/>
+            </a:pPr>
             <a:r>
               <a:rPr kumimoji="1" lang="ja-JP" altLang="en-US" b="1" dirty="0" smtClean="0"/>
-              <a:t>以上で、矢吹研</a:t>
-            </a:r>
-            <a:r>
-              <a:rPr kumimoji="1" lang="en-US" altLang="ja-JP" b="1" dirty="0" smtClean="0"/>
-              <a:t>A</a:t>
-            </a:r>
+              <a:t>メンバー間で状況の確認をしながら、役割の分担を行いたいと考えています。</a:t>
+            </a:r>
+            <a:endParaRPr kumimoji="1" lang="en-US" altLang="ja-JP" b="1" dirty="0" smtClean="0"/>
+          </a:p>
+          <a:p>
+            <a:pPr marL="0" marR="0" indent="0" algn="l" defTabSz="914400" rtl="0" eaLnBrk="1" fontAlgn="auto" latinLnBrk="0" hangingPunct="1">
+              <a:lnSpc>
+                <a:spcPct val="100000"/>
+              </a:lnSpc>
+              <a:spcBef>
+                <a:spcPts val="0"/>
+              </a:spcBef>
+              <a:spcAft>
+                <a:spcPts val="0"/>
+              </a:spcAft>
+              <a:buClrTx/>
+              <a:buSzTx/>
+              <a:buFontTx/>
+              <a:buNone/>
+              <a:tabLst/>
+              <a:defRPr/>
+            </a:pPr>
             <a:r>
               <a:rPr kumimoji="1" lang="ja-JP" altLang="en-US" b="1" dirty="0" smtClean="0"/>
-              <a:t>班の発表を終わります。</a:t>
+              <a:t>また、メンバー全員</a:t>
+            </a:r>
+            <a:r>
+              <a:rPr kumimoji="1" lang="ja-JP" altLang="en-US" b="1" dirty="0" smtClean="0"/>
+              <a:t>が揃って作業できる</a:t>
+            </a:r>
+            <a:r>
+              <a:rPr kumimoji="1" lang="ja-JP" altLang="en-US" b="1" dirty="0" smtClean="0"/>
+              <a:t>時間が少なかったため、</a:t>
             </a:r>
             <a:endParaRPr kumimoji="1" lang="en-US" altLang="ja-JP" b="1" dirty="0" smtClean="0"/>
           </a:p>
           <a:p>
+            <a:pPr marL="0" marR="0" indent="0" algn="l" defTabSz="914400" rtl="0" eaLnBrk="1" fontAlgn="auto" latinLnBrk="0" hangingPunct="1">
+              <a:lnSpc>
+                <a:spcPct val="100000"/>
+              </a:lnSpc>
+              <a:spcBef>
+                <a:spcPts val="0"/>
+              </a:spcBef>
+              <a:spcAft>
+                <a:spcPts val="0"/>
+              </a:spcAft>
+              <a:buClrTx/>
+              <a:buSzTx/>
+              <a:buFontTx/>
+              <a:buNone/>
+              <a:tabLst/>
+              <a:defRPr/>
+            </a:pPr>
             <a:r>
               <a:rPr kumimoji="1" lang="ja-JP" altLang="en-US" b="1" dirty="0" smtClean="0"/>
-              <a:t>ありがとうございました。</a:t>
+              <a:t>増やす</a:t>
+            </a:r>
+            <a:r>
+              <a:rPr kumimoji="1" lang="ja-JP" altLang="en-US" b="1" dirty="0" smtClean="0"/>
+              <a:t>ことを検討</a:t>
+            </a:r>
+            <a:r>
+              <a:rPr kumimoji="1" lang="ja-JP" altLang="en-US" b="1" dirty="0" smtClean="0"/>
+              <a:t>しています。</a:t>
             </a:r>
             <a:endParaRPr kumimoji="1" lang="en-US" altLang="ja-JP" b="1" dirty="0" smtClean="0"/>
           </a:p>
@@ -3073,7 +3144,7 @@
     </p:spTree>
     <p:extLst>
       <p:ext uri="{BB962C8B-B14F-4D97-AF65-F5344CB8AC3E}">
-        <p14:creationId xmlns:p14="http://schemas.microsoft.com/office/powerpoint/2010/main" val="4069497027"/>
+        <p14:creationId xmlns:p14="http://schemas.microsoft.com/office/powerpoint/2010/main" val="3747848430"/>
       </p:ext>
     </p:extLst>
   </p:cSld>
@@ -3127,6 +3198,25 @@
           <a:bodyPr/>
           <a:lstStyle/>
           <a:p>
+            <a:r>
+              <a:rPr kumimoji="1" lang="ja-JP" altLang="en-US" b="1" dirty="0" smtClean="0"/>
+              <a:t>現在は</a:t>
+            </a:r>
+            <a:r>
+              <a:rPr kumimoji="1" lang="en-US" altLang="ja-JP" b="1" dirty="0" smtClean="0"/>
+              <a:t>3</a:t>
+            </a:r>
+            <a:r>
+              <a:rPr kumimoji="1" lang="ja-JP" altLang="en-US" b="1" dirty="0" smtClean="0"/>
+              <a:t>スプリント目で、過去問・シラバスの表示機能の作成に取り掛かっています。</a:t>
+            </a:r>
+            <a:endParaRPr kumimoji="1" lang="en-US" altLang="ja-JP" b="1" dirty="0" smtClean="0"/>
+          </a:p>
+          <a:p>
+            <a:r>
+              <a:rPr kumimoji="1" lang="ja-JP" altLang="en-US" b="1" dirty="0" smtClean="0"/>
+              <a:t>今後は、このような流れで取り組んでいきます。</a:t>
+            </a:r>
             <a:endParaRPr kumimoji="1" lang="en-US" altLang="ja-JP" b="1" dirty="0" smtClean="0"/>
           </a:p>
         </p:txBody>
@@ -3149,6 +3239,126 @@
             <a:fld id="{31EB9004-3F70-404F-81A1-72744BD5EB90}" type="slidenum">
               <a:rPr kumimoji="1" lang="ja-JP" altLang="en-US" smtClean="0"/>
               <a:t>16</a:t>
+            </a:fld>
+            <a:endParaRPr kumimoji="1" lang="ja-JP" altLang="en-US"/>
+          </a:p>
+        </p:txBody>
+      </p:sp>
+    </p:spTree>
+    <p:extLst>
+      <p:ext uri="{BB962C8B-B14F-4D97-AF65-F5344CB8AC3E}">
+        <p14:creationId xmlns:p14="http://schemas.microsoft.com/office/powerpoint/2010/main" val="4069497027"/>
+      </p:ext>
+    </p:extLst>
+  </p:cSld>
+  <p:clrMapOvr>
+    <a:masterClrMapping/>
+  </p:clrMapOvr>
+</p:notes>
+</file>
+
+<file path=ppt/notesSlides/notesSlide17.xml><?xml version="1.0" encoding="utf-8"?>
+<p:notes xmlns:a="http://schemas.openxmlformats.org/drawingml/2006/main" xmlns:r="http://schemas.openxmlformats.org/officeDocument/2006/relationships" xmlns:p="http://schemas.openxmlformats.org/presentationml/2006/main">
+  <p:cSld>
+    <p:spTree>
+      <p:nvGrpSpPr>
+        <p:cNvPr id="1" name=""/>
+        <p:cNvGrpSpPr/>
+        <p:nvPr/>
+      </p:nvGrpSpPr>
+      <p:grpSpPr>
+        <a:xfrm>
+          <a:off x="0" y="0"/>
+          <a:ext cx="0" cy="0"/>
+          <a:chOff x="0" y="0"/>
+          <a:chExt cx="0" cy="0"/>
+        </a:xfrm>
+      </p:grpSpPr>
+      <p:sp>
+        <p:nvSpPr>
+          <p:cNvPr id="2" name="スライド イメージ プレースホルダー 1"/>
+          <p:cNvSpPr>
+            <a:spLocks noGrp="1" noRot="1" noChangeAspect="1"/>
+          </p:cNvSpPr>
+          <p:nvPr>
+            <p:ph type="sldImg"/>
+          </p:nvPr>
+        </p:nvSpPr>
+        <p:spPr/>
+      </p:sp>
+      <p:sp>
+        <p:nvSpPr>
+          <p:cNvPr id="3" name="ノート プレースホルダー 2"/>
+          <p:cNvSpPr>
+            <a:spLocks noGrp="1"/>
+          </p:cNvSpPr>
+          <p:nvPr>
+            <p:ph type="body" idx="1"/>
+          </p:nvPr>
+        </p:nvSpPr>
+        <p:spPr/>
+        <p:txBody>
+          <a:bodyPr/>
+          <a:lstStyle/>
+          <a:p>
+            <a:pPr marL="0" marR="0" indent="0" algn="l" defTabSz="914400" rtl="0" eaLnBrk="1" fontAlgn="auto" latinLnBrk="0" hangingPunct="1">
+              <a:lnSpc>
+                <a:spcPct val="100000"/>
+              </a:lnSpc>
+              <a:spcBef>
+                <a:spcPts val="0"/>
+              </a:spcBef>
+              <a:spcAft>
+                <a:spcPts val="0"/>
+              </a:spcAft>
+              <a:buClrTx/>
+              <a:buSzTx/>
+              <a:buFontTx/>
+              <a:buNone/>
+              <a:tabLst/>
+              <a:defRPr/>
+            </a:pPr>
+            <a:r>
+              <a:rPr kumimoji="1" lang="ja-JP" altLang="en-US" b="1" dirty="0" smtClean="0"/>
+              <a:t>以上で、矢吹研</a:t>
+            </a:r>
+            <a:r>
+              <a:rPr kumimoji="1" lang="en-US" altLang="ja-JP" b="1" dirty="0" smtClean="0"/>
+              <a:t>A</a:t>
+            </a:r>
+            <a:r>
+              <a:rPr kumimoji="1" lang="ja-JP" altLang="en-US" b="1" dirty="0" smtClean="0"/>
+              <a:t>班の発表を終わります。</a:t>
+            </a:r>
+            <a:endParaRPr kumimoji="1" lang="en-US" altLang="ja-JP" b="1" dirty="0" smtClean="0"/>
+          </a:p>
+          <a:p>
+            <a:r>
+              <a:rPr kumimoji="1" lang="ja-JP" altLang="en-US" b="1" dirty="0" smtClean="0"/>
+              <a:t>ありがとうございました。</a:t>
+            </a:r>
+            <a:endParaRPr kumimoji="1" lang="en-US" altLang="ja-JP" b="1" dirty="0" smtClean="0"/>
+          </a:p>
+        </p:txBody>
+      </p:sp>
+      <p:sp>
+        <p:nvSpPr>
+          <p:cNvPr id="4" name="スライド番号プレースホルダー 3"/>
+          <p:cNvSpPr>
+            <a:spLocks noGrp="1"/>
+          </p:cNvSpPr>
+          <p:nvPr>
+            <p:ph type="sldNum" sz="quarter" idx="10"/>
+          </p:nvPr>
+        </p:nvSpPr>
+        <p:spPr/>
+        <p:txBody>
+          <a:bodyPr/>
+          <a:lstStyle/>
+          <a:p>
+            <a:fld id="{31EB9004-3F70-404F-81A1-72744BD5EB90}" type="slidenum">
+              <a:rPr kumimoji="1" lang="ja-JP" altLang="en-US" smtClean="0"/>
+              <a:t>17</a:t>
             </a:fld>
             <a:endParaRPr kumimoji="1" lang="ja-JP" altLang="en-US"/>
           </a:p>
@@ -3404,15 +3614,7 @@
           <a:p>
             <a:r>
               <a:rPr kumimoji="1" lang="ja-JP" altLang="en-US" b="1" dirty="0" smtClean="0"/>
-              <a:t>アプリを立ち上げ、ログインは毎回しなければなりません。検索フォームでは所属学科から教員名まですべて手入力で行い、一覧から自分の見たいシラバスを探していかなければならず</a:t>
-            </a:r>
-            <a:r>
-              <a:rPr kumimoji="1" lang="ja-JP" altLang="en-US" b="1" dirty="0" smtClean="0"/>
-              <a:t>、とても手間</a:t>
-            </a:r>
-            <a:r>
-              <a:rPr kumimoji="1" lang="ja-JP" altLang="en-US" b="1" dirty="0" smtClean="0"/>
-              <a:t>がかかります。</a:t>
+              <a:t>アプリを立ち上げ、ログインは毎回しなければなりません。検索フォームでは所属学科から教員名まですべて手入力で行い、一覧から自分の見たいシラバスを探していかなければならず、とても手間がかかります。</a:t>
             </a:r>
             <a:endParaRPr kumimoji="1" lang="en-US" altLang="ja-JP" b="1" dirty="0" smtClean="0"/>
           </a:p>
@@ -3650,15 +3852,7 @@
             </a:r>
             <a:r>
               <a:rPr kumimoji="1" lang="ja-JP" altLang="en-US" b="1" dirty="0" smtClean="0"/>
-              <a:t>ステップで自分の</a:t>
-            </a:r>
-            <a:r>
-              <a:rPr kumimoji="1" lang="ja-JP" altLang="en-US" b="1" dirty="0" smtClean="0"/>
-              <a:t>見たい過去問。シラバスを</a:t>
-            </a:r>
-            <a:r>
-              <a:rPr kumimoji="1" lang="ja-JP" altLang="en-US" b="1" dirty="0" smtClean="0"/>
-              <a:t>見ることができます。</a:t>
+              <a:t>ステップで自分の見たい過去問。シラバスを見ることができます。</a:t>
             </a:r>
           </a:p>
         </p:txBody>
@@ -4124,11 +4318,7 @@
             </a:r>
             <a:r>
               <a:rPr kumimoji="1" lang="ja-JP" altLang="en-US" b="1" dirty="0" smtClean="0"/>
-              <a:t>では、サイトや各成果物の掲載情報の更新情報などを随時、参考できるようにしました</a:t>
-            </a:r>
-            <a:r>
-              <a:rPr kumimoji="1" lang="ja-JP" altLang="en-US" b="1" dirty="0" smtClean="0"/>
-              <a:t>。</a:t>
+              <a:t>では、サイトや各成果物の掲載情報の更新情報などを随時、参考できるようにしました。</a:t>
             </a:r>
             <a:endParaRPr kumimoji="1" lang="en-US" altLang="ja-JP" b="1" dirty="0" smtClean="0"/>
           </a:p>
@@ -4216,11 +4406,7 @@
           <a:p>
             <a:r>
               <a:rPr kumimoji="1" lang="ja-JP" altLang="en-US" b="1" dirty="0" smtClean="0"/>
-              <a:t>次に私たちが選択したチーム</a:t>
-            </a:r>
-            <a:r>
-              <a:rPr kumimoji="1" lang="ja-JP" altLang="en-US" b="1" dirty="0" smtClean="0"/>
-              <a:t>課題についてです。</a:t>
+              <a:t>次に私たちが選択したチーム課題についてです。</a:t>
             </a:r>
             <a:endParaRPr kumimoji="1" lang="en-US" altLang="ja-JP" b="1" dirty="0" smtClean="0"/>
           </a:p>
@@ -4245,23 +4431,7 @@
           <a:p>
             <a:r>
               <a:rPr kumimoji="1" lang="ja-JP" altLang="en-US" b="1" dirty="0" smtClean="0"/>
-              <a:t>管</a:t>
-            </a:r>
-            <a:r>
-              <a:rPr kumimoji="1" lang="ja-JP" altLang="en-US" b="1" dirty="0" smtClean="0"/>
-              <a:t>理系では</a:t>
-            </a:r>
-            <a:r>
-              <a:rPr kumimoji="1" lang="ja-JP" altLang="en-US" b="1" dirty="0" smtClean="0"/>
-              <a:t>、「</a:t>
-            </a:r>
-            <a:r>
-              <a:rPr kumimoji="1" lang="ja-JP" altLang="en-US" b="1" dirty="0" smtClean="0"/>
-              <a:t>アジャイル開発の導入」を選択しました</a:t>
-            </a:r>
-            <a:r>
-              <a:rPr kumimoji="1" lang="ja-JP" altLang="en-US" b="1" dirty="0" smtClean="0"/>
-              <a:t>。</a:t>
+              <a:t>管理系では、「アジャイル開発の導入」を選択しました。</a:t>
             </a:r>
             <a:endParaRPr kumimoji="1" lang="en-US" altLang="ja-JP" b="1" dirty="0" smtClean="0"/>
           </a:p>
@@ -7682,7 +7852,7 @@
         </p:spPr>
         <p:txBody>
           <a:bodyPr>
-            <a:normAutofit/>
+            <a:normAutofit fontScale="92500"/>
           </a:bodyPr>
           <a:lstStyle/>
           <a:p>
@@ -7732,7 +7902,7 @@
             </a:pPr>
             <a:r>
               <a:rPr lang="en-US" altLang="ja-JP" sz="3900" dirty="0" smtClean="0"/>
-              <a:t>		</a:t>
+              <a:t>			</a:t>
             </a:r>
             <a:r>
               <a:rPr lang="ja-JP" altLang="en-US" sz="3900" dirty="0" smtClean="0"/>
@@ -7753,7 +7923,7 @@
             </a:r>
             <a:r>
               <a:rPr lang="en-US" altLang="ja-JP" sz="3900" dirty="0" smtClean="0"/>
-              <a:t>	</a:t>
+              <a:t>		</a:t>
             </a:r>
             <a:r>
               <a:rPr lang="ja-JP" altLang="en-US" sz="3900" dirty="0" smtClean="0"/>
@@ -7789,7 +7959,7 @@
           <a:p>
             <a:r>
               <a:rPr kumimoji="1" lang="en-US" altLang="ja-JP" sz="3600" dirty="0" smtClean="0"/>
-              <a:t>7</a:t>
+              <a:t>9</a:t>
             </a:r>
             <a:endParaRPr kumimoji="1" lang="ja-JP" altLang="en-US" sz="3600" dirty="0"/>
           </a:p>
@@ -7897,6 +8067,10 @@
               <a:buNone/>
             </a:pPr>
             <a:r>
+              <a:rPr lang="en-US" altLang="ja-JP" sz="3200" dirty="0" smtClean="0"/>
+              <a:t>	</a:t>
+            </a:r>
+            <a:r>
               <a:rPr lang="ja-JP" altLang="en-US" sz="3200" dirty="0" smtClean="0"/>
               <a:t>プロジェクトの状況を可視化するツールである</a:t>
             </a:r>
@@ -7911,7 +8085,7 @@
             </a:pPr>
             <a:r>
               <a:rPr lang="en-US" altLang="ja-JP" sz="3200" dirty="0" smtClean="0"/>
-              <a:t>1</a:t>
+              <a:t>	1</a:t>
             </a:r>
             <a:r>
               <a:rPr lang="ja-JP" altLang="en-US" sz="3200" dirty="0" smtClean="0"/>
@@ -7945,8 +8119,8 @@
           <a:lstStyle/>
           <a:p>
             <a:r>
-              <a:rPr lang="en-US" altLang="ja-JP" sz="3600" dirty="0"/>
-              <a:t>8</a:t>
+              <a:rPr lang="en-US" altLang="ja-JP" sz="3600" dirty="0" smtClean="0"/>
+              <a:t>10</a:t>
             </a:r>
             <a:endParaRPr kumimoji="1" lang="ja-JP" altLang="en-US" sz="3600" dirty="0"/>
           </a:p>
@@ -7997,6 +8171,30 @@
           <a:chExt cx="0" cy="0"/>
         </a:xfrm>
       </p:grpSpPr>
+      <p:graphicFrame>
+        <p:nvGraphicFramePr>
+          <p:cNvPr id="26" name="グラフ 25"/>
+          <p:cNvGraphicFramePr>
+            <a:graphicFrameLocks noGrp="1"/>
+          </p:cNvGraphicFramePr>
+          <p:nvPr>
+            <p:extLst>
+              <p:ext uri="{D42A27DB-BD31-4B8C-83A1-F6EECF244321}">
+                <p14:modId xmlns:p14="http://schemas.microsoft.com/office/powerpoint/2010/main" val="2899345082"/>
+              </p:ext>
+            </p:extLst>
+          </p:nvPr>
+        </p:nvGraphicFramePr>
+        <p:xfrm>
+          <a:off x="1240239" y="270119"/>
+          <a:ext cx="9784548" cy="6451356"/>
+        </p:xfrm>
+        <a:graphic>
+          <a:graphicData uri="http://schemas.openxmlformats.org/drawingml/2006/chart">
+            <c:chart xmlns:c="http://schemas.openxmlformats.org/drawingml/2006/chart" xmlns:r="http://schemas.openxmlformats.org/officeDocument/2006/relationships" r:id="rId3"/>
+          </a:graphicData>
+        </a:graphic>
+      </p:graphicFrame>
       <p:cxnSp>
         <p:nvCxnSpPr>
           <p:cNvPr id="23" name="直線コネクタ 22"/>
@@ -8097,7 +8295,7 @@
         </p:nvCxnSpPr>
         <p:spPr>
           <a:xfrm flipH="1">
-            <a:off x="4569359" y="4702491"/>
+            <a:off x="4569358" y="4655426"/>
             <a:ext cx="1516255" cy="38805"/>
           </a:xfrm>
           <a:prstGeom prst="straightConnector1">
@@ -8130,8 +8328,8 @@
         </p:nvSpPr>
         <p:spPr>
           <a:xfrm>
-            <a:off x="6132513" y="4562429"/>
-            <a:ext cx="492443" cy="369332"/>
+            <a:off x="6132512" y="4515364"/>
+            <a:ext cx="555670" cy="369332"/>
           </a:xfrm>
           <a:prstGeom prst="rect">
             <a:avLst/>
@@ -8146,7 +8344,7 @@
           <a:p>
             <a:r>
               <a:rPr kumimoji="1" lang="en-US" altLang="ja-JP" b="1" dirty="0" smtClean="0"/>
-              <a:t>EV</a:t>
+              <a:t>AC</a:t>
             </a:r>
           </a:p>
         </p:txBody>
@@ -8210,7 +8408,7 @@
           <a:p>
             <a:r>
               <a:rPr kumimoji="1" lang="en-US" altLang="ja-JP" b="1" dirty="0" smtClean="0"/>
-              <a:t>AC</a:t>
+              <a:t>EV</a:t>
             </a:r>
           </a:p>
         </p:txBody>
@@ -8232,36 +8430,12 @@
           <a:p>
             <a:r>
               <a:rPr kumimoji="1" lang="en-US" altLang="ja-JP" sz="3600" dirty="0" smtClean="0"/>
-              <a:t>9</a:t>
+              <a:t>11</a:t>
             </a:r>
             <a:endParaRPr kumimoji="1" lang="ja-JP" altLang="en-US" sz="3600" dirty="0"/>
           </a:p>
         </p:txBody>
       </p:sp>
-      <p:graphicFrame>
-        <p:nvGraphicFramePr>
-          <p:cNvPr id="26" name="グラフ 25"/>
-          <p:cNvGraphicFramePr>
-            <a:graphicFrameLocks noGrp="1"/>
-          </p:cNvGraphicFramePr>
-          <p:nvPr>
-            <p:extLst>
-              <p:ext uri="{D42A27DB-BD31-4B8C-83A1-F6EECF244321}">
-                <p14:modId xmlns:p14="http://schemas.microsoft.com/office/powerpoint/2010/main" val="67983242"/>
-              </p:ext>
-            </p:extLst>
-          </p:nvPr>
-        </p:nvGraphicFramePr>
-        <p:xfrm>
-          <a:off x="1240239" y="270119"/>
-          <a:ext cx="9784548" cy="6451356"/>
-        </p:xfrm>
-        <a:graphic>
-          <a:graphicData uri="http://schemas.openxmlformats.org/drawingml/2006/chart">
-            <c:chart xmlns:c="http://schemas.openxmlformats.org/drawingml/2006/chart" xmlns:r="http://schemas.openxmlformats.org/officeDocument/2006/relationships" r:id="rId3"/>
-          </a:graphicData>
-        </a:graphic>
-      </p:graphicFrame>
     </p:spTree>
     <p:extLst>
       <p:ext uri="{BB962C8B-B14F-4D97-AF65-F5344CB8AC3E}">
@@ -8896,14 +9070,14 @@
           <p:nvPr>
             <p:extLst>
               <p:ext uri="{D42A27DB-BD31-4B8C-83A1-F6EECF244321}">
-                <p14:modId xmlns:p14="http://schemas.microsoft.com/office/powerpoint/2010/main" val="2884872909"/>
+                <p14:modId xmlns:p14="http://schemas.microsoft.com/office/powerpoint/2010/main" val="1421170590"/>
               </p:ext>
             </p:extLst>
           </p:nvPr>
         </p:nvGraphicFramePr>
         <p:xfrm>
           <a:off x="1313236" y="1690688"/>
-          <a:ext cx="9565527" cy="4377605"/>
+          <a:ext cx="9565527" cy="3824718"/>
         </p:xfrm>
         <a:graphic>
           <a:graphicData uri="http://schemas.openxmlformats.org/drawingml/2006/table">
@@ -9124,7 +9298,7 @@
                   </a:ext>
                 </a:extLst>
               </a:tr>
-              <a:tr h="595337">
+              <a:tr h="518400">
                 <a:tc>
                   <a:txBody>
                     <a:bodyPr/>
@@ -9306,7 +9480,7 @@
                   </a:ext>
                 </a:extLst>
               </a:tr>
-              <a:tr h="595337">
+              <a:tr h="499778">
                 <a:tc>
                   <a:txBody>
                     <a:bodyPr/>
@@ -9496,7 +9670,7 @@
                   </a:ext>
                 </a:extLst>
               </a:tr>
-              <a:tr h="594438">
+              <a:tr h="518395">
                 <a:tc>
                   <a:txBody>
                     <a:bodyPr/>
@@ -9678,7 +9852,7 @@
                   </a:ext>
                 </a:extLst>
               </a:tr>
-              <a:tr h="1190673">
+              <a:tr h="936000">
                 <a:tc>
                   <a:txBody>
                     <a:bodyPr/>
@@ -9884,7 +10058,7 @@
                   </a:ext>
                 </a:extLst>
               </a:tr>
-              <a:tr h="595337">
+              <a:tr h="518400">
                 <a:tc>
                   <a:txBody>
                     <a:bodyPr/>
@@ -10095,7 +10269,7 @@
             </a:r>
             <a:r>
               <a:rPr kumimoji="1" lang="en-US" altLang="ja-JP" sz="3600" dirty="0" smtClean="0"/>
-              <a:t>10</a:t>
+              <a:t>12</a:t>
             </a:r>
             <a:endParaRPr kumimoji="1" lang="ja-JP" altLang="en-US" sz="3600" dirty="0"/>
           </a:p>
@@ -10253,7 +10427,7 @@
           <a:p>
             <a:r>
               <a:rPr kumimoji="1" lang="en-US" altLang="ja-JP" sz="3600" dirty="0" smtClean="0"/>
-              <a:t>11</a:t>
+              <a:t>13</a:t>
             </a:r>
             <a:endParaRPr kumimoji="1" lang="ja-JP" altLang="en-US" sz="3600" dirty="0"/>
           </a:p>
@@ -10731,61 +10905,6 @@
       </p:sp>
       <p:sp>
         <p:nvSpPr>
-          <p:cNvPr id="6" name="コンテンツ プレースホルダー 5"/>
-          <p:cNvSpPr>
-            <a:spLocks noGrp="1"/>
-          </p:cNvSpPr>
-          <p:nvPr>
-            <p:ph sz="half" idx="1"/>
-          </p:nvPr>
-        </p:nvSpPr>
-        <p:spPr>
-          <a:xfrm>
-            <a:off x="838200" y="1825625"/>
-            <a:ext cx="10515600" cy="4351338"/>
-          </a:xfrm>
-        </p:spPr>
-        <p:txBody>
-          <a:bodyPr>
-            <a:normAutofit/>
-          </a:bodyPr>
-          <a:lstStyle/>
-          <a:p>
-            <a:endParaRPr lang="en-US" altLang="ja-JP" dirty="0" smtClean="0"/>
-          </a:p>
-          <a:p>
-            <a:pPr marL="0" indent="0" algn="ctr">
-              <a:lnSpc>
-                <a:spcPct val="150000"/>
-              </a:lnSpc>
-              <a:buNone/>
-            </a:pPr>
-            <a:r>
-              <a:rPr lang="ja-JP" altLang="en-US" sz="3600" dirty="0" smtClean="0"/>
-              <a:t>過去問、シラバスの表示機能の作成に</a:t>
-            </a:r>
-            <a:endParaRPr lang="en-US" altLang="ja-JP" sz="3600" dirty="0" smtClean="0"/>
-          </a:p>
-          <a:p>
-            <a:pPr marL="0" indent="0" algn="ctr">
-              <a:lnSpc>
-                <a:spcPct val="150000"/>
-              </a:lnSpc>
-              <a:buNone/>
-            </a:pPr>
-            <a:r>
-              <a:rPr lang="ja-JP" altLang="en-US" sz="3600" dirty="0" smtClean="0"/>
-              <a:t>取り掛かっている</a:t>
-            </a:r>
-            <a:endParaRPr lang="en-US" altLang="ja-JP" sz="3600" dirty="0" smtClean="0"/>
-          </a:p>
-          <a:p>
-            <a:endParaRPr kumimoji="1" lang="en-US" altLang="ja-JP" dirty="0" smtClean="0"/>
-          </a:p>
-        </p:txBody>
-      </p:sp>
-      <p:sp>
-        <p:nvSpPr>
           <p:cNvPr id="7" name="スライド番号プレースホルダー 6"/>
           <p:cNvSpPr>
             <a:spLocks noGrp="1"/>
@@ -10801,16 +10920,79 @@
           <a:p>
             <a:r>
               <a:rPr kumimoji="1" lang="en-US" altLang="ja-JP" sz="3600" dirty="0" smtClean="0"/>
-              <a:t>12</a:t>
+              <a:t>14</a:t>
             </a:r>
             <a:endParaRPr kumimoji="1" lang="ja-JP" altLang="en-US" sz="3600" dirty="0"/>
+          </a:p>
+        </p:txBody>
+      </p:sp>
+      <p:sp>
+        <p:nvSpPr>
+          <p:cNvPr id="3" name="テキスト ボックス 2"/>
+          <p:cNvSpPr txBox="1"/>
+          <p:nvPr/>
+        </p:nvSpPr>
+        <p:spPr>
+          <a:xfrm>
+            <a:off x="838200" y="1997839"/>
+            <a:ext cx="8956298" cy="2862322"/>
+          </a:xfrm>
+          <a:prstGeom prst="rect">
+            <a:avLst/>
+          </a:prstGeom>
+          <a:noFill/>
+        </p:spPr>
+        <p:txBody>
+          <a:bodyPr wrap="none" rtlCol="0">
+            <a:spAutoFit/>
+          </a:bodyPr>
+          <a:lstStyle/>
+          <a:p>
+            <a:pPr>
+              <a:lnSpc>
+                <a:spcPct val="250000"/>
+              </a:lnSpc>
+            </a:pPr>
+            <a:r>
+              <a:rPr kumimoji="1" lang="ja-JP" altLang="en-US" sz="3600" dirty="0" smtClean="0"/>
+              <a:t>今後の</a:t>
+            </a:r>
+            <a:r>
+              <a:rPr kumimoji="1" lang="ja-JP" altLang="en-US" sz="3600" dirty="0" smtClean="0"/>
+              <a:t>対応として</a:t>
+            </a:r>
+            <a:r>
+              <a:rPr lang="en-US" altLang="ja-JP" sz="3600" dirty="0"/>
+              <a:t>…</a:t>
+            </a:r>
+            <a:endParaRPr kumimoji="1" lang="en-US" altLang="ja-JP" sz="3600" dirty="0" smtClean="0"/>
+          </a:p>
+          <a:p>
+            <a:pPr>
+              <a:lnSpc>
+                <a:spcPct val="250000"/>
+              </a:lnSpc>
+            </a:pPr>
+            <a:r>
+              <a:rPr lang="en-US" altLang="ja-JP" sz="3600" dirty="0"/>
+              <a:t>	</a:t>
+            </a:r>
+            <a:r>
+              <a:rPr kumimoji="1" lang="ja-JP" altLang="en-US" sz="3600" dirty="0" smtClean="0"/>
+              <a:t>作業時間を</a:t>
+            </a:r>
+            <a:r>
+              <a:rPr kumimoji="1" lang="ja-JP" altLang="en-US" sz="3600" dirty="0" smtClean="0"/>
+              <a:t>増やすことを検討している</a:t>
+            </a:r>
+            <a:endParaRPr kumimoji="1" lang="en-US" altLang="ja-JP" sz="3600" dirty="0" smtClean="0"/>
           </a:p>
         </p:txBody>
       </p:sp>
     </p:spTree>
     <p:extLst>
       <p:ext uri="{BB962C8B-B14F-4D97-AF65-F5344CB8AC3E}">
-        <p14:creationId xmlns:p14="http://schemas.microsoft.com/office/powerpoint/2010/main" val="2564451170"/>
+        <p14:creationId xmlns:p14="http://schemas.microsoft.com/office/powerpoint/2010/main" val="3898732731"/>
       </p:ext>
     </p:extLst>
   </p:cSld>
@@ -10854,19 +11036,14 @@
             <p:ph type="title"/>
           </p:nvPr>
         </p:nvSpPr>
-        <p:spPr>
-          <a:xfrm>
-            <a:off x="4766954" y="5030787"/>
-            <a:ext cx="6456218" cy="1325563"/>
-          </a:xfrm>
-        </p:spPr>
+        <p:spPr/>
         <p:txBody>
           <a:bodyPr/>
           <a:lstStyle/>
           <a:p>
             <a:r>
               <a:rPr lang="ja-JP" altLang="en-US" b="1" dirty="0" smtClean="0"/>
-              <a:t>ありがとうございました</a:t>
+              <a:t>後半の流れ</a:t>
             </a:r>
             <a:endParaRPr kumimoji="1" lang="ja-JP" altLang="en-US" dirty="0"/>
           </a:p>
@@ -10888,8 +11065,1383 @@
           <a:lstStyle/>
           <a:p>
             <a:r>
-              <a:rPr lang="en-US" altLang="ja-JP" sz="3600" dirty="0" smtClean="0"/>
-              <a:t>13</a:t>
+              <a:rPr kumimoji="1" lang="en-US" altLang="ja-JP" sz="3600" dirty="0" smtClean="0"/>
+              <a:t>15</a:t>
+            </a:r>
+            <a:endParaRPr kumimoji="1" lang="ja-JP" altLang="en-US" sz="3600" dirty="0"/>
+          </a:p>
+        </p:txBody>
+      </p:sp>
+      <p:graphicFrame>
+        <p:nvGraphicFramePr>
+          <p:cNvPr id="5" name="表 4"/>
+          <p:cNvGraphicFramePr>
+            <a:graphicFrameLocks noGrp="1"/>
+          </p:cNvGraphicFramePr>
+          <p:nvPr>
+            <p:extLst>
+              <p:ext uri="{D42A27DB-BD31-4B8C-83A1-F6EECF244321}">
+                <p14:modId xmlns:p14="http://schemas.microsoft.com/office/powerpoint/2010/main" val="3935732626"/>
+              </p:ext>
+            </p:extLst>
+          </p:nvPr>
+        </p:nvGraphicFramePr>
+        <p:xfrm>
+          <a:off x="1313236" y="1690688"/>
+          <a:ext cx="9565527" cy="3824718"/>
+        </p:xfrm>
+        <a:graphic>
+          <a:graphicData uri="http://schemas.openxmlformats.org/drawingml/2006/table">
+            <a:tbl>
+              <a:tblPr firstRow="1" bandRow="1">
+                <a:tableStyleId>{2D5ABB26-0587-4C30-8999-92F81FD0307C}</a:tableStyleId>
+              </a:tblPr>
+              <a:tblGrid>
+                <a:gridCol w="3240000">
+                  <a:extLst>
+                    <a:ext uri="{9D8B030D-6E8A-4147-A177-3AD203B41FA5}">
+                      <a16:colId xmlns:a16="http://schemas.microsoft.com/office/drawing/2014/main" val="301707538"/>
+                    </a:ext>
+                  </a:extLst>
+                </a:gridCol>
+                <a:gridCol w="3044745">
+                  <a:extLst>
+                    <a:ext uri="{9D8B030D-6E8A-4147-A177-3AD203B41FA5}">
+                      <a16:colId xmlns:a16="http://schemas.microsoft.com/office/drawing/2014/main" val="3229960533"/>
+                    </a:ext>
+                  </a:extLst>
+                </a:gridCol>
+                <a:gridCol w="3280782">
+                  <a:extLst>
+                    <a:ext uri="{9D8B030D-6E8A-4147-A177-3AD203B41FA5}">
+                      <a16:colId xmlns:a16="http://schemas.microsoft.com/office/drawing/2014/main" val="820344272"/>
+                    </a:ext>
+                  </a:extLst>
+                </a:gridCol>
+              </a:tblGrid>
+              <a:tr h="806483">
+                <a:tc>
+                  <a:txBody>
+                    <a:bodyPr/>
+                    <a:lstStyle/>
+                    <a:p>
+                      <a:pPr algn="ctr">
+                        <a:lnSpc>
+                          <a:spcPct val="150000"/>
+                        </a:lnSpc>
+                      </a:pPr>
+                      <a:r>
+                        <a:rPr kumimoji="1" lang="ja-JP" altLang="en-US" sz="2800" dirty="0" smtClean="0"/>
+                        <a:t>要件</a:t>
+                      </a:r>
+                      <a:endParaRPr kumimoji="1" lang="ja-JP" altLang="en-US" sz="2800" b="1" dirty="0"/>
+                    </a:p>
+                  </a:txBody>
+                  <a:tcPr anchor="ctr">
+                    <a:lnL w="12700" cap="flat" cmpd="sng" algn="ctr">
+                      <a:solidFill>
+                        <a:schemeClr val="tx1"/>
+                      </a:solidFill>
+                      <a:prstDash val="solid"/>
+                      <a:round/>
+                      <a:headEnd type="none" w="med" len="med"/>
+                      <a:tailEnd type="none" w="med" len="med"/>
+                    </a:lnL>
+                    <a:lnR w="12700" cap="flat" cmpd="sng" algn="ctr">
+                      <a:solidFill>
+                        <a:schemeClr val="tx1"/>
+                      </a:solidFill>
+                      <a:prstDash val="solid"/>
+                      <a:round/>
+                      <a:headEnd type="none" w="med" len="med"/>
+                      <a:tailEnd type="none" w="med" len="med"/>
+                    </a:lnR>
+                    <a:lnT w="12700" cap="flat" cmpd="sng" algn="ctr">
+                      <a:solidFill>
+                        <a:schemeClr val="tx1"/>
+                      </a:solidFill>
+                      <a:prstDash val="solid"/>
+                      <a:round/>
+                      <a:headEnd type="none" w="med" len="med"/>
+                      <a:tailEnd type="none" w="med" len="med"/>
+                    </a:lnT>
+                    <a:lnB w="12700" cap="flat" cmpd="sng" algn="ctr">
+                      <a:solidFill>
+                        <a:schemeClr val="tx1"/>
+                      </a:solidFill>
+                      <a:prstDash val="solid"/>
+                      <a:round/>
+                      <a:headEnd type="none" w="med" len="med"/>
+                      <a:tailEnd type="none" w="med" len="med"/>
+                    </a:lnB>
+                    <a:noFill/>
+                  </a:tcPr>
+                </a:tc>
+                <a:tc>
+                  <a:txBody>
+                    <a:bodyPr/>
+                    <a:lstStyle/>
+                    <a:p>
+                      <a:pPr algn="ctr">
+                        <a:lnSpc>
+                          <a:spcPct val="150000"/>
+                        </a:lnSpc>
+                      </a:pPr>
+                      <a:r>
+                        <a:rPr kumimoji="1" lang="ja-JP" altLang="en-US" sz="2800" dirty="0" smtClean="0"/>
+                        <a:t>見積り（時間）</a:t>
+                      </a:r>
+                      <a:endParaRPr kumimoji="1" lang="ja-JP" altLang="en-US" sz="2800" b="1" dirty="0"/>
+                    </a:p>
+                  </a:txBody>
+                  <a:tcPr anchor="ctr">
+                    <a:lnL w="12700" cap="flat" cmpd="sng" algn="ctr">
+                      <a:solidFill>
+                        <a:schemeClr val="tx1"/>
+                      </a:solidFill>
+                      <a:prstDash val="solid"/>
+                      <a:round/>
+                      <a:headEnd type="none" w="med" len="med"/>
+                      <a:tailEnd type="none" w="med" len="med"/>
+                    </a:lnL>
+                    <a:lnR w="12700" cap="flat" cmpd="sng" algn="ctr">
+                      <a:solidFill>
+                        <a:schemeClr val="tx1"/>
+                      </a:solidFill>
+                      <a:prstDash val="solid"/>
+                      <a:round/>
+                      <a:headEnd type="none" w="med" len="med"/>
+                      <a:tailEnd type="none" w="med" len="med"/>
+                    </a:lnR>
+                    <a:lnT w="12700" cap="flat" cmpd="sng" algn="ctr">
+                      <a:solidFill>
+                        <a:schemeClr val="tx1"/>
+                      </a:solidFill>
+                      <a:prstDash val="solid"/>
+                      <a:round/>
+                      <a:headEnd type="none" w="med" len="med"/>
+                      <a:tailEnd type="none" w="med" len="med"/>
+                    </a:lnT>
+                    <a:lnB w="12700" cap="flat" cmpd="sng" algn="ctr">
+                      <a:solidFill>
+                        <a:schemeClr val="tx1"/>
+                      </a:solidFill>
+                      <a:prstDash val="solid"/>
+                      <a:round/>
+                      <a:headEnd type="none" w="med" len="med"/>
+                      <a:tailEnd type="none" w="med" len="med"/>
+                    </a:lnB>
+                    <a:noFill/>
+                  </a:tcPr>
+                </a:tc>
+                <a:tc>
+                  <a:txBody>
+                    <a:bodyPr/>
+                    <a:lstStyle/>
+                    <a:p>
+                      <a:pPr marL="0" marR="0" indent="0" algn="ctr" defTabSz="914400" rtl="0" eaLnBrk="1" fontAlgn="auto" latinLnBrk="0" hangingPunct="1">
+                        <a:lnSpc>
+                          <a:spcPct val="150000"/>
+                        </a:lnSpc>
+                        <a:spcBef>
+                          <a:spcPts val="0"/>
+                        </a:spcBef>
+                        <a:spcAft>
+                          <a:spcPts val="0"/>
+                        </a:spcAft>
+                        <a:buClrTx/>
+                        <a:buSzTx/>
+                        <a:buFontTx/>
+                        <a:buNone/>
+                        <a:tabLst/>
+                        <a:defRPr/>
+                      </a:pPr>
+                      <a:r>
+                        <a:rPr kumimoji="1" lang="ja-JP" altLang="en-US" sz="2800" dirty="0" smtClean="0"/>
+                        <a:t>優先順位</a:t>
+                      </a:r>
+                      <a:endParaRPr kumimoji="1" lang="ja-JP" altLang="en-US" sz="2800" b="1" dirty="0" smtClean="0"/>
+                    </a:p>
+                  </a:txBody>
+                  <a:tcPr anchor="ctr">
+                    <a:lnL w="12700" cap="flat" cmpd="sng" algn="ctr">
+                      <a:solidFill>
+                        <a:schemeClr val="tx1"/>
+                      </a:solidFill>
+                      <a:prstDash val="solid"/>
+                      <a:round/>
+                      <a:headEnd type="none" w="med" len="med"/>
+                      <a:tailEnd type="none" w="med" len="med"/>
+                    </a:lnL>
+                    <a:lnR w="12700" cap="flat" cmpd="sng" algn="ctr">
+                      <a:solidFill>
+                        <a:schemeClr val="tx1"/>
+                      </a:solidFill>
+                      <a:prstDash val="solid"/>
+                      <a:round/>
+                      <a:headEnd type="none" w="med" len="med"/>
+                      <a:tailEnd type="none" w="med" len="med"/>
+                    </a:lnR>
+                    <a:lnT w="12700" cap="flat" cmpd="sng" algn="ctr">
+                      <a:solidFill>
+                        <a:schemeClr val="tx1"/>
+                      </a:solidFill>
+                      <a:prstDash val="solid"/>
+                      <a:round/>
+                      <a:headEnd type="none" w="med" len="med"/>
+                      <a:tailEnd type="none" w="med" len="med"/>
+                    </a:lnT>
+                    <a:lnB w="12700" cap="flat" cmpd="sng" algn="ctr">
+                      <a:solidFill>
+                        <a:schemeClr val="tx1"/>
+                      </a:solidFill>
+                      <a:prstDash val="solid"/>
+                      <a:round/>
+                      <a:headEnd type="none" w="med" len="med"/>
+                      <a:tailEnd type="none" w="med" len="med"/>
+                    </a:lnB>
+                    <a:noFill/>
+                  </a:tcPr>
+                </a:tc>
+                <a:extLst>
+                  <a:ext uri="{0D108BD9-81ED-4DB2-BD59-A6C34878D82A}">
+                    <a16:rowId xmlns:a16="http://schemas.microsoft.com/office/drawing/2014/main" val="331362158"/>
+                  </a:ext>
+                </a:extLst>
+              </a:tr>
+              <a:tr h="518400">
+                <a:tc>
+                  <a:txBody>
+                    <a:bodyPr/>
+                    <a:lstStyle/>
+                    <a:p>
+                      <a:pPr marL="0" marR="0" indent="0" algn="l" defTabSz="914400" rtl="0" eaLnBrk="1" fontAlgn="auto" latinLnBrk="0" hangingPunct="1">
+                        <a:lnSpc>
+                          <a:spcPct val="100000"/>
+                        </a:lnSpc>
+                        <a:spcBef>
+                          <a:spcPts val="0"/>
+                        </a:spcBef>
+                        <a:spcAft>
+                          <a:spcPts val="0"/>
+                        </a:spcAft>
+                        <a:buClrTx/>
+                        <a:buSzTx/>
+                        <a:buFontTx/>
+                        <a:buNone/>
+                        <a:tabLst/>
+                        <a:defRPr/>
+                      </a:pPr>
+                      <a:r>
+                        <a:rPr lang="ja-JP" altLang="en-US" sz="2800" dirty="0" smtClean="0"/>
+                        <a:t>トップページ</a:t>
+                      </a:r>
+                      <a:endParaRPr lang="en-US" altLang="ja-JP" sz="2800" b="1" dirty="0" smtClean="0"/>
+                    </a:p>
+                  </a:txBody>
+                  <a:tcPr>
+                    <a:lnL w="12700" cap="flat" cmpd="sng" algn="ctr">
+                      <a:solidFill>
+                        <a:schemeClr val="tx1"/>
+                      </a:solidFill>
+                      <a:prstDash val="solid"/>
+                      <a:round/>
+                      <a:headEnd type="none" w="med" len="med"/>
+                      <a:tailEnd type="none" w="med" len="med"/>
+                    </a:lnL>
+                    <a:lnR w="12700" cap="flat" cmpd="sng" algn="ctr">
+                      <a:solidFill>
+                        <a:schemeClr val="tx1"/>
+                      </a:solidFill>
+                      <a:prstDash val="solid"/>
+                      <a:round/>
+                      <a:headEnd type="none" w="med" len="med"/>
+                      <a:tailEnd type="none" w="med" len="med"/>
+                    </a:lnR>
+                    <a:lnT w="12700" cap="flat" cmpd="sng" algn="ctr">
+                      <a:solidFill>
+                        <a:schemeClr val="tx1"/>
+                      </a:solidFill>
+                      <a:prstDash val="solid"/>
+                      <a:round/>
+                      <a:headEnd type="none" w="med" len="med"/>
+                      <a:tailEnd type="none" w="med" len="med"/>
+                    </a:lnT>
+                    <a:lnB w="12700" cap="flat" cmpd="sng" algn="ctr">
+                      <a:solidFill>
+                        <a:schemeClr val="tx1"/>
+                      </a:solidFill>
+                      <a:prstDash val="solid"/>
+                      <a:round/>
+                      <a:headEnd type="none" w="med" len="med"/>
+                      <a:tailEnd type="none" w="med" len="med"/>
+                    </a:lnB>
+                    <a:noFill/>
+                  </a:tcPr>
+                </a:tc>
+                <a:tc>
+                  <a:txBody>
+                    <a:bodyPr/>
+                    <a:lstStyle/>
+                    <a:p>
+                      <a:pPr algn="r"/>
+                      <a:r>
+                        <a:rPr kumimoji="1" lang="en-US" altLang="ja-JP" sz="2800" dirty="0" smtClean="0"/>
+                        <a:t>20</a:t>
+                      </a:r>
+                      <a:endParaRPr kumimoji="1" lang="ja-JP" altLang="en-US" sz="2800" b="1" dirty="0"/>
+                    </a:p>
+                  </a:txBody>
+                  <a:tcPr>
+                    <a:lnL w="12700" cap="flat" cmpd="sng" algn="ctr">
+                      <a:solidFill>
+                        <a:schemeClr val="tx1"/>
+                      </a:solidFill>
+                      <a:prstDash val="solid"/>
+                      <a:round/>
+                      <a:headEnd type="none" w="med" len="med"/>
+                      <a:tailEnd type="none" w="med" len="med"/>
+                    </a:lnL>
+                    <a:lnR w="12700" cap="flat" cmpd="sng" algn="ctr">
+                      <a:solidFill>
+                        <a:schemeClr val="tx1"/>
+                      </a:solidFill>
+                      <a:prstDash val="solid"/>
+                      <a:round/>
+                      <a:headEnd type="none" w="med" len="med"/>
+                      <a:tailEnd type="none" w="med" len="med"/>
+                    </a:lnR>
+                    <a:lnT w="12700" cap="flat" cmpd="sng" algn="ctr">
+                      <a:solidFill>
+                        <a:schemeClr val="tx1"/>
+                      </a:solidFill>
+                      <a:prstDash val="solid"/>
+                      <a:round/>
+                      <a:headEnd type="none" w="med" len="med"/>
+                      <a:tailEnd type="none" w="med" len="med"/>
+                    </a:lnT>
+                    <a:lnB w="12700" cap="flat" cmpd="sng" algn="ctr">
+                      <a:solidFill>
+                        <a:schemeClr val="tx1"/>
+                      </a:solidFill>
+                      <a:prstDash val="solid"/>
+                      <a:round/>
+                      <a:headEnd type="none" w="med" len="med"/>
+                      <a:tailEnd type="none" w="med" len="med"/>
+                    </a:lnB>
+                    <a:noFill/>
+                  </a:tcPr>
+                </a:tc>
+                <a:tc>
+                  <a:txBody>
+                    <a:bodyPr/>
+                    <a:lstStyle/>
+                    <a:p>
+                      <a:pPr algn="r"/>
+                      <a:r>
+                        <a:rPr kumimoji="1" lang="en-US" altLang="ja-JP" sz="2800" dirty="0" smtClean="0"/>
+                        <a:t>1</a:t>
+                      </a:r>
+                      <a:endParaRPr kumimoji="1" lang="ja-JP" altLang="en-US" sz="2800" b="1" dirty="0"/>
+                    </a:p>
+                  </a:txBody>
+                  <a:tcPr>
+                    <a:lnL w="12700" cap="flat" cmpd="sng" algn="ctr">
+                      <a:solidFill>
+                        <a:schemeClr val="tx1"/>
+                      </a:solidFill>
+                      <a:prstDash val="solid"/>
+                      <a:round/>
+                      <a:headEnd type="none" w="med" len="med"/>
+                      <a:tailEnd type="none" w="med" len="med"/>
+                    </a:lnL>
+                    <a:lnR w="12700" cap="flat" cmpd="sng" algn="ctr">
+                      <a:solidFill>
+                        <a:schemeClr val="tx1"/>
+                      </a:solidFill>
+                      <a:prstDash val="solid"/>
+                      <a:round/>
+                      <a:headEnd type="none" w="med" len="med"/>
+                      <a:tailEnd type="none" w="med" len="med"/>
+                    </a:lnR>
+                    <a:lnT w="12700" cap="flat" cmpd="sng" algn="ctr">
+                      <a:solidFill>
+                        <a:schemeClr val="tx1"/>
+                      </a:solidFill>
+                      <a:prstDash val="solid"/>
+                      <a:round/>
+                      <a:headEnd type="none" w="med" len="med"/>
+                      <a:tailEnd type="none" w="med" len="med"/>
+                    </a:lnT>
+                    <a:lnB w="12700" cap="flat" cmpd="sng" algn="ctr">
+                      <a:solidFill>
+                        <a:schemeClr val="tx1"/>
+                      </a:solidFill>
+                      <a:prstDash val="solid"/>
+                      <a:round/>
+                      <a:headEnd type="none" w="med" len="med"/>
+                      <a:tailEnd type="none" w="med" len="med"/>
+                    </a:lnB>
+                    <a:noFill/>
+                  </a:tcPr>
+                </a:tc>
+                <a:extLst>
+                  <a:ext uri="{0D108BD9-81ED-4DB2-BD59-A6C34878D82A}">
+                    <a16:rowId xmlns:a16="http://schemas.microsoft.com/office/drawing/2014/main" val="3897752923"/>
+                  </a:ext>
+                </a:extLst>
+              </a:tr>
+              <a:tr h="499778">
+                <a:tc>
+                  <a:txBody>
+                    <a:bodyPr/>
+                    <a:lstStyle/>
+                    <a:p>
+                      <a:pPr marL="0" marR="0" indent="0" algn="l" defTabSz="914400" rtl="0" eaLnBrk="1" fontAlgn="auto" latinLnBrk="0" hangingPunct="1">
+                        <a:lnSpc>
+                          <a:spcPct val="100000"/>
+                        </a:lnSpc>
+                        <a:spcBef>
+                          <a:spcPts val="0"/>
+                        </a:spcBef>
+                        <a:spcAft>
+                          <a:spcPts val="0"/>
+                        </a:spcAft>
+                        <a:buClrTx/>
+                        <a:buSzTx/>
+                        <a:buFontTx/>
+                        <a:buNone/>
+                        <a:tabLst/>
+                        <a:defRPr/>
+                      </a:pPr>
+                      <a:r>
+                        <a:rPr lang="en-US" altLang="ja-JP" sz="2800" dirty="0" smtClean="0"/>
+                        <a:t>Twitter</a:t>
+                      </a:r>
+                      <a:r>
+                        <a:rPr lang="ja-JP" altLang="en-US" sz="2800" dirty="0" smtClean="0"/>
+                        <a:t> </a:t>
+                      </a:r>
+                      <a:r>
+                        <a:rPr lang="en-US" altLang="ja-JP" sz="2800" dirty="0" smtClean="0"/>
+                        <a:t>API</a:t>
+                      </a:r>
+                      <a:endParaRPr lang="en-US" altLang="ja-JP" sz="2800" b="1" dirty="0" smtClean="0"/>
+                    </a:p>
+                  </a:txBody>
+                  <a:tcPr>
+                    <a:lnL w="12700" cap="flat" cmpd="sng" algn="ctr">
+                      <a:solidFill>
+                        <a:schemeClr val="tx1"/>
+                      </a:solidFill>
+                      <a:prstDash val="solid"/>
+                      <a:round/>
+                      <a:headEnd type="none" w="med" len="med"/>
+                      <a:tailEnd type="none" w="med" len="med"/>
+                    </a:lnL>
+                    <a:lnR w="12700" cap="flat" cmpd="sng" algn="ctr">
+                      <a:solidFill>
+                        <a:schemeClr val="tx1"/>
+                      </a:solidFill>
+                      <a:prstDash val="solid"/>
+                      <a:round/>
+                      <a:headEnd type="none" w="med" len="med"/>
+                      <a:tailEnd type="none" w="med" len="med"/>
+                    </a:lnR>
+                    <a:lnT w="12700" cap="flat" cmpd="sng" algn="ctr">
+                      <a:solidFill>
+                        <a:schemeClr val="tx1"/>
+                      </a:solidFill>
+                      <a:prstDash val="solid"/>
+                      <a:round/>
+                      <a:headEnd type="none" w="med" len="med"/>
+                      <a:tailEnd type="none" w="med" len="med"/>
+                    </a:lnT>
+                    <a:lnB w="12700" cap="flat" cmpd="sng" algn="ctr">
+                      <a:solidFill>
+                        <a:schemeClr val="tx1"/>
+                      </a:solidFill>
+                      <a:prstDash val="solid"/>
+                      <a:round/>
+                      <a:headEnd type="none" w="med" len="med"/>
+                      <a:tailEnd type="none" w="med" len="med"/>
+                    </a:lnB>
+                    <a:noFill/>
+                  </a:tcPr>
+                </a:tc>
+                <a:tc>
+                  <a:txBody>
+                    <a:bodyPr/>
+                    <a:lstStyle/>
+                    <a:p>
+                      <a:pPr algn="r"/>
+                      <a:r>
+                        <a:rPr kumimoji="1" lang="en-US" altLang="ja-JP" sz="2800" dirty="0" smtClean="0"/>
+                        <a:t>20</a:t>
+                      </a:r>
+                      <a:endParaRPr kumimoji="1" lang="ja-JP" altLang="en-US" sz="2800" b="1" dirty="0"/>
+                    </a:p>
+                  </a:txBody>
+                  <a:tcPr>
+                    <a:lnL w="12700" cap="flat" cmpd="sng" algn="ctr">
+                      <a:solidFill>
+                        <a:schemeClr val="tx1"/>
+                      </a:solidFill>
+                      <a:prstDash val="solid"/>
+                      <a:round/>
+                      <a:headEnd type="none" w="med" len="med"/>
+                      <a:tailEnd type="none" w="med" len="med"/>
+                    </a:lnL>
+                    <a:lnR w="12700" cap="flat" cmpd="sng" algn="ctr">
+                      <a:solidFill>
+                        <a:schemeClr val="tx1"/>
+                      </a:solidFill>
+                      <a:prstDash val="solid"/>
+                      <a:round/>
+                      <a:headEnd type="none" w="med" len="med"/>
+                      <a:tailEnd type="none" w="med" len="med"/>
+                    </a:lnR>
+                    <a:lnT w="12700" cap="flat" cmpd="sng" algn="ctr">
+                      <a:solidFill>
+                        <a:schemeClr val="tx1"/>
+                      </a:solidFill>
+                      <a:prstDash val="solid"/>
+                      <a:round/>
+                      <a:headEnd type="none" w="med" len="med"/>
+                      <a:tailEnd type="none" w="med" len="med"/>
+                    </a:lnT>
+                    <a:lnB w="12700" cap="flat" cmpd="sng" algn="ctr">
+                      <a:solidFill>
+                        <a:schemeClr val="tx1"/>
+                      </a:solidFill>
+                      <a:prstDash val="solid"/>
+                      <a:round/>
+                      <a:headEnd type="none" w="med" len="med"/>
+                      <a:tailEnd type="none" w="med" len="med"/>
+                    </a:lnB>
+                    <a:noFill/>
+                  </a:tcPr>
+                </a:tc>
+                <a:tc>
+                  <a:txBody>
+                    <a:bodyPr/>
+                    <a:lstStyle/>
+                    <a:p>
+                      <a:pPr algn="r"/>
+                      <a:r>
+                        <a:rPr kumimoji="1" lang="en-US" altLang="ja-JP" sz="2800" dirty="0" smtClean="0"/>
+                        <a:t>2</a:t>
+                      </a:r>
+                      <a:endParaRPr kumimoji="1" lang="ja-JP" altLang="en-US" sz="2800" b="1" dirty="0"/>
+                    </a:p>
+                  </a:txBody>
+                  <a:tcPr>
+                    <a:lnL w="12700" cap="flat" cmpd="sng" algn="ctr">
+                      <a:solidFill>
+                        <a:schemeClr val="tx1"/>
+                      </a:solidFill>
+                      <a:prstDash val="solid"/>
+                      <a:round/>
+                      <a:headEnd type="none" w="med" len="med"/>
+                      <a:tailEnd type="none" w="med" len="med"/>
+                    </a:lnL>
+                    <a:lnR w="12700" cap="flat" cmpd="sng" algn="ctr">
+                      <a:solidFill>
+                        <a:schemeClr val="tx1"/>
+                      </a:solidFill>
+                      <a:prstDash val="solid"/>
+                      <a:round/>
+                      <a:headEnd type="none" w="med" len="med"/>
+                      <a:tailEnd type="none" w="med" len="med"/>
+                    </a:lnR>
+                    <a:lnT w="12700" cap="flat" cmpd="sng" algn="ctr">
+                      <a:solidFill>
+                        <a:schemeClr val="tx1"/>
+                      </a:solidFill>
+                      <a:prstDash val="solid"/>
+                      <a:round/>
+                      <a:headEnd type="none" w="med" len="med"/>
+                      <a:tailEnd type="none" w="med" len="med"/>
+                    </a:lnT>
+                    <a:lnB w="12700" cap="flat" cmpd="sng" algn="ctr">
+                      <a:solidFill>
+                        <a:schemeClr val="tx1"/>
+                      </a:solidFill>
+                      <a:prstDash val="solid"/>
+                      <a:round/>
+                      <a:headEnd type="none" w="med" len="med"/>
+                      <a:tailEnd type="none" w="med" len="med"/>
+                    </a:lnB>
+                    <a:noFill/>
+                  </a:tcPr>
+                </a:tc>
+                <a:extLst>
+                  <a:ext uri="{0D108BD9-81ED-4DB2-BD59-A6C34878D82A}">
+                    <a16:rowId xmlns:a16="http://schemas.microsoft.com/office/drawing/2014/main" val="3588780552"/>
+                  </a:ext>
+                </a:extLst>
+              </a:tr>
+              <a:tr h="518395">
+                <a:tc>
+                  <a:txBody>
+                    <a:bodyPr/>
+                    <a:lstStyle/>
+                    <a:p>
+                      <a:pPr marL="0" marR="0" indent="0" algn="l" defTabSz="914400" rtl="0" eaLnBrk="1" fontAlgn="auto" latinLnBrk="0" hangingPunct="1">
+                        <a:lnSpc>
+                          <a:spcPct val="100000"/>
+                        </a:lnSpc>
+                        <a:spcBef>
+                          <a:spcPts val="0"/>
+                        </a:spcBef>
+                        <a:spcAft>
+                          <a:spcPts val="0"/>
+                        </a:spcAft>
+                        <a:buClrTx/>
+                        <a:buSzTx/>
+                        <a:buFontTx/>
+                        <a:buNone/>
+                        <a:tabLst/>
+                        <a:defRPr/>
+                      </a:pPr>
+                      <a:r>
+                        <a:rPr lang="ja-JP" altLang="en-US" sz="2800" dirty="0" smtClean="0"/>
+                        <a:t>過去問・シラバス</a:t>
+                      </a:r>
+                      <a:endParaRPr lang="en-US" altLang="ja-JP" sz="2800" b="1" dirty="0" smtClean="0"/>
+                    </a:p>
+                  </a:txBody>
+                  <a:tcPr>
+                    <a:lnL w="12700" cap="flat" cmpd="sng" algn="ctr">
+                      <a:solidFill>
+                        <a:schemeClr val="tx1"/>
+                      </a:solidFill>
+                      <a:prstDash val="solid"/>
+                      <a:round/>
+                      <a:headEnd type="none" w="med" len="med"/>
+                      <a:tailEnd type="none" w="med" len="med"/>
+                    </a:lnL>
+                    <a:lnR w="12700" cap="flat" cmpd="sng" algn="ctr">
+                      <a:solidFill>
+                        <a:schemeClr val="tx1"/>
+                      </a:solidFill>
+                      <a:prstDash val="solid"/>
+                      <a:round/>
+                      <a:headEnd type="none" w="med" len="med"/>
+                      <a:tailEnd type="none" w="med" len="med"/>
+                    </a:lnR>
+                    <a:lnT w="12700" cap="flat" cmpd="sng" algn="ctr">
+                      <a:solidFill>
+                        <a:schemeClr val="tx1"/>
+                      </a:solidFill>
+                      <a:prstDash val="solid"/>
+                      <a:round/>
+                      <a:headEnd type="none" w="med" len="med"/>
+                      <a:tailEnd type="none" w="med" len="med"/>
+                    </a:lnT>
+                    <a:lnB w="12700" cap="flat" cmpd="sng" algn="ctr">
+                      <a:solidFill>
+                        <a:schemeClr val="tx1"/>
+                      </a:solidFill>
+                      <a:prstDash val="solid"/>
+                      <a:round/>
+                      <a:headEnd type="none" w="med" len="med"/>
+                      <a:tailEnd type="none" w="med" len="med"/>
+                    </a:lnB>
+                    <a:noFill/>
+                  </a:tcPr>
+                </a:tc>
+                <a:tc>
+                  <a:txBody>
+                    <a:bodyPr/>
+                    <a:lstStyle/>
+                    <a:p>
+                      <a:pPr algn="r"/>
+                      <a:r>
+                        <a:rPr kumimoji="1" lang="en-US" altLang="ja-JP" sz="2800" dirty="0" smtClean="0"/>
+                        <a:t>44</a:t>
+                      </a:r>
+                      <a:endParaRPr kumimoji="1" lang="ja-JP" altLang="en-US" sz="2800" b="1" dirty="0"/>
+                    </a:p>
+                  </a:txBody>
+                  <a:tcPr>
+                    <a:lnL w="12700" cap="flat" cmpd="sng" algn="ctr">
+                      <a:solidFill>
+                        <a:schemeClr val="tx1"/>
+                      </a:solidFill>
+                      <a:prstDash val="solid"/>
+                      <a:round/>
+                      <a:headEnd type="none" w="med" len="med"/>
+                      <a:tailEnd type="none" w="med" len="med"/>
+                    </a:lnL>
+                    <a:lnR w="12700" cap="flat" cmpd="sng" algn="ctr">
+                      <a:solidFill>
+                        <a:schemeClr val="tx1"/>
+                      </a:solidFill>
+                      <a:prstDash val="solid"/>
+                      <a:round/>
+                      <a:headEnd type="none" w="med" len="med"/>
+                      <a:tailEnd type="none" w="med" len="med"/>
+                    </a:lnR>
+                    <a:lnT w="12700" cap="flat" cmpd="sng" algn="ctr">
+                      <a:solidFill>
+                        <a:schemeClr val="tx1"/>
+                      </a:solidFill>
+                      <a:prstDash val="solid"/>
+                      <a:round/>
+                      <a:headEnd type="none" w="med" len="med"/>
+                      <a:tailEnd type="none" w="med" len="med"/>
+                    </a:lnT>
+                    <a:lnB w="12700" cap="flat" cmpd="sng" algn="ctr">
+                      <a:solidFill>
+                        <a:schemeClr val="tx1"/>
+                      </a:solidFill>
+                      <a:prstDash val="solid"/>
+                      <a:round/>
+                      <a:headEnd type="none" w="med" len="med"/>
+                      <a:tailEnd type="none" w="med" len="med"/>
+                    </a:lnB>
+                    <a:noFill/>
+                  </a:tcPr>
+                </a:tc>
+                <a:tc>
+                  <a:txBody>
+                    <a:bodyPr/>
+                    <a:lstStyle/>
+                    <a:p>
+                      <a:pPr algn="r"/>
+                      <a:r>
+                        <a:rPr kumimoji="1" lang="en-US" altLang="ja-JP" sz="2800" dirty="0" smtClean="0"/>
+                        <a:t>3</a:t>
+                      </a:r>
+                      <a:endParaRPr kumimoji="1" lang="ja-JP" altLang="en-US" sz="2800" b="1" dirty="0"/>
+                    </a:p>
+                  </a:txBody>
+                  <a:tcPr>
+                    <a:lnL w="12700" cap="flat" cmpd="sng" algn="ctr">
+                      <a:solidFill>
+                        <a:schemeClr val="tx1"/>
+                      </a:solidFill>
+                      <a:prstDash val="solid"/>
+                      <a:round/>
+                      <a:headEnd type="none" w="med" len="med"/>
+                      <a:tailEnd type="none" w="med" len="med"/>
+                    </a:lnL>
+                    <a:lnR w="12700" cap="flat" cmpd="sng" algn="ctr">
+                      <a:solidFill>
+                        <a:schemeClr val="tx1"/>
+                      </a:solidFill>
+                      <a:prstDash val="solid"/>
+                      <a:round/>
+                      <a:headEnd type="none" w="med" len="med"/>
+                      <a:tailEnd type="none" w="med" len="med"/>
+                    </a:lnR>
+                    <a:lnT w="12700" cap="flat" cmpd="sng" algn="ctr">
+                      <a:solidFill>
+                        <a:schemeClr val="tx1"/>
+                      </a:solidFill>
+                      <a:prstDash val="solid"/>
+                      <a:round/>
+                      <a:headEnd type="none" w="med" len="med"/>
+                      <a:tailEnd type="none" w="med" len="med"/>
+                    </a:lnT>
+                    <a:lnB w="12700" cap="flat" cmpd="sng" algn="ctr">
+                      <a:solidFill>
+                        <a:schemeClr val="tx1"/>
+                      </a:solidFill>
+                      <a:prstDash val="solid"/>
+                      <a:round/>
+                      <a:headEnd type="none" w="med" len="med"/>
+                      <a:tailEnd type="none" w="med" len="med"/>
+                    </a:lnB>
+                    <a:noFill/>
+                  </a:tcPr>
+                </a:tc>
+                <a:extLst>
+                  <a:ext uri="{0D108BD9-81ED-4DB2-BD59-A6C34878D82A}">
+                    <a16:rowId xmlns:a16="http://schemas.microsoft.com/office/drawing/2014/main" val="398459552"/>
+                  </a:ext>
+                </a:extLst>
+              </a:tr>
+              <a:tr h="936000">
+                <a:tc>
+                  <a:txBody>
+                    <a:bodyPr/>
+                    <a:lstStyle/>
+                    <a:p>
+                      <a:pPr marL="0" marR="0" indent="0" algn="l" defTabSz="914400" rtl="0" eaLnBrk="1" fontAlgn="auto" latinLnBrk="0" hangingPunct="1">
+                        <a:lnSpc>
+                          <a:spcPct val="100000"/>
+                        </a:lnSpc>
+                        <a:spcBef>
+                          <a:spcPts val="0"/>
+                        </a:spcBef>
+                        <a:spcAft>
+                          <a:spcPts val="0"/>
+                        </a:spcAft>
+                        <a:buClrTx/>
+                        <a:buSzTx/>
+                        <a:buFontTx/>
+                        <a:buNone/>
+                        <a:tabLst/>
+                        <a:defRPr/>
+                      </a:pPr>
+                      <a:r>
+                        <a:rPr lang="ja-JP" altLang="en-US" sz="2800" dirty="0" smtClean="0"/>
+                        <a:t>過去の実験や</a:t>
+                      </a:r>
+                      <a:endParaRPr lang="en-US" altLang="ja-JP" sz="2800" dirty="0" smtClean="0"/>
+                    </a:p>
+                    <a:p>
+                      <a:pPr marL="0" marR="0" indent="0" algn="l" defTabSz="914400" rtl="0" eaLnBrk="1" fontAlgn="auto" latinLnBrk="0" hangingPunct="1">
+                        <a:lnSpc>
+                          <a:spcPct val="100000"/>
+                        </a:lnSpc>
+                        <a:spcBef>
+                          <a:spcPts val="0"/>
+                        </a:spcBef>
+                        <a:spcAft>
+                          <a:spcPts val="0"/>
+                        </a:spcAft>
+                        <a:buClrTx/>
+                        <a:buSzTx/>
+                        <a:buFontTx/>
+                        <a:buNone/>
+                        <a:tabLst/>
+                        <a:defRPr/>
+                      </a:pPr>
+                      <a:r>
+                        <a:rPr lang="ja-JP" altLang="en-US" sz="2800" dirty="0" smtClean="0"/>
+                        <a:t>演習などの成果物</a:t>
+                      </a:r>
+                      <a:endParaRPr kumimoji="1" lang="ja-JP" altLang="en-US" sz="2800" b="1" dirty="0"/>
+                    </a:p>
+                  </a:txBody>
+                  <a:tcPr>
+                    <a:lnL w="12700" cap="flat" cmpd="sng" algn="ctr">
+                      <a:solidFill>
+                        <a:schemeClr val="tx1"/>
+                      </a:solidFill>
+                      <a:prstDash val="solid"/>
+                      <a:round/>
+                      <a:headEnd type="none" w="med" len="med"/>
+                      <a:tailEnd type="none" w="med" len="med"/>
+                    </a:lnL>
+                    <a:lnR w="12700" cap="flat" cmpd="sng" algn="ctr">
+                      <a:solidFill>
+                        <a:schemeClr val="tx1"/>
+                      </a:solidFill>
+                      <a:prstDash val="solid"/>
+                      <a:round/>
+                      <a:headEnd type="none" w="med" len="med"/>
+                      <a:tailEnd type="none" w="med" len="med"/>
+                    </a:lnR>
+                    <a:lnT w="12700" cap="flat" cmpd="sng" algn="ctr">
+                      <a:solidFill>
+                        <a:schemeClr val="tx1"/>
+                      </a:solidFill>
+                      <a:prstDash val="solid"/>
+                      <a:round/>
+                      <a:headEnd type="none" w="med" len="med"/>
+                      <a:tailEnd type="none" w="med" len="med"/>
+                    </a:lnT>
+                    <a:lnB w="12700" cap="flat" cmpd="sng" algn="ctr">
+                      <a:solidFill>
+                        <a:schemeClr val="tx1"/>
+                      </a:solidFill>
+                      <a:prstDash val="solid"/>
+                      <a:round/>
+                      <a:headEnd type="none" w="med" len="med"/>
+                      <a:tailEnd type="none" w="med" len="med"/>
+                    </a:lnB>
+                    <a:noFill/>
+                  </a:tcPr>
+                </a:tc>
+                <a:tc>
+                  <a:txBody>
+                    <a:bodyPr/>
+                    <a:lstStyle/>
+                    <a:p>
+                      <a:pPr algn="r"/>
+                      <a:r>
+                        <a:rPr kumimoji="1" lang="en-US" altLang="ja-JP" sz="2800" dirty="0" smtClean="0"/>
+                        <a:t>40</a:t>
+                      </a:r>
+                      <a:endParaRPr kumimoji="1" lang="ja-JP" altLang="en-US" sz="2800" b="1" dirty="0"/>
+                    </a:p>
+                  </a:txBody>
+                  <a:tcPr>
+                    <a:lnL w="12700" cap="flat" cmpd="sng" algn="ctr">
+                      <a:solidFill>
+                        <a:schemeClr val="tx1"/>
+                      </a:solidFill>
+                      <a:prstDash val="solid"/>
+                      <a:round/>
+                      <a:headEnd type="none" w="med" len="med"/>
+                      <a:tailEnd type="none" w="med" len="med"/>
+                    </a:lnL>
+                    <a:lnR w="12700" cap="flat" cmpd="sng" algn="ctr">
+                      <a:solidFill>
+                        <a:schemeClr val="tx1"/>
+                      </a:solidFill>
+                      <a:prstDash val="solid"/>
+                      <a:round/>
+                      <a:headEnd type="none" w="med" len="med"/>
+                      <a:tailEnd type="none" w="med" len="med"/>
+                    </a:lnR>
+                    <a:lnT w="12700" cap="flat" cmpd="sng" algn="ctr">
+                      <a:solidFill>
+                        <a:schemeClr val="tx1"/>
+                      </a:solidFill>
+                      <a:prstDash val="solid"/>
+                      <a:round/>
+                      <a:headEnd type="none" w="med" len="med"/>
+                      <a:tailEnd type="none" w="med" len="med"/>
+                    </a:lnT>
+                    <a:lnB w="12700" cap="flat" cmpd="sng" algn="ctr">
+                      <a:solidFill>
+                        <a:schemeClr val="tx1"/>
+                      </a:solidFill>
+                      <a:prstDash val="solid"/>
+                      <a:round/>
+                      <a:headEnd type="none" w="med" len="med"/>
+                      <a:tailEnd type="none" w="med" len="med"/>
+                    </a:lnB>
+                    <a:noFill/>
+                  </a:tcPr>
+                </a:tc>
+                <a:tc>
+                  <a:txBody>
+                    <a:bodyPr/>
+                    <a:lstStyle/>
+                    <a:p>
+                      <a:pPr algn="r"/>
+                      <a:r>
+                        <a:rPr kumimoji="1" lang="en-US" altLang="ja-JP" sz="2800" dirty="0" smtClean="0"/>
+                        <a:t>4</a:t>
+                      </a:r>
+                      <a:endParaRPr kumimoji="1" lang="ja-JP" altLang="en-US" sz="2800" b="1" dirty="0"/>
+                    </a:p>
+                  </a:txBody>
+                  <a:tcPr>
+                    <a:lnL w="12700" cap="flat" cmpd="sng" algn="ctr">
+                      <a:solidFill>
+                        <a:schemeClr val="tx1"/>
+                      </a:solidFill>
+                      <a:prstDash val="solid"/>
+                      <a:round/>
+                      <a:headEnd type="none" w="med" len="med"/>
+                      <a:tailEnd type="none" w="med" len="med"/>
+                    </a:lnL>
+                    <a:lnR w="12700" cap="flat" cmpd="sng" algn="ctr">
+                      <a:solidFill>
+                        <a:schemeClr val="tx1"/>
+                      </a:solidFill>
+                      <a:prstDash val="solid"/>
+                      <a:round/>
+                      <a:headEnd type="none" w="med" len="med"/>
+                      <a:tailEnd type="none" w="med" len="med"/>
+                    </a:lnR>
+                    <a:lnT w="12700" cap="flat" cmpd="sng" algn="ctr">
+                      <a:solidFill>
+                        <a:schemeClr val="tx1"/>
+                      </a:solidFill>
+                      <a:prstDash val="solid"/>
+                      <a:round/>
+                      <a:headEnd type="none" w="med" len="med"/>
+                      <a:tailEnd type="none" w="med" len="med"/>
+                    </a:lnT>
+                    <a:lnB w="12700" cap="flat" cmpd="sng" algn="ctr">
+                      <a:solidFill>
+                        <a:schemeClr val="tx1"/>
+                      </a:solidFill>
+                      <a:prstDash val="solid"/>
+                      <a:round/>
+                      <a:headEnd type="none" w="med" len="med"/>
+                      <a:tailEnd type="none" w="med" len="med"/>
+                    </a:lnB>
+                    <a:noFill/>
+                  </a:tcPr>
+                </a:tc>
+                <a:extLst>
+                  <a:ext uri="{0D108BD9-81ED-4DB2-BD59-A6C34878D82A}">
+                    <a16:rowId xmlns:a16="http://schemas.microsoft.com/office/drawing/2014/main" val="143611511"/>
+                  </a:ext>
+                </a:extLst>
+              </a:tr>
+              <a:tr h="518400">
+                <a:tc>
+                  <a:txBody>
+                    <a:bodyPr/>
+                    <a:lstStyle/>
+                    <a:p>
+                      <a:pPr marL="0" marR="0" indent="0" algn="l" defTabSz="914400" rtl="0" eaLnBrk="1" fontAlgn="auto" latinLnBrk="0" hangingPunct="1">
+                        <a:lnSpc>
+                          <a:spcPct val="100000"/>
+                        </a:lnSpc>
+                        <a:spcBef>
+                          <a:spcPts val="0"/>
+                        </a:spcBef>
+                        <a:spcAft>
+                          <a:spcPts val="0"/>
+                        </a:spcAft>
+                        <a:buClrTx/>
+                        <a:buSzTx/>
+                        <a:buFontTx/>
+                        <a:buNone/>
+                        <a:tabLst/>
+                        <a:defRPr/>
+                      </a:pPr>
+                      <a:r>
+                        <a:rPr lang="en-US" altLang="ja-JP" sz="2800" dirty="0" smtClean="0"/>
+                        <a:t>PM</a:t>
+                      </a:r>
+                      <a:r>
+                        <a:rPr lang="ja-JP" altLang="en-US" sz="2800" dirty="0" smtClean="0"/>
+                        <a:t>学科の時間割</a:t>
+                      </a:r>
+                      <a:endParaRPr lang="ja-JP" altLang="en-US" sz="2800" b="1" dirty="0" smtClean="0"/>
+                    </a:p>
+                  </a:txBody>
+                  <a:tcPr>
+                    <a:lnL w="12700" cap="flat" cmpd="sng" algn="ctr">
+                      <a:solidFill>
+                        <a:schemeClr val="tx1"/>
+                      </a:solidFill>
+                      <a:prstDash val="solid"/>
+                      <a:round/>
+                      <a:headEnd type="none" w="med" len="med"/>
+                      <a:tailEnd type="none" w="med" len="med"/>
+                    </a:lnL>
+                    <a:lnR w="12700" cap="flat" cmpd="sng" algn="ctr">
+                      <a:solidFill>
+                        <a:schemeClr val="tx1"/>
+                      </a:solidFill>
+                      <a:prstDash val="solid"/>
+                      <a:round/>
+                      <a:headEnd type="none" w="med" len="med"/>
+                      <a:tailEnd type="none" w="med" len="med"/>
+                    </a:lnR>
+                    <a:lnT w="12700" cap="flat" cmpd="sng" algn="ctr">
+                      <a:solidFill>
+                        <a:schemeClr val="tx1"/>
+                      </a:solidFill>
+                      <a:prstDash val="solid"/>
+                      <a:round/>
+                      <a:headEnd type="none" w="med" len="med"/>
+                      <a:tailEnd type="none" w="med" len="med"/>
+                    </a:lnT>
+                    <a:lnB w="12700" cap="flat" cmpd="sng" algn="ctr">
+                      <a:solidFill>
+                        <a:schemeClr val="tx1"/>
+                      </a:solidFill>
+                      <a:prstDash val="solid"/>
+                      <a:round/>
+                      <a:headEnd type="none" w="med" len="med"/>
+                      <a:tailEnd type="none" w="med" len="med"/>
+                    </a:lnB>
+                    <a:noFill/>
+                  </a:tcPr>
+                </a:tc>
+                <a:tc>
+                  <a:txBody>
+                    <a:bodyPr/>
+                    <a:lstStyle/>
+                    <a:p>
+                      <a:pPr algn="r"/>
+                      <a:r>
+                        <a:rPr kumimoji="1" lang="en-US" altLang="ja-JP" sz="2800" dirty="0" smtClean="0"/>
+                        <a:t>4</a:t>
+                      </a:r>
+                      <a:endParaRPr kumimoji="1" lang="ja-JP" altLang="en-US" sz="2800" b="1" dirty="0"/>
+                    </a:p>
+                  </a:txBody>
+                  <a:tcPr>
+                    <a:lnL w="12700" cap="flat" cmpd="sng" algn="ctr">
+                      <a:solidFill>
+                        <a:schemeClr val="tx1"/>
+                      </a:solidFill>
+                      <a:prstDash val="solid"/>
+                      <a:round/>
+                      <a:headEnd type="none" w="med" len="med"/>
+                      <a:tailEnd type="none" w="med" len="med"/>
+                    </a:lnL>
+                    <a:lnR w="12700" cap="flat" cmpd="sng" algn="ctr">
+                      <a:solidFill>
+                        <a:schemeClr val="tx1"/>
+                      </a:solidFill>
+                      <a:prstDash val="solid"/>
+                      <a:round/>
+                      <a:headEnd type="none" w="med" len="med"/>
+                      <a:tailEnd type="none" w="med" len="med"/>
+                    </a:lnR>
+                    <a:lnT w="12700" cap="flat" cmpd="sng" algn="ctr">
+                      <a:solidFill>
+                        <a:schemeClr val="tx1"/>
+                      </a:solidFill>
+                      <a:prstDash val="solid"/>
+                      <a:round/>
+                      <a:headEnd type="none" w="med" len="med"/>
+                      <a:tailEnd type="none" w="med" len="med"/>
+                    </a:lnT>
+                    <a:lnB w="12700" cap="flat" cmpd="sng" algn="ctr">
+                      <a:solidFill>
+                        <a:schemeClr val="tx1"/>
+                      </a:solidFill>
+                      <a:prstDash val="solid"/>
+                      <a:round/>
+                      <a:headEnd type="none" w="med" len="med"/>
+                      <a:tailEnd type="none" w="med" len="med"/>
+                    </a:lnB>
+                    <a:noFill/>
+                  </a:tcPr>
+                </a:tc>
+                <a:tc>
+                  <a:txBody>
+                    <a:bodyPr/>
+                    <a:lstStyle/>
+                    <a:p>
+                      <a:pPr algn="r"/>
+                      <a:r>
+                        <a:rPr kumimoji="1" lang="en-US" altLang="ja-JP" sz="2800" dirty="0" smtClean="0"/>
+                        <a:t>5</a:t>
+                      </a:r>
+                      <a:endParaRPr kumimoji="1" lang="ja-JP" altLang="en-US" sz="2800" b="1" dirty="0"/>
+                    </a:p>
+                  </a:txBody>
+                  <a:tcPr>
+                    <a:lnL w="12700" cap="flat" cmpd="sng" algn="ctr">
+                      <a:solidFill>
+                        <a:schemeClr val="tx1"/>
+                      </a:solidFill>
+                      <a:prstDash val="solid"/>
+                      <a:round/>
+                      <a:headEnd type="none" w="med" len="med"/>
+                      <a:tailEnd type="none" w="med" len="med"/>
+                    </a:lnL>
+                    <a:lnR w="12700" cap="flat" cmpd="sng" algn="ctr">
+                      <a:solidFill>
+                        <a:schemeClr val="tx1"/>
+                      </a:solidFill>
+                      <a:prstDash val="solid"/>
+                      <a:round/>
+                      <a:headEnd type="none" w="med" len="med"/>
+                      <a:tailEnd type="none" w="med" len="med"/>
+                    </a:lnR>
+                    <a:lnT w="12700" cap="flat" cmpd="sng" algn="ctr">
+                      <a:solidFill>
+                        <a:schemeClr val="tx1"/>
+                      </a:solidFill>
+                      <a:prstDash val="solid"/>
+                      <a:round/>
+                      <a:headEnd type="none" w="med" len="med"/>
+                      <a:tailEnd type="none" w="med" len="med"/>
+                    </a:lnT>
+                    <a:lnB w="12700" cap="flat" cmpd="sng" algn="ctr">
+                      <a:solidFill>
+                        <a:schemeClr val="tx1"/>
+                      </a:solidFill>
+                      <a:prstDash val="solid"/>
+                      <a:round/>
+                      <a:headEnd type="none" w="med" len="med"/>
+                      <a:tailEnd type="none" w="med" len="med"/>
+                    </a:lnB>
+                    <a:noFill/>
+                  </a:tcPr>
+                </a:tc>
+                <a:extLst>
+                  <a:ext uri="{0D108BD9-81ED-4DB2-BD59-A6C34878D82A}">
+                    <a16:rowId xmlns:a16="http://schemas.microsoft.com/office/drawing/2014/main" val="1322407502"/>
+                  </a:ext>
+                </a:extLst>
+              </a:tr>
+            </a:tbl>
+          </a:graphicData>
+        </a:graphic>
+      </p:graphicFrame>
+      <p:cxnSp>
+        <p:nvCxnSpPr>
+          <p:cNvPr id="9" name="直線コネクタ 8"/>
+          <p:cNvCxnSpPr/>
+          <p:nvPr/>
+        </p:nvCxnSpPr>
+        <p:spPr>
+          <a:xfrm flipH="1">
+            <a:off x="248194" y="3531201"/>
+            <a:ext cx="1065042" cy="0"/>
+          </a:xfrm>
+          <a:prstGeom prst="line">
+            <a:avLst/>
+          </a:prstGeom>
+        </p:spPr>
+        <p:style>
+          <a:lnRef idx="1">
+            <a:schemeClr val="dk1"/>
+          </a:lnRef>
+          <a:fillRef idx="0">
+            <a:schemeClr val="dk1"/>
+          </a:fillRef>
+          <a:effectRef idx="0">
+            <a:schemeClr val="dk1"/>
+          </a:effectRef>
+          <a:fontRef idx="minor">
+            <a:schemeClr val="tx1"/>
+          </a:fontRef>
+        </p:style>
+      </p:cxnSp>
+      <p:cxnSp>
+        <p:nvCxnSpPr>
+          <p:cNvPr id="10" name="直線コネクタ 9"/>
+          <p:cNvCxnSpPr/>
+          <p:nvPr/>
+        </p:nvCxnSpPr>
+        <p:spPr>
+          <a:xfrm flipH="1">
+            <a:off x="10878763" y="3531201"/>
+            <a:ext cx="1065042" cy="0"/>
+          </a:xfrm>
+          <a:prstGeom prst="line">
+            <a:avLst/>
+          </a:prstGeom>
+        </p:spPr>
+        <p:style>
+          <a:lnRef idx="1">
+            <a:schemeClr val="dk1"/>
+          </a:lnRef>
+          <a:fillRef idx="0">
+            <a:schemeClr val="dk1"/>
+          </a:fillRef>
+          <a:effectRef idx="0">
+            <a:schemeClr val="dk1"/>
+          </a:effectRef>
+          <a:fontRef idx="minor">
+            <a:schemeClr val="tx1"/>
+          </a:fontRef>
+        </p:style>
+      </p:cxnSp>
+      <p:sp>
+        <p:nvSpPr>
+          <p:cNvPr id="13" name="下矢印 12"/>
+          <p:cNvSpPr/>
+          <p:nvPr/>
+        </p:nvSpPr>
+        <p:spPr>
+          <a:xfrm>
+            <a:off x="11104306" y="3654624"/>
+            <a:ext cx="613955" cy="1737360"/>
+          </a:xfrm>
+          <a:prstGeom prst="downArrow">
+            <a:avLst/>
+          </a:prstGeom>
+        </p:spPr>
+        <p:style>
+          <a:lnRef idx="2">
+            <a:schemeClr val="accent1">
+              <a:shade val="50000"/>
+            </a:schemeClr>
+          </a:lnRef>
+          <a:fillRef idx="1">
+            <a:schemeClr val="accent1"/>
+          </a:fillRef>
+          <a:effectRef idx="0">
+            <a:schemeClr val="accent1"/>
+          </a:effectRef>
+          <a:fontRef idx="minor">
+            <a:schemeClr val="lt1"/>
+          </a:fontRef>
+        </p:style>
+        <p:txBody>
+          <a:bodyPr rtlCol="0" anchor="ctr"/>
+          <a:lstStyle/>
+          <a:p>
+            <a:pPr algn="ctr"/>
+            <a:endParaRPr kumimoji="1" lang="ja-JP" altLang="en-US"/>
+          </a:p>
+        </p:txBody>
+      </p:sp>
+    </p:spTree>
+    <p:extLst>
+      <p:ext uri="{BB962C8B-B14F-4D97-AF65-F5344CB8AC3E}">
+        <p14:creationId xmlns:p14="http://schemas.microsoft.com/office/powerpoint/2010/main" val="2564451170"/>
+      </p:ext>
+    </p:extLst>
+  </p:cSld>
+  <p:clrMapOvr>
+    <a:masterClrMapping/>
+  </p:clrMapOvr>
+  <p:timing>
+    <p:tnLst>
+      <p:par>
+        <p:cTn id="1" dur="indefinite" restart="never" nodeType="tmRoot"/>
+      </p:par>
+    </p:tnLst>
+  </p:timing>
+</p:sld>
+</file>
+
+<file path=ppt/slides/slide17.xml><?xml version="1.0" encoding="utf-8"?>
+<p:sld xmlns:a="http://schemas.openxmlformats.org/drawingml/2006/main" xmlns:r="http://schemas.openxmlformats.org/officeDocument/2006/relationships" xmlns:p="http://schemas.openxmlformats.org/presentationml/2006/main">
+  <p:cSld>
+    <p:spTree>
+      <p:nvGrpSpPr>
+        <p:cNvPr id="1" name=""/>
+        <p:cNvGrpSpPr/>
+        <p:nvPr/>
+      </p:nvGrpSpPr>
+      <p:grpSpPr>
+        <a:xfrm>
+          <a:off x="0" y="0"/>
+          <a:ext cx="0" cy="0"/>
+          <a:chOff x="0" y="0"/>
+          <a:chExt cx="0" cy="0"/>
+        </a:xfrm>
+      </p:grpSpPr>
+      <p:sp>
+        <p:nvSpPr>
+          <p:cNvPr id="2" name="タイトル 1"/>
+          <p:cNvSpPr>
+            <a:spLocks noGrp="1"/>
+          </p:cNvSpPr>
+          <p:nvPr>
+            <p:ph type="title"/>
+          </p:nvPr>
+        </p:nvSpPr>
+        <p:spPr>
+          <a:xfrm>
+            <a:off x="4766954" y="5030787"/>
+            <a:ext cx="6456218" cy="1325563"/>
+          </a:xfrm>
+        </p:spPr>
+        <p:txBody>
+          <a:bodyPr/>
+          <a:lstStyle/>
+          <a:p>
+            <a:r>
+              <a:rPr lang="ja-JP" altLang="en-US" b="1" dirty="0" smtClean="0"/>
+              <a:t>ありがとうございました</a:t>
+            </a:r>
+            <a:endParaRPr kumimoji="1" lang="ja-JP" altLang="en-US" dirty="0"/>
+          </a:p>
+        </p:txBody>
+      </p:sp>
+      <p:sp>
+        <p:nvSpPr>
+          <p:cNvPr id="7" name="スライド番号プレースホルダー 6"/>
+          <p:cNvSpPr>
+            <a:spLocks noGrp="1"/>
+          </p:cNvSpPr>
+          <p:nvPr>
+            <p:ph type="sldNum" sz="quarter" idx="12"/>
+          </p:nvPr>
+        </p:nvSpPr>
+        <p:spPr/>
+        <p:txBody>
+          <a:bodyPr/>
+          <a:lstStyle/>
+          <a:p>
+            <a:r>
+              <a:rPr lang="en-US" altLang="ja-JP" sz="3600" smtClean="0"/>
+              <a:t>16</a:t>
             </a:r>
             <a:endParaRPr kumimoji="1" lang="ja-JP" altLang="en-US" sz="3600" dirty="0"/>
           </a:p>
@@ -11256,7 +12808,7 @@
             </a:pPr>
             <a:r>
               <a:rPr lang="ja-JP" altLang="en-US" sz="4800" dirty="0" smtClean="0"/>
-              <a:t>従来はキャンパスポータルは</a:t>
+              <a:t>従来のキャンパスポータルは</a:t>
             </a:r>
             <a:r>
               <a:rPr lang="en-US" altLang="ja-JP" sz="4800" dirty="0" smtClean="0"/>
@@ -14142,8 +15694,8 @@
           <a:lstStyle/>
           <a:p>
             <a:r>
-              <a:rPr kumimoji="1" lang="en-US" altLang="ja-JP" sz="3600" dirty="0" smtClean="0"/>
-              <a:t>3</a:t>
+              <a:rPr lang="en-US" altLang="ja-JP" sz="3600" dirty="0"/>
+              <a:t>5</a:t>
             </a:r>
             <a:endParaRPr kumimoji="1" lang="ja-JP" altLang="en-US" sz="3600" dirty="0"/>
           </a:p>
@@ -14657,8 +16209,8 @@
         </p:nvSpPr>
         <p:spPr>
           <a:xfrm>
-            <a:off x="3849231" y="1401976"/>
-            <a:ext cx="4852610" cy="523220"/>
+            <a:off x="3000641" y="1401976"/>
+            <a:ext cx="6288901" cy="523220"/>
           </a:xfrm>
           <a:prstGeom prst="rect">
             <a:avLst/>
@@ -14767,11 +16319,7 @@
           <a:p>
             <a:r>
               <a:rPr kumimoji="1" lang="ja-JP" altLang="en-US" sz="2800" b="1" dirty="0" smtClean="0"/>
-              <a:t>私たちの</a:t>
-            </a:r>
-            <a:r>
-              <a:rPr kumimoji="1" lang="ja-JP" altLang="en-US" sz="2800" b="1" dirty="0" smtClean="0"/>
-              <a:t>キャンパスポータル</a:t>
+              <a:t>私たちが開発するキャンパスポータル</a:t>
             </a:r>
             <a:endParaRPr kumimoji="1" lang="ja-JP" altLang="en-US" sz="2800" b="1" dirty="0"/>
           </a:p>
@@ -14925,7 +16473,7 @@
             </a:pPr>
             <a:r>
               <a:rPr lang="ja-JP" altLang="en-US" sz="4000" dirty="0" smtClean="0"/>
-              <a:t>・過去の実験や演習などの成果物</a:t>
+              <a:t>・過去の実験や演習などの成果物の表示</a:t>
             </a:r>
             <a:endParaRPr lang="en-US" altLang="ja-JP" sz="4000" dirty="0" smtClean="0"/>
           </a:p>
@@ -14969,7 +16517,7 @@
           <a:p>
             <a:r>
               <a:rPr kumimoji="1" lang="en-US" altLang="ja-JP" sz="3600" dirty="0" smtClean="0"/>
-              <a:t>5</a:t>
+              <a:t>6</a:t>
             </a:r>
             <a:endParaRPr kumimoji="1" lang="ja-JP" altLang="en-US" sz="3600" dirty="0"/>
           </a:p>
@@ -15058,7 +16606,7 @@
           <a:p>
             <a:r>
               <a:rPr lang="en-US" altLang="ja-JP" sz="3600" dirty="0"/>
-              <a:t>6</a:t>
+              <a:t>7</a:t>
             </a:r>
             <a:endParaRPr kumimoji="1" lang="ja-JP" altLang="en-US" sz="3600" dirty="0"/>
           </a:p>
@@ -15164,26 +16712,18 @@
               <a:buNone/>
             </a:pPr>
             <a:r>
-              <a:rPr kumimoji="1" lang="ja-JP" altLang="en-US" sz="3900" dirty="0" smtClean="0"/>
-              <a:t>管</a:t>
-            </a:r>
-            <a:r>
-              <a:rPr kumimoji="1" lang="ja-JP" altLang="en-US" sz="3900" dirty="0" smtClean="0"/>
-              <a:t>理系 </a:t>
-            </a:r>
-            <a:r>
-              <a:rPr kumimoji="1" lang="en-US" altLang="ja-JP" sz="3900" dirty="0" smtClean="0"/>
+              <a:rPr kumimoji="1" lang="ja-JP" altLang="en-US" sz="3600" dirty="0" smtClean="0"/>
+              <a:t>管理系 </a:t>
+            </a:r>
+            <a:r>
+              <a:rPr kumimoji="1" lang="en-US" altLang="ja-JP" sz="3600" dirty="0" smtClean="0"/>
               <a:t>… </a:t>
             </a:r>
             <a:r>
-              <a:rPr kumimoji="1" lang="ja-JP" altLang="en-US" sz="3900" dirty="0" smtClean="0"/>
-              <a:t>アジャイル開発の</a:t>
-            </a:r>
-            <a:r>
-              <a:rPr kumimoji="1" lang="ja-JP" altLang="en-US" sz="3900" dirty="0" smtClean="0"/>
-              <a:t>導入</a:t>
-            </a:r>
-            <a:endParaRPr lang="en-US" altLang="ja-JP" sz="3900" dirty="0"/>
+              <a:rPr kumimoji="1" lang="ja-JP" altLang="en-US" sz="3600" dirty="0" smtClean="0"/>
+              <a:t>アジャイル開発の導入</a:t>
+            </a:r>
+            <a:endParaRPr lang="en-US" altLang="ja-JP" sz="3600" dirty="0"/>
           </a:p>
           <a:p>
             <a:pPr marL="0" indent="0">
@@ -15193,22 +16733,14 @@
               <a:buNone/>
             </a:pPr>
             <a:r>
-              <a:rPr lang="en-US" altLang="ja-JP" sz="3900" dirty="0" smtClean="0"/>
-              <a:t>	</a:t>
-            </a:r>
-            <a:r>
-              <a:rPr lang="en-US" altLang="ja-JP" sz="3900" dirty="0" smtClean="0"/>
-              <a:t>	</a:t>
-            </a:r>
-            <a:r>
-              <a:rPr lang="ja-JP" altLang="en-US" sz="3900" dirty="0" smtClean="0"/>
-              <a:t>開発</a:t>
-            </a:r>
-            <a:r>
-              <a:rPr lang="ja-JP" altLang="en-US" sz="3900" dirty="0" smtClean="0"/>
-              <a:t>に重点を置くため</a:t>
-            </a:r>
-            <a:endParaRPr kumimoji="1" lang="en-US" altLang="ja-JP" sz="3900" dirty="0" smtClean="0"/>
+              <a:rPr lang="en-US" altLang="ja-JP" sz="3600" dirty="0" smtClean="0"/>
+              <a:t>			</a:t>
+            </a:r>
+            <a:r>
+              <a:rPr lang="ja-JP" altLang="en-US" sz="3600" dirty="0" smtClean="0"/>
+              <a:t>開発に重点を置くため</a:t>
+            </a:r>
+            <a:endParaRPr kumimoji="1" lang="en-US" altLang="ja-JP" sz="3600" dirty="0" smtClean="0"/>
           </a:p>
           <a:p>
             <a:pPr marL="0" indent="0">
@@ -15246,8 +16778,8 @@
           <a:lstStyle/>
           <a:p>
             <a:r>
-              <a:rPr kumimoji="1" lang="en-US" altLang="ja-JP" sz="3600" dirty="0" smtClean="0"/>
-              <a:t>7</a:t>
+              <a:rPr lang="en-US" altLang="ja-JP" sz="3600" dirty="0"/>
+              <a:t>8</a:t>
             </a:r>
             <a:endParaRPr kumimoji="1" lang="ja-JP" altLang="en-US" sz="3600" dirty="0"/>
           </a:p>

--- a/ＰＭ学科専用2.pptx
+++ b/ＰＭ学科専用2.pptx
@@ -3417,6 +3417,13 @@
         </dgm:presLayoutVars>
       </dgm:prSet>
       <dgm:spPr/>
+      <dgm:t>
+        <a:bodyPr/>
+        <a:lstStyle/>
+        <a:p>
+          <a:endParaRPr kumimoji="1" lang="ja-JP" altLang="en-US"/>
+        </a:p>
+      </dgm:t>
     </dgm:pt>
     <dgm:pt modelId="{FF51E2CD-24B2-471B-81DA-D090E143E4A8}" type="pres">
       <dgm:prSet presAssocID="{92E1FBF1-24A8-4EF7-BFDD-8DC84AF1C62E}" presName="node" presStyleLbl="node1" presStyleIdx="0" presStyleCnt="5">
@@ -3511,17 +3518,17 @@
     </dgm:pt>
   </dgm:ptLst>
   <dgm:cxnLst>
-    <dgm:cxn modelId="{FBEAAE79-5A4E-49D0-AAD0-A2A3909DC080}" type="presOf" srcId="{B17A19BC-7286-4F00-9F03-8015463ADB08}" destId="{17617896-E2C1-45EC-85CD-71C85D6E3BE7}" srcOrd="0" destOrd="0" presId="urn:microsoft.com/office/officeart/2005/8/layout/default"/>
+    <dgm:cxn modelId="{E5217933-D44C-439B-BF42-1EE0750B1B64}" type="presOf" srcId="{2F89E49D-30B0-4E19-B38B-3415DD8C4B18}" destId="{E5D80F06-C62C-43DB-AB23-8117423EF244}" srcOrd="0" destOrd="0" presId="urn:microsoft.com/office/officeart/2005/8/layout/default"/>
+    <dgm:cxn modelId="{BBA8049F-5FA1-4A66-A925-5271FFB2C70F}" type="presOf" srcId="{5FF50D15-EEF2-4E54-844D-DCC874125DA9}" destId="{9834240E-A5C4-4BAA-A521-6A332B09299A}" srcOrd="0" destOrd="0" presId="urn:microsoft.com/office/officeart/2005/8/layout/default"/>
+    <dgm:cxn modelId="{919CB1D9-9719-4264-9BF0-3953DF24FDDC}" type="presOf" srcId="{3F7AA621-FC65-46F0-84DC-2EE1BC2589BC}" destId="{D0D63E52-83A4-4071-B9C7-4237BA726D00}" srcOrd="0" destOrd="0" presId="urn:microsoft.com/office/officeart/2005/8/layout/default"/>
+    <dgm:cxn modelId="{E74F22F0-6D72-4D36-858B-B63802AD1D55}" srcId="{3F7AA621-FC65-46F0-84DC-2EE1BC2589BC}" destId="{92E1FBF1-24A8-4EF7-BFDD-8DC84AF1C62E}" srcOrd="0" destOrd="0" parTransId="{5053B24D-D182-476C-8F15-ACD1186ED0D3}" sibTransId="{CCEA63A9-58F4-494D-8328-A6AFDF22120C}"/>
     <dgm:cxn modelId="{FB58C129-3579-4B85-99D5-FFC6534E15D3}" type="presOf" srcId="{2CBF723B-87A0-4FA7-80E5-FF37F3DF6489}" destId="{5C136041-2953-488A-9493-F3D53F685869}" srcOrd="0" destOrd="0" presId="urn:microsoft.com/office/officeart/2005/8/layout/default"/>
     <dgm:cxn modelId="{3C966366-360B-4EAB-96AB-48F331F76A32}" srcId="{3F7AA621-FC65-46F0-84DC-2EE1BC2589BC}" destId="{2CBF723B-87A0-4FA7-80E5-FF37F3DF6489}" srcOrd="4" destOrd="0" parTransId="{EE2AD8BA-7D7E-4D62-B518-9833D72A1A6D}" sibTransId="{0BE5C2C3-7EF8-4389-950F-5AB5266227A6}"/>
-    <dgm:cxn modelId="{1BF09F79-01F6-4E77-8D22-DFF209A10990}" srcId="{3F7AA621-FC65-46F0-84DC-2EE1BC2589BC}" destId="{5FF50D15-EEF2-4E54-844D-DCC874125DA9}" srcOrd="2" destOrd="0" parTransId="{2C743C0D-0DD6-4231-B5DC-473495A2A3DF}" sibTransId="{87016D5D-9258-44A4-8D9C-5B8FDC622B2C}"/>
-    <dgm:cxn modelId="{E5217933-D44C-439B-BF42-1EE0750B1B64}" type="presOf" srcId="{2F89E49D-30B0-4E19-B38B-3415DD8C4B18}" destId="{E5D80F06-C62C-43DB-AB23-8117423EF244}" srcOrd="0" destOrd="0" presId="urn:microsoft.com/office/officeart/2005/8/layout/default"/>
-    <dgm:cxn modelId="{707D72EA-3D51-483B-B151-549DB46C2259}" srcId="{3F7AA621-FC65-46F0-84DC-2EE1BC2589BC}" destId="{2F89E49D-30B0-4E19-B38B-3415DD8C4B18}" srcOrd="1" destOrd="0" parTransId="{27EA4BC3-D805-4AFE-B6CE-DFABE214537A}" sibTransId="{F1195D0B-067E-4FDA-87AA-D03A1EF8137C}"/>
-    <dgm:cxn modelId="{919CB1D9-9719-4264-9BF0-3953DF24FDDC}" type="presOf" srcId="{3F7AA621-FC65-46F0-84DC-2EE1BC2589BC}" destId="{D0D63E52-83A4-4071-B9C7-4237BA726D00}" srcOrd="0" destOrd="0" presId="urn:microsoft.com/office/officeart/2005/8/layout/default"/>
-    <dgm:cxn modelId="{BBA8049F-5FA1-4A66-A925-5271FFB2C70F}" type="presOf" srcId="{5FF50D15-EEF2-4E54-844D-DCC874125DA9}" destId="{9834240E-A5C4-4BAA-A521-6A332B09299A}" srcOrd="0" destOrd="0" presId="urn:microsoft.com/office/officeart/2005/8/layout/default"/>
     <dgm:cxn modelId="{A9E038A6-3F6F-4D8F-8C0F-44DEBCD3A5ED}" srcId="{3F7AA621-FC65-46F0-84DC-2EE1BC2589BC}" destId="{B17A19BC-7286-4F00-9F03-8015463ADB08}" srcOrd="3" destOrd="0" parTransId="{81DACC49-9373-475A-81CA-73B4B0EC2810}" sibTransId="{1492B47F-7578-485F-9E2E-02C67E80D8D6}"/>
     <dgm:cxn modelId="{3DEDA61E-6DA5-4162-8C85-360E893796A1}" type="presOf" srcId="{92E1FBF1-24A8-4EF7-BFDD-8DC84AF1C62E}" destId="{FF51E2CD-24B2-471B-81DA-D090E143E4A8}" srcOrd="0" destOrd="0" presId="urn:microsoft.com/office/officeart/2005/8/layout/default"/>
-    <dgm:cxn modelId="{E74F22F0-6D72-4D36-858B-B63802AD1D55}" srcId="{3F7AA621-FC65-46F0-84DC-2EE1BC2589BC}" destId="{92E1FBF1-24A8-4EF7-BFDD-8DC84AF1C62E}" srcOrd="0" destOrd="0" parTransId="{5053B24D-D182-476C-8F15-ACD1186ED0D3}" sibTransId="{CCEA63A9-58F4-494D-8328-A6AFDF22120C}"/>
+    <dgm:cxn modelId="{1BF09F79-01F6-4E77-8D22-DFF209A10990}" srcId="{3F7AA621-FC65-46F0-84DC-2EE1BC2589BC}" destId="{5FF50D15-EEF2-4E54-844D-DCC874125DA9}" srcOrd="2" destOrd="0" parTransId="{2C743C0D-0DD6-4231-B5DC-473495A2A3DF}" sibTransId="{87016D5D-9258-44A4-8D9C-5B8FDC622B2C}"/>
+    <dgm:cxn modelId="{FBEAAE79-5A4E-49D0-AAD0-A2A3909DC080}" type="presOf" srcId="{B17A19BC-7286-4F00-9F03-8015463ADB08}" destId="{17617896-E2C1-45EC-85CD-71C85D6E3BE7}" srcOrd="0" destOrd="0" presId="urn:microsoft.com/office/officeart/2005/8/layout/default"/>
+    <dgm:cxn modelId="{707D72EA-3D51-483B-B151-549DB46C2259}" srcId="{3F7AA621-FC65-46F0-84DC-2EE1BC2589BC}" destId="{2F89E49D-30B0-4E19-B38B-3415DD8C4B18}" srcOrd="1" destOrd="0" parTransId="{27EA4BC3-D805-4AFE-B6CE-DFABE214537A}" sibTransId="{F1195D0B-067E-4FDA-87AA-D03A1EF8137C}"/>
     <dgm:cxn modelId="{FF7AF0C2-D568-4177-B6C9-317783C5C03B}" type="presParOf" srcId="{D0D63E52-83A4-4071-B9C7-4237BA726D00}" destId="{FF51E2CD-24B2-471B-81DA-D090E143E4A8}" srcOrd="0" destOrd="0" presId="urn:microsoft.com/office/officeart/2005/8/layout/default"/>
     <dgm:cxn modelId="{6444E862-D51D-403D-8AE5-A29691AB6030}" type="presParOf" srcId="{D0D63E52-83A4-4071-B9C7-4237BA726D00}" destId="{F0D474E1-7C40-46B5-B94A-DF92D8DAED93}" srcOrd="1" destOrd="0" presId="urn:microsoft.com/office/officeart/2005/8/layout/default"/>
     <dgm:cxn modelId="{DC6BD285-2627-4A47-8690-C0B7906453BC}" type="presParOf" srcId="{D0D63E52-83A4-4071-B9C7-4237BA726D00}" destId="{E5D80F06-C62C-43DB-AB23-8117423EF244}" srcOrd="2" destOrd="0" presId="urn:microsoft.com/office/officeart/2005/8/layout/default"/>
@@ -3701,6 +3708,13 @@
         </dgm:presLayoutVars>
       </dgm:prSet>
       <dgm:spPr/>
+      <dgm:t>
+        <a:bodyPr/>
+        <a:lstStyle/>
+        <a:p>
+          <a:endParaRPr kumimoji="1" lang="ja-JP" altLang="en-US"/>
+        </a:p>
+      </dgm:t>
     </dgm:pt>
     <dgm:pt modelId="{BC833ADF-0A27-4993-83F3-8099987B7F8C}" type="pres">
       <dgm:prSet presAssocID="{2499C82F-27C1-4DFC-8CE2-3EF11897F8F6}" presName="root" presStyleCnt="0"/>
@@ -3724,6 +3738,13 @@
     <dgm:pt modelId="{740FFF67-8B2C-41CE-BE5F-DB73DD68F158}" type="pres">
       <dgm:prSet presAssocID="{2499C82F-27C1-4DFC-8CE2-3EF11897F8F6}" presName="rootConnector" presStyleLbl="node1" presStyleIdx="0" presStyleCnt="1"/>
       <dgm:spPr/>
+      <dgm:t>
+        <a:bodyPr/>
+        <a:lstStyle/>
+        <a:p>
+          <a:endParaRPr kumimoji="1" lang="ja-JP" altLang="en-US"/>
+        </a:p>
+      </dgm:t>
     </dgm:pt>
     <dgm:pt modelId="{CABDEB41-48DC-422E-9662-7037E2EBA385}" type="pres">
       <dgm:prSet presAssocID="{2499C82F-27C1-4DFC-8CE2-3EF11897F8F6}" presName="childShape" presStyleCnt="0"/>
@@ -3732,6 +3753,13 @@
     <dgm:pt modelId="{8A182F3F-B359-4EA4-82F3-F410DB998D8C}" type="pres">
       <dgm:prSet presAssocID="{432CDDEB-196D-423C-A998-B394FB9D414E}" presName="Name13" presStyleLbl="parChTrans1D2" presStyleIdx="0" presStyleCnt="2"/>
       <dgm:spPr/>
+      <dgm:t>
+        <a:bodyPr/>
+        <a:lstStyle/>
+        <a:p>
+          <a:endParaRPr kumimoji="1" lang="ja-JP" altLang="en-US"/>
+        </a:p>
+      </dgm:t>
     </dgm:pt>
     <dgm:pt modelId="{AAC2BDC0-3CBD-447E-9B3C-30A350C8D11D}" type="pres">
       <dgm:prSet presAssocID="{1F4E43BC-5C67-426F-9340-200206A564D0}" presName="childText" presStyleLbl="bgAcc1" presStyleIdx="0" presStyleCnt="2" custScaleX="408871" custLinFactNeighborX="-628" custLinFactNeighborY="18091">
@@ -3751,6 +3779,13 @@
     <dgm:pt modelId="{A280D463-D308-4B07-A6DB-51973F744FFF}" type="pres">
       <dgm:prSet presAssocID="{41A56497-17FA-41C0-B582-79BA16FA9F11}" presName="Name13" presStyleLbl="parChTrans1D2" presStyleIdx="1" presStyleCnt="2"/>
       <dgm:spPr/>
+      <dgm:t>
+        <a:bodyPr/>
+        <a:lstStyle/>
+        <a:p>
+          <a:endParaRPr kumimoji="1" lang="ja-JP" altLang="en-US"/>
+        </a:p>
+      </dgm:t>
     </dgm:pt>
     <dgm:pt modelId="{9329984A-B42B-44D8-8801-41587973B7D0}" type="pres">
       <dgm:prSet presAssocID="{8EC55D73-414B-4CAD-80DC-B07F8A0626A2}" presName="childText" presStyleLbl="bgAcc1" presStyleIdx="1" presStyleCnt="2" custScaleX="408551">
@@ -3769,16 +3804,16 @@
     </dgm:pt>
   </dgm:ptLst>
   <dgm:cxnLst>
-    <dgm:cxn modelId="{E46686CE-EE65-462F-8A50-D555F2218A09}" srcId="{2499C82F-27C1-4DFC-8CE2-3EF11897F8F6}" destId="{8EC55D73-414B-4CAD-80DC-B07F8A0626A2}" srcOrd="1" destOrd="0" parTransId="{41A56497-17FA-41C0-B582-79BA16FA9F11}" sibTransId="{F7DA3547-89F7-412E-8DB5-EE6A588DF798}"/>
     <dgm:cxn modelId="{EC800BC5-2542-4172-AFE5-A21E4644AE98}" type="presOf" srcId="{5BFC473D-3DD0-4A15-ADC6-4DB904DAD44D}" destId="{0510AF2C-C495-4FA9-82CC-C671D910731D}" srcOrd="0" destOrd="0" presId="urn:microsoft.com/office/officeart/2005/8/layout/hierarchy3"/>
     <dgm:cxn modelId="{0CF38E3A-AE1A-42E5-9818-97C4DFB8CC6F}" type="presOf" srcId="{2499C82F-27C1-4DFC-8CE2-3EF11897F8F6}" destId="{B7F2FBD6-F51B-4B68-ACBD-E70209E64177}" srcOrd="0" destOrd="0" presId="urn:microsoft.com/office/officeart/2005/8/layout/hierarchy3"/>
+    <dgm:cxn modelId="{F1BEBC87-8189-4697-96B1-7F6780033C22}" type="presOf" srcId="{432CDDEB-196D-423C-A998-B394FB9D414E}" destId="{8A182F3F-B359-4EA4-82F3-F410DB998D8C}" srcOrd="0" destOrd="0" presId="urn:microsoft.com/office/officeart/2005/8/layout/hierarchy3"/>
+    <dgm:cxn modelId="{4EB746D6-7F83-42DB-872B-138E132DF25F}" srcId="{2499C82F-27C1-4DFC-8CE2-3EF11897F8F6}" destId="{1F4E43BC-5C67-426F-9340-200206A564D0}" srcOrd="0" destOrd="0" parTransId="{432CDDEB-196D-423C-A998-B394FB9D414E}" sibTransId="{4F3F0C33-5470-4597-9355-7D2D510ACFBE}"/>
+    <dgm:cxn modelId="{F38F7DD7-6D16-4264-B16D-7A083AE8A910}" type="presOf" srcId="{2499C82F-27C1-4DFC-8CE2-3EF11897F8F6}" destId="{740FFF67-8B2C-41CE-BE5F-DB73DD68F158}" srcOrd="1" destOrd="0" presId="urn:microsoft.com/office/officeart/2005/8/layout/hierarchy3"/>
+    <dgm:cxn modelId="{A0E21254-2F63-49D2-8491-B4E055648A9E}" type="presOf" srcId="{41A56497-17FA-41C0-B582-79BA16FA9F11}" destId="{A280D463-D308-4B07-A6DB-51973F744FFF}" srcOrd="0" destOrd="0" presId="urn:microsoft.com/office/officeart/2005/8/layout/hierarchy3"/>
+    <dgm:cxn modelId="{F529B775-2AFF-4CCF-869F-1FAC1C51F95F}" srcId="{5BFC473D-3DD0-4A15-ADC6-4DB904DAD44D}" destId="{2499C82F-27C1-4DFC-8CE2-3EF11897F8F6}" srcOrd="0" destOrd="0" parTransId="{34E09A70-44F9-4FBD-8091-8D0F4A7AF8FF}" sibTransId="{B1CBA31D-2E86-44C9-80C3-4904FEE12277}"/>
+    <dgm:cxn modelId="{78F1AD14-EF8C-43BD-AD6E-95AE04564C71}" type="presOf" srcId="{8EC55D73-414B-4CAD-80DC-B07F8A0626A2}" destId="{9329984A-B42B-44D8-8801-41587973B7D0}" srcOrd="0" destOrd="0" presId="urn:microsoft.com/office/officeart/2005/8/layout/hierarchy3"/>
+    <dgm:cxn modelId="{E46686CE-EE65-462F-8A50-D555F2218A09}" srcId="{2499C82F-27C1-4DFC-8CE2-3EF11897F8F6}" destId="{8EC55D73-414B-4CAD-80DC-B07F8A0626A2}" srcOrd="1" destOrd="0" parTransId="{41A56497-17FA-41C0-B582-79BA16FA9F11}" sibTransId="{F7DA3547-89F7-412E-8DB5-EE6A588DF798}"/>
     <dgm:cxn modelId="{14F122A1-27FC-444D-806A-5039EFCC3902}" type="presOf" srcId="{1F4E43BC-5C67-426F-9340-200206A564D0}" destId="{AAC2BDC0-3CBD-447E-9B3C-30A350C8D11D}" srcOrd="0" destOrd="0" presId="urn:microsoft.com/office/officeart/2005/8/layout/hierarchy3"/>
-    <dgm:cxn modelId="{A0E21254-2F63-49D2-8491-B4E055648A9E}" type="presOf" srcId="{41A56497-17FA-41C0-B582-79BA16FA9F11}" destId="{A280D463-D308-4B07-A6DB-51973F744FFF}" srcOrd="0" destOrd="0" presId="urn:microsoft.com/office/officeart/2005/8/layout/hierarchy3"/>
-    <dgm:cxn modelId="{4EB746D6-7F83-42DB-872B-138E132DF25F}" srcId="{2499C82F-27C1-4DFC-8CE2-3EF11897F8F6}" destId="{1F4E43BC-5C67-426F-9340-200206A564D0}" srcOrd="0" destOrd="0" parTransId="{432CDDEB-196D-423C-A998-B394FB9D414E}" sibTransId="{4F3F0C33-5470-4597-9355-7D2D510ACFBE}"/>
-    <dgm:cxn modelId="{78F1AD14-EF8C-43BD-AD6E-95AE04564C71}" type="presOf" srcId="{8EC55D73-414B-4CAD-80DC-B07F8A0626A2}" destId="{9329984A-B42B-44D8-8801-41587973B7D0}" srcOrd="0" destOrd="0" presId="urn:microsoft.com/office/officeart/2005/8/layout/hierarchy3"/>
-    <dgm:cxn modelId="{F529B775-2AFF-4CCF-869F-1FAC1C51F95F}" srcId="{5BFC473D-3DD0-4A15-ADC6-4DB904DAD44D}" destId="{2499C82F-27C1-4DFC-8CE2-3EF11897F8F6}" srcOrd="0" destOrd="0" parTransId="{34E09A70-44F9-4FBD-8091-8D0F4A7AF8FF}" sibTransId="{B1CBA31D-2E86-44C9-80C3-4904FEE12277}"/>
-    <dgm:cxn modelId="{F1BEBC87-8189-4697-96B1-7F6780033C22}" type="presOf" srcId="{432CDDEB-196D-423C-A998-B394FB9D414E}" destId="{8A182F3F-B359-4EA4-82F3-F410DB998D8C}" srcOrd="0" destOrd="0" presId="urn:microsoft.com/office/officeart/2005/8/layout/hierarchy3"/>
-    <dgm:cxn modelId="{F38F7DD7-6D16-4264-B16D-7A083AE8A910}" type="presOf" srcId="{2499C82F-27C1-4DFC-8CE2-3EF11897F8F6}" destId="{740FFF67-8B2C-41CE-BE5F-DB73DD68F158}" srcOrd="1" destOrd="0" presId="urn:microsoft.com/office/officeart/2005/8/layout/hierarchy3"/>
     <dgm:cxn modelId="{147D19B5-0048-40E7-A3B3-F5C0C3DD4378}" type="presParOf" srcId="{0510AF2C-C495-4FA9-82CC-C671D910731D}" destId="{BC833ADF-0A27-4993-83F3-8099987B7F8C}" srcOrd="0" destOrd="0" presId="urn:microsoft.com/office/officeart/2005/8/layout/hierarchy3"/>
     <dgm:cxn modelId="{86E3E5FC-AE2D-4FDA-BA08-7FF5C18537FE}" type="presParOf" srcId="{BC833ADF-0A27-4993-83F3-8099987B7F8C}" destId="{C5AB08FB-BBD9-46BB-8D89-3BA4BCCA61BF}" srcOrd="0" destOrd="0" presId="urn:microsoft.com/office/officeart/2005/8/layout/hierarchy3"/>
     <dgm:cxn modelId="{6E183D4C-3790-49DD-94B8-44C30E802CD7}" type="presParOf" srcId="{C5AB08FB-BBD9-46BB-8D89-3BA4BCCA61BF}" destId="{B7F2FBD6-F51B-4B68-ACBD-E70209E64177}" srcOrd="0" destOrd="0" presId="urn:microsoft.com/office/officeart/2005/8/layout/hierarchy3"/>
@@ -7513,7 +7548,7 @@
           <a:p>
             <a:fld id="{330C2C32-5C25-44EA-809A-A9651A6C9E7E}" type="datetimeFigureOut">
               <a:rPr kumimoji="1" lang="ja-JP" altLang="en-US" smtClean="0"/>
-              <a:t>2017/6/9</a:t>
+              <a:t>2017/7/18</a:t>
             </a:fld>
             <a:endParaRPr kumimoji="1" lang="ja-JP" altLang="en-US"/>
           </a:p>
@@ -7678,7 +7713,7 @@
           <a:p>
             <a:fld id="{90D335EC-2BCD-4763-9BE7-5DB75AF56819}" type="datetimeFigureOut">
               <a:rPr kumimoji="1" lang="ja-JP" altLang="en-US" smtClean="0"/>
-              <a:t>2017/6/9</a:t>
+              <a:t>2017/7/18</a:t>
             </a:fld>
             <a:endParaRPr kumimoji="1" lang="ja-JP" altLang="en-US"/>
           </a:p>
@@ -8493,7 +8528,34 @@
           <a:p>
             <a:r>
               <a:rPr kumimoji="1" lang="ja-JP" altLang="en-US" b="1" dirty="0" smtClean="0"/>
-              <a:t>黄色の線が、作業時間の累計で、</a:t>
+              <a:t>黄色の線が、作業時間の累計で</a:t>
+            </a:r>
+            <a:r>
+              <a:rPr kumimoji="1" lang="ja-JP" altLang="en-US" b="1" dirty="0" smtClean="0"/>
+              <a:t>、</a:t>
+            </a:r>
+            <a:r>
+              <a:rPr kumimoji="1" lang="en-US" altLang="ja-JP" b="1" dirty="0" smtClean="0"/>
+              <a:t>AC</a:t>
+            </a:r>
+            <a:r>
+              <a:rPr kumimoji="1" lang="ja-JP" altLang="en-US" b="1" dirty="0" smtClean="0"/>
+              <a:t>です</a:t>
+            </a:r>
+            <a:r>
+              <a:rPr kumimoji="1" lang="ja-JP" altLang="en-US" b="1" dirty="0" smtClean="0"/>
+              <a:t>。</a:t>
+            </a:r>
+            <a:endParaRPr kumimoji="1" lang="en-US" altLang="ja-JP" b="1" dirty="0" smtClean="0"/>
+          </a:p>
+          <a:p>
+            <a:r>
+              <a:rPr kumimoji="1" lang="ja-JP" altLang="en-US" b="1" dirty="0" smtClean="0"/>
+              <a:t>オレンジ色の線が、終了した作業の見積り時間の累計で</a:t>
+            </a:r>
+            <a:r>
+              <a:rPr kumimoji="1" lang="ja-JP" altLang="en-US" b="1" dirty="0" smtClean="0"/>
+              <a:t>、</a:t>
             </a:r>
             <a:r>
               <a:rPr kumimoji="1" lang="en-US" altLang="ja-JP" b="1" dirty="0" smtClean="0"/>
@@ -8501,22 +8563,11 @@
             </a:r>
             <a:r>
               <a:rPr kumimoji="1" lang="ja-JP" altLang="en-US" b="1" dirty="0" smtClean="0"/>
-              <a:t>です。</a:t>
-            </a:r>
-            <a:endParaRPr kumimoji="1" lang="en-US" altLang="ja-JP" b="1" dirty="0" smtClean="0"/>
-          </a:p>
-          <a:p>
+              <a:t>です</a:t>
+            </a:r>
             <a:r>
               <a:rPr kumimoji="1" lang="ja-JP" altLang="en-US" b="1" dirty="0" smtClean="0"/>
-              <a:t>オレンジ色の線が、終了した作業の見積り時間の累計で、</a:t>
-            </a:r>
-            <a:r>
-              <a:rPr kumimoji="1" lang="en-US" altLang="ja-JP" b="1" dirty="0" smtClean="0"/>
-              <a:t>AC</a:t>
-            </a:r>
-            <a:r>
-              <a:rPr kumimoji="1" lang="ja-JP" altLang="en-US" b="1" dirty="0" smtClean="0"/>
-              <a:t>です。</a:t>
+              <a:t>。</a:t>
             </a:r>
             <a:endParaRPr kumimoji="1" lang="en-US" altLang="ja-JP" b="1" dirty="0" smtClean="0"/>
           </a:p>
@@ -8923,11 +8974,7 @@
             </a:pPr>
             <a:r>
               <a:rPr kumimoji="1" lang="ja-JP" altLang="en-US" b="1" dirty="0" smtClean="0"/>
-              <a:t>次は後半の流れについてです</a:t>
-            </a:r>
-            <a:r>
-              <a:rPr kumimoji="1" lang="ja-JP" altLang="en-US" b="1" dirty="0" smtClean="0"/>
-              <a:t>。前半での遅れの理由は、計画書の見積りが不十分なために遅れが生じてしまいましたが</a:t>
+              <a:t>次は後半の流れについてです。前半での遅れの理由は、計画書の見積りが不十分なために遅れが生じてしまいましたが</a:t>
             </a:r>
             <a:endParaRPr kumimoji="1" lang="en-US" altLang="ja-JP" b="1" dirty="0" smtClean="0"/>
           </a:p>
@@ -8951,15 +8998,7 @@
             </a:pPr>
             <a:r>
               <a:rPr kumimoji="1" lang="ja-JP" altLang="en-US" b="1" dirty="0" smtClean="0"/>
-              <a:t>後半は前半の進捗遅れ</a:t>
-            </a:r>
-            <a:r>
-              <a:rPr kumimoji="1" lang="ja-JP" altLang="en-US" b="1" dirty="0" smtClean="0"/>
-              <a:t>の対応として</a:t>
-            </a:r>
-            <a:r>
-              <a:rPr kumimoji="1" lang="ja-JP" altLang="en-US" b="1" dirty="0" smtClean="0"/>
-              <a:t>、外部設計などの作成を多めに見積もることで遅れを繰り返さないようにする。</a:t>
+              <a:t>後半は前半の進捗遅れの対応として、外部設計などの作成を多めに見積もることで遅れを繰り返さないようにする。</a:t>
             </a:r>
             <a:endParaRPr kumimoji="1" lang="en-US" altLang="ja-JP" b="1" dirty="0" smtClean="0"/>
           </a:p>
@@ -9007,15 +9046,7 @@
             </a:pPr>
             <a:r>
               <a:rPr kumimoji="1" lang="ja-JP" altLang="en-US" b="1" dirty="0" smtClean="0"/>
-              <a:t>また</a:t>
-            </a:r>
-            <a:r>
-              <a:rPr kumimoji="1" lang="ja-JP" altLang="en-US" b="1" dirty="0" smtClean="0"/>
-              <a:t>、メンバー全員が揃って作業できる時間が少なかったため</a:t>
-            </a:r>
-            <a:r>
-              <a:rPr kumimoji="1" lang="ja-JP" altLang="en-US" b="1" dirty="0" smtClean="0"/>
-              <a:t>、</a:t>
+              <a:t>また、メンバー全員が揃って作業できる時間が少なかったため、</a:t>
             </a:r>
             <a:endParaRPr kumimoji="1" lang="en-US" altLang="ja-JP" b="1" dirty="0" smtClean="0"/>
           </a:p>
@@ -10552,7 +10583,7 @@
           <a:p>
             <a:fld id="{9C0B39D0-18FD-4BF8-9B51-2D9A13D47D97}" type="datetime1">
               <a:rPr kumimoji="1" lang="ja-JP" altLang="en-US" smtClean="0"/>
-              <a:t>2017/6/9</a:t>
+              <a:t>2017/7/18</a:t>
             </a:fld>
             <a:endParaRPr kumimoji="1" lang="ja-JP" altLang="en-US"/>
           </a:p>
@@ -10761,7 +10792,7 @@
           <a:p>
             <a:fld id="{46D67B25-135A-4F7C-802B-8A9AF4CAA55A}" type="datetime1">
               <a:rPr kumimoji="1" lang="ja-JP" altLang="en-US" smtClean="0"/>
-              <a:t>2017/6/9</a:t>
+              <a:t>2017/7/18</a:t>
             </a:fld>
             <a:endParaRPr kumimoji="1" lang="ja-JP" altLang="en-US"/>
           </a:p>
@@ -10973,7 +11004,7 @@
           <a:p>
             <a:fld id="{F8F9CC85-CBF3-46CC-8E7A-91CCF2007CAA}" type="datetime1">
               <a:rPr kumimoji="1" lang="ja-JP" altLang="en-US" smtClean="0"/>
-              <a:t>2017/6/9</a:t>
+              <a:t>2017/7/18</a:t>
             </a:fld>
             <a:endParaRPr kumimoji="1" lang="ja-JP" altLang="en-US"/>
           </a:p>
@@ -11182,7 +11213,7 @@
           <a:p>
             <a:fld id="{DB536326-44F8-4CC9-B7C9-A966E7BC4821}" type="datetime1">
               <a:rPr kumimoji="1" lang="ja-JP" altLang="en-US" smtClean="0"/>
-              <a:t>2017/6/9</a:t>
+              <a:t>2017/7/18</a:t>
             </a:fld>
             <a:endParaRPr kumimoji="1" lang="ja-JP" altLang="en-US"/>
           </a:p>
@@ -11435,7 +11466,7 @@
           <a:p>
             <a:fld id="{DEE45D45-4D3B-4AE8-B94C-24D46FDD0FA8}" type="datetime1">
               <a:rPr kumimoji="1" lang="ja-JP" altLang="en-US" smtClean="0"/>
-              <a:t>2017/6/9</a:t>
+              <a:t>2017/7/18</a:t>
             </a:fld>
             <a:endParaRPr kumimoji="1" lang="ja-JP" altLang="en-US"/>
           </a:p>
@@ -11731,7 +11762,7 @@
           <a:p>
             <a:fld id="{5628562D-B530-4330-89B5-A071868C5D56}" type="datetime1">
               <a:rPr kumimoji="1" lang="ja-JP" altLang="en-US" smtClean="0"/>
-              <a:t>2017/6/9</a:t>
+              <a:t>2017/7/18</a:t>
             </a:fld>
             <a:endParaRPr kumimoji="1" lang="ja-JP" altLang="en-US"/>
           </a:p>
@@ -12162,7 +12193,7 @@
           <a:p>
             <a:fld id="{215BBE84-BF95-4E28-A2B6-84E7DC9344CF}" type="datetime1">
               <a:rPr kumimoji="1" lang="ja-JP" altLang="en-US" smtClean="0"/>
-              <a:t>2017/6/9</a:t>
+              <a:t>2017/7/18</a:t>
             </a:fld>
             <a:endParaRPr kumimoji="1" lang="ja-JP" altLang="en-US"/>
           </a:p>
@@ -12280,7 +12311,7 @@
           <a:p>
             <a:fld id="{CF0EC42D-4212-41CA-AD57-D761F8F9619B}" type="datetime1">
               <a:rPr kumimoji="1" lang="ja-JP" altLang="en-US" smtClean="0"/>
-              <a:t>2017/6/9</a:t>
+              <a:t>2017/7/18</a:t>
             </a:fld>
             <a:endParaRPr kumimoji="1" lang="ja-JP" altLang="en-US"/>
           </a:p>
@@ -12375,7 +12406,7 @@
           <a:p>
             <a:fld id="{81B6B0E4-F041-4D9B-9753-8F7B36245E46}" type="datetime1">
               <a:rPr kumimoji="1" lang="ja-JP" altLang="en-US" smtClean="0"/>
-              <a:t>2017/6/9</a:t>
+              <a:t>2017/7/18</a:t>
             </a:fld>
             <a:endParaRPr kumimoji="1" lang="ja-JP" altLang="en-US"/>
           </a:p>
@@ -12684,7 +12715,7 @@
           <a:p>
             <a:fld id="{77851B31-4D74-4A1D-A4FD-1D74A5813851}" type="datetime1">
               <a:rPr kumimoji="1" lang="ja-JP" altLang="en-US" smtClean="0"/>
-              <a:t>2017/6/9</a:t>
+              <a:t>2017/7/18</a:t>
             </a:fld>
             <a:endParaRPr kumimoji="1" lang="ja-JP" altLang="en-US"/>
           </a:p>
@@ -12937,7 +12968,7 @@
           <a:p>
             <a:fld id="{E9F4EE64-DE29-46B3-B6AD-83733C431120}" type="datetime1">
               <a:rPr kumimoji="1" lang="ja-JP" altLang="en-US" smtClean="0"/>
-              <a:t>2017/6/9</a:t>
+              <a:t>2017/7/18</a:t>
             </a:fld>
             <a:endParaRPr kumimoji="1" lang="ja-JP" altLang="en-US"/>
           </a:p>
@@ -13182,7 +13213,7 @@
           <a:p>
             <a:fld id="{2CC1EA04-FF1D-43C0-9D4B-BCCAA5E2358E}" type="datetime1">
               <a:rPr kumimoji="1" lang="ja-JP" altLang="en-US" smtClean="0"/>
-              <a:t>2017/6/9</a:t>
+              <a:t>2017/7/18</a:t>
             </a:fld>
             <a:endParaRPr kumimoji="1" lang="ja-JP" altLang="en-US"/>
           </a:p>
@@ -13628,7 +13659,11 @@
             </a:r>
             <a:r>
               <a:rPr kumimoji="1" lang="ja-JP" altLang="en-US" b="1" dirty="0" smtClean="0"/>
-              <a:t>　吉田　和暉</a:t>
+              <a:t>　</a:t>
+            </a:r>
+            <a:r>
+              <a:rPr lang="ja-JP" altLang="en-US" b="1" dirty="0" smtClean="0"/>
+              <a:t>竹内　裕治</a:t>
             </a:r>
             <a:endParaRPr kumimoji="1" lang="en-US" altLang="ja-JP" b="1" dirty="0" smtClean="0"/>
           </a:p>
@@ -13644,7 +13679,11 @@
             <a:pPr algn="r"/>
             <a:r>
               <a:rPr kumimoji="1" lang="ja-JP" altLang="en-US" b="1" dirty="0" smtClean="0"/>
-              <a:t>　　竹内　裕治</a:t>
+              <a:t>　　</a:t>
+            </a:r>
+            <a:r>
+              <a:rPr lang="ja-JP" altLang="en-US" b="1" dirty="0" smtClean="0"/>
+              <a:t>吉田　和暉</a:t>
             </a:r>
             <a:endParaRPr kumimoji="1" lang="ja-JP" altLang="en-US" b="1" dirty="0">
               <a:solidFill>
@@ -13875,11 +13914,7 @@
             </a:pPr>
             <a:r>
               <a:rPr lang="ja-JP" altLang="en-US" sz="3900" b="1" dirty="0" smtClean="0"/>
-              <a:t>　　　　　　情報</a:t>
-            </a:r>
-            <a:r>
-              <a:rPr lang="ja-JP" altLang="en-US" sz="3900" b="1" dirty="0" smtClean="0"/>
-              <a:t>発信を行うため</a:t>
+              <a:t>　　　　　　情報発信を行うため</a:t>
             </a:r>
             <a:endParaRPr lang="en-US" altLang="ja-JP" sz="3900" b="1" dirty="0" smtClean="0"/>
           </a:p>
@@ -13904,11 +13939,7 @@
             </a:r>
             <a:r>
               <a:rPr lang="ja-JP" altLang="en-US" sz="3900" b="1" dirty="0" smtClean="0"/>
-              <a:t>度</a:t>
-            </a:r>
-            <a:r>
-              <a:rPr lang="ja-JP" altLang="en-US" sz="3900" b="1" dirty="0" smtClean="0"/>
-              <a:t>を高め、情報提供を狙うため</a:t>
+              <a:t>度を高め、情報提供を狙うため</a:t>
             </a:r>
             <a:endParaRPr lang="en-US" altLang="ja-JP" sz="3900" b="1" dirty="0" smtClean="0"/>
           </a:p>
@@ -19497,7 +19528,7 @@
         </p:spPr>
         <p:txBody>
           <a:bodyPr>
-            <a:normAutofit lnSpcReduction="10000"/>
+            <a:normAutofit fontScale="47500" lnSpcReduction="20000"/>
           </a:bodyPr>
           <a:lstStyle/>
           <a:p>
@@ -19509,7 +19540,11 @@
             </a:pPr>
             <a:r>
               <a:rPr lang="en-US" altLang="ja-JP" sz="3200" b="1" dirty="0" smtClean="0"/>
-              <a:t>1.</a:t>
+              <a:t>1</a:t>
+            </a:r>
+            <a:r>
+              <a:rPr lang="en-US" altLang="ja-JP" sz="3200" b="1" dirty="0" smtClean="0"/>
+              <a:t>.</a:t>
             </a:r>
             <a:r>
               <a:rPr kumimoji="1" lang="ja-JP" altLang="en-US" sz="3200" b="1" dirty="0" smtClean="0"/>
@@ -19524,16 +19559,20 @@
               <a:t>		</a:t>
             </a:r>
             <a:r>
+              <a:rPr lang="ja-JP" altLang="en-US" sz="3200" b="1" dirty="0"/>
+              <a:t>５</a:t>
+            </a:r>
+            <a:r>
+              <a:rPr lang="en-US" altLang="ja-JP" sz="3200" b="1" dirty="0" smtClean="0"/>
+              <a:t>.</a:t>
+            </a:r>
+            <a:r>
+              <a:rPr lang="ja-JP" altLang="en-US" sz="3200" b="1" dirty="0" smtClean="0"/>
+              <a:t>前半の振り返り</a:t>
+            </a:r>
+            <a:r>
               <a:rPr lang="en-US" altLang="ja-JP" sz="3200" b="1" dirty="0"/>
-              <a:t>	5.</a:t>
-            </a:r>
-            <a:r>
-              <a:rPr lang="ja-JP" altLang="en-US" sz="3200" b="1" dirty="0"/>
-              <a:t>進捗</a:t>
-            </a:r>
-            <a:r>
-              <a:rPr lang="ja-JP" altLang="en-US" sz="3200" b="1" dirty="0" smtClean="0"/>
-              <a:t>管理</a:t>
+              <a:t>	</a:t>
             </a:r>
             <a:endParaRPr lang="en-US" altLang="ja-JP" sz="3200" b="1" dirty="0" smtClean="0"/>
           </a:p>
@@ -19545,12 +19584,8 @@
               <a:buNone/>
             </a:pPr>
             <a:r>
-              <a:rPr lang="en-US" altLang="ja-JP" sz="3200" b="1" dirty="0"/>
-              <a:t>2</a:t>
-            </a:r>
-            <a:r>
               <a:rPr lang="en-US" altLang="ja-JP" sz="3200" b="1" dirty="0" smtClean="0"/>
-              <a:t>.</a:t>
+              <a:t>2.</a:t>
             </a:r>
             <a:r>
               <a:rPr lang="ja-JP" altLang="en-US" sz="3200" b="1" dirty="0" smtClean="0"/>
@@ -19558,11 +19593,19 @@
             </a:r>
             <a:r>
               <a:rPr lang="en-US" altLang="ja-JP" sz="3200" b="1" dirty="0" smtClean="0"/>
-              <a:t>		</a:t>
+              <a:t>	</a:t>
+            </a:r>
+            <a:r>
+              <a:rPr lang="ja-JP" altLang="en-US" sz="3200" b="1" dirty="0" smtClean="0"/>
+              <a:t>　　　</a:t>
+            </a:r>
+            <a:r>
+              <a:rPr lang="en-US" altLang="ja-JP" sz="3200" b="1" dirty="0" smtClean="0"/>
+              <a:t>6</a:t>
             </a:r>
             <a:r>
               <a:rPr lang="en-US" altLang="ja-JP" sz="3200" b="1" dirty="0"/>
-              <a:t>	6.</a:t>
+              <a:t>.</a:t>
             </a:r>
             <a:r>
               <a:rPr lang="ja-JP" altLang="en-US" sz="3200" b="1" dirty="0"/>
@@ -19599,15 +19642,19 @@
             </a:r>
             <a:r>
               <a:rPr lang="en-US" altLang="ja-JP" sz="3200" b="1" dirty="0"/>
-              <a:t>	7.</a:t>
-            </a:r>
-            <a:r>
-              <a:rPr lang="ja-JP" altLang="en-US" sz="3200" b="1" dirty="0"/>
-              <a:t>品質</a:t>
+              <a:t>	</a:t>
+            </a:r>
+            <a:r>
+              <a:rPr lang="en-US" altLang="ja-JP" sz="3200" b="1" dirty="0" smtClean="0"/>
+              <a:t>7.</a:t>
+            </a:r>
+            <a:r>
+              <a:rPr lang="en-US" altLang="ja-JP" sz="3200" b="1" dirty="0" smtClean="0"/>
+              <a:t>PM</a:t>
             </a:r>
             <a:r>
               <a:rPr lang="ja-JP" altLang="en-US" sz="3200" b="1" dirty="0" smtClean="0"/>
-              <a:t>管理</a:t>
+              <a:t>評価</a:t>
             </a:r>
             <a:endParaRPr lang="en-US" altLang="ja-JP" sz="3200" b="1" dirty="0" smtClean="0"/>
           </a:p>
@@ -19619,30 +19666,97 @@
               <a:buNone/>
             </a:pPr>
             <a:r>
+              <a:rPr lang="ja-JP" altLang="en-US" sz="3200" b="1" dirty="0" smtClean="0"/>
+              <a:t>　</a:t>
+            </a:r>
+            <a:r>
+              <a:rPr lang="en-US" altLang="ja-JP" sz="3200" b="1" dirty="0" smtClean="0"/>
+              <a:t>8.</a:t>
+            </a:r>
+            <a:r>
+              <a:rPr lang="en-US" altLang="ja-JP" sz="3200" b="1" dirty="0" smtClean="0"/>
+              <a:t>QCD</a:t>
+            </a:r>
+            <a:endParaRPr lang="en-US" altLang="ja-JP" sz="3200" b="1" dirty="0" smtClean="0"/>
+          </a:p>
+          <a:p>
+            <a:pPr marL="0" indent="0">
+              <a:lnSpc>
+                <a:spcPct val="200000"/>
+              </a:lnSpc>
+              <a:buNone/>
+            </a:pPr>
+            <a:r>
+              <a:rPr lang="ja-JP" altLang="en-US" sz="3200" b="1" dirty="0" smtClean="0"/>
+              <a:t>　　　　　　　　　　　　　　　　</a:t>
+            </a:r>
+            <a:r>
               <a:rPr lang="en-US" altLang="ja-JP" sz="3200" b="1" dirty="0"/>
-              <a:t>4</a:t>
+              <a:t>8</a:t>
             </a:r>
             <a:r>
               <a:rPr lang="en-US" altLang="ja-JP" sz="3200" b="1" dirty="0" smtClean="0"/>
               <a:t>.</a:t>
             </a:r>
+          </a:p>
+          <a:p>
+            <a:pPr marL="0" indent="0">
+              <a:lnSpc>
+                <a:spcPct val="200000"/>
+              </a:lnSpc>
+              <a:buNone/>
+            </a:pPr>
+            <a:r>
+              <a:rPr lang="ja-JP" altLang="en-US" sz="3200" b="1" dirty="0"/>
+              <a:t>　</a:t>
+            </a:r>
+            <a:r>
+              <a:rPr lang="ja-JP" altLang="en-US" sz="3200" b="1" dirty="0" smtClean="0"/>
+              <a:t>　　　　　　　　　　　　　　　　　</a:t>
+            </a:r>
+            <a:r>
+              <a:rPr lang="en-US" altLang="ja-JP" sz="3200" b="1" dirty="0"/>
+              <a:t>8</a:t>
+            </a:r>
+            <a:r>
+              <a:rPr lang="en-US" altLang="ja-JP" sz="3200" b="1" dirty="0" smtClean="0"/>
+              <a:t>.</a:t>
+            </a:r>
+            <a:endParaRPr lang="en-US" altLang="ja-JP" sz="3200" b="1" dirty="0"/>
+          </a:p>
+          <a:p>
+            <a:pPr marL="0" indent="0">
+              <a:lnSpc>
+                <a:spcPct val="200000"/>
+              </a:lnSpc>
+              <a:buNone/>
+            </a:pPr>
+            <a:endParaRPr lang="en-US" altLang="ja-JP" sz="3200" b="1" dirty="0" smtClean="0"/>
+          </a:p>
+          <a:p>
+            <a:pPr marL="0" indent="0">
+              <a:lnSpc>
+                <a:spcPct val="200000"/>
+              </a:lnSpc>
+              <a:buNone/>
+            </a:pPr>
+            <a:r>
+              <a:rPr lang="en-US" altLang="ja-JP" sz="3200" b="1" dirty="0" smtClean="0"/>
+              <a:t>4.</a:t>
+            </a:r>
             <a:r>
               <a:rPr lang="ja-JP" altLang="en-US" sz="3200" b="1" dirty="0" smtClean="0"/>
               <a:t>選択したチーム課題</a:t>
             </a:r>
             <a:r>
               <a:rPr lang="en-US" altLang="ja-JP" sz="3200" b="1" dirty="0" smtClean="0"/>
-              <a:t>	</a:t>
-            </a:r>
-            <a:r>
-              <a:rPr lang="en-US" altLang="ja-JP" sz="3200" b="1" dirty="0"/>
-              <a:t>	8.</a:t>
-            </a:r>
-            <a:r>
-              <a:rPr lang="ja-JP" altLang="en-US" sz="3200" b="1" dirty="0"/>
+              <a:t>		8.</a:t>
+            </a:r>
+            <a:r>
+              <a:rPr lang="ja-JP" altLang="en-US" sz="3200" b="1" dirty="0" smtClean="0"/>
               <a:t>後半の流れ</a:t>
             </a:r>
-            <a:endParaRPr lang="en-US" altLang="ja-JP" sz="3200" b="1" dirty="0"/>
+            <a:endParaRPr lang="en-US" altLang="ja-JP" sz="3200" b="1" dirty="0" smtClean="0"/>
           </a:p>
           <a:p>
             <a:pPr marL="0" indent="0">
@@ -19690,11 +19804,11 @@
   <p:clrMapOvr>
     <a:masterClrMapping/>
   </p:clrMapOvr>
-  <mc:AlternateContent xmlns:mc="http://schemas.openxmlformats.org/markup-compatibility/2006">
-    <mc:Choice xmlns:p14="http://schemas.microsoft.com/office/powerpoint/2010/main" Requires="p14">
+  <mc:AlternateContent xmlns:mc="http://schemas.openxmlformats.org/markup-compatibility/2006" xmlns:p14="http://schemas.microsoft.com/office/powerpoint/2010/main">
+    <mc:Choice Requires="p14">
       <p:transition p14:dur="10"/>
     </mc:Choice>
-    <mc:Fallback>
+    <mc:Fallback xmlns="">
       <p:transition/>
     </mc:Fallback>
   </mc:AlternateContent>
@@ -22388,15 +22502,7 @@
                   <a:srgbClr val="FF0000"/>
                 </a:solidFill>
               </a:rPr>
-              <a:t>手間を</a:t>
-            </a:r>
-            <a:r>
-              <a:rPr lang="ja-JP" altLang="en-US" sz="7300" b="1" dirty="0" smtClean="0">
-                <a:solidFill>
-                  <a:srgbClr val="FF0000"/>
-                </a:solidFill>
-              </a:rPr>
-              <a:t>省き</a:t>
+              <a:t>手間を省き</a:t>
             </a:r>
             <a:r>
               <a:rPr lang="ja-JP" altLang="en-US" sz="7300" b="1" dirty="0" smtClean="0"/>
@@ -22413,11 +22519,7 @@
             </a:pPr>
             <a:r>
               <a:rPr lang="ja-JP" altLang="en-US" sz="7300" b="1" dirty="0" smtClean="0"/>
-              <a:t>新た</a:t>
-            </a:r>
-            <a:r>
-              <a:rPr lang="ja-JP" altLang="en-US" sz="7300" b="1" dirty="0" smtClean="0"/>
-              <a:t>な</a:t>
+              <a:t>新たな</a:t>
             </a:r>
             <a:r>
               <a:rPr lang="ja-JP" altLang="en-US" sz="7300" b="1" dirty="0" smtClean="0">
